--- a/Introduction to the TReNDs Cluster.pptx
+++ b/Introduction to the TReNDs Cluster.pptx
@@ -20302,7 +20302,7 @@
             <a:tbl>
               <a:tblPr>
                 <a:noFill/>
-                <a:tableStyleId>{9BC9D787-C837-45D7-AAE5-863153BE4992}</a:tableStyleId>
+                <a:tableStyleId>{093FBD6A-8F04-477E-8515-FA5FA0F3564B}</a:tableStyleId>
               </a:tblPr>
               <a:tblGrid>
                 <a:gridCol w="1150150"/>
@@ -24971,13 +24971,13 @@
         </p:spPr>
         <p:txBody>
           <a:bodyPr anchorCtr="0" anchor="t" bIns="91425" lIns="91425" spcFirstLastPara="1" rIns="91425" wrap="square" tIns="91425">
-            <a:normAutofit fontScale="70000" lnSpcReduction="20000"/>
+            <a:normAutofit lnSpcReduction="20000"/>
           </a:bodyPr>
           <a:lstStyle/>
           <a:p>
             <a:pPr indent="0" lvl="0" marL="0" rtl="0" algn="l">
               <a:lnSpc>
-                <a:spcPct val="100000"/>
+                <a:spcPct val="135714"/>
               </a:lnSpc>
               <a:spcBef>
                 <a:spcPts val="0"/>
@@ -24988,348 +24988,1108 @@
               <a:buNone/>
             </a:pPr>
             <a:r>
-              <a:rPr lang="en">
-                <a:solidFill>
-                  <a:schemeClr val="accent5"/>
-                </a:solidFill>
+              <a:rPr lang="en" sz="1050">
+                <a:solidFill>
+                  <a:srgbClr val="6A9955"/>
+                </a:solidFill>
+                <a:highlight>
+                  <a:srgbClr val="1F1F1F"/>
+                </a:highlight>
+                <a:latin typeface="Consolas"/>
+                <a:ea typeface="Consolas"/>
+                <a:cs typeface="Consolas"/>
+                <a:sym typeface="Consolas"/>
               </a:rPr>
               <a:t>#!/bin/bash</a:t>
             </a:r>
-            <a:br>
-              <a:rPr lang="en">
-                <a:solidFill>
-                  <a:schemeClr val="accent5"/>
-                </a:solidFill>
-              </a:rPr>
-            </a:br>
-            <a:r>
-              <a:rPr lang="en">
-                <a:solidFill>
-                  <a:schemeClr val="accent5"/>
-                </a:solidFill>
+            <a:endParaRPr sz="1050">
+              <a:solidFill>
+                <a:srgbClr val="6A9955"/>
+              </a:solidFill>
+              <a:highlight>
+                <a:srgbClr val="1F1F1F"/>
+              </a:highlight>
+              <a:latin typeface="Consolas"/>
+              <a:ea typeface="Consolas"/>
+              <a:cs typeface="Consolas"/>
+              <a:sym typeface="Consolas"/>
+            </a:endParaRPr>
+          </a:p>
+          <a:p>
+            <a:pPr indent="0" lvl="0" marL="0" rtl="0" algn="l">
+              <a:lnSpc>
+                <a:spcPct val="135714"/>
+              </a:lnSpc>
+              <a:spcBef>
+                <a:spcPts val="0"/>
+              </a:spcBef>
+              <a:spcAft>
+                <a:spcPts val="0"/>
+              </a:spcAft>
+              <a:buNone/>
+            </a:pPr>
+            <a:r>
+              <a:rPr lang="en" sz="1050">
+                <a:solidFill>
+                  <a:srgbClr val="6A9955"/>
+                </a:solidFill>
+                <a:highlight>
+                  <a:srgbClr val="1F1F1F"/>
+                </a:highlight>
+                <a:latin typeface="Consolas"/>
+                <a:ea typeface="Consolas"/>
+                <a:cs typeface="Consolas"/>
+                <a:sym typeface="Consolas"/>
               </a:rPr>
               <a:t>#SBATCH -N 1</a:t>
             </a:r>
-            <a:br>
-              <a:rPr lang="en">
-                <a:solidFill>
-                  <a:schemeClr val="accent5"/>
-                </a:solidFill>
-              </a:rPr>
-            </a:br>
-            <a:r>
-              <a:rPr lang="en">
-                <a:solidFill>
-                  <a:schemeClr val="accent5"/>
-                </a:solidFill>
+            <a:endParaRPr sz="1050">
+              <a:solidFill>
+                <a:srgbClr val="6A9955"/>
+              </a:solidFill>
+              <a:highlight>
+                <a:srgbClr val="1F1F1F"/>
+              </a:highlight>
+              <a:latin typeface="Consolas"/>
+              <a:ea typeface="Consolas"/>
+              <a:cs typeface="Consolas"/>
+              <a:sym typeface="Consolas"/>
+            </a:endParaRPr>
+          </a:p>
+          <a:p>
+            <a:pPr indent="0" lvl="0" marL="0" rtl="0" algn="l">
+              <a:lnSpc>
+                <a:spcPct val="135714"/>
+              </a:lnSpc>
+              <a:spcBef>
+                <a:spcPts val="0"/>
+              </a:spcBef>
+              <a:spcAft>
+                <a:spcPts val="0"/>
+              </a:spcAft>
+              <a:buNone/>
+            </a:pPr>
+            <a:r>
+              <a:rPr lang="en" sz="1050">
+                <a:solidFill>
+                  <a:srgbClr val="6A9955"/>
+                </a:solidFill>
+                <a:highlight>
+                  <a:srgbClr val="1F1F1F"/>
+                </a:highlight>
+                <a:latin typeface="Consolas"/>
+                <a:ea typeface="Consolas"/>
+                <a:cs typeface="Consolas"/>
+                <a:sym typeface="Consolas"/>
               </a:rPr>
               <a:t>#SBATCH -n 1</a:t>
             </a:r>
-            <a:br>
-              <a:rPr lang="en">
-                <a:solidFill>
-                  <a:schemeClr val="accent5"/>
-                </a:solidFill>
-              </a:rPr>
-            </a:br>
-            <a:r>
-              <a:rPr lang="en">
-                <a:solidFill>
-                  <a:schemeClr val="accent5"/>
-                </a:solidFill>
+            <a:endParaRPr sz="1050">
+              <a:solidFill>
+                <a:srgbClr val="6A9955"/>
+              </a:solidFill>
+              <a:highlight>
+                <a:srgbClr val="1F1F1F"/>
+              </a:highlight>
+              <a:latin typeface="Consolas"/>
+              <a:ea typeface="Consolas"/>
+              <a:cs typeface="Consolas"/>
+              <a:sym typeface="Consolas"/>
+            </a:endParaRPr>
+          </a:p>
+          <a:p>
+            <a:pPr indent="0" lvl="0" marL="0" rtl="0" algn="l">
+              <a:lnSpc>
+                <a:spcPct val="135714"/>
+              </a:lnSpc>
+              <a:spcBef>
+                <a:spcPts val="0"/>
+              </a:spcBef>
+              <a:spcAft>
+                <a:spcPts val="0"/>
+              </a:spcAft>
+              <a:buNone/>
+            </a:pPr>
+            <a:r>
+              <a:rPr lang="en" sz="1050">
+                <a:solidFill>
+                  <a:srgbClr val="6A9955"/>
+                </a:solidFill>
+                <a:highlight>
+                  <a:srgbClr val="1F1F1F"/>
+                </a:highlight>
+                <a:latin typeface="Consolas"/>
+                <a:ea typeface="Consolas"/>
+                <a:cs typeface="Consolas"/>
+                <a:sym typeface="Consolas"/>
               </a:rPr>
               <a:t>#SBATCH -c 1</a:t>
             </a:r>
-            <a:br>
-              <a:rPr lang="en">
-                <a:solidFill>
-                  <a:schemeClr val="accent5"/>
-                </a:solidFill>
-              </a:rPr>
-            </a:br>
-            <a:r>
-              <a:rPr lang="en">
-                <a:solidFill>
-                  <a:schemeClr val="accent5"/>
-                </a:solidFill>
-              </a:rPr>
-              <a:t>#SBATCH </a:t>
-            </a:r>
-            <a:r>
-              <a:rPr lang="en">
-                <a:solidFill>
-                  <a:schemeClr val="accent5"/>
-                </a:solidFill>
-              </a:rPr>
-              <a:t>--mem=10G</a:t>
-            </a:r>
-            <a:br>
-              <a:rPr lang="en">
-                <a:solidFill>
-                  <a:schemeClr val="accent5"/>
-                </a:solidFill>
-              </a:rPr>
-            </a:br>
-            <a:r>
-              <a:rPr lang="en">
-                <a:solidFill>
-                  <a:schemeClr val="accent5"/>
-                </a:solidFill>
+            <a:endParaRPr sz="1050">
+              <a:solidFill>
+                <a:srgbClr val="6A9955"/>
+              </a:solidFill>
+              <a:highlight>
+                <a:srgbClr val="1F1F1F"/>
+              </a:highlight>
+              <a:latin typeface="Consolas"/>
+              <a:ea typeface="Consolas"/>
+              <a:cs typeface="Consolas"/>
+              <a:sym typeface="Consolas"/>
+            </a:endParaRPr>
+          </a:p>
+          <a:p>
+            <a:pPr indent="0" lvl="0" marL="0" rtl="0" algn="l">
+              <a:lnSpc>
+                <a:spcPct val="135714"/>
+              </a:lnSpc>
+              <a:spcBef>
+                <a:spcPts val="0"/>
+              </a:spcBef>
+              <a:spcAft>
+                <a:spcPts val="0"/>
+              </a:spcAft>
+              <a:buNone/>
+            </a:pPr>
+            <a:r>
+              <a:rPr lang="en" sz="1050">
+                <a:solidFill>
+                  <a:srgbClr val="6A9955"/>
+                </a:solidFill>
+                <a:highlight>
+                  <a:srgbClr val="1F1F1F"/>
+                </a:highlight>
+                <a:latin typeface="Consolas"/>
+                <a:ea typeface="Consolas"/>
+                <a:cs typeface="Consolas"/>
+                <a:sym typeface="Consolas"/>
+              </a:rPr>
+              <a:t>#SBATCH --mem=10G</a:t>
+            </a:r>
+            <a:endParaRPr sz="1050">
+              <a:solidFill>
+                <a:srgbClr val="6A9955"/>
+              </a:solidFill>
+              <a:highlight>
+                <a:srgbClr val="1F1F1F"/>
+              </a:highlight>
+              <a:latin typeface="Consolas"/>
+              <a:ea typeface="Consolas"/>
+              <a:cs typeface="Consolas"/>
+              <a:sym typeface="Consolas"/>
+            </a:endParaRPr>
+          </a:p>
+          <a:p>
+            <a:pPr indent="0" lvl="0" marL="0" rtl="0" algn="l">
+              <a:lnSpc>
+                <a:spcPct val="135714"/>
+              </a:lnSpc>
+              <a:spcBef>
+                <a:spcPts val="0"/>
+              </a:spcBef>
+              <a:spcAft>
+                <a:spcPts val="0"/>
+              </a:spcAft>
+              <a:buNone/>
+            </a:pPr>
+            <a:r>
+              <a:rPr lang="en" sz="1050">
+                <a:solidFill>
+                  <a:srgbClr val="6A9955"/>
+                </a:solidFill>
+                <a:highlight>
+                  <a:srgbClr val="1F1F1F"/>
+                </a:highlight>
+                <a:latin typeface="Consolas"/>
+                <a:ea typeface="Consolas"/>
+                <a:cs typeface="Consolas"/>
+                <a:sym typeface="Consolas"/>
               </a:rPr>
               <a:t>#SBATCH -t 1:00:00</a:t>
             </a:r>
-            <a:br>
-              <a:rPr lang="en">
-                <a:solidFill>
-                  <a:schemeClr val="accent5"/>
-                </a:solidFill>
-              </a:rPr>
-            </a:br>
-            <a:r>
-              <a:rPr lang="en">
-                <a:solidFill>
-                  <a:schemeClr val="accent5"/>
-                </a:solidFill>
-              </a:rPr>
-              <a:t>#SBATCH -e error%A.err </a:t>
-            </a:r>
-            <a:br>
-              <a:rPr lang="en">
-                <a:solidFill>
-                  <a:schemeClr val="accent5"/>
-                </a:solidFill>
-              </a:rPr>
-            </a:br>
-            <a:r>
-              <a:rPr lang="en">
-                <a:solidFill>
-                  <a:schemeClr val="accent5"/>
-                </a:solidFill>
+            <a:endParaRPr sz="1050">
+              <a:solidFill>
+                <a:srgbClr val="6A9955"/>
+              </a:solidFill>
+              <a:highlight>
+                <a:srgbClr val="1F1F1F"/>
+              </a:highlight>
+              <a:latin typeface="Consolas"/>
+              <a:ea typeface="Consolas"/>
+              <a:cs typeface="Consolas"/>
+              <a:sym typeface="Consolas"/>
+            </a:endParaRPr>
+          </a:p>
+          <a:p>
+            <a:pPr indent="0" lvl="0" marL="0" rtl="0" algn="l">
+              <a:lnSpc>
+                <a:spcPct val="135714"/>
+              </a:lnSpc>
+              <a:spcBef>
+                <a:spcPts val="0"/>
+              </a:spcBef>
+              <a:spcAft>
+                <a:spcPts val="0"/>
+              </a:spcAft>
+              <a:buNone/>
+            </a:pPr>
+            <a:r>
+              <a:rPr lang="en" sz="1050">
+                <a:solidFill>
+                  <a:srgbClr val="6A9955"/>
+                </a:solidFill>
+                <a:highlight>
+                  <a:srgbClr val="1F1F1F"/>
+                </a:highlight>
+                <a:latin typeface="Consolas"/>
+                <a:ea typeface="Consolas"/>
+                <a:cs typeface="Consolas"/>
+                <a:sym typeface="Consolas"/>
+              </a:rPr>
+              <a:t>#SBATCH -e error%A.err</a:t>
+            </a:r>
+            <a:endParaRPr sz="1050">
+              <a:solidFill>
+                <a:srgbClr val="6A9955"/>
+              </a:solidFill>
+              <a:highlight>
+                <a:srgbClr val="1F1F1F"/>
+              </a:highlight>
+              <a:latin typeface="Consolas"/>
+              <a:ea typeface="Consolas"/>
+              <a:cs typeface="Consolas"/>
+              <a:sym typeface="Consolas"/>
+            </a:endParaRPr>
+          </a:p>
+          <a:p>
+            <a:pPr indent="0" lvl="0" marL="0" rtl="0" algn="l">
+              <a:lnSpc>
+                <a:spcPct val="135714"/>
+              </a:lnSpc>
+              <a:spcBef>
+                <a:spcPts val="0"/>
+              </a:spcBef>
+              <a:spcAft>
+                <a:spcPts val="0"/>
+              </a:spcAft>
+              <a:buNone/>
+            </a:pPr>
+            <a:r>
+              <a:rPr lang="en" sz="1050">
+                <a:solidFill>
+                  <a:srgbClr val="6A9955"/>
+                </a:solidFill>
+                <a:highlight>
+                  <a:srgbClr val="1F1F1F"/>
+                </a:highlight>
+                <a:latin typeface="Consolas"/>
+                <a:ea typeface="Consolas"/>
+                <a:cs typeface="Consolas"/>
+                <a:sym typeface="Consolas"/>
               </a:rPr>
               <a:t>#SBATCH -o out%A.out</a:t>
             </a:r>
-            <a:br>
-              <a:rPr lang="en">
-                <a:solidFill>
-                  <a:schemeClr val="accent5"/>
-                </a:solidFill>
-              </a:rPr>
-            </a:br>
-            <a:r>
-              <a:rPr lang="en">
-                <a:solidFill>
-                  <a:schemeClr val="accent5"/>
-                </a:solidFill>
+            <a:endParaRPr sz="1050">
+              <a:solidFill>
+                <a:srgbClr val="6A9955"/>
+              </a:solidFill>
+              <a:highlight>
+                <a:srgbClr val="1F1F1F"/>
+              </a:highlight>
+              <a:latin typeface="Consolas"/>
+              <a:ea typeface="Consolas"/>
+              <a:cs typeface="Consolas"/>
+              <a:sym typeface="Consolas"/>
+            </a:endParaRPr>
+          </a:p>
+          <a:p>
+            <a:pPr indent="0" lvl="0" marL="0" rtl="0" algn="l">
+              <a:lnSpc>
+                <a:spcPct val="135714"/>
+              </a:lnSpc>
+              <a:spcBef>
+                <a:spcPts val="0"/>
+              </a:spcBef>
+              <a:spcAft>
+                <a:spcPts val="0"/>
+              </a:spcAft>
+              <a:buNone/>
+            </a:pPr>
+            <a:r>
+              <a:rPr lang="en" sz="1050">
+                <a:solidFill>
+                  <a:srgbClr val="6A9955"/>
+                </a:solidFill>
+                <a:highlight>
+                  <a:srgbClr val="1F1F1F"/>
+                </a:highlight>
+                <a:latin typeface="Consolas"/>
+                <a:ea typeface="Consolas"/>
+                <a:cs typeface="Consolas"/>
+                <a:sym typeface="Consolas"/>
               </a:rPr>
               <a:t>#SBATCH -A trends53c17</a:t>
             </a:r>
-            <a:br>
-              <a:rPr lang="en">
-                <a:solidFill>
-                  <a:schemeClr val="accent5"/>
-                </a:solidFill>
-              </a:rPr>
-            </a:br>
-            <a:r>
-              <a:rPr lang="en">
-                <a:solidFill>
-                  <a:schemeClr val="accent5"/>
-                </a:solidFill>
+            <a:endParaRPr sz="1050">
+              <a:solidFill>
+                <a:srgbClr val="6A9955"/>
+              </a:solidFill>
+              <a:highlight>
+                <a:srgbClr val="1F1F1F"/>
+              </a:highlight>
+              <a:latin typeface="Consolas"/>
+              <a:ea typeface="Consolas"/>
+              <a:cs typeface="Consolas"/>
+              <a:sym typeface="Consolas"/>
+            </a:endParaRPr>
+          </a:p>
+          <a:p>
+            <a:pPr indent="0" lvl="0" marL="0" rtl="0" algn="l">
+              <a:lnSpc>
+                <a:spcPct val="135714"/>
+              </a:lnSpc>
+              <a:spcBef>
+                <a:spcPts val="0"/>
+              </a:spcBef>
+              <a:spcAft>
+                <a:spcPts val="0"/>
+              </a:spcAft>
+              <a:buNone/>
+            </a:pPr>
+            <a:r>
+              <a:rPr lang="en" sz="1050">
+                <a:solidFill>
+                  <a:srgbClr val="6A9955"/>
+                </a:solidFill>
+                <a:highlight>
+                  <a:srgbClr val="1F1F1F"/>
+                </a:highlight>
+                <a:latin typeface="Consolas"/>
+                <a:ea typeface="Consolas"/>
+                <a:cs typeface="Consolas"/>
+                <a:sym typeface="Consolas"/>
               </a:rPr>
               <a:t>#SBATCH --mail-type=ALL</a:t>
             </a:r>
-            <a:br>
-              <a:rPr lang="en">
-                <a:solidFill>
-                  <a:schemeClr val="accent5"/>
-                </a:solidFill>
-              </a:rPr>
-            </a:br>
-            <a:r>
-              <a:rPr lang="en">
-                <a:solidFill>
-                  <a:schemeClr val="accent5"/>
-                </a:solidFill>
+            <a:endParaRPr sz="1050">
+              <a:solidFill>
+                <a:srgbClr val="6A9955"/>
+              </a:solidFill>
+              <a:highlight>
+                <a:srgbClr val="1F1F1F"/>
+              </a:highlight>
+              <a:latin typeface="Consolas"/>
+              <a:ea typeface="Consolas"/>
+              <a:cs typeface="Consolas"/>
+              <a:sym typeface="Consolas"/>
+            </a:endParaRPr>
+          </a:p>
+          <a:p>
+            <a:pPr indent="0" lvl="0" marL="0" rtl="0" algn="l">
+              <a:lnSpc>
+                <a:spcPct val="135714"/>
+              </a:lnSpc>
+              <a:spcBef>
+                <a:spcPts val="0"/>
+              </a:spcBef>
+              <a:spcAft>
+                <a:spcPts val="0"/>
+              </a:spcAft>
+              <a:buNone/>
+            </a:pPr>
+            <a:r>
+              <a:rPr lang="en" sz="1050">
+                <a:solidFill>
+                  <a:srgbClr val="6A9955"/>
+                </a:solidFill>
+                <a:highlight>
+                  <a:srgbClr val="1F1F1F"/>
+                </a:highlight>
+                <a:latin typeface="Consolas"/>
+                <a:ea typeface="Consolas"/>
+                <a:cs typeface="Consolas"/>
+                <a:sym typeface="Consolas"/>
               </a:rPr>
               <a:t>#SBATCH --mail-user=&lt;your email&gt;</a:t>
             </a:r>
-            <a:br>
-              <a:rPr lang="en">
-                <a:solidFill>
-                  <a:schemeClr val="accent5"/>
-                </a:solidFill>
-              </a:rPr>
-            </a:br>
-            <a:r>
-              <a:rPr lang="en">
-                <a:solidFill>
-                  <a:schemeClr val="accent5"/>
-                </a:solidFill>
+            <a:endParaRPr sz="1050">
+              <a:solidFill>
+                <a:srgbClr val="6A9955"/>
+              </a:solidFill>
+              <a:highlight>
+                <a:srgbClr val="1F1F1F"/>
+              </a:highlight>
+              <a:latin typeface="Consolas"/>
+              <a:ea typeface="Consolas"/>
+              <a:cs typeface="Consolas"/>
+              <a:sym typeface="Consolas"/>
+            </a:endParaRPr>
+          </a:p>
+          <a:p>
+            <a:pPr indent="0" lvl="0" marL="0" rtl="0" algn="l">
+              <a:lnSpc>
+                <a:spcPct val="135714"/>
+              </a:lnSpc>
+              <a:spcBef>
+                <a:spcPts val="0"/>
+              </a:spcBef>
+              <a:spcAft>
+                <a:spcPts val="0"/>
+              </a:spcAft>
+              <a:buNone/>
+            </a:pPr>
+            <a:r>
+              <a:rPr lang="en" sz="1050">
+                <a:solidFill>
+                  <a:srgbClr val="6A9955"/>
+                </a:solidFill>
+                <a:highlight>
+                  <a:srgbClr val="1F1F1F"/>
+                </a:highlight>
+                <a:latin typeface="Consolas"/>
+                <a:ea typeface="Consolas"/>
+                <a:cs typeface="Consolas"/>
+                <a:sym typeface="Consolas"/>
               </a:rPr>
               <a:t>#SBATCH --oversubscribe</a:t>
             </a:r>
-            <a:endParaRPr>
+            <a:endParaRPr sz="1050">
               <a:solidFill>
-                <a:schemeClr val="accent5"/>
+                <a:srgbClr val="6A9955"/>
               </a:solidFill>
+              <a:highlight>
+                <a:srgbClr val="1F1F1F"/>
+              </a:highlight>
+              <a:latin typeface="Consolas"/>
+              <a:ea typeface="Consolas"/>
+              <a:cs typeface="Consolas"/>
+              <a:sym typeface="Consolas"/>
             </a:endParaRPr>
           </a:p>
           <a:p>
             <a:pPr indent="0" lvl="0" marL="0" rtl="0" algn="l">
               <a:lnSpc>
-                <a:spcPct val="100000"/>
+                <a:spcPct val="135714"/>
               </a:lnSpc>
               <a:spcBef>
-                <a:spcPts val="1200"/>
-              </a:spcBef>
-              <a:spcAft>
-                <a:spcPts val="0"/>
-              </a:spcAft>
-              <a:buNone/>
-            </a:pPr>
-            <a:r>
-              <a:rPr lang="en">
-                <a:solidFill>
-                  <a:schemeClr val="accent5"/>
-                </a:solidFill>
+                <a:spcPts val="0"/>
+              </a:spcBef>
+              <a:spcAft>
+                <a:spcPts val="0"/>
+              </a:spcAft>
+              <a:buNone/>
+            </a:pPr>
+            <a:r>
+              <a:rPr lang="en" sz="1050">
+                <a:solidFill>
+                  <a:srgbClr val="6A9955"/>
+                </a:solidFill>
+                <a:highlight>
+                  <a:srgbClr val="1F1F1F"/>
+                </a:highlight>
+                <a:latin typeface="Consolas"/>
+                <a:ea typeface="Consolas"/>
+                <a:cs typeface="Consolas"/>
+                <a:sym typeface="Consolas"/>
               </a:rPr>
               <a:t># a small delay at the start often helps</a:t>
             </a:r>
-            <a:br>
-              <a:rPr lang="en">
-                <a:solidFill>
-                  <a:schemeClr val="accent5"/>
-                </a:solidFill>
-              </a:rPr>
-            </a:br>
-            <a:r>
-              <a:rPr lang="en">
-                <a:solidFill>
-                  <a:schemeClr val="accent5"/>
-                </a:solidFill>
-              </a:rPr>
-              <a:t>sleep 10s </a:t>
-            </a:r>
-            <a:br>
-              <a:rPr lang="en">
-                <a:solidFill>
-                  <a:schemeClr val="accent5"/>
-                </a:solidFill>
-              </a:rPr>
-            </a:br>
-            <a:br>
-              <a:rPr lang="en">
-                <a:solidFill>
-                  <a:schemeClr val="accent5"/>
-                </a:solidFill>
-              </a:rPr>
-            </a:br>
-            <a:r>
-              <a:rPr lang="en">
-                <a:solidFill>
-                  <a:schemeClr val="accent5"/>
-                </a:solidFill>
+            <a:endParaRPr sz="1050">
+              <a:solidFill>
+                <a:srgbClr val="6A9955"/>
+              </a:solidFill>
+              <a:highlight>
+                <a:srgbClr val="1F1F1F"/>
+              </a:highlight>
+              <a:latin typeface="Consolas"/>
+              <a:ea typeface="Consolas"/>
+              <a:cs typeface="Consolas"/>
+              <a:sym typeface="Consolas"/>
+            </a:endParaRPr>
+          </a:p>
+          <a:p>
+            <a:pPr indent="0" lvl="0" marL="0" rtl="0" algn="l">
+              <a:lnSpc>
+                <a:spcPct val="135714"/>
+              </a:lnSpc>
+              <a:spcBef>
+                <a:spcPts val="0"/>
+              </a:spcBef>
+              <a:spcAft>
+                <a:spcPts val="0"/>
+              </a:spcAft>
+              <a:buNone/>
+            </a:pPr>
+            <a:r>
+              <a:rPr lang="en" sz="1050">
+                <a:solidFill>
+                  <a:srgbClr val="DCDCAA"/>
+                </a:solidFill>
+                <a:highlight>
+                  <a:srgbClr val="1F1F1F"/>
+                </a:highlight>
+                <a:latin typeface="Consolas"/>
+                <a:ea typeface="Consolas"/>
+                <a:cs typeface="Consolas"/>
+                <a:sym typeface="Consolas"/>
+              </a:rPr>
+              <a:t>sleep</a:t>
+            </a:r>
+            <a:r>
+              <a:rPr lang="en" sz="1050">
+                <a:solidFill>
+                  <a:srgbClr val="CCCCCC"/>
+                </a:solidFill>
+                <a:highlight>
+                  <a:srgbClr val="1F1F1F"/>
+                </a:highlight>
+                <a:latin typeface="Consolas"/>
+                <a:ea typeface="Consolas"/>
+                <a:cs typeface="Consolas"/>
+                <a:sym typeface="Consolas"/>
+              </a:rPr>
+              <a:t> </a:t>
+            </a:r>
+            <a:r>
+              <a:rPr lang="en" sz="1050">
+                <a:solidFill>
+                  <a:srgbClr val="B5CEA8"/>
+                </a:solidFill>
+                <a:highlight>
+                  <a:srgbClr val="1F1F1F"/>
+                </a:highlight>
+                <a:latin typeface="Consolas"/>
+                <a:ea typeface="Consolas"/>
+                <a:cs typeface="Consolas"/>
+                <a:sym typeface="Consolas"/>
+              </a:rPr>
+              <a:t>10</a:t>
+            </a:r>
+            <a:r>
+              <a:rPr lang="en" sz="1050">
+                <a:solidFill>
+                  <a:srgbClr val="CE9178"/>
+                </a:solidFill>
+                <a:highlight>
+                  <a:srgbClr val="1F1F1F"/>
+                </a:highlight>
+                <a:latin typeface="Consolas"/>
+                <a:ea typeface="Consolas"/>
+                <a:cs typeface="Consolas"/>
+                <a:sym typeface="Consolas"/>
+              </a:rPr>
+              <a:t>s</a:t>
+            </a:r>
+            <a:endParaRPr sz="1050">
+              <a:solidFill>
+                <a:srgbClr val="CE9178"/>
+              </a:solidFill>
+              <a:highlight>
+                <a:srgbClr val="1F1F1F"/>
+              </a:highlight>
+              <a:latin typeface="Consolas"/>
+              <a:ea typeface="Consolas"/>
+              <a:cs typeface="Consolas"/>
+              <a:sym typeface="Consolas"/>
+            </a:endParaRPr>
+          </a:p>
+          <a:p>
+            <a:pPr indent="0" lvl="0" marL="0" rtl="0" algn="l">
+              <a:lnSpc>
+                <a:spcPct val="135714"/>
+              </a:lnSpc>
+              <a:spcBef>
+                <a:spcPts val="0"/>
+              </a:spcBef>
+              <a:spcAft>
+                <a:spcPts val="0"/>
+              </a:spcAft>
+              <a:buNone/>
+            </a:pPr>
+            <a:r>
+              <a:t/>
+            </a:r>
+            <a:endParaRPr sz="1050">
+              <a:solidFill>
+                <a:srgbClr val="CCCCCC"/>
+              </a:solidFill>
+              <a:highlight>
+                <a:srgbClr val="1F1F1F"/>
+              </a:highlight>
+              <a:latin typeface="Consolas"/>
+              <a:ea typeface="Consolas"/>
+              <a:cs typeface="Consolas"/>
+              <a:sym typeface="Consolas"/>
+            </a:endParaRPr>
+          </a:p>
+          <a:p>
+            <a:pPr indent="0" lvl="0" marL="0" rtl="0" algn="l">
+              <a:lnSpc>
+                <a:spcPct val="135714"/>
+              </a:lnSpc>
+              <a:spcBef>
+                <a:spcPts val="0"/>
+              </a:spcBef>
+              <a:spcAft>
+                <a:spcPts val="0"/>
+              </a:spcAft>
+              <a:buNone/>
+            </a:pPr>
+            <a:r>
+              <a:rPr lang="en" sz="1050">
+                <a:solidFill>
+                  <a:srgbClr val="6A9955"/>
+                </a:solidFill>
+                <a:highlight>
+                  <a:srgbClr val="1F1F1F"/>
+                </a:highlight>
+                <a:latin typeface="Consolas"/>
+                <a:ea typeface="Consolas"/>
+                <a:cs typeface="Consolas"/>
+                <a:sym typeface="Consolas"/>
               </a:rPr>
               <a:t># print some message to the log</a:t>
             </a:r>
-            <a:br>
-              <a:rPr lang="en">
-                <a:solidFill>
-                  <a:schemeClr val="accent5"/>
-                </a:solidFill>
-              </a:rPr>
-            </a:br>
-            <a:r>
-              <a:rPr lang="en">
-                <a:solidFill>
-                  <a:schemeClr val="accent5"/>
-                </a:solidFill>
-              </a:rPr>
-              <a:t>echo “hello sbatch world!”</a:t>
-            </a:r>
-            <a:br>
-              <a:rPr lang="en">
-                <a:solidFill>
-                  <a:schemeClr val="accent5"/>
-                </a:solidFill>
-              </a:rPr>
-            </a:br>
-            <a:br>
-              <a:rPr lang="en">
-                <a:solidFill>
-                  <a:schemeClr val="accent5"/>
-                </a:solidFill>
-              </a:rPr>
-            </a:br>
-            <a:r>
-              <a:rPr lang="en">
-                <a:solidFill>
-                  <a:schemeClr val="accent5"/>
-                </a:solidFill>
+            <a:endParaRPr sz="1050">
+              <a:solidFill>
+                <a:srgbClr val="6A9955"/>
+              </a:solidFill>
+              <a:highlight>
+                <a:srgbClr val="1F1F1F"/>
+              </a:highlight>
+              <a:latin typeface="Consolas"/>
+              <a:ea typeface="Consolas"/>
+              <a:cs typeface="Consolas"/>
+              <a:sym typeface="Consolas"/>
+            </a:endParaRPr>
+          </a:p>
+          <a:p>
+            <a:pPr indent="0" lvl="0" marL="0" rtl="0" algn="l">
+              <a:lnSpc>
+                <a:spcPct val="135714"/>
+              </a:lnSpc>
+              <a:spcBef>
+                <a:spcPts val="0"/>
+              </a:spcBef>
+              <a:spcAft>
+                <a:spcPts val="0"/>
+              </a:spcAft>
+              <a:buNone/>
+            </a:pPr>
+            <a:r>
+              <a:rPr lang="en" sz="1050">
+                <a:solidFill>
+                  <a:srgbClr val="DCDCAA"/>
+                </a:solidFill>
+                <a:highlight>
+                  <a:srgbClr val="1F1F1F"/>
+                </a:highlight>
+                <a:latin typeface="Consolas"/>
+                <a:ea typeface="Consolas"/>
+                <a:cs typeface="Consolas"/>
+                <a:sym typeface="Consolas"/>
+              </a:rPr>
+              <a:t>echo</a:t>
+            </a:r>
+            <a:r>
+              <a:rPr lang="en" sz="1050">
+                <a:solidFill>
+                  <a:srgbClr val="CCCCCC"/>
+                </a:solidFill>
+                <a:highlight>
+                  <a:srgbClr val="1F1F1F"/>
+                </a:highlight>
+                <a:latin typeface="Consolas"/>
+                <a:ea typeface="Consolas"/>
+                <a:cs typeface="Consolas"/>
+                <a:sym typeface="Consolas"/>
+              </a:rPr>
+              <a:t> </a:t>
+            </a:r>
+            <a:r>
+              <a:rPr lang="en" sz="1050">
+                <a:solidFill>
+                  <a:srgbClr val="CE9178"/>
+                </a:solidFill>
+                <a:highlight>
+                  <a:srgbClr val="1F1F1F"/>
+                </a:highlight>
+                <a:latin typeface="Consolas"/>
+                <a:ea typeface="Consolas"/>
+                <a:cs typeface="Consolas"/>
+                <a:sym typeface="Consolas"/>
+              </a:rPr>
+              <a:t>“hello</a:t>
+            </a:r>
+            <a:r>
+              <a:rPr lang="en" sz="1050">
+                <a:solidFill>
+                  <a:srgbClr val="CCCCCC"/>
+                </a:solidFill>
+                <a:highlight>
+                  <a:srgbClr val="1F1F1F"/>
+                </a:highlight>
+                <a:latin typeface="Consolas"/>
+                <a:ea typeface="Consolas"/>
+                <a:cs typeface="Consolas"/>
+                <a:sym typeface="Consolas"/>
+              </a:rPr>
+              <a:t> </a:t>
+            </a:r>
+            <a:r>
+              <a:rPr lang="en" sz="1050">
+                <a:solidFill>
+                  <a:srgbClr val="CE9178"/>
+                </a:solidFill>
+                <a:highlight>
+                  <a:srgbClr val="1F1F1F"/>
+                </a:highlight>
+                <a:latin typeface="Consolas"/>
+                <a:ea typeface="Consolas"/>
+                <a:cs typeface="Consolas"/>
+                <a:sym typeface="Consolas"/>
+              </a:rPr>
+              <a:t>sbatch</a:t>
+            </a:r>
+            <a:r>
+              <a:rPr lang="en" sz="1050">
+                <a:solidFill>
+                  <a:srgbClr val="CCCCCC"/>
+                </a:solidFill>
+                <a:highlight>
+                  <a:srgbClr val="1F1F1F"/>
+                </a:highlight>
+                <a:latin typeface="Consolas"/>
+                <a:ea typeface="Consolas"/>
+                <a:cs typeface="Consolas"/>
+                <a:sym typeface="Consolas"/>
+              </a:rPr>
+              <a:t> </a:t>
+            </a:r>
+            <a:r>
+              <a:rPr lang="en" sz="1050">
+                <a:solidFill>
+                  <a:srgbClr val="CE9178"/>
+                </a:solidFill>
+                <a:highlight>
+                  <a:srgbClr val="1F1F1F"/>
+                </a:highlight>
+                <a:latin typeface="Consolas"/>
+                <a:ea typeface="Consolas"/>
+                <a:cs typeface="Consolas"/>
+                <a:sym typeface="Consolas"/>
+              </a:rPr>
+              <a:t>world!”</a:t>
+            </a:r>
+            <a:endParaRPr sz="1050">
+              <a:solidFill>
+                <a:srgbClr val="CE9178"/>
+              </a:solidFill>
+              <a:highlight>
+                <a:srgbClr val="1F1F1F"/>
+              </a:highlight>
+              <a:latin typeface="Consolas"/>
+              <a:ea typeface="Consolas"/>
+              <a:cs typeface="Consolas"/>
+              <a:sym typeface="Consolas"/>
+            </a:endParaRPr>
+          </a:p>
+          <a:p>
+            <a:pPr indent="0" lvl="0" marL="0" rtl="0" algn="l">
+              <a:lnSpc>
+                <a:spcPct val="135714"/>
+              </a:lnSpc>
+              <a:spcBef>
+                <a:spcPts val="0"/>
+              </a:spcBef>
+              <a:spcAft>
+                <a:spcPts val="0"/>
+              </a:spcAft>
+              <a:buNone/>
+            </a:pPr>
+            <a:r>
+              <a:t/>
+            </a:r>
+            <a:endParaRPr sz="1050">
+              <a:solidFill>
+                <a:srgbClr val="CCCCCC"/>
+              </a:solidFill>
+              <a:highlight>
+                <a:srgbClr val="1F1F1F"/>
+              </a:highlight>
+              <a:latin typeface="Consolas"/>
+              <a:ea typeface="Consolas"/>
+              <a:cs typeface="Consolas"/>
+              <a:sym typeface="Consolas"/>
+            </a:endParaRPr>
+          </a:p>
+          <a:p>
+            <a:pPr indent="0" lvl="0" marL="0" rtl="0" algn="l">
+              <a:lnSpc>
+                <a:spcPct val="135714"/>
+              </a:lnSpc>
+              <a:spcBef>
+                <a:spcPts val="0"/>
+              </a:spcBef>
+              <a:spcAft>
+                <a:spcPts val="0"/>
+              </a:spcAft>
+              <a:buNone/>
+            </a:pPr>
+            <a:r>
+              <a:rPr lang="en" sz="1050">
+                <a:solidFill>
+                  <a:srgbClr val="6A9955"/>
+                </a:solidFill>
+                <a:highlight>
+                  <a:srgbClr val="1F1F1F"/>
+                </a:highlight>
+                <a:latin typeface="Consolas"/>
+                <a:ea typeface="Consolas"/>
+                <a:cs typeface="Consolas"/>
+                <a:sym typeface="Consolas"/>
               </a:rPr>
               <a:t># it can be helpful for debugging to get the node name</a:t>
             </a:r>
-            <a:br>
-              <a:rPr lang="en">
-                <a:solidFill>
-                  <a:schemeClr val="accent5"/>
-                </a:solidFill>
-              </a:rPr>
-            </a:br>
-            <a:r>
-              <a:rPr lang="en">
-                <a:solidFill>
-                  <a:schemeClr val="accent5"/>
-                </a:solidFill>
-              </a:rPr>
-              <a:t>echo $HOSTNAME &gt;&amp;2 </a:t>
-            </a:r>
-            <a:endParaRPr>
+            <a:endParaRPr sz="1050">
               <a:solidFill>
-                <a:schemeClr val="accent5"/>
+                <a:srgbClr val="6A9955"/>
               </a:solidFill>
+              <a:highlight>
+                <a:srgbClr val="1F1F1F"/>
+              </a:highlight>
+              <a:latin typeface="Consolas"/>
+              <a:ea typeface="Consolas"/>
+              <a:cs typeface="Consolas"/>
+              <a:sym typeface="Consolas"/>
             </a:endParaRPr>
           </a:p>
           <a:p>
             <a:pPr indent="0" lvl="0" marL="0" rtl="0" algn="l">
               <a:lnSpc>
-                <a:spcPct val="100000"/>
+                <a:spcPct val="135714"/>
               </a:lnSpc>
               <a:spcBef>
-                <a:spcPts val="1200"/>
-              </a:spcBef>
-              <a:spcAft>
-                <a:spcPts val="1200"/>
-              </a:spcAft>
-              <a:buNone/>
-            </a:pPr>
-            <a:r>
-              <a:rPr lang="en">
-                <a:solidFill>
-                  <a:schemeClr val="accent5"/>
-                </a:solidFill>
+                <a:spcPts val="0"/>
+              </a:spcBef>
+              <a:spcAft>
+                <a:spcPts val="0"/>
+              </a:spcAft>
+              <a:buNone/>
+            </a:pPr>
+            <a:r>
+              <a:rPr lang="en" sz="1050">
+                <a:solidFill>
+                  <a:srgbClr val="DCDCAA"/>
+                </a:solidFill>
+                <a:highlight>
+                  <a:srgbClr val="1F1F1F"/>
+                </a:highlight>
+                <a:latin typeface="Consolas"/>
+                <a:ea typeface="Consolas"/>
+                <a:cs typeface="Consolas"/>
+                <a:sym typeface="Consolas"/>
+              </a:rPr>
+              <a:t>echo</a:t>
+            </a:r>
+            <a:r>
+              <a:rPr lang="en" sz="1050">
+                <a:solidFill>
+                  <a:srgbClr val="CCCCCC"/>
+                </a:solidFill>
+                <a:highlight>
+                  <a:srgbClr val="1F1F1F"/>
+                </a:highlight>
+                <a:latin typeface="Consolas"/>
+                <a:ea typeface="Consolas"/>
+                <a:cs typeface="Consolas"/>
+                <a:sym typeface="Consolas"/>
+              </a:rPr>
+              <a:t> </a:t>
+            </a:r>
+            <a:r>
+              <a:rPr lang="en" sz="1050">
+                <a:solidFill>
+                  <a:srgbClr val="9CDCFE"/>
+                </a:solidFill>
+                <a:highlight>
+                  <a:srgbClr val="1F1F1F"/>
+                </a:highlight>
+                <a:latin typeface="Consolas"/>
+                <a:ea typeface="Consolas"/>
+                <a:cs typeface="Consolas"/>
+                <a:sym typeface="Consolas"/>
+              </a:rPr>
+              <a:t>$HOSTNAME</a:t>
+            </a:r>
+            <a:r>
+              <a:rPr lang="en" sz="1050">
+                <a:solidFill>
+                  <a:srgbClr val="CCCCCC"/>
+                </a:solidFill>
+                <a:highlight>
+                  <a:srgbClr val="1F1F1F"/>
+                </a:highlight>
+                <a:latin typeface="Consolas"/>
+                <a:ea typeface="Consolas"/>
+                <a:cs typeface="Consolas"/>
+                <a:sym typeface="Consolas"/>
+              </a:rPr>
+              <a:t> </a:t>
+            </a:r>
+            <a:r>
+              <a:rPr lang="en" sz="1050">
+                <a:solidFill>
+                  <a:srgbClr val="D4D4D4"/>
+                </a:solidFill>
+                <a:highlight>
+                  <a:srgbClr val="1F1F1F"/>
+                </a:highlight>
+                <a:latin typeface="Consolas"/>
+                <a:ea typeface="Consolas"/>
+                <a:cs typeface="Consolas"/>
+                <a:sym typeface="Consolas"/>
+              </a:rPr>
+              <a:t>&gt;&amp;2</a:t>
+            </a:r>
+            <a:endParaRPr sz="1050">
+              <a:solidFill>
+                <a:srgbClr val="D4D4D4"/>
+              </a:solidFill>
+              <a:highlight>
+                <a:srgbClr val="1F1F1F"/>
+              </a:highlight>
+              <a:latin typeface="Consolas"/>
+              <a:ea typeface="Consolas"/>
+              <a:cs typeface="Consolas"/>
+              <a:sym typeface="Consolas"/>
+            </a:endParaRPr>
+          </a:p>
+          <a:p>
+            <a:pPr indent="0" lvl="0" marL="0" rtl="0" algn="l">
+              <a:lnSpc>
+                <a:spcPct val="135714"/>
+              </a:lnSpc>
+              <a:spcBef>
+                <a:spcPts val="0"/>
+              </a:spcBef>
+              <a:spcAft>
+                <a:spcPts val="0"/>
+              </a:spcAft>
+              <a:buNone/>
+            </a:pPr>
+            <a:r>
+              <a:rPr lang="en" sz="1050">
+                <a:solidFill>
+                  <a:srgbClr val="6A9955"/>
+                </a:solidFill>
+                <a:highlight>
+                  <a:srgbClr val="1F1F1F"/>
+                </a:highlight>
+                <a:latin typeface="Consolas"/>
+                <a:ea typeface="Consolas"/>
+                <a:cs typeface="Consolas"/>
+                <a:sym typeface="Consolas"/>
               </a:rPr>
               <a:t># a delay at the end is also good practice</a:t>
             </a:r>
-            <a:br>
-              <a:rPr lang="en">
-                <a:solidFill>
-                  <a:schemeClr val="accent5"/>
-                </a:solidFill>
-              </a:rPr>
-            </a:br>
-            <a:r>
-              <a:rPr lang="en">
-                <a:solidFill>
-                  <a:schemeClr val="accent5"/>
-                </a:solidFill>
-              </a:rPr>
-              <a:t>sleep 10s</a:t>
-            </a:r>
-            <a:endParaRPr>
+            <a:endParaRPr sz="1050">
               <a:solidFill>
-                <a:schemeClr val="accent5"/>
+                <a:srgbClr val="6A9955"/>
               </a:solidFill>
+              <a:highlight>
+                <a:srgbClr val="1F1F1F"/>
+              </a:highlight>
+              <a:latin typeface="Consolas"/>
+              <a:ea typeface="Consolas"/>
+              <a:cs typeface="Consolas"/>
+              <a:sym typeface="Consolas"/>
+            </a:endParaRPr>
+          </a:p>
+          <a:p>
+            <a:pPr indent="0" lvl="0" marL="0" rtl="0" algn="l">
+              <a:lnSpc>
+                <a:spcPct val="135714"/>
+              </a:lnSpc>
+              <a:spcBef>
+                <a:spcPts val="0"/>
+              </a:spcBef>
+              <a:spcAft>
+                <a:spcPts val="0"/>
+              </a:spcAft>
+              <a:buNone/>
+            </a:pPr>
+            <a:r>
+              <a:rPr lang="en" sz="1050">
+                <a:solidFill>
+                  <a:srgbClr val="DCDCAA"/>
+                </a:solidFill>
+                <a:highlight>
+                  <a:srgbClr val="1F1F1F"/>
+                </a:highlight>
+                <a:latin typeface="Consolas"/>
+                <a:ea typeface="Consolas"/>
+                <a:cs typeface="Consolas"/>
+                <a:sym typeface="Consolas"/>
+              </a:rPr>
+              <a:t>sleep</a:t>
+            </a:r>
+            <a:r>
+              <a:rPr lang="en" sz="1050">
+                <a:solidFill>
+                  <a:srgbClr val="CCCCCC"/>
+                </a:solidFill>
+                <a:highlight>
+                  <a:srgbClr val="1F1F1F"/>
+                </a:highlight>
+                <a:latin typeface="Consolas"/>
+                <a:ea typeface="Consolas"/>
+                <a:cs typeface="Consolas"/>
+                <a:sym typeface="Consolas"/>
+              </a:rPr>
+              <a:t> </a:t>
+            </a:r>
+            <a:r>
+              <a:rPr lang="en" sz="1050">
+                <a:solidFill>
+                  <a:srgbClr val="B5CEA8"/>
+                </a:solidFill>
+                <a:highlight>
+                  <a:srgbClr val="1F1F1F"/>
+                </a:highlight>
+                <a:latin typeface="Consolas"/>
+                <a:ea typeface="Consolas"/>
+                <a:cs typeface="Consolas"/>
+                <a:sym typeface="Consolas"/>
+              </a:rPr>
+              <a:t>10</a:t>
+            </a:r>
+            <a:r>
+              <a:rPr lang="en" sz="1050">
+                <a:solidFill>
+                  <a:srgbClr val="CE9178"/>
+                </a:solidFill>
+                <a:highlight>
+                  <a:srgbClr val="1F1F1F"/>
+                </a:highlight>
+                <a:latin typeface="Consolas"/>
+                <a:ea typeface="Consolas"/>
+                <a:cs typeface="Consolas"/>
+                <a:sym typeface="Consolas"/>
+              </a:rPr>
+              <a:t>s</a:t>
+            </a:r>
+            <a:endParaRPr sz="1050">
+              <a:solidFill>
+                <a:srgbClr val="6A9955"/>
+              </a:solidFill>
+              <a:highlight>
+                <a:srgbClr val="1F1F1F"/>
+              </a:highlight>
+              <a:latin typeface="Consolas"/>
+              <a:ea typeface="Consolas"/>
+              <a:cs typeface="Consolas"/>
+              <a:sym typeface="Consolas"/>
             </a:endParaRPr>
           </a:p>
         </p:txBody>
@@ -25853,13 +26613,13 @@
         </p:spPr>
         <p:txBody>
           <a:bodyPr anchorCtr="0" anchor="t" bIns="91425" lIns="91425" spcFirstLastPara="1" rIns="91425" wrap="square" tIns="91425">
-            <a:normAutofit fontScale="70000" lnSpcReduction="20000"/>
+            <a:normAutofit fontScale="92500" lnSpcReduction="20000"/>
           </a:bodyPr>
           <a:lstStyle/>
           <a:p>
             <a:pPr indent="0" lvl="0" marL="0" rtl="0" algn="l">
               <a:lnSpc>
-                <a:spcPct val="100000"/>
+                <a:spcPct val="135714"/>
               </a:lnSpc>
               <a:spcBef>
                 <a:spcPts val="0"/>
@@ -25870,335 +26630,1096 @@
               <a:buNone/>
             </a:pPr>
             <a:r>
-              <a:rPr lang="en">
-                <a:solidFill>
-                  <a:schemeClr val="accent5"/>
-                </a:solidFill>
+              <a:rPr lang="en" sz="1050">
+                <a:solidFill>
+                  <a:srgbClr val="6A9955"/>
+                </a:solidFill>
+                <a:highlight>
+                  <a:srgbClr val="1F1F1F"/>
+                </a:highlight>
+                <a:latin typeface="Consolas"/>
+                <a:ea typeface="Consolas"/>
+                <a:cs typeface="Consolas"/>
+                <a:sym typeface="Consolas"/>
               </a:rPr>
               <a:t>#!/bin/bash</a:t>
             </a:r>
-            <a:br>
-              <a:rPr lang="en">
-                <a:solidFill>
-                  <a:schemeClr val="accent5"/>
-                </a:solidFill>
-              </a:rPr>
-            </a:br>
-            <a:r>
-              <a:rPr lang="en">
-                <a:solidFill>
-                  <a:schemeClr val="accent5"/>
-                </a:solidFill>
+            <a:endParaRPr sz="1050">
+              <a:solidFill>
+                <a:srgbClr val="6A9955"/>
+              </a:solidFill>
+              <a:highlight>
+                <a:srgbClr val="1F1F1F"/>
+              </a:highlight>
+              <a:latin typeface="Consolas"/>
+              <a:ea typeface="Consolas"/>
+              <a:cs typeface="Consolas"/>
+              <a:sym typeface="Consolas"/>
+            </a:endParaRPr>
+          </a:p>
+          <a:p>
+            <a:pPr indent="0" lvl="0" marL="0" rtl="0" algn="l">
+              <a:lnSpc>
+                <a:spcPct val="135714"/>
+              </a:lnSpc>
+              <a:spcBef>
+                <a:spcPts val="0"/>
+              </a:spcBef>
+              <a:spcAft>
+                <a:spcPts val="0"/>
+              </a:spcAft>
+              <a:buNone/>
+            </a:pPr>
+            <a:r>
+              <a:rPr lang="en" sz="1050">
+                <a:solidFill>
+                  <a:srgbClr val="6A9955"/>
+                </a:solidFill>
+                <a:highlight>
+                  <a:srgbClr val="1F1F1F"/>
+                </a:highlight>
+                <a:latin typeface="Consolas"/>
+                <a:ea typeface="Consolas"/>
+                <a:cs typeface="Consolas"/>
+                <a:sym typeface="Consolas"/>
               </a:rPr>
               <a:t>#SBATCH -N 1</a:t>
             </a:r>
-            <a:br>
-              <a:rPr lang="en">
-                <a:solidFill>
-                  <a:schemeClr val="accent5"/>
-                </a:solidFill>
-              </a:rPr>
-            </a:br>
-            <a:r>
-              <a:rPr lang="en">
-                <a:solidFill>
-                  <a:schemeClr val="accent5"/>
-                </a:solidFill>
+            <a:endParaRPr sz="1050">
+              <a:solidFill>
+                <a:srgbClr val="6A9955"/>
+              </a:solidFill>
+              <a:highlight>
+                <a:srgbClr val="1F1F1F"/>
+              </a:highlight>
+              <a:latin typeface="Consolas"/>
+              <a:ea typeface="Consolas"/>
+              <a:cs typeface="Consolas"/>
+              <a:sym typeface="Consolas"/>
+            </a:endParaRPr>
+          </a:p>
+          <a:p>
+            <a:pPr indent="0" lvl="0" marL="0" rtl="0" algn="l">
+              <a:lnSpc>
+                <a:spcPct val="135714"/>
+              </a:lnSpc>
+              <a:spcBef>
+                <a:spcPts val="0"/>
+              </a:spcBef>
+              <a:spcAft>
+                <a:spcPts val="0"/>
+              </a:spcAft>
+              <a:buNone/>
+            </a:pPr>
+            <a:r>
+              <a:rPr lang="en" sz="1050">
+                <a:solidFill>
+                  <a:srgbClr val="6A9955"/>
+                </a:solidFill>
+                <a:highlight>
+                  <a:srgbClr val="1F1F1F"/>
+                </a:highlight>
+                <a:latin typeface="Consolas"/>
+                <a:ea typeface="Consolas"/>
+                <a:cs typeface="Consolas"/>
+                <a:sym typeface="Consolas"/>
               </a:rPr>
               <a:t>#SBATCH -n 1</a:t>
             </a:r>
-            <a:br>
-              <a:rPr lang="en">
-                <a:solidFill>
-                  <a:schemeClr val="accent5"/>
-                </a:solidFill>
-              </a:rPr>
-            </a:br>
-            <a:r>
-              <a:rPr lang="en">
-                <a:solidFill>
-                  <a:schemeClr val="accent5"/>
-                </a:solidFill>
+            <a:endParaRPr sz="1050">
+              <a:solidFill>
+                <a:srgbClr val="6A9955"/>
+              </a:solidFill>
+              <a:highlight>
+                <a:srgbClr val="1F1F1F"/>
+              </a:highlight>
+              <a:latin typeface="Consolas"/>
+              <a:ea typeface="Consolas"/>
+              <a:cs typeface="Consolas"/>
+              <a:sym typeface="Consolas"/>
+            </a:endParaRPr>
+          </a:p>
+          <a:p>
+            <a:pPr indent="0" lvl="0" marL="0" rtl="0" algn="l">
+              <a:lnSpc>
+                <a:spcPct val="135714"/>
+              </a:lnSpc>
+              <a:spcBef>
+                <a:spcPts val="0"/>
+              </a:spcBef>
+              <a:spcAft>
+                <a:spcPts val="0"/>
+              </a:spcAft>
+              <a:buNone/>
+            </a:pPr>
+            <a:r>
+              <a:rPr lang="en" sz="1050">
+                <a:solidFill>
+                  <a:srgbClr val="6A9955"/>
+                </a:solidFill>
+                <a:highlight>
+                  <a:srgbClr val="1F1F1F"/>
+                </a:highlight>
+                <a:latin typeface="Consolas"/>
+                <a:ea typeface="Consolas"/>
+                <a:cs typeface="Consolas"/>
+                <a:sym typeface="Consolas"/>
               </a:rPr>
               <a:t>#SBATCH -c 1</a:t>
             </a:r>
-            <a:br>
-              <a:rPr lang="en">
-                <a:solidFill>
-                  <a:schemeClr val="accent5"/>
-                </a:solidFill>
-              </a:rPr>
-            </a:br>
-            <a:r>
-              <a:rPr lang="en">
-                <a:solidFill>
-                  <a:schemeClr val="accent5"/>
-                </a:solidFill>
+            <a:endParaRPr sz="1050">
+              <a:solidFill>
+                <a:srgbClr val="6A9955"/>
+              </a:solidFill>
+              <a:highlight>
+                <a:srgbClr val="1F1F1F"/>
+              </a:highlight>
+              <a:latin typeface="Consolas"/>
+              <a:ea typeface="Consolas"/>
+              <a:cs typeface="Consolas"/>
+              <a:sym typeface="Consolas"/>
+            </a:endParaRPr>
+          </a:p>
+          <a:p>
+            <a:pPr indent="0" lvl="0" marL="0" rtl="0" algn="l">
+              <a:lnSpc>
+                <a:spcPct val="135714"/>
+              </a:lnSpc>
+              <a:spcBef>
+                <a:spcPts val="0"/>
+              </a:spcBef>
+              <a:spcAft>
+                <a:spcPts val="0"/>
+              </a:spcAft>
+              <a:buNone/>
+            </a:pPr>
+            <a:r>
+              <a:rPr lang="en" sz="1050">
+                <a:solidFill>
+                  <a:srgbClr val="6A9955"/>
+                </a:solidFill>
+                <a:highlight>
+                  <a:srgbClr val="1F1F1F"/>
+                </a:highlight>
+                <a:latin typeface="Consolas"/>
+                <a:ea typeface="Consolas"/>
+                <a:cs typeface="Consolas"/>
+                <a:sym typeface="Consolas"/>
               </a:rPr>
               <a:t>#SBATCH --mem=10G</a:t>
             </a:r>
-            <a:br>
-              <a:rPr lang="en">
-                <a:solidFill>
-                  <a:schemeClr val="accent5"/>
-                </a:solidFill>
-              </a:rPr>
-            </a:br>
-            <a:r>
-              <a:rPr lang="en">
-                <a:solidFill>
-                  <a:schemeClr val="accent5"/>
-                </a:solidFill>
+            <a:endParaRPr sz="1050">
+              <a:solidFill>
+                <a:srgbClr val="6A9955"/>
+              </a:solidFill>
+              <a:highlight>
+                <a:srgbClr val="1F1F1F"/>
+              </a:highlight>
+              <a:latin typeface="Consolas"/>
+              <a:ea typeface="Consolas"/>
+              <a:cs typeface="Consolas"/>
+              <a:sym typeface="Consolas"/>
+            </a:endParaRPr>
+          </a:p>
+          <a:p>
+            <a:pPr indent="0" lvl="0" marL="0" rtl="0" algn="l">
+              <a:lnSpc>
+                <a:spcPct val="135714"/>
+              </a:lnSpc>
+              <a:spcBef>
+                <a:spcPts val="0"/>
+              </a:spcBef>
+              <a:spcAft>
+                <a:spcPts val="0"/>
+              </a:spcAft>
+              <a:buNone/>
+            </a:pPr>
+            <a:r>
+              <a:rPr lang="en" sz="1050">
+                <a:solidFill>
+                  <a:srgbClr val="6A9955"/>
+                </a:solidFill>
+                <a:highlight>
+                  <a:srgbClr val="1F1F1F"/>
+                </a:highlight>
+                <a:latin typeface="Consolas"/>
+                <a:ea typeface="Consolas"/>
+                <a:cs typeface="Consolas"/>
+                <a:sym typeface="Consolas"/>
               </a:rPr>
               <a:t>#SBATCH -t 1:00:00</a:t>
             </a:r>
-            <a:br>
-              <a:rPr lang="en">
-                <a:solidFill>
-                  <a:schemeClr val="accent5"/>
-                </a:solidFill>
-              </a:rPr>
-            </a:br>
-            <a:r>
-              <a:rPr lang="en">
-                <a:solidFill>
-                  <a:schemeClr val="accent5"/>
-                </a:solidFill>
-              </a:rPr>
-              <a:t>#SBATCH -e error%A.err </a:t>
-            </a:r>
-            <a:br>
-              <a:rPr lang="en">
-                <a:solidFill>
-                  <a:schemeClr val="accent5"/>
-                </a:solidFill>
-              </a:rPr>
-            </a:br>
-            <a:r>
-              <a:rPr lang="en">
-                <a:solidFill>
-                  <a:schemeClr val="accent5"/>
-                </a:solidFill>
+            <a:endParaRPr sz="1050">
+              <a:solidFill>
+                <a:srgbClr val="6A9955"/>
+              </a:solidFill>
+              <a:highlight>
+                <a:srgbClr val="1F1F1F"/>
+              </a:highlight>
+              <a:latin typeface="Consolas"/>
+              <a:ea typeface="Consolas"/>
+              <a:cs typeface="Consolas"/>
+              <a:sym typeface="Consolas"/>
+            </a:endParaRPr>
+          </a:p>
+          <a:p>
+            <a:pPr indent="0" lvl="0" marL="0" rtl="0" algn="l">
+              <a:lnSpc>
+                <a:spcPct val="135714"/>
+              </a:lnSpc>
+              <a:spcBef>
+                <a:spcPts val="0"/>
+              </a:spcBef>
+              <a:spcAft>
+                <a:spcPts val="0"/>
+              </a:spcAft>
+              <a:buNone/>
+            </a:pPr>
+            <a:r>
+              <a:rPr lang="en" sz="1050">
+                <a:solidFill>
+                  <a:srgbClr val="6A9955"/>
+                </a:solidFill>
+                <a:highlight>
+                  <a:srgbClr val="1F1F1F"/>
+                </a:highlight>
+                <a:latin typeface="Consolas"/>
+                <a:ea typeface="Consolas"/>
+                <a:cs typeface="Consolas"/>
+                <a:sym typeface="Consolas"/>
+              </a:rPr>
+              <a:t>#SBATCH -e error%A.err</a:t>
+            </a:r>
+            <a:endParaRPr sz="1050">
+              <a:solidFill>
+                <a:srgbClr val="6A9955"/>
+              </a:solidFill>
+              <a:highlight>
+                <a:srgbClr val="1F1F1F"/>
+              </a:highlight>
+              <a:latin typeface="Consolas"/>
+              <a:ea typeface="Consolas"/>
+              <a:cs typeface="Consolas"/>
+              <a:sym typeface="Consolas"/>
+            </a:endParaRPr>
+          </a:p>
+          <a:p>
+            <a:pPr indent="0" lvl="0" marL="0" rtl="0" algn="l">
+              <a:lnSpc>
+                <a:spcPct val="135714"/>
+              </a:lnSpc>
+              <a:spcBef>
+                <a:spcPts val="0"/>
+              </a:spcBef>
+              <a:spcAft>
+                <a:spcPts val="0"/>
+              </a:spcAft>
+              <a:buNone/>
+            </a:pPr>
+            <a:r>
+              <a:rPr lang="en" sz="1050">
+                <a:solidFill>
+                  <a:srgbClr val="6A9955"/>
+                </a:solidFill>
+                <a:highlight>
+                  <a:srgbClr val="1F1F1F"/>
+                </a:highlight>
+                <a:latin typeface="Consolas"/>
+                <a:ea typeface="Consolas"/>
+                <a:cs typeface="Consolas"/>
+                <a:sym typeface="Consolas"/>
               </a:rPr>
               <a:t>#SBATCH -o out%A.out</a:t>
             </a:r>
-            <a:br>
-              <a:rPr lang="en">
-                <a:solidFill>
-                  <a:schemeClr val="accent5"/>
-                </a:solidFill>
-              </a:rPr>
-            </a:br>
-            <a:r>
-              <a:rPr lang="en">
-                <a:solidFill>
-                  <a:schemeClr val="accent5"/>
-                </a:solidFill>
+            <a:endParaRPr sz="1050">
+              <a:solidFill>
+                <a:srgbClr val="6A9955"/>
+              </a:solidFill>
+              <a:highlight>
+                <a:srgbClr val="1F1F1F"/>
+              </a:highlight>
+              <a:latin typeface="Consolas"/>
+              <a:ea typeface="Consolas"/>
+              <a:cs typeface="Consolas"/>
+              <a:sym typeface="Consolas"/>
+            </a:endParaRPr>
+          </a:p>
+          <a:p>
+            <a:pPr indent="0" lvl="0" marL="0" rtl="0" algn="l">
+              <a:lnSpc>
+                <a:spcPct val="135714"/>
+              </a:lnSpc>
+              <a:spcBef>
+                <a:spcPts val="0"/>
+              </a:spcBef>
+              <a:spcAft>
+                <a:spcPts val="0"/>
+              </a:spcAft>
+              <a:buNone/>
+            </a:pPr>
+            <a:r>
+              <a:rPr lang="en" sz="1050">
+                <a:solidFill>
+                  <a:srgbClr val="6A9955"/>
+                </a:solidFill>
+                <a:highlight>
+                  <a:srgbClr val="1F1F1F"/>
+                </a:highlight>
+                <a:latin typeface="Consolas"/>
+                <a:ea typeface="Consolas"/>
+                <a:cs typeface="Consolas"/>
+                <a:sym typeface="Consolas"/>
               </a:rPr>
               <a:t>#SBATCH -A trends53c17</a:t>
             </a:r>
-            <a:br>
-              <a:rPr lang="en">
-                <a:solidFill>
-                  <a:schemeClr val="accent5"/>
-                </a:solidFill>
-              </a:rPr>
-            </a:br>
-            <a:r>
-              <a:rPr lang="en">
-                <a:solidFill>
-                  <a:schemeClr val="accent5"/>
-                </a:solidFill>
+            <a:endParaRPr sz="1050">
+              <a:solidFill>
+                <a:srgbClr val="6A9955"/>
+              </a:solidFill>
+              <a:highlight>
+                <a:srgbClr val="1F1F1F"/>
+              </a:highlight>
+              <a:latin typeface="Consolas"/>
+              <a:ea typeface="Consolas"/>
+              <a:cs typeface="Consolas"/>
+              <a:sym typeface="Consolas"/>
+            </a:endParaRPr>
+          </a:p>
+          <a:p>
+            <a:pPr indent="0" lvl="0" marL="0" rtl="0" algn="l">
+              <a:lnSpc>
+                <a:spcPct val="135714"/>
+              </a:lnSpc>
+              <a:spcBef>
+                <a:spcPts val="0"/>
+              </a:spcBef>
+              <a:spcAft>
+                <a:spcPts val="0"/>
+              </a:spcAft>
+              <a:buNone/>
+            </a:pPr>
+            <a:r>
+              <a:rPr lang="en" sz="1050">
+                <a:solidFill>
+                  <a:srgbClr val="6A9955"/>
+                </a:solidFill>
+                <a:highlight>
+                  <a:srgbClr val="1F1F1F"/>
+                </a:highlight>
+                <a:latin typeface="Consolas"/>
+                <a:ea typeface="Consolas"/>
+                <a:cs typeface="Consolas"/>
+                <a:sym typeface="Consolas"/>
               </a:rPr>
               <a:t>#SBATCH --mail-type=ALL</a:t>
             </a:r>
-            <a:br>
-              <a:rPr lang="en">
-                <a:solidFill>
-                  <a:schemeClr val="accent5"/>
-                </a:solidFill>
-              </a:rPr>
-            </a:br>
-            <a:r>
-              <a:rPr lang="en">
-                <a:solidFill>
-                  <a:schemeClr val="accent5"/>
-                </a:solidFill>
+            <a:endParaRPr sz="1050">
+              <a:solidFill>
+                <a:srgbClr val="6A9955"/>
+              </a:solidFill>
+              <a:highlight>
+                <a:srgbClr val="1F1F1F"/>
+              </a:highlight>
+              <a:latin typeface="Consolas"/>
+              <a:ea typeface="Consolas"/>
+              <a:cs typeface="Consolas"/>
+              <a:sym typeface="Consolas"/>
+            </a:endParaRPr>
+          </a:p>
+          <a:p>
+            <a:pPr indent="0" lvl="0" marL="0" rtl="0" algn="l">
+              <a:lnSpc>
+                <a:spcPct val="135714"/>
+              </a:lnSpc>
+              <a:spcBef>
+                <a:spcPts val="0"/>
+              </a:spcBef>
+              <a:spcAft>
+                <a:spcPts val="0"/>
+              </a:spcAft>
+              <a:buNone/>
+            </a:pPr>
+            <a:r>
+              <a:rPr lang="en" sz="1050">
+                <a:solidFill>
+                  <a:srgbClr val="6A9955"/>
+                </a:solidFill>
+                <a:highlight>
+                  <a:srgbClr val="1F1F1F"/>
+                </a:highlight>
+                <a:latin typeface="Consolas"/>
+                <a:ea typeface="Consolas"/>
+                <a:cs typeface="Consolas"/>
+                <a:sym typeface="Consolas"/>
               </a:rPr>
               <a:t>#SBATCH --mail-user=&lt;your email&gt;</a:t>
             </a:r>
-            <a:br>
-              <a:rPr lang="en">
-                <a:solidFill>
-                  <a:schemeClr val="accent5"/>
-                </a:solidFill>
-              </a:rPr>
-            </a:br>
-            <a:r>
-              <a:rPr lang="en">
-                <a:solidFill>
-                  <a:schemeClr val="accent5"/>
-                </a:solidFill>
+            <a:endParaRPr sz="1050">
+              <a:solidFill>
+                <a:srgbClr val="6A9955"/>
+              </a:solidFill>
+              <a:highlight>
+                <a:srgbClr val="1F1F1F"/>
+              </a:highlight>
+              <a:latin typeface="Consolas"/>
+              <a:ea typeface="Consolas"/>
+              <a:cs typeface="Consolas"/>
+              <a:sym typeface="Consolas"/>
+            </a:endParaRPr>
+          </a:p>
+          <a:p>
+            <a:pPr indent="0" lvl="0" marL="0" rtl="0" algn="l">
+              <a:lnSpc>
+                <a:spcPct val="135714"/>
+              </a:lnSpc>
+              <a:spcBef>
+                <a:spcPts val="0"/>
+              </a:spcBef>
+              <a:spcAft>
+                <a:spcPts val="0"/>
+              </a:spcAft>
+              <a:buNone/>
+            </a:pPr>
+            <a:r>
+              <a:rPr lang="en" sz="1050">
+                <a:solidFill>
+                  <a:srgbClr val="6A9955"/>
+                </a:solidFill>
+                <a:highlight>
+                  <a:srgbClr val="1F1F1F"/>
+                </a:highlight>
+                <a:latin typeface="Consolas"/>
+                <a:ea typeface="Consolas"/>
+                <a:cs typeface="Consolas"/>
+                <a:sym typeface="Consolas"/>
               </a:rPr>
               <a:t>#SBATCH --oversubscribe</a:t>
             </a:r>
-            <a:endParaRPr>
+            <a:endParaRPr sz="1050">
               <a:solidFill>
-                <a:schemeClr val="accent5"/>
+                <a:srgbClr val="6A9955"/>
               </a:solidFill>
+              <a:highlight>
+                <a:srgbClr val="1F1F1F"/>
+              </a:highlight>
+              <a:latin typeface="Consolas"/>
+              <a:ea typeface="Consolas"/>
+              <a:cs typeface="Consolas"/>
+              <a:sym typeface="Consolas"/>
             </a:endParaRPr>
           </a:p>
           <a:p>
             <a:pPr indent="0" lvl="0" marL="0" rtl="0" algn="l">
               <a:lnSpc>
-                <a:spcPct val="100000"/>
+                <a:spcPct val="135714"/>
               </a:lnSpc>
               <a:spcBef>
-                <a:spcPts val="1200"/>
-              </a:spcBef>
-              <a:spcAft>
-                <a:spcPts val="0"/>
-              </a:spcAft>
-              <a:buNone/>
-            </a:pPr>
-            <a:r>
-              <a:rPr lang="en">
-                <a:solidFill>
-                  <a:schemeClr val="accent5"/>
-                </a:solidFill>
+                <a:spcPts val="0"/>
+              </a:spcBef>
+              <a:spcAft>
+                <a:spcPts val="0"/>
+              </a:spcAft>
+              <a:buNone/>
+            </a:pPr>
+            <a:r>
+              <a:rPr lang="en" sz="1050">
+                <a:solidFill>
+                  <a:srgbClr val="6A9955"/>
+                </a:solidFill>
+                <a:highlight>
+                  <a:srgbClr val="1F1F1F"/>
+                </a:highlight>
+                <a:latin typeface="Consolas"/>
+                <a:ea typeface="Consolas"/>
+                <a:cs typeface="Consolas"/>
+                <a:sym typeface="Consolas"/>
               </a:rPr>
               <a:t># a small delay at the start often helps</a:t>
             </a:r>
-            <a:br>
-              <a:rPr lang="en">
-                <a:solidFill>
-                  <a:schemeClr val="accent5"/>
-                </a:solidFill>
-              </a:rPr>
-            </a:br>
-            <a:r>
-              <a:rPr lang="en">
-                <a:solidFill>
-                  <a:schemeClr val="accent5"/>
-                </a:solidFill>
-              </a:rPr>
-              <a:t>sleep 10s </a:t>
-            </a:r>
-            <a:br>
-              <a:rPr lang="en">
-                <a:solidFill>
-                  <a:schemeClr val="accent5"/>
-                </a:solidFill>
-              </a:rPr>
-            </a:br>
-            <a:br>
-              <a:rPr lang="en">
-                <a:solidFill>
-                  <a:schemeClr val="accent5"/>
-                </a:solidFill>
-              </a:rPr>
-            </a:br>
-            <a:r>
-              <a:rPr lang="en">
-                <a:solidFill>
-                  <a:schemeClr val="accent5"/>
-                </a:solidFill>
+            <a:endParaRPr sz="1050">
+              <a:solidFill>
+                <a:srgbClr val="6A9955"/>
+              </a:solidFill>
+              <a:highlight>
+                <a:srgbClr val="1F1F1F"/>
+              </a:highlight>
+              <a:latin typeface="Consolas"/>
+              <a:ea typeface="Consolas"/>
+              <a:cs typeface="Consolas"/>
+              <a:sym typeface="Consolas"/>
+            </a:endParaRPr>
+          </a:p>
+          <a:p>
+            <a:pPr indent="0" lvl="0" marL="0" rtl="0" algn="l">
+              <a:lnSpc>
+                <a:spcPct val="135714"/>
+              </a:lnSpc>
+              <a:spcBef>
+                <a:spcPts val="0"/>
+              </a:spcBef>
+              <a:spcAft>
+                <a:spcPts val="0"/>
+              </a:spcAft>
+              <a:buNone/>
+            </a:pPr>
+            <a:r>
+              <a:rPr lang="en" sz="1050">
+                <a:solidFill>
+                  <a:srgbClr val="DCDCAA"/>
+                </a:solidFill>
+                <a:highlight>
+                  <a:srgbClr val="1F1F1F"/>
+                </a:highlight>
+                <a:latin typeface="Consolas"/>
+                <a:ea typeface="Consolas"/>
+                <a:cs typeface="Consolas"/>
+                <a:sym typeface="Consolas"/>
+              </a:rPr>
+              <a:t>sleep</a:t>
+            </a:r>
+            <a:r>
+              <a:rPr lang="en" sz="1050">
+                <a:solidFill>
+                  <a:srgbClr val="CCCCCC"/>
+                </a:solidFill>
+                <a:highlight>
+                  <a:srgbClr val="1F1F1F"/>
+                </a:highlight>
+                <a:latin typeface="Consolas"/>
+                <a:ea typeface="Consolas"/>
+                <a:cs typeface="Consolas"/>
+                <a:sym typeface="Consolas"/>
+              </a:rPr>
+              <a:t> </a:t>
+            </a:r>
+            <a:r>
+              <a:rPr lang="en" sz="1050">
+                <a:solidFill>
+                  <a:srgbClr val="B5CEA8"/>
+                </a:solidFill>
+                <a:highlight>
+                  <a:srgbClr val="1F1F1F"/>
+                </a:highlight>
+                <a:latin typeface="Consolas"/>
+                <a:ea typeface="Consolas"/>
+                <a:cs typeface="Consolas"/>
+                <a:sym typeface="Consolas"/>
+              </a:rPr>
+              <a:t>10</a:t>
+            </a:r>
+            <a:r>
+              <a:rPr lang="en" sz="1050">
+                <a:solidFill>
+                  <a:srgbClr val="CE9178"/>
+                </a:solidFill>
+                <a:highlight>
+                  <a:srgbClr val="1F1F1F"/>
+                </a:highlight>
+                <a:latin typeface="Consolas"/>
+                <a:ea typeface="Consolas"/>
+                <a:cs typeface="Consolas"/>
+                <a:sym typeface="Consolas"/>
+              </a:rPr>
+              <a:t>s</a:t>
+            </a:r>
+            <a:endParaRPr sz="1050">
+              <a:solidFill>
+                <a:srgbClr val="CE9178"/>
+              </a:solidFill>
+              <a:highlight>
+                <a:srgbClr val="1F1F1F"/>
+              </a:highlight>
+              <a:latin typeface="Consolas"/>
+              <a:ea typeface="Consolas"/>
+              <a:cs typeface="Consolas"/>
+              <a:sym typeface="Consolas"/>
+            </a:endParaRPr>
+          </a:p>
+          <a:p>
+            <a:pPr indent="0" lvl="0" marL="0" rtl="0" algn="l">
+              <a:lnSpc>
+                <a:spcPct val="135714"/>
+              </a:lnSpc>
+              <a:spcBef>
+                <a:spcPts val="0"/>
+              </a:spcBef>
+              <a:spcAft>
+                <a:spcPts val="0"/>
+              </a:spcAft>
+              <a:buNone/>
+            </a:pPr>
+            <a:r>
+              <a:t/>
+            </a:r>
+            <a:endParaRPr sz="1050">
+              <a:solidFill>
+                <a:srgbClr val="CCCCCC"/>
+              </a:solidFill>
+              <a:highlight>
+                <a:srgbClr val="1F1F1F"/>
+              </a:highlight>
+              <a:latin typeface="Consolas"/>
+              <a:ea typeface="Consolas"/>
+              <a:cs typeface="Consolas"/>
+              <a:sym typeface="Consolas"/>
+            </a:endParaRPr>
+          </a:p>
+          <a:p>
+            <a:pPr indent="0" lvl="0" marL="0" rtl="0" algn="l">
+              <a:lnSpc>
+                <a:spcPct val="135714"/>
+              </a:lnSpc>
+              <a:spcBef>
+                <a:spcPts val="0"/>
+              </a:spcBef>
+              <a:spcAft>
+                <a:spcPts val="0"/>
+              </a:spcAft>
+              <a:buNone/>
+            </a:pPr>
+            <a:r>
+              <a:rPr lang="en" sz="1050">
+                <a:solidFill>
+                  <a:srgbClr val="6A9955"/>
+                </a:solidFill>
+                <a:highlight>
+                  <a:srgbClr val="1F1F1F"/>
+                </a:highlight>
+                <a:latin typeface="Consolas"/>
+                <a:ea typeface="Consolas"/>
+                <a:cs typeface="Consolas"/>
+                <a:sym typeface="Consolas"/>
               </a:rPr>
               <a:t># print some message to the log</a:t>
             </a:r>
-            <a:br>
-              <a:rPr lang="en">
-                <a:solidFill>
-                  <a:schemeClr val="accent5"/>
-                </a:solidFill>
-              </a:rPr>
-            </a:br>
-            <a:r>
-              <a:rPr lang="en">
-                <a:solidFill>
-                  <a:schemeClr val="accent5"/>
-                </a:solidFill>
-              </a:rPr>
-              <a:t>echo “hello sbatch world!”</a:t>
-            </a:r>
-            <a:br>
-              <a:rPr lang="en">
-                <a:solidFill>
-                  <a:schemeClr val="accent5"/>
-                </a:solidFill>
-              </a:rPr>
-            </a:br>
-            <a:br>
-              <a:rPr lang="en">
-                <a:solidFill>
-                  <a:schemeClr val="accent5"/>
-                </a:solidFill>
-              </a:rPr>
-            </a:br>
-            <a:r>
-              <a:rPr lang="en">
-                <a:solidFill>
-                  <a:schemeClr val="accent5"/>
-                </a:solidFill>
+            <a:endParaRPr sz="1050">
+              <a:solidFill>
+                <a:srgbClr val="6A9955"/>
+              </a:solidFill>
+              <a:highlight>
+                <a:srgbClr val="1F1F1F"/>
+              </a:highlight>
+              <a:latin typeface="Consolas"/>
+              <a:ea typeface="Consolas"/>
+              <a:cs typeface="Consolas"/>
+              <a:sym typeface="Consolas"/>
+            </a:endParaRPr>
+          </a:p>
+          <a:p>
+            <a:pPr indent="0" lvl="0" marL="0" rtl="0" algn="l">
+              <a:lnSpc>
+                <a:spcPct val="135714"/>
+              </a:lnSpc>
+              <a:spcBef>
+                <a:spcPts val="0"/>
+              </a:spcBef>
+              <a:spcAft>
+                <a:spcPts val="0"/>
+              </a:spcAft>
+              <a:buNone/>
+            </a:pPr>
+            <a:r>
+              <a:rPr lang="en" sz="1050">
+                <a:solidFill>
+                  <a:srgbClr val="DCDCAA"/>
+                </a:solidFill>
+                <a:highlight>
+                  <a:srgbClr val="1F1F1F"/>
+                </a:highlight>
+                <a:latin typeface="Consolas"/>
+                <a:ea typeface="Consolas"/>
+                <a:cs typeface="Consolas"/>
+                <a:sym typeface="Consolas"/>
+              </a:rPr>
+              <a:t>echo</a:t>
+            </a:r>
+            <a:r>
+              <a:rPr lang="en" sz="1050">
+                <a:solidFill>
+                  <a:srgbClr val="CCCCCC"/>
+                </a:solidFill>
+                <a:highlight>
+                  <a:srgbClr val="1F1F1F"/>
+                </a:highlight>
+                <a:latin typeface="Consolas"/>
+                <a:ea typeface="Consolas"/>
+                <a:cs typeface="Consolas"/>
+                <a:sym typeface="Consolas"/>
+              </a:rPr>
+              <a:t> </a:t>
+            </a:r>
+            <a:r>
+              <a:rPr lang="en" sz="1050">
+                <a:solidFill>
+                  <a:srgbClr val="CE9178"/>
+                </a:solidFill>
+                <a:highlight>
+                  <a:srgbClr val="1F1F1F"/>
+                </a:highlight>
+                <a:latin typeface="Consolas"/>
+                <a:ea typeface="Consolas"/>
+                <a:cs typeface="Consolas"/>
+                <a:sym typeface="Consolas"/>
+              </a:rPr>
+              <a:t>“hello</a:t>
+            </a:r>
+            <a:r>
+              <a:rPr lang="en" sz="1050">
+                <a:solidFill>
+                  <a:srgbClr val="CCCCCC"/>
+                </a:solidFill>
+                <a:highlight>
+                  <a:srgbClr val="1F1F1F"/>
+                </a:highlight>
+                <a:latin typeface="Consolas"/>
+                <a:ea typeface="Consolas"/>
+                <a:cs typeface="Consolas"/>
+                <a:sym typeface="Consolas"/>
+              </a:rPr>
+              <a:t> </a:t>
+            </a:r>
+            <a:r>
+              <a:rPr lang="en" sz="1050">
+                <a:solidFill>
+                  <a:srgbClr val="CE9178"/>
+                </a:solidFill>
+                <a:highlight>
+                  <a:srgbClr val="1F1F1F"/>
+                </a:highlight>
+                <a:latin typeface="Consolas"/>
+                <a:ea typeface="Consolas"/>
+                <a:cs typeface="Consolas"/>
+                <a:sym typeface="Consolas"/>
+              </a:rPr>
+              <a:t>sbatch</a:t>
+            </a:r>
+            <a:r>
+              <a:rPr lang="en" sz="1050">
+                <a:solidFill>
+                  <a:srgbClr val="CCCCCC"/>
+                </a:solidFill>
+                <a:highlight>
+                  <a:srgbClr val="1F1F1F"/>
+                </a:highlight>
+                <a:latin typeface="Consolas"/>
+                <a:ea typeface="Consolas"/>
+                <a:cs typeface="Consolas"/>
+                <a:sym typeface="Consolas"/>
+              </a:rPr>
+              <a:t> </a:t>
+            </a:r>
+            <a:r>
+              <a:rPr lang="en" sz="1050">
+                <a:solidFill>
+                  <a:srgbClr val="CE9178"/>
+                </a:solidFill>
+                <a:highlight>
+                  <a:srgbClr val="1F1F1F"/>
+                </a:highlight>
+                <a:latin typeface="Consolas"/>
+                <a:ea typeface="Consolas"/>
+                <a:cs typeface="Consolas"/>
+                <a:sym typeface="Consolas"/>
+              </a:rPr>
+              <a:t>world!”</a:t>
+            </a:r>
+            <a:endParaRPr sz="1050">
+              <a:solidFill>
+                <a:srgbClr val="CE9178"/>
+              </a:solidFill>
+              <a:highlight>
+                <a:srgbClr val="1F1F1F"/>
+              </a:highlight>
+              <a:latin typeface="Consolas"/>
+              <a:ea typeface="Consolas"/>
+              <a:cs typeface="Consolas"/>
+              <a:sym typeface="Consolas"/>
+            </a:endParaRPr>
+          </a:p>
+          <a:p>
+            <a:pPr indent="0" lvl="0" marL="0" rtl="0" algn="l">
+              <a:lnSpc>
+                <a:spcPct val="135714"/>
+              </a:lnSpc>
+              <a:spcBef>
+                <a:spcPts val="0"/>
+              </a:spcBef>
+              <a:spcAft>
+                <a:spcPts val="0"/>
+              </a:spcAft>
+              <a:buNone/>
+            </a:pPr>
+            <a:r>
+              <a:t/>
+            </a:r>
+            <a:endParaRPr sz="1050">
+              <a:solidFill>
+                <a:srgbClr val="CCCCCC"/>
+              </a:solidFill>
+              <a:highlight>
+                <a:srgbClr val="1F1F1F"/>
+              </a:highlight>
+              <a:latin typeface="Consolas"/>
+              <a:ea typeface="Consolas"/>
+              <a:cs typeface="Consolas"/>
+              <a:sym typeface="Consolas"/>
+            </a:endParaRPr>
+          </a:p>
+          <a:p>
+            <a:pPr indent="0" lvl="0" marL="0" rtl="0" algn="l">
+              <a:lnSpc>
+                <a:spcPct val="135714"/>
+              </a:lnSpc>
+              <a:spcBef>
+                <a:spcPts val="0"/>
+              </a:spcBef>
+              <a:spcAft>
+                <a:spcPts val="0"/>
+              </a:spcAft>
+              <a:buNone/>
+            </a:pPr>
+            <a:r>
+              <a:rPr lang="en" sz="1050">
+                <a:solidFill>
+                  <a:srgbClr val="6A9955"/>
+                </a:solidFill>
+                <a:highlight>
+                  <a:srgbClr val="1F1F1F"/>
+                </a:highlight>
+                <a:latin typeface="Consolas"/>
+                <a:ea typeface="Consolas"/>
+                <a:cs typeface="Consolas"/>
+                <a:sym typeface="Consolas"/>
               </a:rPr>
               <a:t># it can be helpful for debugging to get the node name</a:t>
             </a:r>
-            <a:br>
-              <a:rPr lang="en">
-                <a:solidFill>
-                  <a:schemeClr val="accent5"/>
-                </a:solidFill>
-              </a:rPr>
-            </a:br>
-            <a:r>
-              <a:rPr lang="en">
-                <a:solidFill>
-                  <a:schemeClr val="accent5"/>
-                </a:solidFill>
-              </a:rPr>
-              <a:t>echo $HOSTNAME &gt;&amp;2 </a:t>
-            </a:r>
-            <a:endParaRPr>
+            <a:endParaRPr sz="1050">
               <a:solidFill>
-                <a:schemeClr val="accent5"/>
+                <a:srgbClr val="6A9955"/>
               </a:solidFill>
+              <a:highlight>
+                <a:srgbClr val="1F1F1F"/>
+              </a:highlight>
+              <a:latin typeface="Consolas"/>
+              <a:ea typeface="Consolas"/>
+              <a:cs typeface="Consolas"/>
+              <a:sym typeface="Consolas"/>
             </a:endParaRPr>
           </a:p>
           <a:p>
             <a:pPr indent="0" lvl="0" marL="0" rtl="0" algn="l">
               <a:lnSpc>
-                <a:spcPct val="100000"/>
+                <a:spcPct val="135714"/>
               </a:lnSpc>
               <a:spcBef>
-                <a:spcPts val="1200"/>
-              </a:spcBef>
-              <a:spcAft>
-                <a:spcPts val="1200"/>
-              </a:spcAft>
-              <a:buNone/>
-            </a:pPr>
-            <a:r>
-              <a:rPr lang="en">
-                <a:solidFill>
-                  <a:schemeClr val="accent5"/>
-                </a:solidFill>
+                <a:spcPts val="0"/>
+              </a:spcBef>
+              <a:spcAft>
+                <a:spcPts val="0"/>
+              </a:spcAft>
+              <a:buNone/>
+            </a:pPr>
+            <a:r>
+              <a:rPr lang="en" sz="1050">
+                <a:solidFill>
+                  <a:srgbClr val="DCDCAA"/>
+                </a:solidFill>
+                <a:highlight>
+                  <a:srgbClr val="1F1F1F"/>
+                </a:highlight>
+                <a:latin typeface="Consolas"/>
+                <a:ea typeface="Consolas"/>
+                <a:cs typeface="Consolas"/>
+                <a:sym typeface="Consolas"/>
+              </a:rPr>
+              <a:t>echo</a:t>
+            </a:r>
+            <a:r>
+              <a:rPr lang="en" sz="1050">
+                <a:solidFill>
+                  <a:srgbClr val="CCCCCC"/>
+                </a:solidFill>
+                <a:highlight>
+                  <a:srgbClr val="1F1F1F"/>
+                </a:highlight>
+                <a:latin typeface="Consolas"/>
+                <a:ea typeface="Consolas"/>
+                <a:cs typeface="Consolas"/>
+                <a:sym typeface="Consolas"/>
+              </a:rPr>
+              <a:t> </a:t>
+            </a:r>
+            <a:r>
+              <a:rPr lang="en" sz="1050">
+                <a:solidFill>
+                  <a:srgbClr val="9CDCFE"/>
+                </a:solidFill>
+                <a:highlight>
+                  <a:srgbClr val="1F1F1F"/>
+                </a:highlight>
+                <a:latin typeface="Consolas"/>
+                <a:ea typeface="Consolas"/>
+                <a:cs typeface="Consolas"/>
+                <a:sym typeface="Consolas"/>
+              </a:rPr>
+              <a:t>$HOSTNAME</a:t>
+            </a:r>
+            <a:r>
+              <a:rPr lang="en" sz="1050">
+                <a:solidFill>
+                  <a:srgbClr val="CCCCCC"/>
+                </a:solidFill>
+                <a:highlight>
+                  <a:srgbClr val="1F1F1F"/>
+                </a:highlight>
+                <a:latin typeface="Consolas"/>
+                <a:ea typeface="Consolas"/>
+                <a:cs typeface="Consolas"/>
+                <a:sym typeface="Consolas"/>
+              </a:rPr>
+              <a:t> </a:t>
+            </a:r>
+            <a:r>
+              <a:rPr lang="en" sz="1050">
+                <a:solidFill>
+                  <a:srgbClr val="D4D4D4"/>
+                </a:solidFill>
+                <a:highlight>
+                  <a:srgbClr val="1F1F1F"/>
+                </a:highlight>
+                <a:latin typeface="Consolas"/>
+                <a:ea typeface="Consolas"/>
+                <a:cs typeface="Consolas"/>
+                <a:sym typeface="Consolas"/>
+              </a:rPr>
+              <a:t>&gt;&amp;2</a:t>
+            </a:r>
+            <a:endParaRPr sz="1050">
+              <a:solidFill>
+                <a:srgbClr val="D4D4D4"/>
+              </a:solidFill>
+              <a:highlight>
+                <a:srgbClr val="1F1F1F"/>
+              </a:highlight>
+              <a:latin typeface="Consolas"/>
+              <a:ea typeface="Consolas"/>
+              <a:cs typeface="Consolas"/>
+              <a:sym typeface="Consolas"/>
+            </a:endParaRPr>
+          </a:p>
+          <a:p>
+            <a:pPr indent="0" lvl="0" marL="0" rtl="0" algn="l">
+              <a:lnSpc>
+                <a:spcPct val="135714"/>
+              </a:lnSpc>
+              <a:spcBef>
+                <a:spcPts val="0"/>
+              </a:spcBef>
+              <a:spcAft>
+                <a:spcPts val="0"/>
+              </a:spcAft>
+              <a:buNone/>
+            </a:pPr>
+            <a:r>
+              <a:rPr lang="en" sz="1050">
+                <a:solidFill>
+                  <a:srgbClr val="6A9955"/>
+                </a:solidFill>
+                <a:highlight>
+                  <a:srgbClr val="1F1F1F"/>
+                </a:highlight>
+                <a:latin typeface="Consolas"/>
+                <a:ea typeface="Consolas"/>
+                <a:cs typeface="Consolas"/>
+                <a:sym typeface="Consolas"/>
               </a:rPr>
               <a:t># a delay at the end is also good practice</a:t>
             </a:r>
-            <a:br>
-              <a:rPr lang="en">
-                <a:solidFill>
-                  <a:schemeClr val="accent5"/>
-                </a:solidFill>
-              </a:rPr>
-            </a:br>
-            <a:r>
-              <a:rPr lang="en">
-                <a:solidFill>
-                  <a:schemeClr val="accent5"/>
-                </a:solidFill>
-              </a:rPr>
-              <a:t>sleep 10s</a:t>
+            <a:endParaRPr sz="1050">
+              <a:solidFill>
+                <a:srgbClr val="6A9955"/>
+              </a:solidFill>
+              <a:highlight>
+                <a:srgbClr val="1F1F1F"/>
+              </a:highlight>
+              <a:latin typeface="Consolas"/>
+              <a:ea typeface="Consolas"/>
+              <a:cs typeface="Consolas"/>
+              <a:sym typeface="Consolas"/>
+            </a:endParaRPr>
+          </a:p>
+          <a:p>
+            <a:pPr indent="0" lvl="0" marL="0" rtl="0" algn="l">
+              <a:lnSpc>
+                <a:spcPct val="135714"/>
+              </a:lnSpc>
+              <a:spcBef>
+                <a:spcPts val="0"/>
+              </a:spcBef>
+              <a:spcAft>
+                <a:spcPts val="0"/>
+              </a:spcAft>
+              <a:buNone/>
+            </a:pPr>
+            <a:r>
+              <a:rPr lang="en" sz="1050">
+                <a:solidFill>
+                  <a:srgbClr val="DCDCAA"/>
+                </a:solidFill>
+                <a:highlight>
+                  <a:srgbClr val="1F1F1F"/>
+                </a:highlight>
+                <a:latin typeface="Consolas"/>
+                <a:ea typeface="Consolas"/>
+                <a:cs typeface="Consolas"/>
+                <a:sym typeface="Consolas"/>
+              </a:rPr>
+              <a:t>sleep</a:t>
+            </a:r>
+            <a:r>
+              <a:rPr lang="en" sz="1050">
+                <a:solidFill>
+                  <a:srgbClr val="CCCCCC"/>
+                </a:solidFill>
+                <a:highlight>
+                  <a:srgbClr val="1F1F1F"/>
+                </a:highlight>
+                <a:latin typeface="Consolas"/>
+                <a:ea typeface="Consolas"/>
+                <a:cs typeface="Consolas"/>
+                <a:sym typeface="Consolas"/>
+              </a:rPr>
+              <a:t> </a:t>
+            </a:r>
+            <a:r>
+              <a:rPr lang="en" sz="1050">
+                <a:solidFill>
+                  <a:srgbClr val="B5CEA8"/>
+                </a:solidFill>
+                <a:highlight>
+                  <a:srgbClr val="1F1F1F"/>
+                </a:highlight>
+                <a:latin typeface="Consolas"/>
+                <a:ea typeface="Consolas"/>
+                <a:cs typeface="Consolas"/>
+                <a:sym typeface="Consolas"/>
+              </a:rPr>
+              <a:t>10</a:t>
+            </a:r>
+            <a:r>
+              <a:rPr lang="en" sz="1050">
+                <a:solidFill>
+                  <a:srgbClr val="CE9178"/>
+                </a:solidFill>
+                <a:highlight>
+                  <a:srgbClr val="1F1F1F"/>
+                </a:highlight>
+                <a:latin typeface="Consolas"/>
+                <a:ea typeface="Consolas"/>
+                <a:cs typeface="Consolas"/>
+                <a:sym typeface="Consolas"/>
+              </a:rPr>
+              <a:t>s</a:t>
             </a:r>
             <a:endParaRPr>
               <a:solidFill>
@@ -26242,7 +27763,7 @@
         </p:nvSpPr>
         <p:spPr>
           <a:xfrm>
-            <a:off x="4551125" y="1657250"/>
+            <a:off x="4551025" y="1783025"/>
             <a:ext cx="2119500" cy="320400"/>
           </a:xfrm>
           <a:prstGeom prst="rect">
@@ -26294,7 +27815,7 @@
         </p:nvSpPr>
         <p:spPr>
           <a:xfrm>
-            <a:off x="4551125" y="2126100"/>
+            <a:off x="4551125" y="2319425"/>
             <a:ext cx="2760600" cy="320400"/>
           </a:xfrm>
           <a:prstGeom prst="rect">
@@ -27158,325 +28679,974 @@
         </p:spPr>
         <p:txBody>
           <a:bodyPr anchorCtr="0" anchor="t" bIns="91425" lIns="91425" spcFirstLastPara="1" rIns="91425" wrap="square" tIns="91425">
-            <a:normAutofit fontScale="47500" lnSpcReduction="10000"/>
+            <a:normAutofit fontScale="77500" lnSpcReduction="20000"/>
           </a:bodyPr>
           <a:lstStyle/>
           <a:p>
             <a:pPr indent="0" lvl="0" marL="0" rtl="0" algn="l">
-              <a:spcBef>
-                <a:spcPts val="0"/>
-              </a:spcBef>
-              <a:spcAft>
-                <a:spcPts val="0"/>
-              </a:spcAft>
-              <a:buNone/>
-            </a:pPr>
-            <a:r>
-              <a:rPr lang="en">
-                <a:solidFill>
-                  <a:schemeClr val="accent5"/>
-                </a:solidFill>
+              <a:lnSpc>
+                <a:spcPct val="135714"/>
+              </a:lnSpc>
+              <a:spcBef>
+                <a:spcPts val="0"/>
+              </a:spcBef>
+              <a:spcAft>
+                <a:spcPts val="0"/>
+              </a:spcAft>
+              <a:buNone/>
+            </a:pPr>
+            <a:r>
+              <a:rPr lang="en" sz="1050">
+                <a:solidFill>
+                  <a:srgbClr val="6A9955"/>
+                </a:solidFill>
+                <a:highlight>
+                  <a:srgbClr val="1F1F1F"/>
+                </a:highlight>
+                <a:latin typeface="Consolas"/>
+                <a:ea typeface="Consolas"/>
+                <a:cs typeface="Consolas"/>
+                <a:sym typeface="Consolas"/>
               </a:rPr>
               <a:t>#!/bin/bash</a:t>
             </a:r>
+            <a:endParaRPr sz="1050">
+              <a:solidFill>
+                <a:srgbClr val="6A9955"/>
+              </a:solidFill>
+              <a:highlight>
+                <a:srgbClr val="1F1F1F"/>
+              </a:highlight>
+              <a:latin typeface="Consolas"/>
+              <a:ea typeface="Consolas"/>
+              <a:cs typeface="Consolas"/>
+              <a:sym typeface="Consolas"/>
+            </a:endParaRPr>
+          </a:p>
+          <a:p>
+            <a:pPr indent="0" lvl="0" marL="0" rtl="0" algn="l">
+              <a:lnSpc>
+                <a:spcPct val="135714"/>
+              </a:lnSpc>
+              <a:spcBef>
+                <a:spcPts val="0"/>
+              </a:spcBef>
+              <a:spcAft>
+                <a:spcPts val="0"/>
+              </a:spcAft>
+              <a:buNone/>
+            </a:pPr>
+            <a:r>
+              <a:rPr lang="en" sz="1050">
+                <a:solidFill>
+                  <a:srgbClr val="6A9955"/>
+                </a:solidFill>
+                <a:highlight>
+                  <a:srgbClr val="1F1F1F"/>
+                </a:highlight>
+                <a:latin typeface="Consolas"/>
+                <a:ea typeface="Consolas"/>
+                <a:cs typeface="Consolas"/>
+                <a:sym typeface="Consolas"/>
+              </a:rPr>
+              <a:t>#SBATCH -p qTRD</a:t>
+            </a:r>
+            <a:endParaRPr sz="1050">
+              <a:solidFill>
+                <a:srgbClr val="6A9955"/>
+              </a:solidFill>
+              <a:highlight>
+                <a:srgbClr val="1F1F1F"/>
+              </a:highlight>
+              <a:latin typeface="Consolas"/>
+              <a:ea typeface="Consolas"/>
+              <a:cs typeface="Consolas"/>
+              <a:sym typeface="Consolas"/>
+            </a:endParaRPr>
+          </a:p>
+          <a:p>
+            <a:pPr indent="0" lvl="0" marL="0" rtl="0" algn="l">
+              <a:lnSpc>
+                <a:spcPct val="135714"/>
+              </a:lnSpc>
+              <a:spcBef>
+                <a:spcPts val="0"/>
+              </a:spcBef>
+              <a:spcAft>
+                <a:spcPts val="0"/>
+              </a:spcAft>
+              <a:buNone/>
+            </a:pPr>
+            <a:r>
+              <a:rPr lang="en" sz="1050">
+                <a:solidFill>
+                  <a:srgbClr val="6A9955"/>
+                </a:solidFill>
+                <a:highlight>
+                  <a:srgbClr val="1F1F1F"/>
+                </a:highlight>
+                <a:latin typeface="Consolas"/>
+                <a:ea typeface="Consolas"/>
+                <a:cs typeface="Consolas"/>
+                <a:sym typeface="Consolas"/>
+              </a:rPr>
+              <a:t>#SBATCH -N 1</a:t>
+            </a:r>
+            <a:endParaRPr sz="1050">
+              <a:solidFill>
+                <a:srgbClr val="6A9955"/>
+              </a:solidFill>
+              <a:highlight>
+                <a:srgbClr val="1F1F1F"/>
+              </a:highlight>
+              <a:latin typeface="Consolas"/>
+              <a:ea typeface="Consolas"/>
+              <a:cs typeface="Consolas"/>
+              <a:sym typeface="Consolas"/>
+            </a:endParaRPr>
+          </a:p>
+          <a:p>
+            <a:pPr indent="0" lvl="0" marL="0" rtl="0" algn="l">
+              <a:lnSpc>
+                <a:spcPct val="135714"/>
+              </a:lnSpc>
+              <a:spcBef>
+                <a:spcPts val="0"/>
+              </a:spcBef>
+              <a:spcAft>
+                <a:spcPts val="0"/>
+              </a:spcAft>
+              <a:buNone/>
+            </a:pPr>
+            <a:r>
+              <a:rPr lang="en" sz="1050">
+                <a:solidFill>
+                  <a:srgbClr val="6A9955"/>
+                </a:solidFill>
+                <a:highlight>
+                  <a:srgbClr val="1F1F1F"/>
+                </a:highlight>
+                <a:latin typeface="Consolas"/>
+                <a:ea typeface="Consolas"/>
+                <a:cs typeface="Consolas"/>
+                <a:sym typeface="Consolas"/>
+              </a:rPr>
+              <a:t>#SBATCH -n 1</a:t>
+            </a:r>
+            <a:endParaRPr sz="1050">
+              <a:solidFill>
+                <a:srgbClr val="6A9955"/>
+              </a:solidFill>
+              <a:highlight>
+                <a:srgbClr val="1F1F1F"/>
+              </a:highlight>
+              <a:latin typeface="Consolas"/>
+              <a:ea typeface="Consolas"/>
+              <a:cs typeface="Consolas"/>
+              <a:sym typeface="Consolas"/>
+            </a:endParaRPr>
+          </a:p>
+          <a:p>
+            <a:pPr indent="0" lvl="0" marL="0" rtl="0" algn="l">
+              <a:lnSpc>
+                <a:spcPct val="135714"/>
+              </a:lnSpc>
+              <a:spcBef>
+                <a:spcPts val="0"/>
+              </a:spcBef>
+              <a:spcAft>
+                <a:spcPts val="0"/>
+              </a:spcAft>
+              <a:buNone/>
+            </a:pPr>
+            <a:r>
+              <a:rPr lang="en" sz="1050">
+                <a:solidFill>
+                  <a:srgbClr val="6A9955"/>
+                </a:solidFill>
+                <a:highlight>
+                  <a:srgbClr val="1F1F1F"/>
+                </a:highlight>
+                <a:latin typeface="Consolas"/>
+                <a:ea typeface="Consolas"/>
+                <a:cs typeface="Consolas"/>
+                <a:sym typeface="Consolas"/>
+              </a:rPr>
+              <a:t>#SBATCH -c 1</a:t>
+            </a:r>
+            <a:endParaRPr sz="1050">
+              <a:solidFill>
+                <a:srgbClr val="6A9955"/>
+              </a:solidFill>
+              <a:highlight>
+                <a:srgbClr val="1F1F1F"/>
+              </a:highlight>
+              <a:latin typeface="Consolas"/>
+              <a:ea typeface="Consolas"/>
+              <a:cs typeface="Consolas"/>
+              <a:sym typeface="Consolas"/>
+            </a:endParaRPr>
+          </a:p>
+          <a:p>
+            <a:pPr indent="0" lvl="0" marL="0" rtl="0" algn="l">
+              <a:lnSpc>
+                <a:spcPct val="135714"/>
+              </a:lnSpc>
+              <a:spcBef>
+                <a:spcPts val="0"/>
+              </a:spcBef>
+              <a:spcAft>
+                <a:spcPts val="0"/>
+              </a:spcAft>
+              <a:buNone/>
+            </a:pPr>
+            <a:r>
+              <a:rPr lang="en" sz="1050">
+                <a:solidFill>
+                  <a:srgbClr val="6A9955"/>
+                </a:solidFill>
+                <a:highlight>
+                  <a:srgbClr val="1F1F1F"/>
+                </a:highlight>
+                <a:latin typeface="Consolas"/>
+                <a:ea typeface="Consolas"/>
+                <a:cs typeface="Consolas"/>
+                <a:sym typeface="Consolas"/>
+              </a:rPr>
+              <a:t>#SBATCH --mem=1g</a:t>
+            </a:r>
+            <a:endParaRPr sz="1050">
+              <a:solidFill>
+                <a:srgbClr val="6A9955"/>
+              </a:solidFill>
+              <a:highlight>
+                <a:srgbClr val="1F1F1F"/>
+              </a:highlight>
+              <a:latin typeface="Consolas"/>
+              <a:ea typeface="Consolas"/>
+              <a:cs typeface="Consolas"/>
+              <a:sym typeface="Consolas"/>
+            </a:endParaRPr>
+          </a:p>
+          <a:p>
+            <a:pPr indent="0" lvl="0" marL="0" rtl="0" algn="l">
+              <a:lnSpc>
+                <a:spcPct val="135714"/>
+              </a:lnSpc>
+              <a:spcBef>
+                <a:spcPts val="0"/>
+              </a:spcBef>
+              <a:spcAft>
+                <a:spcPts val="0"/>
+              </a:spcAft>
+              <a:buNone/>
+            </a:pPr>
+            <a:r>
+              <a:rPr lang="en" sz="1050">
+                <a:solidFill>
+                  <a:srgbClr val="6A9955"/>
+                </a:solidFill>
+                <a:highlight>
+                  <a:srgbClr val="1F1F1F"/>
+                </a:highlight>
+                <a:latin typeface="Consolas"/>
+                <a:ea typeface="Consolas"/>
+                <a:cs typeface="Consolas"/>
+                <a:sym typeface="Consolas"/>
+              </a:rPr>
+              <a:t>#SBATCH -p qTRD</a:t>
+            </a:r>
+            <a:endParaRPr sz="1050">
+              <a:solidFill>
+                <a:srgbClr val="6A9955"/>
+              </a:solidFill>
+              <a:highlight>
+                <a:srgbClr val="1F1F1F"/>
+              </a:highlight>
+              <a:latin typeface="Consolas"/>
+              <a:ea typeface="Consolas"/>
+              <a:cs typeface="Consolas"/>
+              <a:sym typeface="Consolas"/>
+            </a:endParaRPr>
+          </a:p>
+          <a:p>
+            <a:pPr indent="0" lvl="0" marL="0" rtl="0" algn="l">
+              <a:lnSpc>
+                <a:spcPct val="135714"/>
+              </a:lnSpc>
+              <a:spcBef>
+                <a:spcPts val="0"/>
+              </a:spcBef>
+              <a:spcAft>
+                <a:spcPts val="0"/>
+              </a:spcAft>
+              <a:buNone/>
+            </a:pPr>
+            <a:r>
+              <a:rPr lang="en" sz="1050">
+                <a:solidFill>
+                  <a:srgbClr val="6A9955"/>
+                </a:solidFill>
+                <a:highlight>
+                  <a:srgbClr val="1F1F1F"/>
+                </a:highlight>
+                <a:latin typeface="Consolas"/>
+                <a:ea typeface="Consolas"/>
+                <a:cs typeface="Consolas"/>
+                <a:sym typeface="Consolas"/>
+              </a:rPr>
+              <a:t>#SBATCH -t 1:00:00</a:t>
+            </a:r>
+            <a:endParaRPr sz="1050">
+              <a:solidFill>
+                <a:srgbClr val="6A9955"/>
+              </a:solidFill>
+              <a:highlight>
+                <a:srgbClr val="1F1F1F"/>
+              </a:highlight>
+              <a:latin typeface="Consolas"/>
+              <a:ea typeface="Consolas"/>
+              <a:cs typeface="Consolas"/>
+              <a:sym typeface="Consolas"/>
+            </a:endParaRPr>
+          </a:p>
+          <a:p>
+            <a:pPr indent="0" lvl="0" marL="0" rtl="0" algn="l">
+              <a:lnSpc>
+                <a:spcPct val="135714"/>
+              </a:lnSpc>
+              <a:spcBef>
+                <a:spcPts val="0"/>
+              </a:spcBef>
+              <a:spcAft>
+                <a:spcPts val="0"/>
+              </a:spcAft>
+              <a:buNone/>
+            </a:pPr>
+            <a:r>
+              <a:rPr lang="en" sz="1050">
+                <a:solidFill>
+                  <a:srgbClr val="6A9955"/>
+                </a:solidFill>
+                <a:highlight>
+                  <a:srgbClr val="1F1F1F"/>
+                </a:highlight>
+                <a:latin typeface="Consolas"/>
+                <a:ea typeface="Consolas"/>
+                <a:cs typeface="Consolas"/>
+                <a:sym typeface="Consolas"/>
+              </a:rPr>
+              <a:t>#SBATCH -J basic_array</a:t>
+            </a:r>
+            <a:endParaRPr sz="1050">
+              <a:solidFill>
+                <a:srgbClr val="6A9955"/>
+              </a:solidFill>
+              <a:highlight>
+                <a:srgbClr val="1F1F1F"/>
+              </a:highlight>
+              <a:latin typeface="Consolas"/>
+              <a:ea typeface="Consolas"/>
+              <a:cs typeface="Consolas"/>
+              <a:sym typeface="Consolas"/>
+            </a:endParaRPr>
+          </a:p>
+          <a:p>
+            <a:pPr indent="0" lvl="0" marL="0" rtl="0" algn="l">
+              <a:lnSpc>
+                <a:spcPct val="135714"/>
+              </a:lnSpc>
+              <a:spcBef>
+                <a:spcPts val="0"/>
+              </a:spcBef>
+              <a:spcAft>
+                <a:spcPts val="0"/>
+              </a:spcAft>
+              <a:buNone/>
+            </a:pPr>
+            <a:r>
+              <a:rPr lang="en" sz="1050">
+                <a:solidFill>
+                  <a:srgbClr val="6A9955"/>
+                </a:solidFill>
+                <a:highlight>
+                  <a:srgbClr val="1F1F1F"/>
+                </a:highlight>
+                <a:latin typeface="Consolas"/>
+                <a:ea typeface="Consolas"/>
+                <a:cs typeface="Consolas"/>
+                <a:sym typeface="Consolas"/>
+              </a:rPr>
+              <a:t>#SBATCH -e error%A-%a.err</a:t>
+            </a:r>
+            <a:endParaRPr sz="1050">
+              <a:solidFill>
+                <a:srgbClr val="6A9955"/>
+              </a:solidFill>
+              <a:highlight>
+                <a:srgbClr val="1F1F1F"/>
+              </a:highlight>
+              <a:latin typeface="Consolas"/>
+              <a:ea typeface="Consolas"/>
+              <a:cs typeface="Consolas"/>
+              <a:sym typeface="Consolas"/>
+            </a:endParaRPr>
+          </a:p>
+          <a:p>
+            <a:pPr indent="0" lvl="0" marL="0" rtl="0" algn="l">
+              <a:lnSpc>
+                <a:spcPct val="135714"/>
+              </a:lnSpc>
+              <a:spcBef>
+                <a:spcPts val="0"/>
+              </a:spcBef>
+              <a:spcAft>
+                <a:spcPts val="0"/>
+              </a:spcAft>
+              <a:buNone/>
+            </a:pPr>
+            <a:r>
+              <a:rPr lang="en" sz="1050">
+                <a:solidFill>
+                  <a:srgbClr val="6A9955"/>
+                </a:solidFill>
+                <a:highlight>
+                  <a:srgbClr val="1F1F1F"/>
+                </a:highlight>
+                <a:latin typeface="Consolas"/>
+                <a:ea typeface="Consolas"/>
+                <a:cs typeface="Consolas"/>
+                <a:sym typeface="Consolas"/>
+              </a:rPr>
+              <a:t>#SBATCH -o out%A-%a.out</a:t>
+            </a:r>
+            <a:endParaRPr sz="1050">
+              <a:solidFill>
+                <a:srgbClr val="6A9955"/>
+              </a:solidFill>
+              <a:highlight>
+                <a:srgbClr val="1F1F1F"/>
+              </a:highlight>
+              <a:latin typeface="Consolas"/>
+              <a:ea typeface="Consolas"/>
+              <a:cs typeface="Consolas"/>
+              <a:sym typeface="Consolas"/>
+            </a:endParaRPr>
+          </a:p>
+          <a:p>
+            <a:pPr indent="0" lvl="0" marL="0" rtl="0" algn="l">
+              <a:lnSpc>
+                <a:spcPct val="135714"/>
+              </a:lnSpc>
+              <a:spcBef>
+                <a:spcPts val="0"/>
+              </a:spcBef>
+              <a:spcAft>
+                <a:spcPts val="0"/>
+              </a:spcAft>
+              <a:buNone/>
+            </a:pPr>
+            <a:r>
+              <a:rPr lang="en" sz="1050">
+                <a:solidFill>
+                  <a:srgbClr val="6A9955"/>
+                </a:solidFill>
+                <a:highlight>
+                  <a:srgbClr val="1F1F1F"/>
+                </a:highlight>
+                <a:latin typeface="Consolas"/>
+                <a:ea typeface="Consolas"/>
+                <a:cs typeface="Consolas"/>
+                <a:sym typeface="Consolas"/>
+              </a:rPr>
+              <a:t>#SBATCH -A trends53c17</a:t>
+            </a:r>
+            <a:endParaRPr sz="1050">
+              <a:solidFill>
+                <a:srgbClr val="6A9955"/>
+              </a:solidFill>
+              <a:highlight>
+                <a:srgbClr val="1F1F1F"/>
+              </a:highlight>
+              <a:latin typeface="Consolas"/>
+              <a:ea typeface="Consolas"/>
+              <a:cs typeface="Consolas"/>
+              <a:sym typeface="Consolas"/>
+            </a:endParaRPr>
+          </a:p>
+          <a:p>
+            <a:pPr indent="0" lvl="0" marL="0" rtl="0" algn="l">
+              <a:lnSpc>
+                <a:spcPct val="135714"/>
+              </a:lnSpc>
+              <a:spcBef>
+                <a:spcPts val="0"/>
+              </a:spcBef>
+              <a:spcAft>
+                <a:spcPts val="0"/>
+              </a:spcAft>
+              <a:buNone/>
+            </a:pPr>
+            <a:r>
+              <a:rPr lang="en" sz="1050">
+                <a:solidFill>
+                  <a:srgbClr val="6A9955"/>
+                </a:solidFill>
+                <a:highlight>
+                  <a:srgbClr val="1F1F1F"/>
+                </a:highlight>
+                <a:latin typeface="Consolas"/>
+                <a:ea typeface="Consolas"/>
+                <a:cs typeface="Consolas"/>
+                <a:sym typeface="Consolas"/>
+              </a:rPr>
+              <a:t>#SBATCH --oversubscribe</a:t>
+            </a:r>
+            <a:endParaRPr sz="1050">
+              <a:solidFill>
+                <a:srgbClr val="6A9955"/>
+              </a:solidFill>
+              <a:highlight>
+                <a:srgbClr val="1F1F1F"/>
+              </a:highlight>
+              <a:latin typeface="Consolas"/>
+              <a:ea typeface="Consolas"/>
+              <a:cs typeface="Consolas"/>
+              <a:sym typeface="Consolas"/>
+            </a:endParaRPr>
+          </a:p>
+          <a:p>
+            <a:pPr indent="0" lvl="0" marL="0" rtl="0" algn="l">
+              <a:lnSpc>
+                <a:spcPct val="135714"/>
+              </a:lnSpc>
+              <a:spcBef>
+                <a:spcPts val="0"/>
+              </a:spcBef>
+              <a:spcAft>
+                <a:spcPts val="0"/>
+              </a:spcAft>
+              <a:buNone/>
+            </a:pPr>
+            <a:r>
+              <a:rPr lang="en" sz="1050">
+                <a:solidFill>
+                  <a:srgbClr val="DCDCAA"/>
+                </a:solidFill>
+                <a:highlight>
+                  <a:srgbClr val="1F1F1F"/>
+                </a:highlight>
+                <a:latin typeface="Consolas"/>
+                <a:ea typeface="Consolas"/>
+                <a:cs typeface="Consolas"/>
+                <a:sym typeface="Consolas"/>
+              </a:rPr>
+              <a:t>sleep</a:t>
+            </a:r>
+            <a:r>
+              <a:rPr lang="en" sz="1050">
+                <a:solidFill>
+                  <a:srgbClr val="CCCCCC"/>
+                </a:solidFill>
+                <a:highlight>
+                  <a:srgbClr val="1F1F1F"/>
+                </a:highlight>
+                <a:latin typeface="Consolas"/>
+                <a:ea typeface="Consolas"/>
+                <a:cs typeface="Consolas"/>
+                <a:sym typeface="Consolas"/>
+              </a:rPr>
+              <a:t> </a:t>
+            </a:r>
+            <a:r>
+              <a:rPr lang="en" sz="1050">
+                <a:solidFill>
+                  <a:srgbClr val="B5CEA8"/>
+                </a:solidFill>
+                <a:highlight>
+                  <a:srgbClr val="1F1F1F"/>
+                </a:highlight>
+                <a:latin typeface="Consolas"/>
+                <a:ea typeface="Consolas"/>
+                <a:cs typeface="Consolas"/>
+                <a:sym typeface="Consolas"/>
+              </a:rPr>
+              <a:t>10</a:t>
+            </a:r>
+            <a:r>
+              <a:rPr lang="en" sz="1050">
+                <a:solidFill>
+                  <a:srgbClr val="CE9178"/>
+                </a:solidFill>
+                <a:highlight>
+                  <a:srgbClr val="1F1F1F"/>
+                </a:highlight>
+                <a:latin typeface="Consolas"/>
+                <a:ea typeface="Consolas"/>
+                <a:cs typeface="Consolas"/>
+                <a:sym typeface="Consolas"/>
+              </a:rPr>
+              <a:t>s</a:t>
+            </a:r>
+            <a:endParaRPr sz="1050">
+              <a:solidFill>
+                <a:srgbClr val="CE9178"/>
+              </a:solidFill>
+              <a:highlight>
+                <a:srgbClr val="1F1F1F"/>
+              </a:highlight>
+              <a:latin typeface="Consolas"/>
+              <a:ea typeface="Consolas"/>
+              <a:cs typeface="Consolas"/>
+              <a:sym typeface="Consolas"/>
+            </a:endParaRPr>
+          </a:p>
+          <a:p>
+            <a:pPr indent="0" lvl="0" marL="0" rtl="0" algn="l">
+              <a:lnSpc>
+                <a:spcPct val="135714"/>
+              </a:lnSpc>
+              <a:spcBef>
+                <a:spcPts val="0"/>
+              </a:spcBef>
+              <a:spcAft>
+                <a:spcPts val="0"/>
+              </a:spcAft>
+              <a:buNone/>
+            </a:pPr>
             <a:br>
-              <a:rPr lang="en">
-                <a:solidFill>
-                  <a:schemeClr val="accent5"/>
-                </a:solidFill>
+              <a:rPr lang="en" sz="1050">
+                <a:solidFill>
+                  <a:srgbClr val="DCDCAA"/>
+                </a:solidFill>
+                <a:highlight>
+                  <a:srgbClr val="1F1F1F"/>
+                </a:highlight>
+                <a:latin typeface="Consolas"/>
+                <a:ea typeface="Consolas"/>
+                <a:cs typeface="Consolas"/>
+                <a:sym typeface="Consolas"/>
               </a:rPr>
             </a:br>
             <a:r>
-              <a:rPr lang="en">
-                <a:solidFill>
-                  <a:schemeClr val="accent5"/>
-                </a:solidFill>
-              </a:rPr>
-              <a:t>#SBATCH -N 1</a:t>
-            </a:r>
+              <a:rPr lang="en" sz="1050">
+                <a:solidFill>
+                  <a:srgbClr val="DCDCAA"/>
+                </a:solidFill>
+                <a:highlight>
+                  <a:srgbClr val="1F1F1F"/>
+                </a:highlight>
+                <a:latin typeface="Consolas"/>
+                <a:ea typeface="Consolas"/>
+                <a:cs typeface="Consolas"/>
+                <a:sym typeface="Consolas"/>
+              </a:rPr>
+              <a:t>echo</a:t>
+            </a:r>
+            <a:r>
+              <a:rPr lang="en" sz="1050">
+                <a:solidFill>
+                  <a:srgbClr val="CCCCCC"/>
+                </a:solidFill>
+                <a:highlight>
+                  <a:srgbClr val="1F1F1F"/>
+                </a:highlight>
+                <a:latin typeface="Consolas"/>
+                <a:ea typeface="Consolas"/>
+                <a:cs typeface="Consolas"/>
+                <a:sym typeface="Consolas"/>
+              </a:rPr>
+              <a:t> </a:t>
+            </a:r>
+            <a:r>
+              <a:rPr lang="en" sz="1050">
+                <a:solidFill>
+                  <a:srgbClr val="9CDCFE"/>
+                </a:solidFill>
+                <a:highlight>
+                  <a:srgbClr val="1F1F1F"/>
+                </a:highlight>
+                <a:latin typeface="Consolas"/>
+                <a:ea typeface="Consolas"/>
+                <a:cs typeface="Consolas"/>
+                <a:sym typeface="Consolas"/>
+              </a:rPr>
+              <a:t>$HOSTNAME</a:t>
+            </a:r>
+            <a:r>
+              <a:rPr lang="en" sz="1050">
+                <a:solidFill>
+                  <a:srgbClr val="CCCCCC"/>
+                </a:solidFill>
+                <a:highlight>
+                  <a:srgbClr val="1F1F1F"/>
+                </a:highlight>
+                <a:latin typeface="Consolas"/>
+                <a:ea typeface="Consolas"/>
+                <a:cs typeface="Consolas"/>
+                <a:sym typeface="Consolas"/>
+              </a:rPr>
+              <a:t> </a:t>
+            </a:r>
+            <a:r>
+              <a:rPr lang="en" sz="1050">
+                <a:solidFill>
+                  <a:srgbClr val="D4D4D4"/>
+                </a:solidFill>
+                <a:highlight>
+                  <a:srgbClr val="1F1F1F"/>
+                </a:highlight>
+                <a:latin typeface="Consolas"/>
+                <a:ea typeface="Consolas"/>
+                <a:cs typeface="Consolas"/>
+                <a:sym typeface="Consolas"/>
+              </a:rPr>
+              <a:t>&gt;&amp;2</a:t>
+            </a:r>
+            <a:endParaRPr sz="1050">
+              <a:solidFill>
+                <a:srgbClr val="D4D4D4"/>
+              </a:solidFill>
+              <a:highlight>
+                <a:srgbClr val="1F1F1F"/>
+              </a:highlight>
+              <a:latin typeface="Consolas"/>
+              <a:ea typeface="Consolas"/>
+              <a:cs typeface="Consolas"/>
+              <a:sym typeface="Consolas"/>
+            </a:endParaRPr>
+          </a:p>
+          <a:p>
+            <a:pPr indent="0" lvl="0" marL="0" rtl="0" algn="l">
+              <a:lnSpc>
+                <a:spcPct val="135714"/>
+              </a:lnSpc>
+              <a:spcBef>
+                <a:spcPts val="0"/>
+              </a:spcBef>
+              <a:spcAft>
+                <a:spcPts val="0"/>
+              </a:spcAft>
+              <a:buNone/>
+            </a:pPr>
             <a:br>
-              <a:rPr lang="en">
-                <a:solidFill>
-                  <a:schemeClr val="accent5"/>
-                </a:solidFill>
+              <a:rPr lang="en" sz="1050">
+                <a:solidFill>
+                  <a:srgbClr val="DCDCAA"/>
+                </a:solidFill>
+                <a:highlight>
+                  <a:srgbClr val="1F1F1F"/>
+                </a:highlight>
+                <a:latin typeface="Consolas"/>
+                <a:ea typeface="Consolas"/>
+                <a:cs typeface="Consolas"/>
+                <a:sym typeface="Consolas"/>
               </a:rPr>
             </a:br>
             <a:r>
-              <a:rPr lang="en">
-                <a:solidFill>
-                  <a:schemeClr val="accent5"/>
-                </a:solidFill>
-              </a:rPr>
-              <a:t>#SBATCH -n 1</a:t>
-            </a:r>
+              <a:rPr lang="en" sz="1050">
+                <a:solidFill>
+                  <a:srgbClr val="DCDCAA"/>
+                </a:solidFill>
+                <a:highlight>
+                  <a:srgbClr val="1F1F1F"/>
+                </a:highlight>
+                <a:latin typeface="Consolas"/>
+                <a:ea typeface="Consolas"/>
+                <a:cs typeface="Consolas"/>
+                <a:sym typeface="Consolas"/>
+              </a:rPr>
+              <a:t>echo</a:t>
+            </a:r>
+            <a:r>
+              <a:rPr lang="en" sz="1050">
+                <a:solidFill>
+                  <a:srgbClr val="CCCCCC"/>
+                </a:solidFill>
+                <a:highlight>
+                  <a:srgbClr val="1F1F1F"/>
+                </a:highlight>
+                <a:latin typeface="Consolas"/>
+                <a:ea typeface="Consolas"/>
+                <a:cs typeface="Consolas"/>
+                <a:sym typeface="Consolas"/>
+              </a:rPr>
+              <a:t> </a:t>
+            </a:r>
+            <a:r>
+              <a:rPr lang="en" sz="1050">
+                <a:solidFill>
+                  <a:srgbClr val="CE9178"/>
+                </a:solidFill>
+                <a:highlight>
+                  <a:srgbClr val="1F1F1F"/>
+                </a:highlight>
+                <a:latin typeface="Consolas"/>
+                <a:ea typeface="Consolas"/>
+                <a:cs typeface="Consolas"/>
+                <a:sym typeface="Consolas"/>
+              </a:rPr>
+              <a:t>Array</a:t>
+            </a:r>
+            <a:r>
+              <a:rPr lang="en" sz="1050">
+                <a:solidFill>
+                  <a:srgbClr val="CCCCCC"/>
+                </a:solidFill>
+                <a:highlight>
+                  <a:srgbClr val="1F1F1F"/>
+                </a:highlight>
+                <a:latin typeface="Consolas"/>
+                <a:ea typeface="Consolas"/>
+                <a:cs typeface="Consolas"/>
+                <a:sym typeface="Consolas"/>
+              </a:rPr>
+              <a:t> </a:t>
+            </a:r>
+            <a:r>
+              <a:rPr lang="en" sz="1050">
+                <a:solidFill>
+                  <a:srgbClr val="CE9178"/>
+                </a:solidFill>
+                <a:highlight>
+                  <a:srgbClr val="1F1F1F"/>
+                </a:highlight>
+                <a:latin typeface="Consolas"/>
+                <a:ea typeface="Consolas"/>
+                <a:cs typeface="Consolas"/>
+                <a:sym typeface="Consolas"/>
+              </a:rPr>
+              <a:t>Index:</a:t>
+            </a:r>
+            <a:r>
+              <a:rPr lang="en" sz="1050">
+                <a:solidFill>
+                  <a:srgbClr val="CCCCCC"/>
+                </a:solidFill>
+                <a:highlight>
+                  <a:srgbClr val="1F1F1F"/>
+                </a:highlight>
+                <a:latin typeface="Consolas"/>
+                <a:ea typeface="Consolas"/>
+                <a:cs typeface="Consolas"/>
+                <a:sym typeface="Consolas"/>
+              </a:rPr>
+              <a:t> </a:t>
+            </a:r>
+            <a:r>
+              <a:rPr lang="en" sz="1050">
+                <a:solidFill>
+                  <a:srgbClr val="9CDCFE"/>
+                </a:solidFill>
+                <a:highlight>
+                  <a:srgbClr val="1F1F1F"/>
+                </a:highlight>
+                <a:latin typeface="Consolas"/>
+                <a:ea typeface="Consolas"/>
+                <a:cs typeface="Consolas"/>
+                <a:sym typeface="Consolas"/>
+              </a:rPr>
+              <a:t>$SLURM_ARRAY_TASK_ID</a:t>
+            </a:r>
+            <a:endParaRPr sz="1050">
+              <a:solidFill>
+                <a:srgbClr val="9CDCFE"/>
+              </a:solidFill>
+              <a:highlight>
+                <a:srgbClr val="1F1F1F"/>
+              </a:highlight>
+              <a:latin typeface="Consolas"/>
+              <a:ea typeface="Consolas"/>
+              <a:cs typeface="Consolas"/>
+              <a:sym typeface="Consolas"/>
+            </a:endParaRPr>
+          </a:p>
+          <a:p>
+            <a:pPr indent="0" lvl="0" marL="0" rtl="0" algn="l">
+              <a:lnSpc>
+                <a:spcPct val="135714"/>
+              </a:lnSpc>
+              <a:spcBef>
+                <a:spcPts val="0"/>
+              </a:spcBef>
+              <a:spcAft>
+                <a:spcPts val="0"/>
+              </a:spcAft>
+              <a:buNone/>
+            </a:pPr>
             <a:br>
-              <a:rPr lang="en">
-                <a:solidFill>
-                  <a:schemeClr val="accent5"/>
-                </a:solidFill>
+              <a:rPr lang="en" sz="1050">
+                <a:solidFill>
+                  <a:srgbClr val="DCDCAA"/>
+                </a:solidFill>
+                <a:highlight>
+                  <a:srgbClr val="1F1F1F"/>
+                </a:highlight>
+                <a:latin typeface="Consolas"/>
+                <a:ea typeface="Consolas"/>
+                <a:cs typeface="Consolas"/>
+                <a:sym typeface="Consolas"/>
               </a:rPr>
             </a:br>
             <a:r>
-              <a:rPr lang="en">
-                <a:solidFill>
-                  <a:schemeClr val="accent5"/>
-                </a:solidFill>
-              </a:rPr>
-              <a:t>#SBATCH -c 1</a:t>
-            </a:r>
-            <a:br>
-              <a:rPr lang="en">
-                <a:solidFill>
-                  <a:schemeClr val="accent5"/>
-                </a:solidFill>
-              </a:rPr>
-            </a:br>
-            <a:r>
-              <a:rPr lang="en">
-                <a:solidFill>
-                  <a:schemeClr val="accent5"/>
-                </a:solidFill>
-              </a:rPr>
-              <a:t>#SBATCH --mem=10g</a:t>
-            </a:r>
-            <a:br>
-              <a:rPr lang="en">
-                <a:solidFill>
-                  <a:schemeClr val="accent5"/>
-                </a:solidFill>
-              </a:rPr>
-            </a:br>
-            <a:r>
-              <a:rPr lang="en">
-                <a:solidFill>
-                  <a:schemeClr val="accent5"/>
-                </a:solidFill>
-              </a:rPr>
-              <a:t>#SBATCH -p qTRD</a:t>
-            </a:r>
-            <a:br>
-              <a:rPr lang="en">
-                <a:solidFill>
-                  <a:schemeClr val="accent5"/>
-                </a:solidFill>
-              </a:rPr>
-            </a:br>
-            <a:r>
-              <a:rPr lang="en">
-                <a:solidFill>
-                  <a:schemeClr val="accent5"/>
-                </a:solidFill>
-              </a:rPr>
-              <a:t>#SBATCH -t 1:00:00</a:t>
-            </a:r>
-            <a:br>
-              <a:rPr lang="en">
-                <a:solidFill>
-                  <a:schemeClr val="accent5"/>
-                </a:solidFill>
-              </a:rPr>
-            </a:br>
-            <a:r>
-              <a:rPr lang="en">
-                <a:solidFill>
-                  <a:schemeClr val="accent5"/>
-                </a:solidFill>
-              </a:rPr>
-              <a:t>#SBATCH -J &lt;job name&gt;</a:t>
-            </a:r>
-            <a:br>
-              <a:rPr lang="en">
-                <a:solidFill>
-                  <a:schemeClr val="accent5"/>
-                </a:solidFill>
-              </a:rPr>
-            </a:br>
-            <a:r>
-              <a:rPr lang="en">
-                <a:solidFill>
-                  <a:schemeClr val="accent5"/>
-                </a:solidFill>
-              </a:rPr>
-              <a:t>#SBATCH -e error%A-%a.err</a:t>
-            </a:r>
-            <a:br>
-              <a:rPr lang="en">
-                <a:solidFill>
-                  <a:schemeClr val="accent5"/>
-                </a:solidFill>
-              </a:rPr>
-            </a:br>
-            <a:r>
-              <a:rPr lang="en">
-                <a:solidFill>
-                  <a:schemeClr val="accent5"/>
-                </a:solidFill>
-              </a:rPr>
-              <a:t>#SBATCH -o out%A-%a.out</a:t>
-            </a:r>
-            <a:br>
-              <a:rPr lang="en">
-                <a:solidFill>
-                  <a:schemeClr val="accent5"/>
-                </a:solidFill>
-              </a:rPr>
-            </a:br>
-            <a:r>
-              <a:rPr lang="en">
-                <a:solidFill>
-                  <a:schemeClr val="accent5"/>
-                </a:solidFill>
-              </a:rPr>
-              <a:t>#SBATCH -A &lt;slurm_account_code&gt;</a:t>
-            </a:r>
-            <a:br>
-              <a:rPr lang="en">
-                <a:solidFill>
-                  <a:schemeClr val="accent5"/>
-                </a:solidFill>
-              </a:rPr>
-            </a:br>
-            <a:r>
-              <a:rPr lang="en">
-                <a:solidFill>
-                  <a:schemeClr val="accent5"/>
-                </a:solidFill>
-              </a:rPr>
-              <a:t>#SBATCH --mail-type=ALL</a:t>
-            </a:r>
-            <a:br>
-              <a:rPr lang="en">
-                <a:solidFill>
-                  <a:schemeClr val="accent5"/>
-                </a:solidFill>
-              </a:rPr>
-            </a:br>
-            <a:r>
-              <a:rPr lang="en">
-                <a:solidFill>
-                  <a:schemeClr val="accent5"/>
-                </a:solidFill>
-              </a:rPr>
-              <a:t>#SBATCH --mail-user=&lt;email address&gt;</a:t>
-            </a:r>
-            <a:br>
-              <a:rPr lang="en">
-                <a:solidFill>
-                  <a:schemeClr val="accent5"/>
-                </a:solidFill>
-              </a:rPr>
-            </a:br>
-            <a:r>
-              <a:rPr lang="en">
-                <a:solidFill>
-                  <a:schemeClr val="accent5"/>
-                </a:solidFill>
-              </a:rPr>
-              <a:t>#SBATCH –oversubscribe</a:t>
-            </a:r>
-            <a:endParaRPr>
-              <a:solidFill>
-                <a:schemeClr val="accent5"/>
-              </a:solidFill>
-            </a:endParaRPr>
-          </a:p>
-          <a:p>
-            <a:pPr indent="0" lvl="0" marL="0" rtl="0" algn="l">
-              <a:spcBef>
-                <a:spcPts val="1200"/>
-              </a:spcBef>
-              <a:spcAft>
-                <a:spcPts val="0"/>
-              </a:spcAft>
-              <a:buNone/>
-            </a:pPr>
-            <a:r>
-              <a:rPr lang="en">
-                <a:solidFill>
-                  <a:schemeClr val="accent5"/>
-                </a:solidFill>
-              </a:rPr>
-              <a:t>sleep 10s</a:t>
-            </a:r>
-            <a:endParaRPr>
-              <a:solidFill>
-                <a:schemeClr val="accent5"/>
-              </a:solidFill>
-            </a:endParaRPr>
-          </a:p>
-          <a:p>
-            <a:pPr indent="0" lvl="0" marL="0" rtl="0" algn="l">
-              <a:spcBef>
-                <a:spcPts val="1200"/>
-              </a:spcBef>
-              <a:spcAft>
-                <a:spcPts val="0"/>
-              </a:spcAft>
-              <a:buNone/>
-            </a:pPr>
-            <a:r>
-              <a:rPr lang="en">
-                <a:solidFill>
-                  <a:schemeClr val="accent5"/>
-                </a:solidFill>
-              </a:rPr>
-              <a:t>echo $HOSTNAME &gt;&amp;2</a:t>
-            </a:r>
-            <a:endParaRPr>
-              <a:solidFill>
-                <a:schemeClr val="accent5"/>
-              </a:solidFill>
-            </a:endParaRPr>
-          </a:p>
-          <a:p>
-            <a:pPr indent="0" lvl="0" marL="0" rtl="0" algn="l">
-              <a:spcBef>
-                <a:spcPts val="1200"/>
-              </a:spcBef>
-              <a:spcAft>
-                <a:spcPts val="0"/>
-              </a:spcAft>
-              <a:buNone/>
-            </a:pPr>
-            <a:r>
-              <a:rPr lang="en">
-                <a:solidFill>
-                  <a:schemeClr val="accent5"/>
-                </a:solidFill>
-              </a:rPr>
-              <a:t>echo Array Index: </a:t>
-            </a:r>
-            <a:r>
-              <a:rPr lang="en">
-                <a:solidFill>
-                  <a:schemeClr val="accent5"/>
-                </a:solidFill>
-              </a:rPr>
-              <a:t>$SLURM_ARRAY_TASK_ID</a:t>
-            </a:r>
-            <a:endParaRPr>
-              <a:solidFill>
-                <a:schemeClr val="accent5"/>
-              </a:solidFill>
-            </a:endParaRPr>
-          </a:p>
-          <a:p>
-            <a:pPr indent="0" lvl="0" marL="0" rtl="0" algn="l">
-              <a:spcBef>
-                <a:spcPts val="1200"/>
-              </a:spcBef>
-              <a:spcAft>
-                <a:spcPts val="1200"/>
-              </a:spcAft>
-              <a:buNone/>
-            </a:pPr>
-            <a:r>
-              <a:rPr lang="en">
-                <a:solidFill>
-                  <a:schemeClr val="accent5"/>
-                </a:solidFill>
-              </a:rPr>
-              <a:t>sleep 10s</a:t>
+              <a:rPr lang="en" sz="1050">
+                <a:solidFill>
+                  <a:srgbClr val="DCDCAA"/>
+                </a:solidFill>
+                <a:highlight>
+                  <a:srgbClr val="1F1F1F"/>
+                </a:highlight>
+                <a:latin typeface="Consolas"/>
+                <a:ea typeface="Consolas"/>
+                <a:cs typeface="Consolas"/>
+                <a:sym typeface="Consolas"/>
+              </a:rPr>
+              <a:t>sleep</a:t>
+            </a:r>
+            <a:r>
+              <a:rPr lang="en" sz="1050">
+                <a:solidFill>
+                  <a:srgbClr val="CCCCCC"/>
+                </a:solidFill>
+                <a:highlight>
+                  <a:srgbClr val="1F1F1F"/>
+                </a:highlight>
+                <a:latin typeface="Consolas"/>
+                <a:ea typeface="Consolas"/>
+                <a:cs typeface="Consolas"/>
+                <a:sym typeface="Consolas"/>
+              </a:rPr>
+              <a:t> </a:t>
+            </a:r>
+            <a:r>
+              <a:rPr lang="en" sz="1050">
+                <a:solidFill>
+                  <a:srgbClr val="B5CEA8"/>
+                </a:solidFill>
+                <a:highlight>
+                  <a:srgbClr val="1F1F1F"/>
+                </a:highlight>
+                <a:latin typeface="Consolas"/>
+                <a:ea typeface="Consolas"/>
+                <a:cs typeface="Consolas"/>
+                <a:sym typeface="Consolas"/>
+              </a:rPr>
+              <a:t>10</a:t>
+            </a:r>
+            <a:r>
+              <a:rPr lang="en" sz="1050">
+                <a:solidFill>
+                  <a:srgbClr val="CE9178"/>
+                </a:solidFill>
+                <a:highlight>
+                  <a:srgbClr val="1F1F1F"/>
+                </a:highlight>
+                <a:latin typeface="Consolas"/>
+                <a:ea typeface="Consolas"/>
+                <a:cs typeface="Consolas"/>
+                <a:sym typeface="Consolas"/>
+              </a:rPr>
+              <a:t>s</a:t>
             </a:r>
             <a:endParaRPr>
               <a:solidFill>
@@ -27553,22 +29723,28 @@
               <a:buNone/>
             </a:pPr>
             <a:r>
-              <a:rPr lang="en" sz="1800">
-                <a:solidFill>
-                  <a:schemeClr val="dk1"/>
-                </a:solidFill>
+              <a:rPr lang="en" sz="1600">
+                <a:solidFill>
+                  <a:schemeClr val="accent5"/>
+                </a:solidFill>
+                <a:highlight>
+                  <a:srgbClr val="000000"/>
+                </a:highlight>
                 <a:latin typeface="Fira Sans"/>
                 <a:ea typeface="Fira Sans"/>
                 <a:cs typeface="Fira Sans"/>
                 <a:sym typeface="Fira Sans"/>
               </a:rPr>
-              <a:t>sbatch </a:t>
-            </a:r>
-            <a:r>
-              <a:rPr lang="en" sz="1800">
-                <a:solidFill>
-                  <a:schemeClr val="dk1"/>
-                </a:solidFill>
+              <a:t>$ sbatch </a:t>
+            </a:r>
+            <a:r>
+              <a:rPr lang="en" sz="1600">
+                <a:solidFill>
+                  <a:schemeClr val="accent5"/>
+                </a:solidFill>
+                <a:highlight>
+                  <a:srgbClr val="000000"/>
+                </a:highlight>
                 <a:latin typeface="Fira Sans"/>
                 <a:ea typeface="Fira Sans"/>
                 <a:cs typeface="Fira Sans"/>
@@ -27576,10 +29752,13 @@
               </a:rPr>
               <a:t>--array=0-4 JobArray.sh</a:t>
             </a:r>
-            <a:endParaRPr sz="1800">
+            <a:endParaRPr sz="1600">
               <a:solidFill>
-                <a:schemeClr val="dk1"/>
+                <a:schemeClr val="accent5"/>
               </a:solidFill>
+              <a:highlight>
+                <a:srgbClr val="000000"/>
+              </a:highlight>
               <a:latin typeface="Fira Sans"/>
               <a:ea typeface="Fira Sans"/>
               <a:cs typeface="Fira Sans"/>
@@ -27767,7 +29946,7 @@
               <a:buNone/>
             </a:pPr>
             <a:r>
-              <a:rPr lang="en">
+              <a:rPr lang="en" sz="1600">
                 <a:solidFill>
                   <a:schemeClr val="accent5"/>
                 </a:solidFill>
@@ -27775,9 +29954,9 @@
                   <a:srgbClr val="000000"/>
                 </a:highlight>
               </a:rPr>
-              <a:t>sed "${SLURM_ARRAY_TASK_ID}q;d" &lt;FILENAME&gt;</a:t>
-            </a:r>
-            <a:endParaRPr>
+              <a:t>sed -n "$(( $SLURM_ARRAY_TASK_ID + 1 )) p" lines.txt</a:t>
+            </a:r>
+            <a:endParaRPr sz="1600">
               <a:solidFill>
                 <a:schemeClr val="accent5"/>
               </a:solidFill>
@@ -27842,388 +30021,1380 @@
         </p:spPr>
         <p:txBody>
           <a:bodyPr anchorCtr="0" anchor="t" bIns="91425" lIns="91425" spcFirstLastPara="1" rIns="91425" wrap="square" tIns="91425">
-            <a:normAutofit fontScale="40000" lnSpcReduction="20000"/>
+            <a:normAutofit fontScale="70000" lnSpcReduction="20000"/>
           </a:bodyPr>
           <a:lstStyle/>
           <a:p>
             <a:pPr indent="0" lvl="0" marL="0" rtl="0" algn="l">
-              <a:spcBef>
-                <a:spcPts val="0"/>
-              </a:spcBef>
-              <a:spcAft>
-                <a:spcPts val="0"/>
-              </a:spcAft>
-              <a:buNone/>
-            </a:pPr>
-            <a:r>
-              <a:rPr lang="en">
-                <a:solidFill>
-                  <a:schemeClr val="accent5"/>
-                </a:solidFill>
+              <a:lnSpc>
+                <a:spcPct val="135714"/>
+              </a:lnSpc>
+              <a:spcBef>
+                <a:spcPts val="0"/>
+              </a:spcBef>
+              <a:spcAft>
+                <a:spcPts val="0"/>
+              </a:spcAft>
+              <a:buNone/>
+            </a:pPr>
+            <a:r>
+              <a:rPr lang="en" sz="1050">
+                <a:solidFill>
+                  <a:srgbClr val="6A9955"/>
+                </a:solidFill>
+                <a:highlight>
+                  <a:srgbClr val="1F1F1F"/>
+                </a:highlight>
+                <a:latin typeface="Consolas"/>
+                <a:ea typeface="Consolas"/>
+                <a:cs typeface="Consolas"/>
+                <a:sym typeface="Consolas"/>
               </a:rPr>
               <a:t>#!/bin/bash</a:t>
             </a:r>
-            <a:br>
-              <a:rPr lang="en">
-                <a:solidFill>
-                  <a:schemeClr val="accent5"/>
-                </a:solidFill>
-              </a:rPr>
-            </a:br>
-            <a:r>
-              <a:rPr lang="en">
-                <a:solidFill>
-                  <a:schemeClr val="accent5"/>
-                </a:solidFill>
+            <a:endParaRPr sz="1050">
+              <a:solidFill>
+                <a:srgbClr val="6A9955"/>
+              </a:solidFill>
+              <a:highlight>
+                <a:srgbClr val="1F1F1F"/>
+              </a:highlight>
+              <a:latin typeface="Consolas"/>
+              <a:ea typeface="Consolas"/>
+              <a:cs typeface="Consolas"/>
+              <a:sym typeface="Consolas"/>
+            </a:endParaRPr>
+          </a:p>
+          <a:p>
+            <a:pPr indent="0" lvl="0" marL="0" rtl="0" algn="l">
+              <a:lnSpc>
+                <a:spcPct val="135714"/>
+              </a:lnSpc>
+              <a:spcBef>
+                <a:spcPts val="0"/>
+              </a:spcBef>
+              <a:spcAft>
+                <a:spcPts val="0"/>
+              </a:spcAft>
+              <a:buNone/>
+            </a:pPr>
+            <a:r>
+              <a:rPr lang="en" sz="1050">
+                <a:solidFill>
+                  <a:srgbClr val="6A9955"/>
+                </a:solidFill>
+                <a:highlight>
+                  <a:srgbClr val="1F1F1F"/>
+                </a:highlight>
+                <a:latin typeface="Consolas"/>
+                <a:ea typeface="Consolas"/>
+                <a:cs typeface="Consolas"/>
+                <a:sym typeface="Consolas"/>
+              </a:rPr>
+              <a:t>#SBATCH -p qTRD</a:t>
+            </a:r>
+            <a:endParaRPr sz="1050">
+              <a:solidFill>
+                <a:srgbClr val="6A9955"/>
+              </a:solidFill>
+              <a:highlight>
+                <a:srgbClr val="1F1F1F"/>
+              </a:highlight>
+              <a:latin typeface="Consolas"/>
+              <a:ea typeface="Consolas"/>
+              <a:cs typeface="Consolas"/>
+              <a:sym typeface="Consolas"/>
+            </a:endParaRPr>
+          </a:p>
+          <a:p>
+            <a:pPr indent="0" lvl="0" marL="0" rtl="0" algn="l">
+              <a:lnSpc>
+                <a:spcPct val="135714"/>
+              </a:lnSpc>
+              <a:spcBef>
+                <a:spcPts val="0"/>
+              </a:spcBef>
+              <a:spcAft>
+                <a:spcPts val="0"/>
+              </a:spcAft>
+              <a:buNone/>
+            </a:pPr>
+            <a:r>
+              <a:rPr lang="en" sz="1050">
+                <a:solidFill>
+                  <a:srgbClr val="6A9955"/>
+                </a:solidFill>
+                <a:highlight>
+                  <a:srgbClr val="1F1F1F"/>
+                </a:highlight>
+                <a:latin typeface="Consolas"/>
+                <a:ea typeface="Consolas"/>
+                <a:cs typeface="Consolas"/>
+                <a:sym typeface="Consolas"/>
               </a:rPr>
               <a:t>#SBATCH -N 1</a:t>
             </a:r>
-            <a:br>
-              <a:rPr lang="en">
-                <a:solidFill>
-                  <a:schemeClr val="accent5"/>
-                </a:solidFill>
-              </a:rPr>
-            </a:br>
-            <a:r>
-              <a:rPr lang="en">
-                <a:solidFill>
-                  <a:schemeClr val="accent5"/>
-                </a:solidFill>
+            <a:endParaRPr sz="1050">
+              <a:solidFill>
+                <a:srgbClr val="6A9955"/>
+              </a:solidFill>
+              <a:highlight>
+                <a:srgbClr val="1F1F1F"/>
+              </a:highlight>
+              <a:latin typeface="Consolas"/>
+              <a:ea typeface="Consolas"/>
+              <a:cs typeface="Consolas"/>
+              <a:sym typeface="Consolas"/>
+            </a:endParaRPr>
+          </a:p>
+          <a:p>
+            <a:pPr indent="0" lvl="0" marL="0" rtl="0" algn="l">
+              <a:lnSpc>
+                <a:spcPct val="135714"/>
+              </a:lnSpc>
+              <a:spcBef>
+                <a:spcPts val="0"/>
+              </a:spcBef>
+              <a:spcAft>
+                <a:spcPts val="0"/>
+              </a:spcAft>
+              <a:buNone/>
+            </a:pPr>
+            <a:r>
+              <a:rPr lang="en" sz="1050">
+                <a:solidFill>
+                  <a:srgbClr val="6A9955"/>
+                </a:solidFill>
+                <a:highlight>
+                  <a:srgbClr val="1F1F1F"/>
+                </a:highlight>
+                <a:latin typeface="Consolas"/>
+                <a:ea typeface="Consolas"/>
+                <a:cs typeface="Consolas"/>
+                <a:sym typeface="Consolas"/>
               </a:rPr>
               <a:t>#SBATCH -n 1</a:t>
             </a:r>
-            <a:br>
-              <a:rPr lang="en">
-                <a:solidFill>
-                  <a:schemeClr val="accent5"/>
-                </a:solidFill>
-              </a:rPr>
-            </a:br>
-            <a:r>
-              <a:rPr lang="en">
-                <a:solidFill>
-                  <a:schemeClr val="accent5"/>
-                </a:solidFill>
+            <a:endParaRPr sz="1050">
+              <a:solidFill>
+                <a:srgbClr val="6A9955"/>
+              </a:solidFill>
+              <a:highlight>
+                <a:srgbClr val="1F1F1F"/>
+              </a:highlight>
+              <a:latin typeface="Consolas"/>
+              <a:ea typeface="Consolas"/>
+              <a:cs typeface="Consolas"/>
+              <a:sym typeface="Consolas"/>
+            </a:endParaRPr>
+          </a:p>
+          <a:p>
+            <a:pPr indent="0" lvl="0" marL="0" rtl="0" algn="l">
+              <a:lnSpc>
+                <a:spcPct val="135714"/>
+              </a:lnSpc>
+              <a:spcBef>
+                <a:spcPts val="0"/>
+              </a:spcBef>
+              <a:spcAft>
+                <a:spcPts val="0"/>
+              </a:spcAft>
+              <a:buNone/>
+            </a:pPr>
+            <a:r>
+              <a:rPr lang="en" sz="1050">
+                <a:solidFill>
+                  <a:srgbClr val="6A9955"/>
+                </a:solidFill>
+                <a:highlight>
+                  <a:srgbClr val="1F1F1F"/>
+                </a:highlight>
+                <a:latin typeface="Consolas"/>
+                <a:ea typeface="Consolas"/>
+                <a:cs typeface="Consolas"/>
+                <a:sym typeface="Consolas"/>
               </a:rPr>
               <a:t>#SBATCH -c 1</a:t>
             </a:r>
-            <a:br>
-              <a:rPr lang="en">
-                <a:solidFill>
-                  <a:schemeClr val="accent5"/>
-                </a:solidFill>
-              </a:rPr>
-            </a:br>
-            <a:r>
-              <a:rPr lang="en">
-                <a:solidFill>
-                  <a:schemeClr val="accent5"/>
-                </a:solidFill>
-              </a:rPr>
-              <a:t>#SBATCH --mem=10g</a:t>
-            </a:r>
-            <a:br>
-              <a:rPr lang="en">
-                <a:solidFill>
-                  <a:schemeClr val="accent5"/>
-                </a:solidFill>
-              </a:rPr>
-            </a:br>
-            <a:r>
-              <a:rPr lang="en">
-                <a:solidFill>
-                  <a:schemeClr val="accent5"/>
-                </a:solidFill>
+            <a:endParaRPr sz="1050">
+              <a:solidFill>
+                <a:srgbClr val="6A9955"/>
+              </a:solidFill>
+              <a:highlight>
+                <a:srgbClr val="1F1F1F"/>
+              </a:highlight>
+              <a:latin typeface="Consolas"/>
+              <a:ea typeface="Consolas"/>
+              <a:cs typeface="Consolas"/>
+              <a:sym typeface="Consolas"/>
+            </a:endParaRPr>
+          </a:p>
+          <a:p>
+            <a:pPr indent="0" lvl="0" marL="0" rtl="0" algn="l">
+              <a:lnSpc>
+                <a:spcPct val="135714"/>
+              </a:lnSpc>
+              <a:spcBef>
+                <a:spcPts val="0"/>
+              </a:spcBef>
+              <a:spcAft>
+                <a:spcPts val="0"/>
+              </a:spcAft>
+              <a:buNone/>
+            </a:pPr>
+            <a:r>
+              <a:rPr lang="en" sz="1050">
+                <a:solidFill>
+                  <a:srgbClr val="6A9955"/>
+                </a:solidFill>
+                <a:highlight>
+                  <a:srgbClr val="1F1F1F"/>
+                </a:highlight>
+                <a:latin typeface="Consolas"/>
+                <a:ea typeface="Consolas"/>
+                <a:cs typeface="Consolas"/>
+                <a:sym typeface="Consolas"/>
+              </a:rPr>
+              <a:t>#SBATCH --mem=1g</a:t>
+            </a:r>
+            <a:endParaRPr sz="1050">
+              <a:solidFill>
+                <a:srgbClr val="6A9955"/>
+              </a:solidFill>
+              <a:highlight>
+                <a:srgbClr val="1F1F1F"/>
+              </a:highlight>
+              <a:latin typeface="Consolas"/>
+              <a:ea typeface="Consolas"/>
+              <a:cs typeface="Consolas"/>
+              <a:sym typeface="Consolas"/>
+            </a:endParaRPr>
+          </a:p>
+          <a:p>
+            <a:pPr indent="0" lvl="0" marL="0" rtl="0" algn="l">
+              <a:lnSpc>
+                <a:spcPct val="135714"/>
+              </a:lnSpc>
+              <a:spcBef>
+                <a:spcPts val="0"/>
+              </a:spcBef>
+              <a:spcAft>
+                <a:spcPts val="0"/>
+              </a:spcAft>
+              <a:buNone/>
+            </a:pPr>
+            <a:r>
+              <a:rPr lang="en" sz="1050">
+                <a:solidFill>
+                  <a:srgbClr val="6A9955"/>
+                </a:solidFill>
+                <a:highlight>
+                  <a:srgbClr val="1F1F1F"/>
+                </a:highlight>
+                <a:latin typeface="Consolas"/>
+                <a:ea typeface="Consolas"/>
+                <a:cs typeface="Consolas"/>
+                <a:sym typeface="Consolas"/>
               </a:rPr>
               <a:t>#SBATCH -p qTRD</a:t>
             </a:r>
-            <a:br>
-              <a:rPr lang="en">
-                <a:solidFill>
-                  <a:schemeClr val="accent5"/>
-                </a:solidFill>
-              </a:rPr>
-            </a:br>
-            <a:r>
-              <a:rPr lang="en">
-                <a:solidFill>
-                  <a:schemeClr val="accent5"/>
-                </a:solidFill>
+            <a:endParaRPr sz="1050">
+              <a:solidFill>
+                <a:srgbClr val="6A9955"/>
+              </a:solidFill>
+              <a:highlight>
+                <a:srgbClr val="1F1F1F"/>
+              </a:highlight>
+              <a:latin typeface="Consolas"/>
+              <a:ea typeface="Consolas"/>
+              <a:cs typeface="Consolas"/>
+              <a:sym typeface="Consolas"/>
+            </a:endParaRPr>
+          </a:p>
+          <a:p>
+            <a:pPr indent="0" lvl="0" marL="0" rtl="0" algn="l">
+              <a:lnSpc>
+                <a:spcPct val="135714"/>
+              </a:lnSpc>
+              <a:spcBef>
+                <a:spcPts val="0"/>
+              </a:spcBef>
+              <a:spcAft>
+                <a:spcPts val="0"/>
+              </a:spcAft>
+              <a:buNone/>
+            </a:pPr>
+            <a:r>
+              <a:rPr lang="en" sz="1050">
+                <a:solidFill>
+                  <a:srgbClr val="6A9955"/>
+                </a:solidFill>
+                <a:highlight>
+                  <a:srgbClr val="1F1F1F"/>
+                </a:highlight>
+                <a:latin typeface="Consolas"/>
+                <a:ea typeface="Consolas"/>
+                <a:cs typeface="Consolas"/>
+                <a:sym typeface="Consolas"/>
               </a:rPr>
               <a:t>#SBATCH -t 1:00:00</a:t>
             </a:r>
-            <a:br>
-              <a:rPr lang="en">
-                <a:solidFill>
-                  <a:schemeClr val="accent5"/>
-                </a:solidFill>
-              </a:rPr>
-            </a:br>
-            <a:r>
-              <a:rPr lang="en">
-                <a:solidFill>
-                  <a:schemeClr val="accent5"/>
-                </a:solidFill>
-              </a:rPr>
-              <a:t>#SBATCH -J &lt;job name&gt;</a:t>
-            </a:r>
-            <a:br>
-              <a:rPr lang="en">
-                <a:solidFill>
-                  <a:schemeClr val="accent5"/>
-                </a:solidFill>
-              </a:rPr>
-            </a:br>
-            <a:r>
-              <a:rPr lang="en">
-                <a:solidFill>
-                  <a:schemeClr val="accent5"/>
-                </a:solidFill>
+            <a:endParaRPr sz="1050">
+              <a:solidFill>
+                <a:srgbClr val="6A9955"/>
+              </a:solidFill>
+              <a:highlight>
+                <a:srgbClr val="1F1F1F"/>
+              </a:highlight>
+              <a:latin typeface="Consolas"/>
+              <a:ea typeface="Consolas"/>
+              <a:cs typeface="Consolas"/>
+              <a:sym typeface="Consolas"/>
+            </a:endParaRPr>
+          </a:p>
+          <a:p>
+            <a:pPr indent="0" lvl="0" marL="0" rtl="0" algn="l">
+              <a:lnSpc>
+                <a:spcPct val="135714"/>
+              </a:lnSpc>
+              <a:spcBef>
+                <a:spcPts val="0"/>
+              </a:spcBef>
+              <a:spcAft>
+                <a:spcPts val="0"/>
+              </a:spcAft>
+              <a:buNone/>
+            </a:pPr>
+            <a:r>
+              <a:rPr lang="en" sz="1050">
+                <a:solidFill>
+                  <a:srgbClr val="6A9955"/>
+                </a:solidFill>
+                <a:highlight>
+                  <a:srgbClr val="1F1F1F"/>
+                </a:highlight>
+                <a:latin typeface="Consolas"/>
+                <a:ea typeface="Consolas"/>
+                <a:cs typeface="Consolas"/>
+                <a:sym typeface="Consolas"/>
+              </a:rPr>
+              <a:t>#SBATCH -J sed_example</a:t>
+            </a:r>
+            <a:endParaRPr sz="1050">
+              <a:solidFill>
+                <a:srgbClr val="6A9955"/>
+              </a:solidFill>
+              <a:highlight>
+                <a:srgbClr val="1F1F1F"/>
+              </a:highlight>
+              <a:latin typeface="Consolas"/>
+              <a:ea typeface="Consolas"/>
+              <a:cs typeface="Consolas"/>
+              <a:sym typeface="Consolas"/>
+            </a:endParaRPr>
+          </a:p>
+          <a:p>
+            <a:pPr indent="0" lvl="0" marL="0" rtl="0" algn="l">
+              <a:lnSpc>
+                <a:spcPct val="135714"/>
+              </a:lnSpc>
+              <a:spcBef>
+                <a:spcPts val="0"/>
+              </a:spcBef>
+              <a:spcAft>
+                <a:spcPts val="0"/>
+              </a:spcAft>
+              <a:buNone/>
+            </a:pPr>
+            <a:r>
+              <a:rPr lang="en" sz="1050">
+                <a:solidFill>
+                  <a:srgbClr val="6A9955"/>
+                </a:solidFill>
+                <a:highlight>
+                  <a:srgbClr val="1F1F1F"/>
+                </a:highlight>
+                <a:latin typeface="Consolas"/>
+                <a:ea typeface="Consolas"/>
+                <a:cs typeface="Consolas"/>
+                <a:sym typeface="Consolas"/>
               </a:rPr>
               <a:t>#SBATCH -e error%A-%a.err</a:t>
             </a:r>
-            <a:br>
-              <a:rPr lang="en">
-                <a:solidFill>
-                  <a:schemeClr val="accent5"/>
-                </a:solidFill>
-              </a:rPr>
-            </a:br>
-            <a:r>
-              <a:rPr lang="en">
-                <a:solidFill>
-                  <a:schemeClr val="accent5"/>
-                </a:solidFill>
+            <a:endParaRPr sz="1050">
+              <a:solidFill>
+                <a:srgbClr val="6A9955"/>
+              </a:solidFill>
+              <a:highlight>
+                <a:srgbClr val="1F1F1F"/>
+              </a:highlight>
+              <a:latin typeface="Consolas"/>
+              <a:ea typeface="Consolas"/>
+              <a:cs typeface="Consolas"/>
+              <a:sym typeface="Consolas"/>
+            </a:endParaRPr>
+          </a:p>
+          <a:p>
+            <a:pPr indent="0" lvl="0" marL="0" rtl="0" algn="l">
+              <a:lnSpc>
+                <a:spcPct val="135714"/>
+              </a:lnSpc>
+              <a:spcBef>
+                <a:spcPts val="0"/>
+              </a:spcBef>
+              <a:spcAft>
+                <a:spcPts val="0"/>
+              </a:spcAft>
+              <a:buNone/>
+            </a:pPr>
+            <a:r>
+              <a:rPr lang="en" sz="1050">
+                <a:solidFill>
+                  <a:srgbClr val="6A9955"/>
+                </a:solidFill>
+                <a:highlight>
+                  <a:srgbClr val="1F1F1F"/>
+                </a:highlight>
+                <a:latin typeface="Consolas"/>
+                <a:ea typeface="Consolas"/>
+                <a:cs typeface="Consolas"/>
+                <a:sym typeface="Consolas"/>
               </a:rPr>
               <a:t>#SBATCH -o out%A-%a.out</a:t>
             </a:r>
-            <a:br>
-              <a:rPr lang="en">
-                <a:solidFill>
-                  <a:schemeClr val="accent5"/>
-                </a:solidFill>
-              </a:rPr>
-            </a:br>
-            <a:r>
-              <a:rPr lang="en">
-                <a:solidFill>
-                  <a:schemeClr val="accent5"/>
-                </a:solidFill>
-              </a:rPr>
-              <a:t>#SBATCH -A &lt;slurm_account_code&gt;</a:t>
-            </a:r>
-            <a:br>
-              <a:rPr lang="en">
-                <a:solidFill>
-                  <a:schemeClr val="accent5"/>
-                </a:solidFill>
-              </a:rPr>
-            </a:br>
-            <a:r>
-              <a:rPr lang="en">
-                <a:solidFill>
-                  <a:schemeClr val="accent5"/>
-                </a:solidFill>
-              </a:rPr>
-              <a:t>#SBATCH --mail-type=ALL</a:t>
-            </a:r>
-            <a:br>
-              <a:rPr lang="en">
-                <a:solidFill>
-                  <a:schemeClr val="accent5"/>
-                </a:solidFill>
-              </a:rPr>
-            </a:br>
-            <a:r>
-              <a:rPr lang="en">
-                <a:solidFill>
-                  <a:schemeClr val="accent5"/>
-                </a:solidFill>
-              </a:rPr>
-              <a:t>#SBATCH --mail-user=&lt;email address&gt;</a:t>
-            </a:r>
-            <a:br>
-              <a:rPr lang="en">
-                <a:solidFill>
-                  <a:schemeClr val="accent5"/>
-                </a:solidFill>
-              </a:rPr>
-            </a:br>
-            <a:r>
-              <a:rPr lang="en">
-                <a:solidFill>
-                  <a:schemeClr val="accent5"/>
-                </a:solidFill>
-              </a:rPr>
-              <a:t>#SBATCH –oversubscribe</a:t>
-            </a:r>
-            <a:endParaRPr>
+            <a:endParaRPr sz="1050">
               <a:solidFill>
-                <a:schemeClr val="accent5"/>
+                <a:srgbClr val="6A9955"/>
               </a:solidFill>
+              <a:highlight>
+                <a:srgbClr val="1F1F1F"/>
+              </a:highlight>
+              <a:latin typeface="Consolas"/>
+              <a:ea typeface="Consolas"/>
+              <a:cs typeface="Consolas"/>
+              <a:sym typeface="Consolas"/>
             </a:endParaRPr>
           </a:p>
           <a:p>
             <a:pPr indent="0" lvl="0" marL="0" rtl="0" algn="l">
-              <a:spcBef>
-                <a:spcPts val="1200"/>
-              </a:spcBef>
-              <a:spcAft>
-                <a:spcPts val="0"/>
-              </a:spcAft>
-              <a:buNone/>
-            </a:pPr>
-            <a:r>
-              <a:rPr lang="en">
-                <a:solidFill>
-                  <a:schemeClr val="accent5"/>
-                </a:solidFill>
-              </a:rPr>
-              <a:t>sleep 10s</a:t>
-            </a:r>
-            <a:endParaRPr>
+              <a:lnSpc>
+                <a:spcPct val="135714"/>
+              </a:lnSpc>
+              <a:spcBef>
+                <a:spcPts val="0"/>
+              </a:spcBef>
+              <a:spcAft>
+                <a:spcPts val="0"/>
+              </a:spcAft>
+              <a:buNone/>
+            </a:pPr>
+            <a:r>
+              <a:rPr lang="en" sz="1050">
+                <a:solidFill>
+                  <a:srgbClr val="6A9955"/>
+                </a:solidFill>
+                <a:highlight>
+                  <a:srgbClr val="1F1F1F"/>
+                </a:highlight>
+                <a:latin typeface="Consolas"/>
+                <a:ea typeface="Consolas"/>
+                <a:cs typeface="Consolas"/>
+                <a:sym typeface="Consolas"/>
+              </a:rPr>
+              <a:t>#SBATCH -A trends53c17</a:t>
+            </a:r>
+            <a:endParaRPr sz="1050">
               <a:solidFill>
-                <a:schemeClr val="accent5"/>
+                <a:srgbClr val="6A9955"/>
               </a:solidFill>
+              <a:highlight>
+                <a:srgbClr val="1F1F1F"/>
+              </a:highlight>
+              <a:latin typeface="Consolas"/>
+              <a:ea typeface="Consolas"/>
+              <a:cs typeface="Consolas"/>
+              <a:sym typeface="Consolas"/>
             </a:endParaRPr>
           </a:p>
           <a:p>
             <a:pPr indent="0" lvl="0" marL="0" rtl="0" algn="l">
-              <a:spcBef>
-                <a:spcPts val="1200"/>
-              </a:spcBef>
-              <a:spcAft>
-                <a:spcPts val="0"/>
-              </a:spcAft>
-              <a:buNone/>
-            </a:pPr>
-            <a:r>
-              <a:rPr lang="en">
-                <a:solidFill>
-                  <a:schemeClr val="accent5"/>
-                </a:solidFill>
-              </a:rPr>
-              <a:t>echo $HOSTNAME &gt;&amp;2</a:t>
-            </a:r>
-            <a:endParaRPr>
+              <a:lnSpc>
+                <a:spcPct val="135714"/>
+              </a:lnSpc>
+              <a:spcBef>
+                <a:spcPts val="0"/>
+              </a:spcBef>
+              <a:spcAft>
+                <a:spcPts val="0"/>
+              </a:spcAft>
+              <a:buNone/>
+            </a:pPr>
+            <a:r>
+              <a:rPr lang="en" sz="1050">
+                <a:solidFill>
+                  <a:srgbClr val="6A9955"/>
+                </a:solidFill>
+                <a:highlight>
+                  <a:srgbClr val="1F1F1F"/>
+                </a:highlight>
+                <a:latin typeface="Consolas"/>
+                <a:ea typeface="Consolas"/>
+                <a:cs typeface="Consolas"/>
+                <a:sym typeface="Consolas"/>
+              </a:rPr>
+              <a:t>#SBATCH --oversubscribe</a:t>
+            </a:r>
+            <a:endParaRPr sz="1050">
               <a:solidFill>
-                <a:schemeClr val="accent5"/>
+                <a:srgbClr val="6A9955"/>
               </a:solidFill>
+              <a:highlight>
+                <a:srgbClr val="1F1F1F"/>
+              </a:highlight>
+              <a:latin typeface="Consolas"/>
+              <a:ea typeface="Consolas"/>
+              <a:cs typeface="Consolas"/>
+              <a:sym typeface="Consolas"/>
             </a:endParaRPr>
           </a:p>
           <a:p>
             <a:pPr indent="0" lvl="0" marL="0" rtl="0" algn="l">
-              <a:spcBef>
-                <a:spcPts val="1200"/>
-              </a:spcBef>
-              <a:spcAft>
-                <a:spcPts val="0"/>
-              </a:spcAft>
-              <a:buNone/>
-            </a:pPr>
-            <a:r>
-              <a:rPr lang="en">
-                <a:solidFill>
-                  <a:schemeClr val="accent5"/>
-                </a:solidFill>
-              </a:rPr>
-              <a:t>echo Array Index: $SLURM_ARRAY_TASK_ID</a:t>
-            </a:r>
-            <a:endParaRPr>
+              <a:lnSpc>
+                <a:spcPct val="135714"/>
+              </a:lnSpc>
+              <a:spcBef>
+                <a:spcPts val="0"/>
+              </a:spcBef>
+              <a:spcAft>
+                <a:spcPts val="0"/>
+              </a:spcAft>
+              <a:buNone/>
+            </a:pPr>
+            <a:r>
+              <a:rPr lang="en" sz="1050">
+                <a:solidFill>
+                  <a:srgbClr val="DCDCAA"/>
+                </a:solidFill>
+                <a:highlight>
+                  <a:srgbClr val="1F1F1F"/>
+                </a:highlight>
+                <a:latin typeface="Consolas"/>
+                <a:ea typeface="Consolas"/>
+                <a:cs typeface="Consolas"/>
+                <a:sym typeface="Consolas"/>
+              </a:rPr>
+              <a:t>sleep</a:t>
+            </a:r>
+            <a:r>
+              <a:rPr lang="en" sz="1050">
+                <a:solidFill>
+                  <a:srgbClr val="CCCCCC"/>
+                </a:solidFill>
+                <a:highlight>
+                  <a:srgbClr val="1F1F1F"/>
+                </a:highlight>
+                <a:latin typeface="Consolas"/>
+                <a:ea typeface="Consolas"/>
+                <a:cs typeface="Consolas"/>
+                <a:sym typeface="Consolas"/>
+              </a:rPr>
+              <a:t> </a:t>
+            </a:r>
+            <a:r>
+              <a:rPr lang="en" sz="1050">
+                <a:solidFill>
+                  <a:srgbClr val="B5CEA8"/>
+                </a:solidFill>
+                <a:highlight>
+                  <a:srgbClr val="1F1F1F"/>
+                </a:highlight>
+                <a:latin typeface="Consolas"/>
+                <a:ea typeface="Consolas"/>
+                <a:cs typeface="Consolas"/>
+                <a:sym typeface="Consolas"/>
+              </a:rPr>
+              <a:t>10</a:t>
+            </a:r>
+            <a:r>
+              <a:rPr lang="en" sz="1050">
+                <a:solidFill>
+                  <a:srgbClr val="CE9178"/>
+                </a:solidFill>
+                <a:highlight>
+                  <a:srgbClr val="1F1F1F"/>
+                </a:highlight>
+                <a:latin typeface="Consolas"/>
+                <a:ea typeface="Consolas"/>
+                <a:cs typeface="Consolas"/>
+                <a:sym typeface="Consolas"/>
+              </a:rPr>
+              <a:t>s</a:t>
+            </a:r>
+            <a:endParaRPr sz="1050">
               <a:solidFill>
-                <a:schemeClr val="accent5"/>
+                <a:srgbClr val="CE9178"/>
               </a:solidFill>
+              <a:highlight>
+                <a:srgbClr val="1F1F1F"/>
+              </a:highlight>
+              <a:latin typeface="Consolas"/>
+              <a:ea typeface="Consolas"/>
+              <a:cs typeface="Consolas"/>
+              <a:sym typeface="Consolas"/>
             </a:endParaRPr>
           </a:p>
           <a:p>
             <a:pPr indent="0" lvl="0" marL="0" rtl="0" algn="l">
-              <a:spcBef>
-                <a:spcPts val="1200"/>
-              </a:spcBef>
-              <a:spcAft>
-                <a:spcPts val="0"/>
-              </a:spcAft>
-              <a:buNone/>
-            </a:pPr>
-            <a:r>
-              <a:rPr lang="en">
-                <a:solidFill>
-                  <a:schemeClr val="accent5"/>
-                </a:solidFill>
+              <a:lnSpc>
+                <a:spcPct val="135714"/>
+              </a:lnSpc>
+              <a:spcBef>
+                <a:spcPts val="0"/>
+              </a:spcBef>
+              <a:spcAft>
+                <a:spcPts val="0"/>
+              </a:spcAft>
+              <a:buNone/>
+            </a:pPr>
+            <a:r>
+              <a:rPr lang="en" sz="1050">
+                <a:solidFill>
+                  <a:srgbClr val="DCDCAA"/>
+                </a:solidFill>
+                <a:highlight>
+                  <a:srgbClr val="1F1F1F"/>
+                </a:highlight>
+                <a:latin typeface="Consolas"/>
+                <a:ea typeface="Consolas"/>
+                <a:cs typeface="Consolas"/>
+                <a:sym typeface="Consolas"/>
+              </a:rPr>
+              <a:t>echo</a:t>
+            </a:r>
+            <a:r>
+              <a:rPr lang="en" sz="1050">
+                <a:solidFill>
+                  <a:srgbClr val="CCCCCC"/>
+                </a:solidFill>
+                <a:highlight>
+                  <a:srgbClr val="1F1F1F"/>
+                </a:highlight>
+                <a:latin typeface="Consolas"/>
+                <a:ea typeface="Consolas"/>
+                <a:cs typeface="Consolas"/>
+                <a:sym typeface="Consolas"/>
+              </a:rPr>
+              <a:t> </a:t>
+            </a:r>
+            <a:r>
+              <a:rPr lang="en" sz="1050">
+                <a:solidFill>
+                  <a:srgbClr val="9CDCFE"/>
+                </a:solidFill>
+                <a:highlight>
+                  <a:srgbClr val="1F1F1F"/>
+                </a:highlight>
+                <a:latin typeface="Consolas"/>
+                <a:ea typeface="Consolas"/>
+                <a:cs typeface="Consolas"/>
+                <a:sym typeface="Consolas"/>
+              </a:rPr>
+              <a:t>$HOSTNAME</a:t>
+            </a:r>
+            <a:r>
+              <a:rPr lang="en" sz="1050">
+                <a:solidFill>
+                  <a:srgbClr val="CCCCCC"/>
+                </a:solidFill>
+                <a:highlight>
+                  <a:srgbClr val="1F1F1F"/>
+                </a:highlight>
+                <a:latin typeface="Consolas"/>
+                <a:ea typeface="Consolas"/>
+                <a:cs typeface="Consolas"/>
+                <a:sym typeface="Consolas"/>
+              </a:rPr>
+              <a:t> </a:t>
+            </a:r>
+            <a:r>
+              <a:rPr lang="en" sz="1050">
+                <a:solidFill>
+                  <a:srgbClr val="D4D4D4"/>
+                </a:solidFill>
+                <a:highlight>
+                  <a:srgbClr val="1F1F1F"/>
+                </a:highlight>
+                <a:latin typeface="Consolas"/>
+                <a:ea typeface="Consolas"/>
+                <a:cs typeface="Consolas"/>
+                <a:sym typeface="Consolas"/>
+              </a:rPr>
+              <a:t>&gt;&amp;2</a:t>
+            </a:r>
+            <a:endParaRPr sz="1050">
+              <a:solidFill>
+                <a:srgbClr val="D4D4D4"/>
+              </a:solidFill>
+              <a:highlight>
+                <a:srgbClr val="1F1F1F"/>
+              </a:highlight>
+              <a:latin typeface="Consolas"/>
+              <a:ea typeface="Consolas"/>
+              <a:cs typeface="Consolas"/>
+              <a:sym typeface="Consolas"/>
+            </a:endParaRPr>
+          </a:p>
+          <a:p>
+            <a:pPr indent="0" lvl="0" marL="0" rtl="0" algn="l">
+              <a:lnSpc>
+                <a:spcPct val="135714"/>
+              </a:lnSpc>
+              <a:spcBef>
+                <a:spcPts val="0"/>
+              </a:spcBef>
+              <a:spcAft>
+                <a:spcPts val="0"/>
+              </a:spcAft>
+              <a:buNone/>
+            </a:pPr>
+            <a:r>
+              <a:rPr lang="en" sz="1050">
+                <a:solidFill>
+                  <a:srgbClr val="DCDCAA"/>
+                </a:solidFill>
+                <a:highlight>
+                  <a:srgbClr val="1F1F1F"/>
+                </a:highlight>
+                <a:latin typeface="Consolas"/>
+                <a:ea typeface="Consolas"/>
+                <a:cs typeface="Consolas"/>
+                <a:sym typeface="Consolas"/>
+              </a:rPr>
+              <a:t>echo</a:t>
+            </a:r>
+            <a:r>
+              <a:rPr lang="en" sz="1050">
+                <a:solidFill>
+                  <a:srgbClr val="CCCCCC"/>
+                </a:solidFill>
+                <a:highlight>
+                  <a:srgbClr val="1F1F1F"/>
+                </a:highlight>
+                <a:latin typeface="Consolas"/>
+                <a:ea typeface="Consolas"/>
+                <a:cs typeface="Consolas"/>
+                <a:sym typeface="Consolas"/>
+              </a:rPr>
+              <a:t> </a:t>
+            </a:r>
+            <a:r>
+              <a:rPr lang="en" sz="1050">
+                <a:solidFill>
+                  <a:srgbClr val="CE9178"/>
+                </a:solidFill>
+                <a:highlight>
+                  <a:srgbClr val="1F1F1F"/>
+                </a:highlight>
+                <a:latin typeface="Consolas"/>
+                <a:ea typeface="Consolas"/>
+                <a:cs typeface="Consolas"/>
+                <a:sym typeface="Consolas"/>
+              </a:rPr>
+              <a:t>Array</a:t>
+            </a:r>
+            <a:r>
+              <a:rPr lang="en" sz="1050">
+                <a:solidFill>
+                  <a:srgbClr val="CCCCCC"/>
+                </a:solidFill>
+                <a:highlight>
+                  <a:srgbClr val="1F1F1F"/>
+                </a:highlight>
+                <a:latin typeface="Consolas"/>
+                <a:ea typeface="Consolas"/>
+                <a:cs typeface="Consolas"/>
+                <a:sym typeface="Consolas"/>
+              </a:rPr>
+              <a:t> </a:t>
+            </a:r>
+            <a:r>
+              <a:rPr lang="en" sz="1050">
+                <a:solidFill>
+                  <a:srgbClr val="CE9178"/>
+                </a:solidFill>
+                <a:highlight>
+                  <a:srgbClr val="1F1F1F"/>
+                </a:highlight>
+                <a:latin typeface="Consolas"/>
+                <a:ea typeface="Consolas"/>
+                <a:cs typeface="Consolas"/>
+                <a:sym typeface="Consolas"/>
+              </a:rPr>
+              <a:t>Index:</a:t>
+            </a:r>
+            <a:r>
+              <a:rPr lang="en" sz="1050">
+                <a:solidFill>
+                  <a:srgbClr val="CCCCCC"/>
+                </a:solidFill>
+                <a:highlight>
+                  <a:srgbClr val="1F1F1F"/>
+                </a:highlight>
+                <a:latin typeface="Consolas"/>
+                <a:ea typeface="Consolas"/>
+                <a:cs typeface="Consolas"/>
+                <a:sym typeface="Consolas"/>
+              </a:rPr>
+              <a:t> </a:t>
+            </a:r>
+            <a:r>
+              <a:rPr lang="en" sz="1050">
+                <a:solidFill>
+                  <a:srgbClr val="9CDCFE"/>
+                </a:solidFill>
+                <a:highlight>
+                  <a:srgbClr val="1F1F1F"/>
+                </a:highlight>
+                <a:latin typeface="Consolas"/>
+                <a:ea typeface="Consolas"/>
+                <a:cs typeface="Consolas"/>
+                <a:sym typeface="Consolas"/>
+              </a:rPr>
+              <a:t>$SLURM_ARRAY_TASK_ID</a:t>
+            </a:r>
+            <a:endParaRPr sz="1050">
+              <a:solidFill>
+                <a:srgbClr val="9CDCFE"/>
+              </a:solidFill>
+              <a:highlight>
+                <a:srgbClr val="1F1F1F"/>
+              </a:highlight>
+              <a:latin typeface="Consolas"/>
+              <a:ea typeface="Consolas"/>
+              <a:cs typeface="Consolas"/>
+              <a:sym typeface="Consolas"/>
+            </a:endParaRPr>
+          </a:p>
+          <a:p>
+            <a:pPr indent="0" lvl="0" marL="0" rtl="0" algn="l">
+              <a:lnSpc>
+                <a:spcPct val="135714"/>
+              </a:lnSpc>
+              <a:spcBef>
+                <a:spcPts val="0"/>
+              </a:spcBef>
+              <a:spcAft>
+                <a:spcPts val="0"/>
+              </a:spcAft>
+              <a:buNone/>
+            </a:pPr>
+            <a:r>
+              <a:rPr lang="en" sz="1050">
+                <a:solidFill>
+                  <a:srgbClr val="DCDCAA"/>
+                </a:solidFill>
+                <a:highlight>
+                  <a:srgbClr val="1F1F1F"/>
+                </a:highlight>
+                <a:latin typeface="Consolas"/>
+                <a:ea typeface="Consolas"/>
+                <a:cs typeface="Consolas"/>
+                <a:sym typeface="Consolas"/>
+              </a:rPr>
+              <a:t>cd</a:t>
+            </a:r>
+            <a:r>
+              <a:rPr lang="en" sz="1050">
+                <a:solidFill>
+                  <a:srgbClr val="CCCCCC"/>
+                </a:solidFill>
+                <a:highlight>
+                  <a:srgbClr val="1F1F1F"/>
+                </a:highlight>
+                <a:latin typeface="Consolas"/>
+                <a:ea typeface="Consolas"/>
+                <a:cs typeface="Consolas"/>
+                <a:sym typeface="Consolas"/>
+              </a:rPr>
+              <a:t> </a:t>
+            </a:r>
+            <a:r>
+              <a:rPr lang="en" sz="1050">
+                <a:solidFill>
+                  <a:srgbClr val="9CDCFE"/>
+                </a:solidFill>
+                <a:highlight>
+                  <a:srgbClr val="1F1F1F"/>
+                </a:highlight>
+                <a:latin typeface="Consolas"/>
+                <a:ea typeface="Consolas"/>
+                <a:cs typeface="Consolas"/>
+                <a:sym typeface="Consolas"/>
+              </a:rPr>
+              <a:t>$MYDIR</a:t>
+            </a:r>
+            <a:r>
+              <a:rPr lang="en" sz="1050">
+                <a:solidFill>
+                  <a:srgbClr val="CE9178"/>
+                </a:solidFill>
+                <a:highlight>
+                  <a:srgbClr val="1F1F1F"/>
+                </a:highlight>
+                <a:latin typeface="Consolas"/>
+                <a:ea typeface="Consolas"/>
+                <a:cs typeface="Consolas"/>
+                <a:sym typeface="Consolas"/>
+              </a:rPr>
+              <a:t>/ClusterWorkshop/Examples/Basics</a:t>
+            </a:r>
+            <a:endParaRPr sz="1050">
+              <a:solidFill>
+                <a:srgbClr val="CE9178"/>
+              </a:solidFill>
+              <a:highlight>
+                <a:srgbClr val="1F1F1F"/>
+              </a:highlight>
+              <a:latin typeface="Consolas"/>
+              <a:ea typeface="Consolas"/>
+              <a:cs typeface="Consolas"/>
+              <a:sym typeface="Consolas"/>
+            </a:endParaRPr>
+          </a:p>
+          <a:p>
+            <a:pPr indent="0" lvl="0" marL="0" rtl="0" algn="l">
+              <a:lnSpc>
+                <a:spcPct val="135714"/>
+              </a:lnSpc>
+              <a:spcBef>
+                <a:spcPts val="0"/>
+              </a:spcBef>
+              <a:spcAft>
+                <a:spcPts val="0"/>
+              </a:spcAft>
+              <a:buNone/>
+            </a:pPr>
+            <a:r>
+              <a:t/>
+            </a:r>
+            <a:endParaRPr sz="1050">
+              <a:solidFill>
+                <a:srgbClr val="CCCCCC"/>
+              </a:solidFill>
+              <a:highlight>
+                <a:srgbClr val="1F1F1F"/>
+              </a:highlight>
+              <a:latin typeface="Consolas"/>
+              <a:ea typeface="Consolas"/>
+              <a:cs typeface="Consolas"/>
+              <a:sym typeface="Consolas"/>
+            </a:endParaRPr>
+          </a:p>
+          <a:p>
+            <a:pPr indent="0" lvl="0" marL="0" rtl="0" algn="l">
+              <a:lnSpc>
+                <a:spcPct val="135714"/>
+              </a:lnSpc>
+              <a:spcBef>
+                <a:spcPts val="0"/>
+              </a:spcBef>
+              <a:spcAft>
+                <a:spcPts val="0"/>
+              </a:spcAft>
+              <a:buNone/>
+            </a:pPr>
+            <a:r>
+              <a:rPr lang="en" sz="1050">
+                <a:solidFill>
+                  <a:srgbClr val="6A9955"/>
+                </a:solidFill>
+                <a:highlight>
+                  <a:srgbClr val="1F1F1F"/>
+                </a:highlight>
+                <a:latin typeface="Consolas"/>
+                <a:ea typeface="Consolas"/>
+                <a:cs typeface="Consolas"/>
+                <a:sym typeface="Consolas"/>
               </a:rPr>
               <a:t># this uses a bash trick to save the output from the sed command into a variable</a:t>
             </a:r>
-            <a:br>
-              <a:rPr lang="en">
-                <a:solidFill>
-                  <a:schemeClr val="accent5"/>
-                </a:solidFill>
-              </a:rPr>
-            </a:br>
-            <a:r>
-              <a:rPr lang="en">
-                <a:solidFill>
-                  <a:schemeClr val="accent5"/>
-                </a:solidFill>
-              </a:rPr>
-              <a:t>lineFromFile=`sed </a:t>
-            </a:r>
-            <a:r>
-              <a:rPr lang="en">
-                <a:solidFill>
-                  <a:schemeClr val="accent5"/>
-                </a:solidFill>
-              </a:rPr>
-              <a:t>"${SLURM_ARRAY_TASK_ID}q;d" &lt;FILENAME&gt;”` </a:t>
-            </a:r>
-            <a:endParaRPr>
+            <a:endParaRPr sz="1050">
               <a:solidFill>
-                <a:schemeClr val="accent5"/>
+                <a:srgbClr val="6A9955"/>
               </a:solidFill>
+              <a:highlight>
+                <a:srgbClr val="1F1F1F"/>
+              </a:highlight>
+              <a:latin typeface="Consolas"/>
+              <a:ea typeface="Consolas"/>
+              <a:cs typeface="Consolas"/>
+              <a:sym typeface="Consolas"/>
             </a:endParaRPr>
           </a:p>
           <a:p>
             <a:pPr indent="0" lvl="0" marL="0" rtl="0" algn="l">
-              <a:spcBef>
-                <a:spcPts val="1200"/>
-              </a:spcBef>
-              <a:spcAft>
-                <a:spcPts val="0"/>
-              </a:spcAft>
-              <a:buNone/>
-            </a:pPr>
-            <a:r>
-              <a:rPr lang="en">
-                <a:solidFill>
-                  <a:schemeClr val="accent5"/>
-                </a:solidFill>
-              </a:rPr>
-              <a:t>echo $lineFromFile</a:t>
-            </a:r>
-            <a:endParaRPr>
+              <a:lnSpc>
+                <a:spcPct val="135714"/>
+              </a:lnSpc>
+              <a:spcBef>
+                <a:spcPts val="0"/>
+              </a:spcBef>
+              <a:spcAft>
+                <a:spcPts val="0"/>
+              </a:spcAft>
+              <a:buNone/>
+            </a:pPr>
+            <a:r>
+              <a:rPr lang="en" sz="1050">
+                <a:solidFill>
+                  <a:srgbClr val="9CDCFE"/>
+                </a:solidFill>
+                <a:highlight>
+                  <a:srgbClr val="1F1F1F"/>
+                </a:highlight>
+                <a:latin typeface="Consolas"/>
+                <a:ea typeface="Consolas"/>
+                <a:cs typeface="Consolas"/>
+                <a:sym typeface="Consolas"/>
+              </a:rPr>
+              <a:t>lineFromFile</a:t>
+            </a:r>
+            <a:r>
+              <a:rPr lang="en" sz="1050">
+                <a:solidFill>
+                  <a:srgbClr val="D4D4D4"/>
+                </a:solidFill>
+                <a:highlight>
+                  <a:srgbClr val="1F1F1F"/>
+                </a:highlight>
+                <a:latin typeface="Consolas"/>
+                <a:ea typeface="Consolas"/>
+                <a:cs typeface="Consolas"/>
+                <a:sym typeface="Consolas"/>
+              </a:rPr>
+              <a:t>=</a:t>
+            </a:r>
+            <a:r>
+              <a:rPr lang="en" sz="1050">
+                <a:solidFill>
+                  <a:srgbClr val="CE9178"/>
+                </a:solidFill>
+                <a:highlight>
+                  <a:srgbClr val="1F1F1F"/>
+                </a:highlight>
+                <a:latin typeface="Consolas"/>
+                <a:ea typeface="Consolas"/>
+                <a:cs typeface="Consolas"/>
+                <a:sym typeface="Consolas"/>
+              </a:rPr>
+              <a:t>`</a:t>
+            </a:r>
+            <a:r>
+              <a:rPr lang="en" sz="1050">
+                <a:solidFill>
+                  <a:srgbClr val="DCDCAA"/>
+                </a:solidFill>
+                <a:highlight>
+                  <a:srgbClr val="1F1F1F"/>
+                </a:highlight>
+                <a:latin typeface="Consolas"/>
+                <a:ea typeface="Consolas"/>
+                <a:cs typeface="Consolas"/>
+                <a:sym typeface="Consolas"/>
+              </a:rPr>
+              <a:t>sed</a:t>
+            </a:r>
+            <a:r>
+              <a:rPr lang="en" sz="1050">
+                <a:solidFill>
+                  <a:srgbClr val="CE9178"/>
+                </a:solidFill>
+                <a:highlight>
+                  <a:srgbClr val="1F1F1F"/>
+                </a:highlight>
+                <a:latin typeface="Consolas"/>
+                <a:ea typeface="Consolas"/>
+                <a:cs typeface="Consolas"/>
+                <a:sym typeface="Consolas"/>
+              </a:rPr>
+              <a:t> </a:t>
+            </a:r>
+            <a:r>
+              <a:rPr lang="en" sz="1050">
+                <a:solidFill>
+                  <a:srgbClr val="569CD6"/>
+                </a:solidFill>
+                <a:highlight>
+                  <a:srgbClr val="1F1F1F"/>
+                </a:highlight>
+                <a:latin typeface="Consolas"/>
+                <a:ea typeface="Consolas"/>
+                <a:cs typeface="Consolas"/>
+                <a:sym typeface="Consolas"/>
+              </a:rPr>
+              <a:t>-n</a:t>
+            </a:r>
+            <a:r>
+              <a:rPr lang="en" sz="1050">
+                <a:solidFill>
+                  <a:srgbClr val="CE9178"/>
+                </a:solidFill>
+                <a:highlight>
+                  <a:srgbClr val="1F1F1F"/>
+                </a:highlight>
+                <a:latin typeface="Consolas"/>
+                <a:ea typeface="Consolas"/>
+                <a:cs typeface="Consolas"/>
+                <a:sym typeface="Consolas"/>
+              </a:rPr>
+              <a:t> "$(( </a:t>
+            </a:r>
+            <a:r>
+              <a:rPr lang="en" sz="1050">
+                <a:solidFill>
+                  <a:srgbClr val="9CDCFE"/>
+                </a:solidFill>
+                <a:highlight>
+                  <a:srgbClr val="1F1F1F"/>
+                </a:highlight>
+                <a:latin typeface="Consolas"/>
+                <a:ea typeface="Consolas"/>
+                <a:cs typeface="Consolas"/>
+                <a:sym typeface="Consolas"/>
+              </a:rPr>
+              <a:t>$SLURM_ARRAY_TASK_ID</a:t>
+            </a:r>
+            <a:r>
+              <a:rPr lang="en" sz="1050">
+                <a:solidFill>
+                  <a:srgbClr val="CE9178"/>
+                </a:solidFill>
+                <a:highlight>
+                  <a:srgbClr val="1F1F1F"/>
+                </a:highlight>
+                <a:latin typeface="Consolas"/>
+                <a:ea typeface="Consolas"/>
+                <a:cs typeface="Consolas"/>
+                <a:sym typeface="Consolas"/>
+              </a:rPr>
+              <a:t> </a:t>
+            </a:r>
+            <a:r>
+              <a:rPr lang="en" sz="1050">
+                <a:solidFill>
+                  <a:srgbClr val="D4D4D4"/>
+                </a:solidFill>
+                <a:highlight>
+                  <a:srgbClr val="1F1F1F"/>
+                </a:highlight>
+                <a:latin typeface="Consolas"/>
+                <a:ea typeface="Consolas"/>
+                <a:cs typeface="Consolas"/>
+                <a:sym typeface="Consolas"/>
+              </a:rPr>
+              <a:t>+</a:t>
+            </a:r>
+            <a:r>
+              <a:rPr lang="en" sz="1050">
+                <a:solidFill>
+                  <a:srgbClr val="CE9178"/>
+                </a:solidFill>
+                <a:highlight>
+                  <a:srgbClr val="1F1F1F"/>
+                </a:highlight>
+                <a:latin typeface="Consolas"/>
+                <a:ea typeface="Consolas"/>
+                <a:cs typeface="Consolas"/>
+                <a:sym typeface="Consolas"/>
+              </a:rPr>
+              <a:t> </a:t>
+            </a:r>
+            <a:r>
+              <a:rPr lang="en" sz="1050">
+                <a:solidFill>
+                  <a:srgbClr val="B5CEA8"/>
+                </a:solidFill>
+                <a:highlight>
+                  <a:srgbClr val="1F1F1F"/>
+                </a:highlight>
+                <a:latin typeface="Consolas"/>
+                <a:ea typeface="Consolas"/>
+                <a:cs typeface="Consolas"/>
+                <a:sym typeface="Consolas"/>
+              </a:rPr>
+              <a:t>1</a:t>
+            </a:r>
+            <a:r>
+              <a:rPr lang="en" sz="1050">
+                <a:solidFill>
+                  <a:srgbClr val="CE9178"/>
+                </a:solidFill>
+                <a:highlight>
+                  <a:srgbClr val="1F1F1F"/>
+                </a:highlight>
+                <a:latin typeface="Consolas"/>
+                <a:ea typeface="Consolas"/>
+                <a:cs typeface="Consolas"/>
+                <a:sym typeface="Consolas"/>
+              </a:rPr>
+              <a:t> )) p" lines.txt`</a:t>
+            </a:r>
+            <a:endParaRPr sz="1050">
               <a:solidFill>
-                <a:schemeClr val="accent5"/>
+                <a:srgbClr val="CE9178"/>
               </a:solidFill>
+              <a:highlight>
+                <a:srgbClr val="1F1F1F"/>
+              </a:highlight>
+              <a:latin typeface="Consolas"/>
+              <a:ea typeface="Consolas"/>
+              <a:cs typeface="Consolas"/>
+              <a:sym typeface="Consolas"/>
             </a:endParaRPr>
           </a:p>
           <a:p>
             <a:pPr indent="0" lvl="0" marL="0" rtl="0" algn="l">
-              <a:spcBef>
-                <a:spcPts val="1200"/>
-              </a:spcBef>
-              <a:spcAft>
-                <a:spcPts val="1200"/>
-              </a:spcAft>
-              <a:buNone/>
-            </a:pPr>
-            <a:r>
-              <a:rPr lang="en">
-                <a:solidFill>
-                  <a:schemeClr val="accent5"/>
-                </a:solidFill>
-              </a:rPr>
-              <a:t>sleep 10s</a:t>
+              <a:lnSpc>
+                <a:spcPct val="135714"/>
+              </a:lnSpc>
+              <a:spcBef>
+                <a:spcPts val="0"/>
+              </a:spcBef>
+              <a:spcAft>
+                <a:spcPts val="0"/>
+              </a:spcAft>
+              <a:buNone/>
+            </a:pPr>
+            <a:r>
+              <a:rPr lang="en" sz="1050">
+                <a:solidFill>
+                  <a:srgbClr val="DCDCAA"/>
+                </a:solidFill>
+                <a:highlight>
+                  <a:srgbClr val="1F1F1F"/>
+                </a:highlight>
+                <a:latin typeface="Consolas"/>
+                <a:ea typeface="Consolas"/>
+                <a:cs typeface="Consolas"/>
+                <a:sym typeface="Consolas"/>
+              </a:rPr>
+              <a:t>echo</a:t>
+            </a:r>
+            <a:r>
+              <a:rPr lang="en" sz="1050">
+                <a:solidFill>
+                  <a:srgbClr val="CCCCCC"/>
+                </a:solidFill>
+                <a:highlight>
+                  <a:srgbClr val="1F1F1F"/>
+                </a:highlight>
+                <a:latin typeface="Consolas"/>
+                <a:ea typeface="Consolas"/>
+                <a:cs typeface="Consolas"/>
+                <a:sym typeface="Consolas"/>
+              </a:rPr>
+              <a:t> </a:t>
+            </a:r>
+            <a:r>
+              <a:rPr lang="en" sz="1050">
+                <a:solidFill>
+                  <a:srgbClr val="9CDCFE"/>
+                </a:solidFill>
+                <a:highlight>
+                  <a:srgbClr val="1F1F1F"/>
+                </a:highlight>
+                <a:latin typeface="Consolas"/>
+                <a:ea typeface="Consolas"/>
+                <a:cs typeface="Consolas"/>
+                <a:sym typeface="Consolas"/>
+              </a:rPr>
+              <a:t>$lineFromFile</a:t>
+            </a:r>
+            <a:endParaRPr sz="1050">
+              <a:solidFill>
+                <a:srgbClr val="9CDCFE"/>
+              </a:solidFill>
+              <a:highlight>
+                <a:srgbClr val="1F1F1F"/>
+              </a:highlight>
+              <a:latin typeface="Consolas"/>
+              <a:ea typeface="Consolas"/>
+              <a:cs typeface="Consolas"/>
+              <a:sym typeface="Consolas"/>
+            </a:endParaRPr>
+          </a:p>
+          <a:p>
+            <a:pPr indent="0" lvl="0" marL="0" rtl="0" algn="l">
+              <a:lnSpc>
+                <a:spcPct val="135714"/>
+              </a:lnSpc>
+              <a:spcBef>
+                <a:spcPts val="0"/>
+              </a:spcBef>
+              <a:spcAft>
+                <a:spcPts val="0"/>
+              </a:spcAft>
+              <a:buNone/>
+            </a:pPr>
+            <a:r>
+              <a:rPr lang="en" sz="1050">
+                <a:solidFill>
+                  <a:srgbClr val="DCDCAA"/>
+                </a:solidFill>
+                <a:highlight>
+                  <a:srgbClr val="1F1F1F"/>
+                </a:highlight>
+                <a:latin typeface="Consolas"/>
+                <a:ea typeface="Consolas"/>
+                <a:cs typeface="Consolas"/>
+                <a:sym typeface="Consolas"/>
+              </a:rPr>
+              <a:t>sleep</a:t>
+            </a:r>
+            <a:r>
+              <a:rPr lang="en" sz="1050">
+                <a:solidFill>
+                  <a:srgbClr val="CCCCCC"/>
+                </a:solidFill>
+                <a:highlight>
+                  <a:srgbClr val="1F1F1F"/>
+                </a:highlight>
+                <a:latin typeface="Consolas"/>
+                <a:ea typeface="Consolas"/>
+                <a:cs typeface="Consolas"/>
+                <a:sym typeface="Consolas"/>
+              </a:rPr>
+              <a:t> </a:t>
+            </a:r>
+            <a:r>
+              <a:rPr lang="en" sz="1050">
+                <a:solidFill>
+                  <a:srgbClr val="B5CEA8"/>
+                </a:solidFill>
+                <a:highlight>
+                  <a:srgbClr val="1F1F1F"/>
+                </a:highlight>
+                <a:latin typeface="Consolas"/>
+                <a:ea typeface="Consolas"/>
+                <a:cs typeface="Consolas"/>
+                <a:sym typeface="Consolas"/>
+              </a:rPr>
+              <a:t>10</a:t>
+            </a:r>
+            <a:r>
+              <a:rPr lang="en" sz="1050">
+                <a:solidFill>
+                  <a:srgbClr val="CE9178"/>
+                </a:solidFill>
+                <a:highlight>
+                  <a:srgbClr val="1F1F1F"/>
+                </a:highlight>
+                <a:latin typeface="Consolas"/>
+                <a:ea typeface="Consolas"/>
+                <a:cs typeface="Consolas"/>
+                <a:sym typeface="Consolas"/>
+              </a:rPr>
+              <a:t>s</a:t>
             </a:r>
             <a:endParaRPr>
               <a:solidFill>
@@ -32218,7 +35389,7 @@
         </p:spPr>
         <p:txBody>
           <a:bodyPr anchorCtr="0" anchor="t" bIns="91425" lIns="91425" spcFirstLastPara="1" rIns="91425" wrap="square" tIns="91425">
-            <a:normAutofit/>
+            <a:normAutofit lnSpcReduction="10000"/>
           </a:bodyPr>
           <a:lstStyle/>
           <a:p>
@@ -32251,7 +35422,7 @@
             </a:pPr>
             <a:r>
               <a:rPr lang="en"/>
-              <a:t>We are going to use a conda environment with pytorch installed</a:t>
+              <a:t>We are going to use a conda environment with pytorch installed. Do this in an interactive session:</a:t>
             </a:r>
             <a:endParaRPr/>
           </a:p>
@@ -37129,6 +40300,285 @@
 </file>
 
 <file path=ppt/theme/theme1.xml><?xml version="1.0" encoding="utf-8"?>
+<a:theme xmlns:a="http://schemas.openxmlformats.org/drawingml/2006/main" xmlns:r="http://schemas.openxmlformats.org/officeDocument/2006/relationships">
+  <a:themeElements>
+    <a:clrScheme name="Default">
+      <a:dk1>
+        <a:srgbClr val="000000"/>
+      </a:dk1>
+      <a:lt1>
+        <a:srgbClr val="FFFFFF"/>
+      </a:lt1>
+      <a:dk2>
+        <a:srgbClr val="158158"/>
+      </a:dk2>
+      <a:lt2>
+        <a:srgbClr val="F3F3F3"/>
+      </a:lt2>
+      <a:accent1>
+        <a:srgbClr val="058DC7"/>
+      </a:accent1>
+      <a:accent2>
+        <a:srgbClr val="50B432"/>
+      </a:accent2>
+      <a:accent3>
+        <a:srgbClr val="ED561B"/>
+      </a:accent3>
+      <a:accent4>
+        <a:srgbClr val="EDEF00"/>
+      </a:accent4>
+      <a:accent5>
+        <a:srgbClr val="24CBE5"/>
+      </a:accent5>
+      <a:accent6>
+        <a:srgbClr val="64E572"/>
+      </a:accent6>
+      <a:hlink>
+        <a:srgbClr val="2200CC"/>
+      </a:hlink>
+      <a:folHlink>
+        <a:srgbClr val="551A8B"/>
+      </a:folHlink>
+    </a:clrScheme>
+    <a:fontScheme name="Office">
+      <a:majorFont>
+        <a:latin typeface="Arial"/>
+        <a:ea typeface=""/>
+        <a:cs typeface=""/>
+        <a:font script="Jpan" typeface="ＭＳ Ｐゴシック"/>
+        <a:font script="Hang" typeface="맑은 고딕"/>
+        <a:font script="Hans" typeface="宋体"/>
+        <a:font script="Hant" typeface="新細明體"/>
+        <a:font script="Arab" typeface="Times New Roman"/>
+        <a:font script="Hebr" typeface="Times New Roman"/>
+        <a:font script="Thai" typeface="Angsana New"/>
+        <a:font script="Ethi" typeface="Nyala"/>
+        <a:font script="Beng" typeface="Vrinda"/>
+        <a:font script="Gujr" typeface="Shruti"/>
+        <a:font script="Khmr" typeface="MoolBoran"/>
+        <a:font script="Knda" typeface="Tunga"/>
+        <a:font script="Guru" typeface="Raavi"/>
+        <a:font script="Cans" typeface="Euphemia"/>
+        <a:font script="Cher" typeface="Plantagenet Cherokee"/>
+        <a:font script="Yiii" typeface="Microsoft Yi Baiti"/>
+        <a:font script="Tibt" typeface="Microsoft Himalaya"/>
+        <a:font script="Thaa" typeface="MV Boli"/>
+        <a:font script="Deva" typeface="Mangal"/>
+        <a:font script="Telu" typeface="Gautami"/>
+        <a:font script="Taml" typeface="Latha"/>
+        <a:font script="Syrc" typeface="Estrangelo Edessa"/>
+        <a:font script="Orya" typeface="Kalinga"/>
+        <a:font script="Mlym" typeface="Kartika"/>
+        <a:font script="Laoo" typeface="DokChampa"/>
+        <a:font script="Sinh" typeface="Iskoola Pota"/>
+        <a:font script="Mong" typeface="Mongolian Baiti"/>
+        <a:font script="Viet" typeface="Times New Roman"/>
+        <a:font script="Uigh" typeface="Microsoft Uighur"/>
+        <a:font script="Geor" typeface="Sylfaen"/>
+      </a:majorFont>
+      <a:minorFont>
+        <a:latin typeface="Arial"/>
+        <a:ea typeface=""/>
+        <a:cs typeface=""/>
+        <a:font script="Jpan" typeface="ＭＳ Ｐゴシック"/>
+        <a:font script="Hang" typeface="맑은 고딕"/>
+        <a:font script="Hans" typeface="宋体"/>
+        <a:font script="Hant" typeface="新細明體"/>
+        <a:font script="Arab" typeface="Arial"/>
+        <a:font script="Hebr" typeface="Arial"/>
+        <a:font script="Thai" typeface="Cordia New"/>
+        <a:font script="Ethi" typeface="Nyala"/>
+        <a:font script="Beng" typeface="Vrinda"/>
+        <a:font script="Gujr" typeface="Shruti"/>
+        <a:font script="Khmr" typeface="DaunPenh"/>
+        <a:font script="Knda" typeface="Tunga"/>
+        <a:font script="Guru" typeface="Raavi"/>
+        <a:font script="Cans" typeface="Euphemia"/>
+        <a:font script="Cher" typeface="Plantagenet Cherokee"/>
+        <a:font script="Yiii" typeface="Microsoft Yi Baiti"/>
+        <a:font script="Tibt" typeface="Microsoft Himalaya"/>
+        <a:font script="Thaa" typeface="MV Boli"/>
+        <a:font script="Deva" typeface="Mangal"/>
+        <a:font script="Telu" typeface="Gautami"/>
+        <a:font script="Taml" typeface="Latha"/>
+        <a:font script="Syrc" typeface="Estrangelo Edessa"/>
+        <a:font script="Orya" typeface="Kalinga"/>
+        <a:font script="Mlym" typeface="Kartika"/>
+        <a:font script="Laoo" typeface="DokChampa"/>
+        <a:font script="Sinh" typeface="Iskoola Pota"/>
+        <a:font script="Mong" typeface="Mongolian Baiti"/>
+        <a:font script="Viet" typeface="Arial"/>
+        <a:font script="Uigh" typeface="Microsoft Uighur"/>
+        <a:font script="Geor" typeface="Sylfaen"/>
+      </a:minorFont>
+    </a:fontScheme>
+    <a:fmtScheme name="Office">
+      <a:fillStyleLst>
+        <a:solidFill>
+          <a:schemeClr val="phClr"/>
+        </a:solidFill>
+        <a:gradFill rotWithShape="1">
+          <a:gsLst>
+            <a:gs pos="0">
+              <a:schemeClr val="phClr">
+                <a:tint val="50000"/>
+                <a:satMod val="300000"/>
+              </a:schemeClr>
+            </a:gs>
+            <a:gs pos="35000">
+              <a:schemeClr val="phClr">
+                <a:tint val="37000"/>
+                <a:satMod val="300000"/>
+              </a:schemeClr>
+            </a:gs>
+            <a:gs pos="100000">
+              <a:schemeClr val="phClr">
+                <a:tint val="15000"/>
+                <a:satMod val="350000"/>
+              </a:schemeClr>
+            </a:gs>
+          </a:gsLst>
+          <a:lin ang="16200000" scaled="1"/>
+        </a:gradFill>
+        <a:gradFill rotWithShape="1">
+          <a:gsLst>
+            <a:gs pos="0">
+              <a:schemeClr val="phClr">
+                <a:tint val="100000"/>
+                <a:shade val="100000"/>
+                <a:satMod val="130000"/>
+              </a:schemeClr>
+            </a:gs>
+            <a:gs pos="100000">
+              <a:schemeClr val="phClr">
+                <a:tint val="50000"/>
+                <a:shade val="100000"/>
+                <a:satMod val="350000"/>
+              </a:schemeClr>
+            </a:gs>
+          </a:gsLst>
+          <a:lin ang="16200000" scaled="0"/>
+        </a:gradFill>
+      </a:fillStyleLst>
+      <a:lnStyleLst>
+        <a:ln w="9525" cap="flat" cmpd="sng" algn="ctr">
+          <a:solidFill>
+            <a:schemeClr val="phClr">
+              <a:shade val="95000"/>
+              <a:satMod val="105000"/>
+            </a:schemeClr>
+          </a:solidFill>
+          <a:prstDash val="solid"/>
+        </a:ln>
+        <a:ln w="25400" cap="flat" cmpd="sng" algn="ctr">
+          <a:solidFill>
+            <a:schemeClr val="phClr"/>
+          </a:solidFill>
+          <a:prstDash val="solid"/>
+        </a:ln>
+        <a:ln w="38100" cap="flat" cmpd="sng" algn="ctr">
+          <a:solidFill>
+            <a:schemeClr val="phClr"/>
+          </a:solidFill>
+          <a:prstDash val="solid"/>
+        </a:ln>
+      </a:lnStyleLst>
+      <a:effectStyleLst>
+        <a:effectStyle>
+          <a:effectLst>
+            <a:outerShdw blurRad="40000" dist="20000" dir="5400000" rotWithShape="0">
+              <a:srgbClr val="000000">
+                <a:alpha val="38000"/>
+              </a:srgbClr>
+            </a:outerShdw>
+          </a:effectLst>
+        </a:effectStyle>
+        <a:effectStyle>
+          <a:effectLst>
+            <a:outerShdw blurRad="40000" dist="23000" dir="5400000" rotWithShape="0">
+              <a:srgbClr val="000000">
+                <a:alpha val="35000"/>
+              </a:srgbClr>
+            </a:outerShdw>
+          </a:effectLst>
+        </a:effectStyle>
+        <a:effectStyle>
+          <a:effectLst>
+            <a:outerShdw blurRad="40000" dist="23000" dir="5400000" rotWithShape="0">
+              <a:srgbClr val="000000">
+                <a:alpha val="35000"/>
+              </a:srgbClr>
+            </a:outerShdw>
+          </a:effectLst>
+          <a:scene3d>
+            <a:camera prst="orthographicFront">
+              <a:rot lat="0" lon="0" rev="0"/>
+            </a:camera>
+            <a:lightRig rig="threePt" dir="t">
+              <a:rot lat="0" lon="0" rev="1200000"/>
+            </a:lightRig>
+          </a:scene3d>
+          <a:sp3d>
+            <a:bevelT w="63500" h="25400"/>
+          </a:sp3d>
+        </a:effectStyle>
+      </a:effectStyleLst>
+      <a:bgFillStyleLst>
+        <a:solidFill>
+          <a:schemeClr val="phClr"/>
+        </a:solidFill>
+        <a:gradFill rotWithShape="1">
+          <a:gsLst>
+            <a:gs pos="0">
+              <a:schemeClr val="phClr">
+                <a:tint val="40000"/>
+                <a:satMod val="350000"/>
+              </a:schemeClr>
+            </a:gs>
+            <a:gs pos="40000">
+              <a:schemeClr val="phClr">
+                <a:tint val="45000"/>
+                <a:shade val="99000"/>
+                <a:satMod val="350000"/>
+              </a:schemeClr>
+            </a:gs>
+            <a:gs pos="100000">
+              <a:schemeClr val="phClr">
+                <a:shade val="20000"/>
+                <a:satMod val="255000"/>
+              </a:schemeClr>
+            </a:gs>
+          </a:gsLst>
+          <a:path path="circle">
+            <a:fillToRect l="50000" t="-80000" r="50000" b="180000"/>
+          </a:path>
+        </a:gradFill>
+        <a:gradFill rotWithShape="1">
+          <a:gsLst>
+            <a:gs pos="0">
+              <a:schemeClr val="phClr">
+                <a:tint val="80000"/>
+                <a:satMod val="300000"/>
+              </a:schemeClr>
+            </a:gs>
+            <a:gs pos="100000">
+              <a:schemeClr val="phClr">
+                <a:shade val="30000"/>
+                <a:satMod val="200000"/>
+              </a:schemeClr>
+            </a:gs>
+          </a:gsLst>
+          <a:path path="circle">
+            <a:fillToRect l="50000" t="50000" r="50000" b="50000"/>
+          </a:path>
+        </a:gradFill>
+      </a:bgFillStyleLst>
+    </a:fmtScheme>
+  </a:themeElements>
+</a:theme>
+</file>
+
+<file path=ppt/theme/theme2.xml><?xml version="1.0" encoding="utf-8"?>
 <a:theme xmlns:a="http://schemas.openxmlformats.org/drawingml/2006/main" xmlns:r="http://schemas.openxmlformats.org/officeDocument/2006/relationships" name="Simple Dark">
   <a:themeElements>
     <a:clrScheme name="Simple Dark">
@@ -37405,283 +40855,4 @@
     </a:fmtScheme>
   </a:themeElements>
 </a:theme>
-</file>
-
-<file path=ppt/theme/theme2.xml><?xml version="1.0" encoding="utf-8"?>
-<a:theme xmlns:a="http://schemas.openxmlformats.org/drawingml/2006/main" xmlns:r="http://schemas.openxmlformats.org/officeDocument/2006/relationships">
-  <a:themeElements>
-    <a:clrScheme name="Default">
-      <a:dk1>
-        <a:srgbClr val="000000"/>
-      </a:dk1>
-      <a:lt1>
-        <a:srgbClr val="FFFFFF"/>
-      </a:lt1>
-      <a:dk2>
-        <a:srgbClr val="158158"/>
-      </a:dk2>
-      <a:lt2>
-        <a:srgbClr val="F3F3F3"/>
-      </a:lt2>
-      <a:accent1>
-        <a:srgbClr val="058DC7"/>
-      </a:accent1>
-      <a:accent2>
-        <a:srgbClr val="50B432"/>
-      </a:accent2>
-      <a:accent3>
-        <a:srgbClr val="ED561B"/>
-      </a:accent3>
-      <a:accent4>
-        <a:srgbClr val="EDEF00"/>
-      </a:accent4>
-      <a:accent5>
-        <a:srgbClr val="24CBE5"/>
-      </a:accent5>
-      <a:accent6>
-        <a:srgbClr val="64E572"/>
-      </a:accent6>
-      <a:hlink>
-        <a:srgbClr val="2200CC"/>
-      </a:hlink>
-      <a:folHlink>
-        <a:srgbClr val="551A8B"/>
-      </a:folHlink>
-    </a:clrScheme>
-    <a:fontScheme name="Office">
-      <a:majorFont>
-        <a:latin typeface="Arial"/>
-        <a:ea typeface=""/>
-        <a:cs typeface=""/>
-        <a:font script="Jpan" typeface="ＭＳ Ｐゴシック"/>
-        <a:font script="Hang" typeface="맑은 고딕"/>
-        <a:font script="Hans" typeface="宋体"/>
-        <a:font script="Hant" typeface="新細明體"/>
-        <a:font script="Arab" typeface="Times New Roman"/>
-        <a:font script="Hebr" typeface="Times New Roman"/>
-        <a:font script="Thai" typeface="Angsana New"/>
-        <a:font script="Ethi" typeface="Nyala"/>
-        <a:font script="Beng" typeface="Vrinda"/>
-        <a:font script="Gujr" typeface="Shruti"/>
-        <a:font script="Khmr" typeface="MoolBoran"/>
-        <a:font script="Knda" typeface="Tunga"/>
-        <a:font script="Guru" typeface="Raavi"/>
-        <a:font script="Cans" typeface="Euphemia"/>
-        <a:font script="Cher" typeface="Plantagenet Cherokee"/>
-        <a:font script="Yiii" typeface="Microsoft Yi Baiti"/>
-        <a:font script="Tibt" typeface="Microsoft Himalaya"/>
-        <a:font script="Thaa" typeface="MV Boli"/>
-        <a:font script="Deva" typeface="Mangal"/>
-        <a:font script="Telu" typeface="Gautami"/>
-        <a:font script="Taml" typeface="Latha"/>
-        <a:font script="Syrc" typeface="Estrangelo Edessa"/>
-        <a:font script="Orya" typeface="Kalinga"/>
-        <a:font script="Mlym" typeface="Kartika"/>
-        <a:font script="Laoo" typeface="DokChampa"/>
-        <a:font script="Sinh" typeface="Iskoola Pota"/>
-        <a:font script="Mong" typeface="Mongolian Baiti"/>
-        <a:font script="Viet" typeface="Times New Roman"/>
-        <a:font script="Uigh" typeface="Microsoft Uighur"/>
-        <a:font script="Geor" typeface="Sylfaen"/>
-      </a:majorFont>
-      <a:minorFont>
-        <a:latin typeface="Arial"/>
-        <a:ea typeface=""/>
-        <a:cs typeface=""/>
-        <a:font script="Jpan" typeface="ＭＳ Ｐゴシック"/>
-        <a:font script="Hang" typeface="맑은 고딕"/>
-        <a:font script="Hans" typeface="宋体"/>
-        <a:font script="Hant" typeface="新細明體"/>
-        <a:font script="Arab" typeface="Arial"/>
-        <a:font script="Hebr" typeface="Arial"/>
-        <a:font script="Thai" typeface="Cordia New"/>
-        <a:font script="Ethi" typeface="Nyala"/>
-        <a:font script="Beng" typeface="Vrinda"/>
-        <a:font script="Gujr" typeface="Shruti"/>
-        <a:font script="Khmr" typeface="DaunPenh"/>
-        <a:font script="Knda" typeface="Tunga"/>
-        <a:font script="Guru" typeface="Raavi"/>
-        <a:font script="Cans" typeface="Euphemia"/>
-        <a:font script="Cher" typeface="Plantagenet Cherokee"/>
-        <a:font script="Yiii" typeface="Microsoft Yi Baiti"/>
-        <a:font script="Tibt" typeface="Microsoft Himalaya"/>
-        <a:font script="Thaa" typeface="MV Boli"/>
-        <a:font script="Deva" typeface="Mangal"/>
-        <a:font script="Telu" typeface="Gautami"/>
-        <a:font script="Taml" typeface="Latha"/>
-        <a:font script="Syrc" typeface="Estrangelo Edessa"/>
-        <a:font script="Orya" typeface="Kalinga"/>
-        <a:font script="Mlym" typeface="Kartika"/>
-        <a:font script="Laoo" typeface="DokChampa"/>
-        <a:font script="Sinh" typeface="Iskoola Pota"/>
-        <a:font script="Mong" typeface="Mongolian Baiti"/>
-        <a:font script="Viet" typeface="Arial"/>
-        <a:font script="Uigh" typeface="Microsoft Uighur"/>
-        <a:font script="Geor" typeface="Sylfaen"/>
-      </a:minorFont>
-    </a:fontScheme>
-    <a:fmtScheme name="Office">
-      <a:fillStyleLst>
-        <a:solidFill>
-          <a:schemeClr val="phClr"/>
-        </a:solidFill>
-        <a:gradFill rotWithShape="1">
-          <a:gsLst>
-            <a:gs pos="0">
-              <a:schemeClr val="phClr">
-                <a:tint val="50000"/>
-                <a:satMod val="300000"/>
-              </a:schemeClr>
-            </a:gs>
-            <a:gs pos="35000">
-              <a:schemeClr val="phClr">
-                <a:tint val="37000"/>
-                <a:satMod val="300000"/>
-              </a:schemeClr>
-            </a:gs>
-            <a:gs pos="100000">
-              <a:schemeClr val="phClr">
-                <a:tint val="15000"/>
-                <a:satMod val="350000"/>
-              </a:schemeClr>
-            </a:gs>
-          </a:gsLst>
-          <a:lin ang="16200000" scaled="1"/>
-        </a:gradFill>
-        <a:gradFill rotWithShape="1">
-          <a:gsLst>
-            <a:gs pos="0">
-              <a:schemeClr val="phClr">
-                <a:tint val="100000"/>
-                <a:shade val="100000"/>
-                <a:satMod val="130000"/>
-              </a:schemeClr>
-            </a:gs>
-            <a:gs pos="100000">
-              <a:schemeClr val="phClr">
-                <a:tint val="50000"/>
-                <a:shade val="100000"/>
-                <a:satMod val="350000"/>
-              </a:schemeClr>
-            </a:gs>
-          </a:gsLst>
-          <a:lin ang="16200000" scaled="0"/>
-        </a:gradFill>
-      </a:fillStyleLst>
-      <a:lnStyleLst>
-        <a:ln w="9525" cap="flat" cmpd="sng" algn="ctr">
-          <a:solidFill>
-            <a:schemeClr val="phClr">
-              <a:shade val="95000"/>
-              <a:satMod val="105000"/>
-            </a:schemeClr>
-          </a:solidFill>
-          <a:prstDash val="solid"/>
-        </a:ln>
-        <a:ln w="25400" cap="flat" cmpd="sng" algn="ctr">
-          <a:solidFill>
-            <a:schemeClr val="phClr"/>
-          </a:solidFill>
-          <a:prstDash val="solid"/>
-        </a:ln>
-        <a:ln w="38100" cap="flat" cmpd="sng" algn="ctr">
-          <a:solidFill>
-            <a:schemeClr val="phClr"/>
-          </a:solidFill>
-          <a:prstDash val="solid"/>
-        </a:ln>
-      </a:lnStyleLst>
-      <a:effectStyleLst>
-        <a:effectStyle>
-          <a:effectLst>
-            <a:outerShdw blurRad="40000" dist="20000" dir="5400000" rotWithShape="0">
-              <a:srgbClr val="000000">
-                <a:alpha val="38000"/>
-              </a:srgbClr>
-            </a:outerShdw>
-          </a:effectLst>
-        </a:effectStyle>
-        <a:effectStyle>
-          <a:effectLst>
-            <a:outerShdw blurRad="40000" dist="23000" dir="5400000" rotWithShape="0">
-              <a:srgbClr val="000000">
-                <a:alpha val="35000"/>
-              </a:srgbClr>
-            </a:outerShdw>
-          </a:effectLst>
-        </a:effectStyle>
-        <a:effectStyle>
-          <a:effectLst>
-            <a:outerShdw blurRad="40000" dist="23000" dir="5400000" rotWithShape="0">
-              <a:srgbClr val="000000">
-                <a:alpha val="35000"/>
-              </a:srgbClr>
-            </a:outerShdw>
-          </a:effectLst>
-          <a:scene3d>
-            <a:camera prst="orthographicFront">
-              <a:rot lat="0" lon="0" rev="0"/>
-            </a:camera>
-            <a:lightRig rig="threePt" dir="t">
-              <a:rot lat="0" lon="0" rev="1200000"/>
-            </a:lightRig>
-          </a:scene3d>
-          <a:sp3d>
-            <a:bevelT w="63500" h="25400"/>
-          </a:sp3d>
-        </a:effectStyle>
-      </a:effectStyleLst>
-      <a:bgFillStyleLst>
-        <a:solidFill>
-          <a:schemeClr val="phClr"/>
-        </a:solidFill>
-        <a:gradFill rotWithShape="1">
-          <a:gsLst>
-            <a:gs pos="0">
-              <a:schemeClr val="phClr">
-                <a:tint val="40000"/>
-                <a:satMod val="350000"/>
-              </a:schemeClr>
-            </a:gs>
-            <a:gs pos="40000">
-              <a:schemeClr val="phClr">
-                <a:tint val="45000"/>
-                <a:shade val="99000"/>
-                <a:satMod val="350000"/>
-              </a:schemeClr>
-            </a:gs>
-            <a:gs pos="100000">
-              <a:schemeClr val="phClr">
-                <a:shade val="20000"/>
-                <a:satMod val="255000"/>
-              </a:schemeClr>
-            </a:gs>
-          </a:gsLst>
-          <a:path path="circle">
-            <a:fillToRect l="50000" t="-80000" r="50000" b="180000"/>
-          </a:path>
-        </a:gradFill>
-        <a:gradFill rotWithShape="1">
-          <a:gsLst>
-            <a:gs pos="0">
-              <a:schemeClr val="phClr">
-                <a:tint val="80000"/>
-                <a:satMod val="300000"/>
-              </a:schemeClr>
-            </a:gs>
-            <a:gs pos="100000">
-              <a:schemeClr val="phClr">
-                <a:shade val="30000"/>
-                <a:satMod val="200000"/>
-              </a:schemeClr>
-            </a:gs>
-          </a:gsLst>
-          <a:path path="circle">
-            <a:fillToRect l="50000" t="50000" r="50000" b="50000"/>
-          </a:path>
-        </a:gradFill>
-      </a:bgFillStyleLst>
-    </a:fmtScheme>
-  </a:themeElements>
-</a:theme>
 </file>
--- a/Introduction to the TReNDs Cluster.pptx
+++ b/Introduction to the TReNDs Cluster.pptx
@@ -65,16 +65,17 @@
     <p:sldId id="310" r:id="rId61"/>
     <p:sldId id="311" r:id="rId62"/>
     <p:sldId id="312" r:id="rId63"/>
+    <p:sldId id="313" r:id="rId64"/>
   </p:sldIdLst>
   <p:sldSz cy="5143500" cx="9144000"/>
   <p:notesSz cx="6858000" cy="9144000"/>
   <p:embeddedFontLst>
     <p:embeddedFont>
       <p:font typeface="Fira Sans"/>
-      <p:regular r:id="rId64"/>
-      <p:bold r:id="rId65"/>
-      <p:italic r:id="rId66"/>
-      <p:boldItalic r:id="rId67"/>
+      <p:regular r:id="rId65"/>
+      <p:bold r:id="rId66"/>
+      <p:italic r:id="rId67"/>
+      <p:boldItalic r:id="rId68"/>
     </p:embeddedFont>
   </p:embeddedFontLst>
   <p:defaultTextStyle>
@@ -5624,7 +5625,7 @@
   <p:cSld>
     <p:spTree>
       <p:nvGrpSpPr>
-        <p:cNvPr id="396" name="Shape 396"/>
+        <p:cNvPr id="398" name="Shape 398"/>
         <p:cNvGrpSpPr/>
         <p:nvPr/>
       </p:nvGrpSpPr>
@@ -5638,7 +5639,7 @@
       </p:grpSpPr>
       <p:sp>
         <p:nvSpPr>
-          <p:cNvPr id="397" name="Google Shape;397;g2ad71ba869e_0_225:notes"/>
+          <p:cNvPr id="399" name="Google Shape;399;g2ad71ba869e_0_225:notes"/>
           <p:cNvSpPr/>
           <p:nvPr>
             <p:ph idx="2" type="sldImg"/>
@@ -5673,7 +5674,7 @@
       </p:sp>
       <p:sp>
         <p:nvSpPr>
-          <p:cNvPr id="398" name="Google Shape;398;g2ad71ba869e_0_225:notes"/>
+          <p:cNvPr id="400" name="Google Shape;400;g2ad71ba869e_0_225:notes"/>
           <p:cNvSpPr txBox="1"/>
           <p:nvPr>
             <p:ph idx="1" type="body"/>
@@ -5723,7 +5724,7 @@
   <p:cSld>
     <p:spTree>
       <p:nvGrpSpPr>
-        <p:cNvPr id="401" name="Shape 401"/>
+        <p:cNvPr id="404" name="Shape 404"/>
         <p:cNvGrpSpPr/>
         <p:nvPr/>
       </p:nvGrpSpPr>
@@ -5737,7 +5738,7 @@
       </p:grpSpPr>
       <p:sp>
         <p:nvSpPr>
-          <p:cNvPr id="402" name="Google Shape;402;g2ad71ba869e_0_230:notes"/>
+          <p:cNvPr id="405" name="Google Shape;405;g2ad71ba869e_0_230:notes"/>
           <p:cNvSpPr/>
           <p:nvPr>
             <p:ph idx="2" type="sldImg"/>
@@ -5772,7 +5773,7 @@
       </p:sp>
       <p:sp>
         <p:nvSpPr>
-          <p:cNvPr id="403" name="Google Shape;403;g2ad71ba869e_0_230:notes"/>
+          <p:cNvPr id="406" name="Google Shape;406;g2ad71ba869e_0_230:notes"/>
           <p:cNvSpPr txBox="1"/>
           <p:nvPr>
             <p:ph idx="1" type="body"/>
@@ -5822,7 +5823,7 @@
   <p:cSld>
     <p:spTree>
       <p:nvGrpSpPr>
-        <p:cNvPr id="406" name="Shape 406"/>
+        <p:cNvPr id="411" name="Shape 411"/>
         <p:cNvGrpSpPr/>
         <p:nvPr/>
       </p:nvGrpSpPr>
@@ -5836,7 +5837,7 @@
       </p:grpSpPr>
       <p:sp>
         <p:nvSpPr>
-          <p:cNvPr id="407" name="Google Shape;407;g2adcf160db1_0_15:notes"/>
+          <p:cNvPr id="412" name="Google Shape;412;g2adcf160db1_0_15:notes"/>
           <p:cNvSpPr/>
           <p:nvPr>
             <p:ph idx="2" type="sldImg"/>
@@ -5871,7 +5872,7 @@
       </p:sp>
       <p:sp>
         <p:nvSpPr>
-          <p:cNvPr id="408" name="Google Shape;408;g2adcf160db1_0_15:notes"/>
+          <p:cNvPr id="413" name="Google Shape;413;g2adcf160db1_0_15:notes"/>
           <p:cNvSpPr txBox="1"/>
           <p:nvPr>
             <p:ph idx="1" type="body"/>
@@ -5921,7 +5922,7 @@
   <p:cSld>
     <p:spTree>
       <p:nvGrpSpPr>
-        <p:cNvPr id="411" name="Shape 411"/>
+        <p:cNvPr id="418" name="Shape 418"/>
         <p:cNvGrpSpPr/>
         <p:nvPr/>
       </p:nvGrpSpPr>
@@ -5935,7 +5936,7 @@
       </p:grpSpPr>
       <p:sp>
         <p:nvSpPr>
-          <p:cNvPr id="412" name="Google Shape;412;g2adcf160db1_0_19:notes"/>
+          <p:cNvPr id="419" name="Google Shape;419;g2adcf160db1_0_19:notes"/>
           <p:cNvSpPr/>
           <p:nvPr>
             <p:ph idx="2" type="sldImg"/>
@@ -5970,7 +5971,106 @@
       </p:sp>
       <p:sp>
         <p:nvSpPr>
-          <p:cNvPr id="413" name="Google Shape;413;g2adcf160db1_0_19:notes"/>
+          <p:cNvPr id="420" name="Google Shape;420;g2adcf160db1_0_19:notes"/>
+          <p:cNvSpPr txBox="1"/>
+          <p:nvPr>
+            <p:ph idx="1" type="body"/>
+          </p:nvPr>
+        </p:nvSpPr>
+        <p:spPr>
+          <a:xfrm>
+            <a:off x="685800" y="4343400"/>
+            <a:ext cx="5486400" cy="4114800"/>
+          </a:xfrm>
+          <a:prstGeom prst="rect">
+            <a:avLst/>
+          </a:prstGeom>
+        </p:spPr>
+        <p:txBody>
+          <a:bodyPr anchorCtr="0" anchor="t" bIns="91425" lIns="91425" spcFirstLastPara="1" rIns="91425" wrap="square" tIns="91425">
+            <a:noAutofit/>
+          </a:bodyPr>
+          <a:lstStyle/>
+          <a:p>
+            <a:pPr indent="0" lvl="0" marL="0" rtl="0" algn="l">
+              <a:spcBef>
+                <a:spcPts val="0"/>
+              </a:spcBef>
+              <a:spcAft>
+                <a:spcPts val="0"/>
+              </a:spcAft>
+              <a:buNone/>
+            </a:pPr>
+            <a:r>
+              <a:t/>
+            </a:r>
+            <a:endParaRPr/>
+          </a:p>
+        </p:txBody>
+      </p:sp>
+    </p:spTree>
+  </p:cSld>
+  <p:clrMapOvr>
+    <a:masterClrMapping/>
+  </p:clrMapOvr>
+</p:notes>
+</file>
+
+<file path=ppt/notesSlides/notesSlide58.xml><?xml version="1.0" encoding="utf-8"?>
+<p:notes xmlns:a="http://schemas.openxmlformats.org/drawingml/2006/main" xmlns:r="http://schemas.openxmlformats.org/officeDocument/2006/relationships" xmlns:mc="http://schemas.openxmlformats.org/markup-compatibility/2006" xmlns:mv="urn:schemas-microsoft-com:mac:vml" xmlns:p="http://schemas.openxmlformats.org/presentationml/2006/main" xmlns:c="http://schemas.openxmlformats.org/drawingml/2006/chart" xmlns:dgm="http://schemas.openxmlformats.org/drawingml/2006/diagram" xmlns:o="urn:schemas-microsoft-com:office:office" xmlns:v="urn:schemas-microsoft-com:vml" xmlns:pvml="urn:schemas-microsoft-com:office:powerpoint" xmlns:com="http://schemas.openxmlformats.org/drawingml/2006/compatibility" xmlns:p14="http://schemas.microsoft.com/office/powerpoint/2010/main" xmlns:p15="http://schemas.microsoft.com/office/powerpoint/2012/main" xmlns:ahyp="http://schemas.microsoft.com/office/drawing/2018/hyperlinkcolor" showMasterPhAnim="0" showMasterSp="0">
+  <p:cSld>
+    <p:spTree>
+      <p:nvGrpSpPr>
+        <p:cNvPr id="425" name="Shape 425"/>
+        <p:cNvGrpSpPr/>
+        <p:nvPr/>
+      </p:nvGrpSpPr>
+      <p:grpSpPr>
+        <a:xfrm>
+          <a:off x="0" y="0"/>
+          <a:ext cx="0" cy="0"/>
+          <a:chOff x="0" y="0"/>
+          <a:chExt cx="0" cy="0"/>
+        </a:xfrm>
+      </p:grpSpPr>
+      <p:sp>
+        <p:nvSpPr>
+          <p:cNvPr id="426" name="Google Shape;426;g2adcf160db1_1_20:notes"/>
+          <p:cNvSpPr/>
+          <p:nvPr>
+            <p:ph idx="2" type="sldImg"/>
+          </p:nvPr>
+        </p:nvSpPr>
+        <p:spPr>
+          <a:xfrm>
+            <a:off x="381300" y="685800"/>
+            <a:ext cx="6096000" cy="3429000"/>
+          </a:xfrm>
+          <a:custGeom>
+            <a:rect b="b" l="l" r="r" t="t"/>
+            <a:pathLst>
+              <a:path extrusionOk="0" h="120000" w="120000">
+                <a:moveTo>
+                  <a:pt x="0" y="0"/>
+                </a:moveTo>
+                <a:lnTo>
+                  <a:pt x="120000" y="0"/>
+                </a:lnTo>
+                <a:lnTo>
+                  <a:pt x="120000" y="120000"/>
+                </a:lnTo>
+                <a:lnTo>
+                  <a:pt x="0" y="120000"/>
+                </a:lnTo>
+                <a:close/>
+              </a:path>
+            </a:pathLst>
+          </a:custGeom>
+        </p:spPr>
+      </p:sp>
+      <p:sp>
+        <p:nvSpPr>
+          <p:cNvPr id="427" name="Google Shape;427;g2adcf160db1_1_20:notes"/>
           <p:cNvSpPr txBox="1"/>
           <p:nvPr>
             <p:ph idx="1" type="body"/>
@@ -20302,7 +20402,7 @@
             <a:tbl>
               <a:tblPr>
                 <a:noFill/>
-                <a:tableStyleId>{093FBD6A-8F04-477E-8515-FA5FA0F3564B}</a:tableStyleId>
+                <a:tableStyleId>{7FF4A2DA-6598-4FD6-8CBB-20D70FB05CD3}</a:tableStyleId>
               </a:tblPr>
               <a:tblGrid>
                 <a:gridCol w="1150150"/>
@@ -24419,7 +24519,7 @@
         </p:spPr>
         <p:txBody>
           <a:bodyPr anchorCtr="0" anchor="t" bIns="91425" lIns="91425" spcFirstLastPara="1" rIns="91425" wrap="square" tIns="91425">
-            <a:normAutofit lnSpcReduction="20000"/>
+            <a:normAutofit fontScale="92500" lnSpcReduction="10000"/>
           </a:bodyPr>
           <a:lstStyle/>
           <a:p>
@@ -24499,7 +24599,30 @@
                   <a:srgbClr val="000000"/>
                 </a:highlight>
               </a:rPr>
-              <a:t>	$ wget https://repo.anaconda.com/miniconda/Miniconda3-latest-Linux-x86_64.sh</a:t>
+              <a:t>	$ wget </a:t>
+            </a:r>
+            <a:r>
+              <a:rPr lang="en" u="sng">
+                <a:solidFill>
+                  <a:schemeClr val="hlink"/>
+                </a:solidFill>
+                <a:highlight>
+                  <a:srgbClr val="000000"/>
+                </a:highlight>
+                <a:hlinkClick r:id="rId3"/>
+              </a:rPr>
+              <a:t>https://repo.anaconda.com/miniconda/Miniconda3-latest-Linux-x86_64.sh</a:t>
+            </a:r>
+            <a:r>
+              <a:rPr lang="en">
+                <a:solidFill>
+                  <a:schemeClr val="accent5"/>
+                </a:solidFill>
+                <a:highlight>
+                  <a:srgbClr val="000000"/>
+                </a:highlight>
+              </a:rPr>
+              <a:t> -O miniconda_install.sh</a:t>
             </a:r>
             <a:br>
               <a:rPr lang="en">
@@ -24520,7 +24643,7 @@
                   <a:srgbClr val="000000"/>
                 </a:highlight>
               </a:rPr>
-              <a:t>	$ bash Miniconda3-latest-Linux-x86</a:t>
+              <a:t>	$ bash miniconda_install.sh -b -u -p /data/users#/&lt;campusid&gt;/bin/miniconda3 </a:t>
             </a:r>
             <a:endParaRPr>
               <a:solidFill>
@@ -35562,7 +35685,7 @@
                   <a:schemeClr val="lt1"/>
                 </a:highlight>
               </a:rPr>
-              <a:t>conda install -c conda-forge scikit-learn</a:t>
+              <a:t>conda install -y -c conda-forge scikit-learn</a:t>
             </a:r>
             <a:endParaRPr sz="1200">
               <a:solidFill>
@@ -35675,8 +35798,8 @@
         </p:nvSpPr>
         <p:spPr>
           <a:xfrm>
-            <a:off x="4936700" y="725075"/>
-            <a:ext cx="4260300" cy="3416400"/>
+            <a:off x="4883700" y="627250"/>
+            <a:ext cx="4260300" cy="4306500"/>
           </a:xfrm>
           <a:prstGeom prst="rect">
             <a:avLst/>
@@ -35684,13 +35807,13 @@
         </p:spPr>
         <p:txBody>
           <a:bodyPr anchorCtr="0" anchor="t" bIns="91425" lIns="91425" spcFirstLastPara="1" rIns="91425" wrap="square" tIns="91425">
-            <a:normAutofit fontScale="55000" lnSpcReduction="10000"/>
+            <a:noAutofit/>
           </a:bodyPr>
           <a:lstStyle/>
           <a:p>
             <a:pPr indent="0" lvl="0" marL="0" rtl="0" algn="l">
               <a:lnSpc>
-                <a:spcPct val="135714"/>
+                <a:spcPct val="115714"/>
               </a:lnSpc>
               <a:spcBef>
                 <a:spcPts val="0"/>
@@ -35698,10 +35821,11 @@
               <a:spcAft>
                 <a:spcPts val="0"/>
               </a:spcAft>
-              <a:buNone/>
-            </a:pPr>
-            <a:r>
-              <a:rPr lang="en" sz="1050">
+              <a:buSzPts val="770"/>
+              <a:buNone/>
+            </a:pPr>
+            <a:r>
+              <a:rPr lang="en" sz="835">
                 <a:solidFill>
                   <a:srgbClr val="6A9955"/>
                 </a:solidFill>
@@ -35715,7 +35839,7 @@
               </a:rPr>
               <a:t>#!/bin/bash</a:t>
             </a:r>
-            <a:endParaRPr sz="1050">
+            <a:endParaRPr sz="835">
               <a:solidFill>
                 <a:srgbClr val="6A9955"/>
               </a:solidFill>
@@ -35731,7 +35855,7 @@
           <a:p>
             <a:pPr indent="0" lvl="0" marL="0" rtl="0" algn="l">
               <a:lnSpc>
-                <a:spcPct val="135714"/>
+                <a:spcPct val="115714"/>
               </a:lnSpc>
               <a:spcBef>
                 <a:spcPts val="0"/>
@@ -35739,10 +35863,11 @@
               <a:spcAft>
                 <a:spcPts val="0"/>
               </a:spcAft>
-              <a:buNone/>
-            </a:pPr>
-            <a:r>
-              <a:rPr lang="en" sz="1050">
+              <a:buSzPts val="770"/>
+              <a:buNone/>
+            </a:pPr>
+            <a:r>
+              <a:rPr lang="en" sz="835">
                 <a:solidFill>
                   <a:srgbClr val="6A9955"/>
                 </a:solidFill>
@@ -35756,7 +35881,7 @@
               </a:rPr>
               <a:t>#SBATCH -p qTRDGPU</a:t>
             </a:r>
-            <a:endParaRPr sz="1050">
+            <a:endParaRPr sz="835">
               <a:solidFill>
                 <a:srgbClr val="6A9955"/>
               </a:solidFill>
@@ -35772,7 +35897,7 @@
           <a:p>
             <a:pPr indent="0" lvl="0" marL="0" rtl="0" algn="l">
               <a:lnSpc>
-                <a:spcPct val="135714"/>
+                <a:spcPct val="115714"/>
               </a:lnSpc>
               <a:spcBef>
                 <a:spcPts val="0"/>
@@ -35780,10 +35905,11 @@
               <a:spcAft>
                 <a:spcPts val="0"/>
               </a:spcAft>
-              <a:buNone/>
-            </a:pPr>
-            <a:r>
-              <a:rPr lang="en" sz="1050">
+              <a:buSzPts val="770"/>
+              <a:buNone/>
+            </a:pPr>
+            <a:r>
+              <a:rPr lang="en" sz="835">
                 <a:solidFill>
                   <a:srgbClr val="6A9955"/>
                 </a:solidFill>
@@ -35797,7 +35923,7 @@
               </a:rPr>
               <a:t>#SBATCH -N 1</a:t>
             </a:r>
-            <a:endParaRPr sz="1050">
+            <a:endParaRPr sz="835">
               <a:solidFill>
                 <a:srgbClr val="6A9955"/>
               </a:solidFill>
@@ -35813,7 +35939,7 @@
           <a:p>
             <a:pPr indent="0" lvl="0" marL="0" rtl="0" algn="l">
               <a:lnSpc>
-                <a:spcPct val="135714"/>
+                <a:spcPct val="115714"/>
               </a:lnSpc>
               <a:spcBef>
                 <a:spcPts val="0"/>
@@ -35821,10 +35947,11 @@
               <a:spcAft>
                 <a:spcPts val="0"/>
               </a:spcAft>
-              <a:buNone/>
-            </a:pPr>
-            <a:r>
-              <a:rPr lang="en" sz="1050">
+              <a:buSzPts val="770"/>
+              <a:buNone/>
+            </a:pPr>
+            <a:r>
+              <a:rPr lang="en" sz="835">
                 <a:solidFill>
                   <a:srgbClr val="6A9955"/>
                 </a:solidFill>
@@ -35838,7 +35965,7 @@
               </a:rPr>
               <a:t>#SBATCH -n 1</a:t>
             </a:r>
-            <a:endParaRPr sz="1050">
+            <a:endParaRPr sz="835">
               <a:solidFill>
                 <a:srgbClr val="6A9955"/>
               </a:solidFill>
@@ -35854,7 +35981,7 @@
           <a:p>
             <a:pPr indent="0" lvl="0" marL="0" rtl="0" algn="l">
               <a:lnSpc>
-                <a:spcPct val="135714"/>
+                <a:spcPct val="115714"/>
               </a:lnSpc>
               <a:spcBef>
                 <a:spcPts val="0"/>
@@ -35862,10 +35989,11 @@
               <a:spcAft>
                 <a:spcPts val="0"/>
               </a:spcAft>
-              <a:buNone/>
-            </a:pPr>
-            <a:r>
-              <a:rPr lang="en" sz="1050">
+              <a:buSzPts val="770"/>
+              <a:buNone/>
+            </a:pPr>
+            <a:r>
+              <a:rPr lang="en" sz="835">
                 <a:solidFill>
                   <a:srgbClr val="6A9955"/>
                 </a:solidFill>
@@ -35879,7 +36007,7 @@
               </a:rPr>
               <a:t>#SBATCH -c 1</a:t>
             </a:r>
-            <a:endParaRPr sz="1050">
+            <a:endParaRPr sz="835">
               <a:solidFill>
                 <a:srgbClr val="6A9955"/>
               </a:solidFill>
@@ -35895,7 +36023,7 @@
           <a:p>
             <a:pPr indent="0" lvl="0" marL="0" rtl="0" algn="l">
               <a:lnSpc>
-                <a:spcPct val="135714"/>
+                <a:spcPct val="115714"/>
               </a:lnSpc>
               <a:spcBef>
                 <a:spcPts val="0"/>
@@ -35903,10 +36031,11 @@
               <a:spcAft>
                 <a:spcPts val="0"/>
               </a:spcAft>
-              <a:buNone/>
-            </a:pPr>
-            <a:r>
-              <a:rPr lang="en" sz="1050">
+              <a:buSzPts val="770"/>
+              <a:buNone/>
+            </a:pPr>
+            <a:r>
+              <a:rPr lang="en" sz="835">
                 <a:solidFill>
                   <a:srgbClr val="6A9955"/>
                 </a:solidFill>
@@ -35920,7 +36049,7 @@
               </a:rPr>
               <a:t>#SGATCH --gres=gpu:1</a:t>
             </a:r>
-            <a:endParaRPr sz="1050">
+            <a:endParaRPr sz="835">
               <a:solidFill>
                 <a:srgbClr val="6A9955"/>
               </a:solidFill>
@@ -35936,7 +36065,7 @@
           <a:p>
             <a:pPr indent="0" lvl="0" marL="0" rtl="0" algn="l">
               <a:lnSpc>
-                <a:spcPct val="135714"/>
+                <a:spcPct val="115714"/>
               </a:lnSpc>
               <a:spcBef>
                 <a:spcPts val="0"/>
@@ -35944,10 +36073,11 @@
               <a:spcAft>
                 <a:spcPts val="0"/>
               </a:spcAft>
-              <a:buNone/>
-            </a:pPr>
-            <a:r>
-              <a:rPr lang="en" sz="1050">
+              <a:buSzPts val="770"/>
+              <a:buNone/>
+            </a:pPr>
+            <a:r>
+              <a:rPr lang="en" sz="835">
                 <a:solidFill>
                   <a:srgbClr val="6A9955"/>
                 </a:solidFill>
@@ -35961,7 +36091,7 @@
               </a:rPr>
               <a:t>#SBATCH --mem=4G</a:t>
             </a:r>
-            <a:endParaRPr sz="1050">
+            <a:endParaRPr sz="835">
               <a:solidFill>
                 <a:srgbClr val="6A9955"/>
               </a:solidFill>
@@ -35977,7 +36107,7 @@
           <a:p>
             <a:pPr indent="0" lvl="0" marL="0" rtl="0" algn="l">
               <a:lnSpc>
-                <a:spcPct val="135714"/>
+                <a:spcPct val="115714"/>
               </a:lnSpc>
               <a:spcBef>
                 <a:spcPts val="0"/>
@@ -35985,10 +36115,11 @@
               <a:spcAft>
                 <a:spcPts val="0"/>
               </a:spcAft>
-              <a:buNone/>
-            </a:pPr>
-            <a:r>
-              <a:rPr lang="en" sz="1050">
+              <a:buSzPts val="770"/>
+              <a:buNone/>
+            </a:pPr>
+            <a:r>
+              <a:rPr lang="en" sz="835">
                 <a:solidFill>
                   <a:srgbClr val="6A9955"/>
                 </a:solidFill>
@@ -36002,7 +36133,7 @@
               </a:rPr>
               <a:t>#SBATCH -t 1:00:00</a:t>
             </a:r>
-            <a:endParaRPr sz="1050">
+            <a:endParaRPr sz="835">
               <a:solidFill>
                 <a:srgbClr val="6A9955"/>
               </a:solidFill>
@@ -36018,7 +36149,7 @@
           <a:p>
             <a:pPr indent="0" lvl="0" marL="0" rtl="0" algn="l">
               <a:lnSpc>
-                <a:spcPct val="135714"/>
+                <a:spcPct val="115714"/>
               </a:lnSpc>
               <a:spcBef>
                 <a:spcPts val="0"/>
@@ -36026,10 +36157,11 @@
               <a:spcAft>
                 <a:spcPts val="0"/>
               </a:spcAft>
-              <a:buNone/>
-            </a:pPr>
-            <a:r>
-              <a:rPr lang="en" sz="1050">
+              <a:buSzPts val="770"/>
+              <a:buNone/>
+            </a:pPr>
+            <a:r>
+              <a:rPr lang="en" sz="835">
                 <a:solidFill>
                   <a:srgbClr val="6A9955"/>
                 </a:solidFill>
@@ -36043,7 +36175,7 @@
               </a:rPr>
               <a:t>#SBATCH -e error%A.err</a:t>
             </a:r>
-            <a:endParaRPr sz="1050">
+            <a:endParaRPr sz="835">
               <a:solidFill>
                 <a:srgbClr val="6A9955"/>
               </a:solidFill>
@@ -36059,7 +36191,7 @@
           <a:p>
             <a:pPr indent="0" lvl="0" marL="0" rtl="0" algn="l">
               <a:lnSpc>
-                <a:spcPct val="135714"/>
+                <a:spcPct val="115714"/>
               </a:lnSpc>
               <a:spcBef>
                 <a:spcPts val="0"/>
@@ -36067,10 +36199,11 @@
               <a:spcAft>
                 <a:spcPts val="0"/>
               </a:spcAft>
-              <a:buNone/>
-            </a:pPr>
-            <a:r>
-              <a:rPr lang="en" sz="1050">
+              <a:buSzPts val="770"/>
+              <a:buNone/>
+            </a:pPr>
+            <a:r>
+              <a:rPr lang="en" sz="835">
                 <a:solidFill>
                   <a:srgbClr val="6A9955"/>
                 </a:solidFill>
@@ -36084,7 +36217,7 @@
               </a:rPr>
               <a:t>#SBATCH -o out%A.out</a:t>
             </a:r>
-            <a:endParaRPr sz="1050">
+            <a:endParaRPr sz="835">
               <a:solidFill>
                 <a:srgbClr val="6A9955"/>
               </a:solidFill>
@@ -36100,7 +36233,7 @@
           <a:p>
             <a:pPr indent="0" lvl="0" marL="0" rtl="0" algn="l">
               <a:lnSpc>
-                <a:spcPct val="135714"/>
+                <a:spcPct val="115714"/>
               </a:lnSpc>
               <a:spcBef>
                 <a:spcPts val="0"/>
@@ -36108,10 +36241,11 @@
               <a:spcAft>
                 <a:spcPts val="0"/>
               </a:spcAft>
-              <a:buNone/>
-            </a:pPr>
-            <a:r>
-              <a:rPr lang="en" sz="1050">
+              <a:buSzPts val="770"/>
+              <a:buNone/>
+            </a:pPr>
+            <a:r>
+              <a:rPr lang="en" sz="835">
                 <a:solidFill>
                   <a:srgbClr val="6A9955"/>
                 </a:solidFill>
@@ -36125,7 +36259,7 @@
               </a:rPr>
               <a:t>#SBATCH -A trends53c17</a:t>
             </a:r>
-            <a:endParaRPr sz="1050">
+            <a:endParaRPr sz="835">
               <a:solidFill>
                 <a:srgbClr val="6A9955"/>
               </a:solidFill>
@@ -36141,7 +36275,7 @@
           <a:p>
             <a:pPr indent="0" lvl="0" marL="0" rtl="0" algn="l">
               <a:lnSpc>
-                <a:spcPct val="135714"/>
+                <a:spcPct val="115714"/>
               </a:lnSpc>
               <a:spcBef>
                 <a:spcPts val="0"/>
@@ -36149,10 +36283,11 @@
               <a:spcAft>
                 <a:spcPts val="0"/>
               </a:spcAft>
-              <a:buNone/>
-            </a:pPr>
-            <a:r>
-              <a:rPr lang="en" sz="1050">
+              <a:buSzPts val="770"/>
+              <a:buNone/>
+            </a:pPr>
+            <a:r>
+              <a:rPr lang="en" sz="835">
                 <a:solidFill>
                   <a:srgbClr val="6A9955"/>
                 </a:solidFill>
@@ -36166,7 +36301,7 @@
               </a:rPr>
               <a:t>#SBATCH --oversubscribe</a:t>
             </a:r>
-            <a:endParaRPr sz="1050">
+            <a:endParaRPr sz="835">
               <a:solidFill>
                 <a:srgbClr val="6A9955"/>
               </a:solidFill>
@@ -36182,7 +36317,7 @@
           <a:p>
             <a:pPr indent="0" lvl="0" marL="0" rtl="0" algn="l">
               <a:lnSpc>
-                <a:spcPct val="135714"/>
+                <a:spcPct val="115714"/>
               </a:lnSpc>
               <a:spcBef>
                 <a:spcPts val="0"/>
@@ -36190,10 +36325,11 @@
               <a:spcAft>
                 <a:spcPts val="0"/>
               </a:spcAft>
-              <a:buNone/>
-            </a:pPr>
-            <a:r>
-              <a:rPr lang="en" sz="1050">
+              <a:buSzPts val="770"/>
+              <a:buNone/>
+            </a:pPr>
+            <a:r>
+              <a:rPr lang="en" sz="835">
                 <a:solidFill>
                   <a:srgbClr val="6A9955"/>
                 </a:solidFill>
@@ -36207,7 +36343,7 @@
               </a:rPr>
               <a:t>#SBATCH -J cworkshop_pytorch</a:t>
             </a:r>
-            <a:endParaRPr sz="1050">
+            <a:endParaRPr sz="835">
               <a:solidFill>
                 <a:srgbClr val="6A9955"/>
               </a:solidFill>
@@ -36223,7 +36359,7 @@
           <a:p>
             <a:pPr indent="0" lvl="0" marL="0" rtl="0" algn="l">
               <a:lnSpc>
-                <a:spcPct val="135714"/>
+                <a:spcPct val="115714"/>
               </a:lnSpc>
               <a:spcBef>
                 <a:spcPts val="0"/>
@@ -36231,12 +36367,13 @@
               <a:spcAft>
                 <a:spcPts val="0"/>
               </a:spcAft>
+              <a:buSzPts val="770"/>
               <a:buNone/>
             </a:pPr>
             <a:r>
               <a:t/>
             </a:r>
-            <a:endParaRPr sz="1050">
+            <a:endParaRPr sz="835">
               <a:solidFill>
                 <a:srgbClr val="CCCCCC"/>
               </a:solidFill>
@@ -36252,7 +36389,7 @@
           <a:p>
             <a:pPr indent="0" lvl="0" marL="0" rtl="0" algn="l">
               <a:lnSpc>
-                <a:spcPct val="135714"/>
+                <a:spcPct val="115714"/>
               </a:lnSpc>
               <a:spcBef>
                 <a:spcPts val="0"/>
@@ -36260,10 +36397,11 @@
               <a:spcAft>
                 <a:spcPts val="0"/>
               </a:spcAft>
-              <a:buNone/>
-            </a:pPr>
-            <a:r>
-              <a:rPr lang="en" sz="1050">
+              <a:buSzPts val="770"/>
+              <a:buNone/>
+            </a:pPr>
+            <a:r>
+              <a:rPr lang="en" sz="835">
                 <a:solidFill>
                   <a:srgbClr val="6A9955"/>
                 </a:solidFill>
@@ -36277,7 +36415,7 @@
               </a:rPr>
               <a:t># a small delay at the start often helps</a:t>
             </a:r>
-            <a:endParaRPr sz="1050">
+            <a:endParaRPr sz="835">
               <a:solidFill>
                 <a:srgbClr val="6A9955"/>
               </a:solidFill>
@@ -36293,7 +36431,7 @@
           <a:p>
             <a:pPr indent="0" lvl="0" marL="0" rtl="0" algn="l">
               <a:lnSpc>
-                <a:spcPct val="135714"/>
+                <a:spcPct val="115714"/>
               </a:lnSpc>
               <a:spcBef>
                 <a:spcPts val="0"/>
@@ -36301,10 +36439,11 @@
               <a:spcAft>
                 <a:spcPts val="0"/>
               </a:spcAft>
-              <a:buNone/>
-            </a:pPr>
-            <a:r>
-              <a:rPr lang="en" sz="1050">
+              <a:buSzPts val="770"/>
+              <a:buNone/>
+            </a:pPr>
+            <a:r>
+              <a:rPr lang="en" sz="835">
                 <a:solidFill>
                   <a:srgbClr val="DCDCAA"/>
                 </a:solidFill>
@@ -36319,7 +36458,7 @@
               <a:t>sleep</a:t>
             </a:r>
             <a:r>
-              <a:rPr lang="en" sz="1050">
+              <a:rPr lang="en" sz="835">
                 <a:solidFill>
                   <a:srgbClr val="CCCCCC"/>
                 </a:solidFill>
@@ -36334,7 +36473,7 @@
               <a:t> </a:t>
             </a:r>
             <a:r>
-              <a:rPr lang="en" sz="1050">
+              <a:rPr lang="en" sz="835">
                 <a:solidFill>
                   <a:srgbClr val="B5CEA8"/>
                 </a:solidFill>
@@ -36349,7 +36488,7 @@
               <a:t>10</a:t>
             </a:r>
             <a:r>
-              <a:rPr lang="en" sz="1050">
+              <a:rPr lang="en" sz="835">
                 <a:solidFill>
                   <a:srgbClr val="CE9178"/>
                 </a:solidFill>
@@ -36363,7 +36502,7 @@
               </a:rPr>
               <a:t>s</a:t>
             </a:r>
-            <a:endParaRPr sz="1050">
+            <a:endParaRPr sz="835">
               <a:solidFill>
                 <a:srgbClr val="CE9178"/>
               </a:solidFill>
@@ -36379,7 +36518,7 @@
           <a:p>
             <a:pPr indent="0" lvl="0" marL="0" rtl="0" algn="l">
               <a:lnSpc>
-                <a:spcPct val="135714"/>
+                <a:spcPct val="115714"/>
               </a:lnSpc>
               <a:spcBef>
                 <a:spcPts val="0"/>
@@ -36387,12 +36526,13 @@
               <a:spcAft>
                 <a:spcPts val="0"/>
               </a:spcAft>
+              <a:buSzPts val="770"/>
               <a:buNone/>
             </a:pPr>
             <a:r>
               <a:t/>
             </a:r>
-            <a:endParaRPr sz="1050">
+            <a:endParaRPr sz="835">
               <a:solidFill>
                 <a:srgbClr val="CCCCCC"/>
               </a:solidFill>
@@ -36408,7 +36548,7 @@
           <a:p>
             <a:pPr indent="0" lvl="0" marL="0" rtl="0" algn="l">
               <a:lnSpc>
-                <a:spcPct val="135714"/>
+                <a:spcPct val="115714"/>
               </a:lnSpc>
               <a:spcBef>
                 <a:spcPts val="0"/>
@@ -36416,10 +36556,11 @@
               <a:spcAft>
                 <a:spcPts val="0"/>
               </a:spcAft>
-              <a:buNone/>
-            </a:pPr>
-            <a:r>
-              <a:rPr lang="en" sz="1050">
+              <a:buSzPts val="770"/>
+              <a:buNone/>
+            </a:pPr>
+            <a:r>
+              <a:rPr lang="en" sz="835">
                 <a:solidFill>
                   <a:srgbClr val="6A9955"/>
                 </a:solidFill>
@@ -36433,7 +36574,7 @@
               </a:rPr>
               <a:t># print some message to the log</a:t>
             </a:r>
-            <a:endParaRPr sz="1050">
+            <a:endParaRPr sz="835">
               <a:solidFill>
                 <a:srgbClr val="6A9955"/>
               </a:solidFill>
@@ -36449,7 +36590,7 @@
           <a:p>
             <a:pPr indent="0" lvl="0" marL="0" rtl="0" algn="l">
               <a:lnSpc>
-                <a:spcPct val="135714"/>
+                <a:spcPct val="115714"/>
               </a:lnSpc>
               <a:spcBef>
                 <a:spcPts val="0"/>
@@ -36457,10 +36598,11 @@
               <a:spcAft>
                 <a:spcPts val="0"/>
               </a:spcAft>
-              <a:buNone/>
-            </a:pPr>
-            <a:r>
-              <a:rPr lang="en" sz="1050">
+              <a:buSzPts val="770"/>
+              <a:buNone/>
+            </a:pPr>
+            <a:r>
+              <a:rPr lang="en" sz="835">
                 <a:solidFill>
                   <a:srgbClr val="DCDCAA"/>
                 </a:solidFill>
@@ -36475,7 +36617,7 @@
               <a:t>eval</a:t>
             </a:r>
             <a:r>
-              <a:rPr lang="en" sz="1050">
+              <a:rPr lang="en" sz="835">
                 <a:solidFill>
                   <a:srgbClr val="CCCCCC"/>
                 </a:solidFill>
@@ -36490,7 +36632,7 @@
               <a:t> </a:t>
             </a:r>
             <a:r>
-              <a:rPr lang="en" sz="1050">
+              <a:rPr lang="en" sz="835">
                 <a:solidFill>
                   <a:srgbClr val="CE9178"/>
                 </a:solidFill>
@@ -36505,7 +36647,7 @@
               <a:t>"$(</a:t>
             </a:r>
             <a:r>
-              <a:rPr lang="en" sz="1050">
+              <a:rPr lang="en" sz="835">
                 <a:solidFill>
                   <a:srgbClr val="DCDCAA"/>
                 </a:solidFill>
@@ -36520,7 +36662,7 @@
               <a:t>conda</a:t>
             </a:r>
             <a:r>
-              <a:rPr lang="en" sz="1050">
+              <a:rPr lang="en" sz="835">
                 <a:solidFill>
                   <a:srgbClr val="CE9178"/>
                 </a:solidFill>
@@ -36534,7 +36676,7 @@
               </a:rPr>
               <a:t> shell.bash hook)"</a:t>
             </a:r>
-            <a:endParaRPr sz="1050">
+            <a:endParaRPr sz="835">
               <a:solidFill>
                 <a:srgbClr val="CE9178"/>
               </a:solidFill>
@@ -36550,7 +36692,7 @@
           <a:p>
             <a:pPr indent="0" lvl="0" marL="0" rtl="0" algn="l">
               <a:lnSpc>
-                <a:spcPct val="135714"/>
+                <a:spcPct val="115714"/>
               </a:lnSpc>
               <a:spcBef>
                 <a:spcPts val="0"/>
@@ -36558,10 +36700,11 @@
               <a:spcAft>
                 <a:spcPts val="0"/>
               </a:spcAft>
-              <a:buNone/>
-            </a:pPr>
-            <a:r>
-              <a:rPr lang="en" sz="1050">
+              <a:buSzPts val="770"/>
+              <a:buNone/>
+            </a:pPr>
+            <a:r>
+              <a:rPr lang="en" sz="835">
                 <a:solidFill>
                   <a:srgbClr val="DCDCAA"/>
                 </a:solidFill>
@@ -36576,7 +36719,7 @@
               <a:t>conda</a:t>
             </a:r>
             <a:r>
-              <a:rPr lang="en" sz="1050">
+              <a:rPr lang="en" sz="835">
                 <a:solidFill>
                   <a:srgbClr val="CCCCCC"/>
                 </a:solidFill>
@@ -36591,7 +36734,7 @@
               <a:t> </a:t>
             </a:r>
             <a:r>
-              <a:rPr lang="en" sz="1050">
+              <a:rPr lang="en" sz="835">
                 <a:solidFill>
                   <a:srgbClr val="CE9178"/>
                 </a:solidFill>
@@ -36606,7 +36749,7 @@
               <a:t>activate</a:t>
             </a:r>
             <a:r>
-              <a:rPr lang="en" sz="1050">
+              <a:rPr lang="en" sz="835">
                 <a:solidFill>
                   <a:srgbClr val="CCCCCC"/>
                 </a:solidFill>
@@ -36621,7 +36764,7 @@
               <a:t> </a:t>
             </a:r>
             <a:r>
-              <a:rPr lang="en" sz="1050">
+              <a:rPr lang="en" sz="835">
                 <a:solidFill>
                   <a:srgbClr val="CE9178"/>
                 </a:solidFill>
@@ -36633,9 +36776,9 @@
                 <a:cs typeface="Consolas"/>
                 <a:sym typeface="Consolas"/>
               </a:rPr>
-              <a:t>cw_workshop</a:t>
-            </a:r>
-            <a:endParaRPr sz="1050">
+              <a:t>cw_torch</a:t>
+            </a:r>
+            <a:endParaRPr sz="835">
               <a:solidFill>
                 <a:srgbClr val="CE9178"/>
               </a:solidFill>
@@ -36651,7 +36794,7 @@
           <a:p>
             <a:pPr indent="0" lvl="0" marL="0" rtl="0" algn="l">
               <a:lnSpc>
-                <a:spcPct val="135714"/>
+                <a:spcPct val="115714"/>
               </a:lnSpc>
               <a:spcBef>
                 <a:spcPts val="0"/>
@@ -36659,12 +36802,13 @@
               <a:spcAft>
                 <a:spcPts val="0"/>
               </a:spcAft>
+              <a:buSzPts val="770"/>
               <a:buNone/>
             </a:pPr>
             <a:r>
               <a:t/>
             </a:r>
-            <a:endParaRPr sz="1050">
+            <a:endParaRPr sz="835">
               <a:solidFill>
                 <a:srgbClr val="CCCCCC"/>
               </a:solidFill>
@@ -36680,7 +36824,7 @@
           <a:p>
             <a:pPr indent="0" lvl="0" marL="0" rtl="0" algn="l">
               <a:lnSpc>
-                <a:spcPct val="135714"/>
+                <a:spcPct val="115714"/>
               </a:lnSpc>
               <a:spcBef>
                 <a:spcPts val="0"/>
@@ -36688,10 +36832,11 @@
               <a:spcAft>
                 <a:spcPts val="0"/>
               </a:spcAft>
-              <a:buNone/>
-            </a:pPr>
-            <a:r>
-              <a:rPr lang="en" sz="1050">
+              <a:buSzPts val="770"/>
+              <a:buNone/>
+            </a:pPr>
+            <a:r>
+              <a:rPr lang="en" sz="835">
                 <a:solidFill>
                   <a:srgbClr val="6A9955"/>
                 </a:solidFill>
@@ -36705,7 +36850,7 @@
               </a:rPr>
               <a:t># CD into your directory</a:t>
             </a:r>
-            <a:endParaRPr sz="1050">
+            <a:endParaRPr sz="835">
               <a:solidFill>
                 <a:srgbClr val="6A9955"/>
               </a:solidFill>
@@ -36721,7 +36866,7 @@
           <a:p>
             <a:pPr indent="0" lvl="0" marL="0" rtl="0" algn="l">
               <a:lnSpc>
-                <a:spcPct val="135714"/>
+                <a:spcPct val="115714"/>
               </a:lnSpc>
               <a:spcBef>
                 <a:spcPts val="0"/>
@@ -36729,10 +36874,11 @@
               <a:spcAft>
                 <a:spcPts val="0"/>
               </a:spcAft>
-              <a:buNone/>
-            </a:pPr>
-            <a:r>
-              <a:rPr lang="en" sz="1050">
+              <a:buSzPts val="770"/>
+              <a:buNone/>
+            </a:pPr>
+            <a:r>
+              <a:rPr lang="en" sz="835">
                 <a:solidFill>
                   <a:srgbClr val="DCDCAA"/>
                 </a:solidFill>
@@ -36747,7 +36893,7 @@
               <a:t>cd</a:t>
             </a:r>
             <a:r>
-              <a:rPr lang="en" sz="1050">
+              <a:rPr lang="en" sz="835">
                 <a:solidFill>
                   <a:srgbClr val="CCCCCC"/>
                 </a:solidFill>
@@ -36762,7 +36908,7 @@
               <a:t> </a:t>
             </a:r>
             <a:r>
-              <a:rPr lang="en" sz="1050">
+              <a:rPr lang="en" sz="835">
                 <a:solidFill>
                   <a:srgbClr val="9CDCFE"/>
                 </a:solidFill>
@@ -36777,7 +36923,7 @@
               <a:t>$MYDIR</a:t>
             </a:r>
             <a:r>
-              <a:rPr lang="en" sz="1050">
+              <a:rPr lang="en" sz="835">
                 <a:solidFill>
                   <a:srgbClr val="CE9178"/>
                 </a:solidFill>
@@ -36791,7 +36937,7 @@
               </a:rPr>
               <a:t>/Examples/PytorchClassification</a:t>
             </a:r>
-            <a:endParaRPr sz="1050">
+            <a:endParaRPr sz="835">
               <a:solidFill>
                 <a:srgbClr val="CE9178"/>
               </a:solidFill>
@@ -36807,7 +36953,7 @@
           <a:p>
             <a:pPr indent="0" lvl="0" marL="0" rtl="0" algn="l">
               <a:lnSpc>
-                <a:spcPct val="135714"/>
+                <a:spcPct val="115714"/>
               </a:lnSpc>
               <a:spcBef>
                 <a:spcPts val="0"/>
@@ -36815,10 +36961,11 @@
               <a:spcAft>
                 <a:spcPts val="0"/>
               </a:spcAft>
-              <a:buNone/>
-            </a:pPr>
-            <a:r>
-              <a:rPr lang="en" sz="1050">
+              <a:buSzPts val="770"/>
+              <a:buNone/>
+            </a:pPr>
+            <a:r>
+              <a:rPr lang="en" sz="835">
                 <a:solidFill>
                   <a:srgbClr val="6A9955"/>
                 </a:solidFill>
@@ -36832,7 +36979,7 @@
               </a:rPr>
               <a:t># run the matlab batch script</a:t>
             </a:r>
-            <a:endParaRPr sz="1050">
+            <a:endParaRPr sz="835">
               <a:solidFill>
                 <a:srgbClr val="6A9955"/>
               </a:solidFill>
@@ -36848,7 +36995,7 @@
           <a:p>
             <a:pPr indent="0" lvl="0" marL="0" rtl="0" algn="l">
               <a:lnSpc>
-                <a:spcPct val="135714"/>
+                <a:spcPct val="115714"/>
               </a:lnSpc>
               <a:spcBef>
                 <a:spcPts val="0"/>
@@ -36856,10 +37003,11 @@
               <a:spcAft>
                 <a:spcPts val="0"/>
               </a:spcAft>
-              <a:buNone/>
-            </a:pPr>
-            <a:r>
-              <a:rPr lang="en" sz="1050">
+              <a:buSzPts val="770"/>
+              <a:buNone/>
+            </a:pPr>
+            <a:r>
+              <a:rPr lang="en" sz="835">
                 <a:solidFill>
                   <a:srgbClr val="DCDCAA"/>
                 </a:solidFill>
@@ -36874,7 +37022,7 @@
               <a:t>python</a:t>
             </a:r>
             <a:r>
-              <a:rPr lang="en" sz="1050">
+              <a:rPr lang="en" sz="835">
                 <a:solidFill>
                   <a:srgbClr val="CCCCCC"/>
                 </a:solidFill>
@@ -36889,7 +37037,7 @@
               <a:t> </a:t>
             </a:r>
             <a:r>
-              <a:rPr lang="en" sz="1050">
+              <a:rPr lang="en" sz="835">
                 <a:solidFill>
                   <a:srgbClr val="CE9178"/>
                 </a:solidFill>
@@ -36903,7 +37051,7 @@
               </a:rPr>
               <a:t>mnist_classification.py</a:t>
             </a:r>
-            <a:endParaRPr sz="1050">
+            <a:endParaRPr sz="835">
               <a:solidFill>
                 <a:srgbClr val="CE9178"/>
               </a:solidFill>
@@ -36919,7 +37067,7 @@
           <a:p>
             <a:pPr indent="0" lvl="0" marL="0" rtl="0" algn="l">
               <a:lnSpc>
-                <a:spcPct val="135714"/>
+                <a:spcPct val="115714"/>
               </a:lnSpc>
               <a:spcBef>
                 <a:spcPts val="0"/>
@@ -36927,12 +37075,13 @@
               <a:spcAft>
                 <a:spcPts val="0"/>
               </a:spcAft>
+              <a:buSzPts val="770"/>
               <a:buNone/>
             </a:pPr>
             <a:r>
               <a:t/>
             </a:r>
-            <a:endParaRPr sz="1050">
+            <a:endParaRPr sz="835">
               <a:solidFill>
                 <a:srgbClr val="CCCCCC"/>
               </a:solidFill>
@@ -36948,7 +37097,7 @@
           <a:p>
             <a:pPr indent="0" lvl="0" marL="0" rtl="0" algn="l">
               <a:lnSpc>
-                <a:spcPct val="135714"/>
+                <a:spcPct val="115714"/>
               </a:lnSpc>
               <a:spcBef>
                 <a:spcPts val="0"/>
@@ -36956,10 +37105,11 @@
               <a:spcAft>
                 <a:spcPts val="0"/>
               </a:spcAft>
-              <a:buNone/>
-            </a:pPr>
-            <a:r>
-              <a:rPr lang="en" sz="1050">
+              <a:buSzPts val="770"/>
+              <a:buNone/>
+            </a:pPr>
+            <a:r>
+              <a:rPr lang="en" sz="835">
                 <a:solidFill>
                   <a:srgbClr val="6A9955"/>
                 </a:solidFill>
@@ -36973,7 +37123,7 @@
               </a:rPr>
               <a:t># a delay at the end is also good practice</a:t>
             </a:r>
-            <a:endParaRPr sz="1050">
+            <a:endParaRPr sz="835">
               <a:solidFill>
                 <a:srgbClr val="6A9955"/>
               </a:solidFill>
@@ -36989,7 +37139,7 @@
           <a:p>
             <a:pPr indent="0" lvl="0" marL="0" rtl="0" algn="l">
               <a:lnSpc>
-                <a:spcPct val="135714"/>
+                <a:spcPct val="115714"/>
               </a:lnSpc>
               <a:spcBef>
                 <a:spcPts val="0"/>
@@ -36997,10 +37147,11 @@
               <a:spcAft>
                 <a:spcPts val="0"/>
               </a:spcAft>
-              <a:buNone/>
-            </a:pPr>
-            <a:r>
-              <a:rPr lang="en" sz="1050">
+              <a:buSzPts val="770"/>
+              <a:buNone/>
+            </a:pPr>
+            <a:r>
+              <a:rPr lang="en" sz="835">
                 <a:solidFill>
                   <a:srgbClr val="DCDCAA"/>
                 </a:solidFill>
@@ -37015,7 +37166,7 @@
               <a:t>sleep</a:t>
             </a:r>
             <a:r>
-              <a:rPr lang="en" sz="1050">
+              <a:rPr lang="en" sz="835">
                 <a:solidFill>
                   <a:srgbClr val="CCCCCC"/>
                 </a:solidFill>
@@ -37030,7 +37181,7 @@
               <a:t> </a:t>
             </a:r>
             <a:r>
-              <a:rPr lang="en" sz="1050">
+              <a:rPr lang="en" sz="835">
                 <a:solidFill>
                   <a:srgbClr val="B5CEA8"/>
                 </a:solidFill>
@@ -37045,7 +37196,7 @@
               <a:t>10</a:t>
             </a:r>
             <a:r>
-              <a:rPr lang="en" sz="1050">
+              <a:rPr lang="en" sz="835">
                 <a:solidFill>
                   <a:srgbClr val="CE9178"/>
                 </a:solidFill>
@@ -37059,7 +37210,7 @@
               </a:rPr>
               <a:t>s</a:t>
             </a:r>
-            <a:endParaRPr/>
+            <a:endParaRPr sz="1360"/>
           </a:p>
         </p:txBody>
       </p:sp>
@@ -37151,7 +37302,7 @@
         </p:spPr>
         <p:txBody>
           <a:bodyPr anchorCtr="0" anchor="t" bIns="91425" lIns="91425" spcFirstLastPara="1" rIns="91425" wrap="square" tIns="91425">
-            <a:normAutofit/>
+            <a:normAutofit lnSpcReduction="10000"/>
           </a:bodyPr>
           <a:lstStyle/>
           <a:p>
@@ -37313,7 +37464,7 @@
                   <a:schemeClr val="lt1"/>
                 </a:highlight>
               </a:rPr>
-              <a:t>conda install -c conda-forge scikit-learn</a:t>
+              <a:t>$ pip install scikit-learn</a:t>
             </a:r>
             <a:endParaRPr sz="1200">
               <a:solidFill>
@@ -37361,7 +37512,7 @@
                   <a:schemeClr val="accent5"/>
                 </a:solidFill>
               </a:rPr>
-              <a:t>$ cd ClusterWorkshop/Examples/PytorchClassification</a:t>
+              <a:t>$ cd ClusterWorkshop/Examples/PytorchClassificationCV</a:t>
             </a:r>
             <a:endParaRPr sz="1000">
               <a:solidFill>
@@ -37422,8 +37573,8 @@
         </p:nvSpPr>
         <p:spPr>
           <a:xfrm>
-            <a:off x="4936700" y="725075"/>
-            <a:ext cx="4260300" cy="3416400"/>
+            <a:off x="4936700" y="463800"/>
+            <a:ext cx="4260300" cy="4215900"/>
           </a:xfrm>
           <a:prstGeom prst="rect">
             <a:avLst/>
@@ -37431,13 +37582,13 @@
         </p:spPr>
         <p:txBody>
           <a:bodyPr anchorCtr="0" anchor="t" bIns="91425" lIns="91425" spcFirstLastPara="1" rIns="91425" wrap="square" tIns="91425">
-            <a:normAutofit fontScale="62500" lnSpcReduction="20000"/>
+            <a:noAutofit/>
           </a:bodyPr>
           <a:lstStyle/>
           <a:p>
             <a:pPr indent="0" lvl="0" marL="0" rtl="0" algn="l">
               <a:lnSpc>
-                <a:spcPct val="135714"/>
+                <a:spcPct val="115714"/>
               </a:lnSpc>
               <a:spcBef>
                 <a:spcPts val="0"/>
@@ -37445,10 +37596,11 @@
               <a:spcAft>
                 <a:spcPts val="0"/>
               </a:spcAft>
-              <a:buNone/>
-            </a:pPr>
-            <a:r>
-              <a:rPr lang="en" sz="1050">
+              <a:buSzPts val="852"/>
+              <a:buNone/>
+            </a:pPr>
+            <a:r>
+              <a:rPr lang="en" sz="913">
                 <a:solidFill>
                   <a:srgbClr val="6A9955"/>
                 </a:solidFill>
@@ -37462,7 +37614,7 @@
               </a:rPr>
               <a:t>#!/bin/bash</a:t>
             </a:r>
-            <a:endParaRPr sz="1050">
+            <a:endParaRPr sz="913">
               <a:solidFill>
                 <a:srgbClr val="6A9955"/>
               </a:solidFill>
@@ -37478,7 +37630,7 @@
           <a:p>
             <a:pPr indent="0" lvl="0" marL="0" rtl="0" algn="l">
               <a:lnSpc>
-                <a:spcPct val="135714"/>
+                <a:spcPct val="115714"/>
               </a:lnSpc>
               <a:spcBef>
                 <a:spcPts val="0"/>
@@ -37486,10 +37638,11 @@
               <a:spcAft>
                 <a:spcPts val="0"/>
               </a:spcAft>
-              <a:buNone/>
-            </a:pPr>
-            <a:r>
-              <a:rPr lang="en" sz="1050">
+              <a:buSzPts val="852"/>
+              <a:buNone/>
+            </a:pPr>
+            <a:r>
+              <a:rPr lang="en" sz="913">
                 <a:solidFill>
                   <a:srgbClr val="6A9955"/>
                 </a:solidFill>
@@ -37503,7 +37656,7 @@
               </a:rPr>
               <a:t>#SBATCH -p qTRDGPU</a:t>
             </a:r>
-            <a:endParaRPr sz="1050">
+            <a:endParaRPr sz="913">
               <a:solidFill>
                 <a:srgbClr val="6A9955"/>
               </a:solidFill>
@@ -37519,7 +37672,7 @@
           <a:p>
             <a:pPr indent="0" lvl="0" marL="0" rtl="0" algn="l">
               <a:lnSpc>
-                <a:spcPct val="135714"/>
+                <a:spcPct val="115714"/>
               </a:lnSpc>
               <a:spcBef>
                 <a:spcPts val="0"/>
@@ -37527,10 +37680,11 @@
               <a:spcAft>
                 <a:spcPts val="0"/>
               </a:spcAft>
-              <a:buNone/>
-            </a:pPr>
-            <a:r>
-              <a:rPr lang="en" sz="1050">
+              <a:buSzPts val="852"/>
+              <a:buNone/>
+            </a:pPr>
+            <a:r>
+              <a:rPr lang="en" sz="913">
                 <a:solidFill>
                   <a:srgbClr val="6A9955"/>
                 </a:solidFill>
@@ -37544,7 +37698,7 @@
               </a:rPr>
               <a:t>#SBATCH -N 1</a:t>
             </a:r>
-            <a:endParaRPr sz="1050">
+            <a:endParaRPr sz="913">
               <a:solidFill>
                 <a:srgbClr val="6A9955"/>
               </a:solidFill>
@@ -37560,7 +37714,7 @@
           <a:p>
             <a:pPr indent="0" lvl="0" marL="0" rtl="0" algn="l">
               <a:lnSpc>
-                <a:spcPct val="135714"/>
+                <a:spcPct val="115714"/>
               </a:lnSpc>
               <a:spcBef>
                 <a:spcPts val="0"/>
@@ -37568,10 +37722,11 @@
               <a:spcAft>
                 <a:spcPts val="0"/>
               </a:spcAft>
-              <a:buNone/>
-            </a:pPr>
-            <a:r>
-              <a:rPr lang="en" sz="1050">
+              <a:buSzPts val="852"/>
+              <a:buNone/>
+            </a:pPr>
+            <a:r>
+              <a:rPr lang="en" sz="913">
                 <a:solidFill>
                   <a:srgbClr val="6A9955"/>
                 </a:solidFill>
@@ -37585,7 +37740,7 @@
               </a:rPr>
               <a:t>#SBATCH -n 1</a:t>
             </a:r>
-            <a:endParaRPr sz="1050">
+            <a:endParaRPr sz="913">
               <a:solidFill>
                 <a:srgbClr val="6A9955"/>
               </a:solidFill>
@@ -37601,7 +37756,7 @@
           <a:p>
             <a:pPr indent="0" lvl="0" marL="0" rtl="0" algn="l">
               <a:lnSpc>
-                <a:spcPct val="135714"/>
+                <a:spcPct val="115714"/>
               </a:lnSpc>
               <a:spcBef>
                 <a:spcPts val="0"/>
@@ -37609,10 +37764,11 @@
               <a:spcAft>
                 <a:spcPts val="0"/>
               </a:spcAft>
-              <a:buNone/>
-            </a:pPr>
-            <a:r>
-              <a:rPr lang="en" sz="1050">
+              <a:buSzPts val="852"/>
+              <a:buNone/>
+            </a:pPr>
+            <a:r>
+              <a:rPr lang="en" sz="913">
                 <a:solidFill>
                   <a:srgbClr val="6A9955"/>
                 </a:solidFill>
@@ -37626,7 +37782,7 @@
               </a:rPr>
               <a:t>#SBATCH -c 1</a:t>
             </a:r>
-            <a:endParaRPr sz="1050">
+            <a:endParaRPr sz="913">
               <a:solidFill>
                 <a:srgbClr val="6A9955"/>
               </a:solidFill>
@@ -37642,7 +37798,7 @@
           <a:p>
             <a:pPr indent="0" lvl="0" marL="0" rtl="0" algn="l">
               <a:lnSpc>
-                <a:spcPct val="135714"/>
+                <a:spcPct val="115714"/>
               </a:lnSpc>
               <a:spcBef>
                 <a:spcPts val="0"/>
@@ -37650,10 +37806,11 @@
               <a:spcAft>
                 <a:spcPts val="0"/>
               </a:spcAft>
-              <a:buNone/>
-            </a:pPr>
-            <a:r>
-              <a:rPr lang="en" sz="1050">
+              <a:buSzPts val="852"/>
+              <a:buNone/>
+            </a:pPr>
+            <a:r>
+              <a:rPr lang="en" sz="913">
                 <a:solidFill>
                   <a:srgbClr val="6A9955"/>
                 </a:solidFill>
@@ -37667,7 +37824,7 @@
               </a:rPr>
               <a:t>#SGATCH --gres=gpu:1</a:t>
             </a:r>
-            <a:endParaRPr sz="1050">
+            <a:endParaRPr sz="913">
               <a:solidFill>
                 <a:srgbClr val="6A9955"/>
               </a:solidFill>
@@ -37683,7 +37840,7 @@
           <a:p>
             <a:pPr indent="0" lvl="0" marL="0" rtl="0" algn="l">
               <a:lnSpc>
-                <a:spcPct val="135714"/>
+                <a:spcPct val="115714"/>
               </a:lnSpc>
               <a:spcBef>
                 <a:spcPts val="0"/>
@@ -37691,10 +37848,11 @@
               <a:spcAft>
                 <a:spcPts val="0"/>
               </a:spcAft>
-              <a:buNone/>
-            </a:pPr>
-            <a:r>
-              <a:rPr lang="en" sz="1050">
+              <a:buSzPts val="852"/>
+              <a:buNone/>
+            </a:pPr>
+            <a:r>
+              <a:rPr lang="en" sz="913">
                 <a:solidFill>
                   <a:srgbClr val="6A9955"/>
                 </a:solidFill>
@@ -37708,7 +37866,7 @@
               </a:rPr>
               <a:t>#SBATCH --mem=4G</a:t>
             </a:r>
-            <a:endParaRPr sz="1050">
+            <a:endParaRPr sz="913">
               <a:solidFill>
                 <a:srgbClr val="6A9955"/>
               </a:solidFill>
@@ -37724,7 +37882,7 @@
           <a:p>
             <a:pPr indent="0" lvl="0" marL="0" rtl="0" algn="l">
               <a:lnSpc>
-                <a:spcPct val="135714"/>
+                <a:spcPct val="115714"/>
               </a:lnSpc>
               <a:spcBef>
                 <a:spcPts val="0"/>
@@ -37732,10 +37890,11 @@
               <a:spcAft>
                 <a:spcPts val="0"/>
               </a:spcAft>
-              <a:buNone/>
-            </a:pPr>
-            <a:r>
-              <a:rPr lang="en" sz="1050">
+              <a:buSzPts val="852"/>
+              <a:buNone/>
+            </a:pPr>
+            <a:r>
+              <a:rPr lang="en" sz="913">
                 <a:solidFill>
                   <a:srgbClr val="6A9955"/>
                 </a:solidFill>
@@ -37749,7 +37908,7 @@
               </a:rPr>
               <a:t>#SBATCH -t 1:00:00</a:t>
             </a:r>
-            <a:endParaRPr sz="1050">
+            <a:endParaRPr sz="913">
               <a:solidFill>
                 <a:srgbClr val="6A9955"/>
               </a:solidFill>
@@ -37765,7 +37924,7 @@
           <a:p>
             <a:pPr indent="0" lvl="0" marL="0" rtl="0" algn="l">
               <a:lnSpc>
-                <a:spcPct val="135714"/>
+                <a:spcPct val="115714"/>
               </a:lnSpc>
               <a:spcBef>
                 <a:spcPts val="0"/>
@@ -37773,10 +37932,11 @@
               <a:spcAft>
                 <a:spcPts val="0"/>
               </a:spcAft>
-              <a:buNone/>
-            </a:pPr>
-            <a:r>
-              <a:rPr lang="en" sz="1050">
+              <a:buSzPts val="852"/>
+              <a:buNone/>
+            </a:pPr>
+            <a:r>
+              <a:rPr lang="en" sz="913">
                 <a:solidFill>
                   <a:srgbClr val="6A9955"/>
                 </a:solidFill>
@@ -37790,7 +37950,7 @@
               </a:rPr>
               <a:t>#SBATCH -e error%A_%a.err</a:t>
             </a:r>
-            <a:endParaRPr sz="1050">
+            <a:endParaRPr sz="913">
               <a:solidFill>
                 <a:srgbClr val="6A9955"/>
               </a:solidFill>
@@ -37806,7 +37966,7 @@
           <a:p>
             <a:pPr indent="0" lvl="0" marL="0" rtl="0" algn="l">
               <a:lnSpc>
-                <a:spcPct val="135714"/>
+                <a:spcPct val="115714"/>
               </a:lnSpc>
               <a:spcBef>
                 <a:spcPts val="0"/>
@@ -37814,10 +37974,11 @@
               <a:spcAft>
                 <a:spcPts val="0"/>
               </a:spcAft>
-              <a:buNone/>
-            </a:pPr>
-            <a:r>
-              <a:rPr lang="en" sz="1050">
+              <a:buSzPts val="852"/>
+              <a:buNone/>
+            </a:pPr>
+            <a:r>
+              <a:rPr lang="en" sz="913">
                 <a:solidFill>
                   <a:srgbClr val="6A9955"/>
                 </a:solidFill>
@@ -37831,7 +37992,7 @@
               </a:rPr>
               <a:t>#SBATCH -o out%A_%a.out</a:t>
             </a:r>
-            <a:endParaRPr sz="1050">
+            <a:endParaRPr sz="913">
               <a:solidFill>
                 <a:srgbClr val="6A9955"/>
               </a:solidFill>
@@ -37847,7 +38008,7 @@
           <a:p>
             <a:pPr indent="0" lvl="0" marL="0" rtl="0" algn="l">
               <a:lnSpc>
-                <a:spcPct val="135714"/>
+                <a:spcPct val="115714"/>
               </a:lnSpc>
               <a:spcBef>
                 <a:spcPts val="0"/>
@@ -37855,10 +38016,11 @@
               <a:spcAft>
                 <a:spcPts val="0"/>
               </a:spcAft>
-              <a:buNone/>
-            </a:pPr>
-            <a:r>
-              <a:rPr lang="en" sz="1050">
+              <a:buSzPts val="852"/>
+              <a:buNone/>
+            </a:pPr>
+            <a:r>
+              <a:rPr lang="en" sz="913">
                 <a:solidFill>
                   <a:srgbClr val="6A9955"/>
                 </a:solidFill>
@@ -37872,7 +38034,7 @@
               </a:rPr>
               <a:t>#SBATCH -A trends53c17</a:t>
             </a:r>
-            <a:endParaRPr sz="1050">
+            <a:endParaRPr sz="913">
               <a:solidFill>
                 <a:srgbClr val="6A9955"/>
               </a:solidFill>
@@ -37888,7 +38050,7 @@
           <a:p>
             <a:pPr indent="0" lvl="0" marL="0" rtl="0" algn="l">
               <a:lnSpc>
-                <a:spcPct val="135714"/>
+                <a:spcPct val="115714"/>
               </a:lnSpc>
               <a:spcBef>
                 <a:spcPts val="0"/>
@@ -37896,10 +38058,11 @@
               <a:spcAft>
                 <a:spcPts val="0"/>
               </a:spcAft>
-              <a:buNone/>
-            </a:pPr>
-            <a:r>
-              <a:rPr lang="en" sz="1050">
+              <a:buSzPts val="852"/>
+              <a:buNone/>
+            </a:pPr>
+            <a:r>
+              <a:rPr lang="en" sz="913">
                 <a:solidFill>
                   <a:srgbClr val="6A9955"/>
                 </a:solidFill>
@@ -37913,7 +38076,7 @@
               </a:rPr>
               <a:t>#SBATCH --oversubscribe</a:t>
             </a:r>
-            <a:endParaRPr sz="1050">
+            <a:endParaRPr sz="913">
               <a:solidFill>
                 <a:srgbClr val="6A9955"/>
               </a:solidFill>
@@ -37929,7 +38092,7 @@
           <a:p>
             <a:pPr indent="0" lvl="0" marL="0" rtl="0" algn="l">
               <a:lnSpc>
-                <a:spcPct val="135714"/>
+                <a:spcPct val="115714"/>
               </a:lnSpc>
               <a:spcBef>
                 <a:spcPts val="0"/>
@@ -37937,10 +38100,11 @@
               <a:spcAft>
                 <a:spcPts val="0"/>
               </a:spcAft>
-              <a:buNone/>
-            </a:pPr>
-            <a:r>
-              <a:rPr lang="en" sz="1050">
+              <a:buSzPts val="852"/>
+              <a:buNone/>
+            </a:pPr>
+            <a:r>
+              <a:rPr lang="en" sz="913">
                 <a:solidFill>
                   <a:srgbClr val="6A9955"/>
                 </a:solidFill>
@@ -37954,7 +38118,7 @@
               </a:rPr>
               <a:t>#SBATCH -J cworkshop_pytorch_cv</a:t>
             </a:r>
-            <a:endParaRPr sz="1050">
+            <a:endParaRPr sz="913">
               <a:solidFill>
                 <a:srgbClr val="6A9955"/>
               </a:solidFill>
@@ -37970,7 +38134,7 @@
           <a:p>
             <a:pPr indent="0" lvl="0" marL="0" rtl="0" algn="l">
               <a:lnSpc>
-                <a:spcPct val="135714"/>
+                <a:spcPct val="115714"/>
               </a:lnSpc>
               <a:spcBef>
                 <a:spcPts val="0"/>
@@ -37978,12 +38142,13 @@
               <a:spcAft>
                 <a:spcPts val="0"/>
               </a:spcAft>
+              <a:buSzPts val="852"/>
               <a:buNone/>
             </a:pPr>
             <a:r>
               <a:t/>
             </a:r>
-            <a:endParaRPr sz="1050">
+            <a:endParaRPr sz="913">
               <a:solidFill>
                 <a:srgbClr val="CCCCCC"/>
               </a:solidFill>
@@ -37999,7 +38164,7 @@
           <a:p>
             <a:pPr indent="0" lvl="0" marL="0" rtl="0" algn="l">
               <a:lnSpc>
-                <a:spcPct val="135714"/>
+                <a:spcPct val="115714"/>
               </a:lnSpc>
               <a:spcBef>
                 <a:spcPts val="0"/>
@@ -38007,10 +38172,11 @@
               <a:spcAft>
                 <a:spcPts val="0"/>
               </a:spcAft>
-              <a:buNone/>
-            </a:pPr>
-            <a:r>
-              <a:rPr lang="en" sz="1050">
+              <a:buSzPts val="852"/>
+              <a:buNone/>
+            </a:pPr>
+            <a:r>
+              <a:rPr lang="en" sz="913">
                 <a:solidFill>
                   <a:srgbClr val="6A9955"/>
                 </a:solidFill>
@@ -38024,7 +38190,7 @@
               </a:rPr>
               <a:t># a small delay at the start often helps</a:t>
             </a:r>
-            <a:endParaRPr sz="1050">
+            <a:endParaRPr sz="913">
               <a:solidFill>
                 <a:srgbClr val="6A9955"/>
               </a:solidFill>
@@ -38040,7 +38206,7 @@
           <a:p>
             <a:pPr indent="0" lvl="0" marL="0" rtl="0" algn="l">
               <a:lnSpc>
-                <a:spcPct val="135714"/>
+                <a:spcPct val="115714"/>
               </a:lnSpc>
               <a:spcBef>
                 <a:spcPts val="0"/>
@@ -38048,10 +38214,11 @@
               <a:spcAft>
                 <a:spcPts val="0"/>
               </a:spcAft>
-              <a:buNone/>
-            </a:pPr>
-            <a:r>
-              <a:rPr lang="en" sz="1050">
+              <a:buSzPts val="852"/>
+              <a:buNone/>
+            </a:pPr>
+            <a:r>
+              <a:rPr lang="en" sz="913">
                 <a:solidFill>
                   <a:srgbClr val="DCDCAA"/>
                 </a:solidFill>
@@ -38066,7 +38233,7 @@
               <a:t>sleep</a:t>
             </a:r>
             <a:r>
-              <a:rPr lang="en" sz="1050">
+              <a:rPr lang="en" sz="913">
                 <a:solidFill>
                   <a:srgbClr val="CCCCCC"/>
                 </a:solidFill>
@@ -38081,7 +38248,7 @@
               <a:t> </a:t>
             </a:r>
             <a:r>
-              <a:rPr lang="en" sz="1050">
+              <a:rPr lang="en" sz="913">
                 <a:solidFill>
                   <a:srgbClr val="B5CEA8"/>
                 </a:solidFill>
@@ -38096,7 +38263,7 @@
               <a:t>10</a:t>
             </a:r>
             <a:r>
-              <a:rPr lang="en" sz="1050">
+              <a:rPr lang="en" sz="913">
                 <a:solidFill>
                   <a:srgbClr val="CE9178"/>
                 </a:solidFill>
@@ -38110,7 +38277,7 @@
               </a:rPr>
               <a:t>s</a:t>
             </a:r>
-            <a:endParaRPr sz="1050">
+            <a:endParaRPr sz="913">
               <a:solidFill>
                 <a:srgbClr val="CE9178"/>
               </a:solidFill>
@@ -38126,7 +38293,7 @@
           <a:p>
             <a:pPr indent="0" lvl="0" marL="0" rtl="0" algn="l">
               <a:lnSpc>
-                <a:spcPct val="135714"/>
+                <a:spcPct val="115714"/>
               </a:lnSpc>
               <a:spcBef>
                 <a:spcPts val="0"/>
@@ -38134,12 +38301,13 @@
               <a:spcAft>
                 <a:spcPts val="0"/>
               </a:spcAft>
+              <a:buSzPts val="852"/>
               <a:buNone/>
             </a:pPr>
             <a:r>
               <a:t/>
             </a:r>
-            <a:endParaRPr sz="1050">
+            <a:endParaRPr sz="913">
               <a:solidFill>
                 <a:srgbClr val="CCCCCC"/>
               </a:solidFill>
@@ -38155,7 +38323,7 @@
           <a:p>
             <a:pPr indent="0" lvl="0" marL="0" rtl="0" algn="l">
               <a:lnSpc>
-                <a:spcPct val="135714"/>
+                <a:spcPct val="115714"/>
               </a:lnSpc>
               <a:spcBef>
                 <a:spcPts val="0"/>
@@ -38163,10 +38331,11 @@
               <a:spcAft>
                 <a:spcPts val="0"/>
               </a:spcAft>
-              <a:buNone/>
-            </a:pPr>
-            <a:r>
-              <a:rPr lang="en" sz="1050">
+              <a:buSzPts val="852"/>
+              <a:buNone/>
+            </a:pPr>
+            <a:r>
+              <a:rPr lang="en" sz="913">
                 <a:solidFill>
                   <a:srgbClr val="6A9955"/>
                 </a:solidFill>
@@ -38180,7 +38349,7 @@
               </a:rPr>
               <a:t># print some message to the log</a:t>
             </a:r>
-            <a:endParaRPr sz="1050">
+            <a:endParaRPr sz="913">
               <a:solidFill>
                 <a:srgbClr val="6A9955"/>
               </a:solidFill>
@@ -38196,7 +38365,7 @@
           <a:p>
             <a:pPr indent="0" lvl="0" marL="0" rtl="0" algn="l">
               <a:lnSpc>
-                <a:spcPct val="135714"/>
+                <a:spcPct val="115714"/>
               </a:lnSpc>
               <a:spcBef>
                 <a:spcPts val="0"/>
@@ -38204,10 +38373,11 @@
               <a:spcAft>
                 <a:spcPts val="0"/>
               </a:spcAft>
-              <a:buNone/>
-            </a:pPr>
-            <a:r>
-              <a:rPr lang="en" sz="1050">
+              <a:buSzPts val="852"/>
+              <a:buNone/>
+            </a:pPr>
+            <a:r>
+              <a:rPr lang="en" sz="913">
                 <a:solidFill>
                   <a:srgbClr val="DCDCAA"/>
                 </a:solidFill>
@@ -38222,7 +38392,7 @@
               <a:t>eval</a:t>
             </a:r>
             <a:r>
-              <a:rPr lang="en" sz="1050">
+              <a:rPr lang="en" sz="913">
                 <a:solidFill>
                   <a:srgbClr val="CCCCCC"/>
                 </a:solidFill>
@@ -38237,7 +38407,7 @@
               <a:t> </a:t>
             </a:r>
             <a:r>
-              <a:rPr lang="en" sz="1050">
+              <a:rPr lang="en" sz="913">
                 <a:solidFill>
                   <a:srgbClr val="CE9178"/>
                 </a:solidFill>
@@ -38252,7 +38422,7 @@
               <a:t>"$(</a:t>
             </a:r>
             <a:r>
-              <a:rPr lang="en" sz="1050">
+              <a:rPr lang="en" sz="913">
                 <a:solidFill>
                   <a:srgbClr val="DCDCAA"/>
                 </a:solidFill>
@@ -38267,7 +38437,7 @@
               <a:t>conda</a:t>
             </a:r>
             <a:r>
-              <a:rPr lang="en" sz="1050">
+              <a:rPr lang="en" sz="913">
                 <a:solidFill>
                   <a:srgbClr val="CE9178"/>
                 </a:solidFill>
@@ -38281,7 +38451,7 @@
               </a:rPr>
               <a:t> shell.bash hook)"</a:t>
             </a:r>
-            <a:endParaRPr sz="1050">
+            <a:endParaRPr sz="913">
               <a:solidFill>
                 <a:srgbClr val="CE9178"/>
               </a:solidFill>
@@ -38297,7 +38467,7 @@
           <a:p>
             <a:pPr indent="0" lvl="0" marL="0" rtl="0" algn="l">
               <a:lnSpc>
-                <a:spcPct val="135714"/>
+                <a:spcPct val="115714"/>
               </a:lnSpc>
               <a:spcBef>
                 <a:spcPts val="0"/>
@@ -38305,10 +38475,11 @@
               <a:spcAft>
                 <a:spcPts val="0"/>
               </a:spcAft>
-              <a:buNone/>
-            </a:pPr>
-            <a:r>
-              <a:rPr lang="en" sz="1050">
+              <a:buSzPts val="852"/>
+              <a:buNone/>
+            </a:pPr>
+            <a:r>
+              <a:rPr lang="en" sz="913">
                 <a:solidFill>
                   <a:srgbClr val="DCDCAA"/>
                 </a:solidFill>
@@ -38323,7 +38494,7 @@
               <a:t>conda</a:t>
             </a:r>
             <a:r>
-              <a:rPr lang="en" sz="1050">
+              <a:rPr lang="en" sz="913">
                 <a:solidFill>
                   <a:srgbClr val="CCCCCC"/>
                 </a:solidFill>
@@ -38338,7 +38509,7 @@
               <a:t> </a:t>
             </a:r>
             <a:r>
-              <a:rPr lang="en" sz="1050">
+              <a:rPr lang="en" sz="913">
                 <a:solidFill>
                   <a:srgbClr val="CE9178"/>
                 </a:solidFill>
@@ -38353,7 +38524,7 @@
               <a:t>activate</a:t>
             </a:r>
             <a:r>
-              <a:rPr lang="en" sz="1050">
+              <a:rPr lang="en" sz="913">
                 <a:solidFill>
                   <a:srgbClr val="CCCCCC"/>
                 </a:solidFill>
@@ -38368,7 +38539,7 @@
               <a:t> </a:t>
             </a:r>
             <a:r>
-              <a:rPr lang="en" sz="1050">
+              <a:rPr lang="en" sz="913">
                 <a:solidFill>
                   <a:srgbClr val="CE9178"/>
                 </a:solidFill>
@@ -38380,9 +38551,9 @@
                 <a:cs typeface="Consolas"/>
                 <a:sym typeface="Consolas"/>
               </a:rPr>
-              <a:t>cw_workshop</a:t>
-            </a:r>
-            <a:endParaRPr sz="1050">
+              <a:t>cw_torch</a:t>
+            </a:r>
+            <a:endParaRPr sz="913">
               <a:solidFill>
                 <a:srgbClr val="CE9178"/>
               </a:solidFill>
@@ -38398,7 +38569,7 @@
           <a:p>
             <a:pPr indent="0" lvl="0" marL="0" rtl="0" algn="l">
               <a:lnSpc>
-                <a:spcPct val="135714"/>
+                <a:spcPct val="115714"/>
               </a:lnSpc>
               <a:spcBef>
                 <a:spcPts val="0"/>
@@ -38406,12 +38577,13 @@
               <a:spcAft>
                 <a:spcPts val="0"/>
               </a:spcAft>
+              <a:buSzPts val="852"/>
               <a:buNone/>
             </a:pPr>
             <a:r>
               <a:t/>
             </a:r>
-            <a:endParaRPr sz="1050">
+            <a:endParaRPr sz="913">
               <a:solidFill>
                 <a:srgbClr val="CCCCCC"/>
               </a:solidFill>
@@ -38427,7 +38599,7 @@
           <a:p>
             <a:pPr indent="0" lvl="0" marL="0" rtl="0" algn="l">
               <a:lnSpc>
-                <a:spcPct val="135714"/>
+                <a:spcPct val="115714"/>
               </a:lnSpc>
               <a:spcBef>
                 <a:spcPts val="0"/>
@@ -38435,10 +38607,11 @@
               <a:spcAft>
                 <a:spcPts val="0"/>
               </a:spcAft>
-              <a:buNone/>
-            </a:pPr>
-            <a:r>
-              <a:rPr lang="en" sz="1050">
+              <a:buSzPts val="852"/>
+              <a:buNone/>
+            </a:pPr>
+            <a:r>
+              <a:rPr lang="en" sz="913">
                 <a:solidFill>
                   <a:srgbClr val="6A9955"/>
                 </a:solidFill>
@@ -38452,7 +38625,7 @@
               </a:rPr>
               <a:t># CD into your directory</a:t>
             </a:r>
-            <a:endParaRPr sz="1050">
+            <a:endParaRPr sz="913">
               <a:solidFill>
                 <a:srgbClr val="6A9955"/>
               </a:solidFill>
@@ -38468,7 +38641,7 @@
           <a:p>
             <a:pPr indent="0" lvl="0" marL="0" rtl="0" algn="l">
               <a:lnSpc>
-                <a:spcPct val="135714"/>
+                <a:spcPct val="115714"/>
               </a:lnSpc>
               <a:spcBef>
                 <a:spcPts val="0"/>
@@ -38476,10 +38649,11 @@
               <a:spcAft>
                 <a:spcPts val="0"/>
               </a:spcAft>
-              <a:buNone/>
-            </a:pPr>
-            <a:r>
-              <a:rPr lang="en" sz="1050">
+              <a:buSzPts val="852"/>
+              <a:buNone/>
+            </a:pPr>
+            <a:r>
+              <a:rPr lang="en" sz="913">
                 <a:solidFill>
                   <a:srgbClr val="DCDCAA"/>
                 </a:solidFill>
@@ -38494,7 +38668,7 @@
               <a:t>cd</a:t>
             </a:r>
             <a:r>
-              <a:rPr lang="en" sz="1050">
+              <a:rPr lang="en" sz="913">
                 <a:solidFill>
                   <a:srgbClr val="CCCCCC"/>
                 </a:solidFill>
@@ -38509,7 +38683,7 @@
               <a:t> </a:t>
             </a:r>
             <a:r>
-              <a:rPr lang="en" sz="1050">
+              <a:rPr lang="en" sz="913">
                 <a:solidFill>
                   <a:srgbClr val="9CDCFE"/>
                 </a:solidFill>
@@ -38524,7 +38698,7 @@
               <a:t>$MYDIR</a:t>
             </a:r>
             <a:r>
-              <a:rPr lang="en" sz="1050">
+              <a:rPr lang="en" sz="913">
                 <a:solidFill>
                   <a:srgbClr val="CE9178"/>
                 </a:solidFill>
@@ -38536,9 +38710,9 @@
                 <a:cs typeface="Consolas"/>
                 <a:sym typeface="Consolas"/>
               </a:rPr>
-              <a:t>/Examples/PytorchClassification</a:t>
-            </a:r>
-            <a:endParaRPr sz="1050">
+              <a:t>/Examples/PytorchClassificationCV</a:t>
+            </a:r>
+            <a:endParaRPr sz="913">
               <a:solidFill>
                 <a:srgbClr val="CE9178"/>
               </a:solidFill>
@@ -38554,7 +38728,7 @@
           <a:p>
             <a:pPr indent="0" lvl="0" marL="0" rtl="0" algn="l">
               <a:lnSpc>
-                <a:spcPct val="135714"/>
+                <a:spcPct val="115714"/>
               </a:lnSpc>
               <a:spcBef>
                 <a:spcPts val="0"/>
@@ -38562,10 +38736,11 @@
               <a:spcAft>
                 <a:spcPts val="0"/>
               </a:spcAft>
-              <a:buNone/>
-            </a:pPr>
-            <a:r>
-              <a:rPr lang="en" sz="1050">
+              <a:buSzPts val="852"/>
+              <a:buNone/>
+            </a:pPr>
+            <a:r>
+              <a:rPr lang="en" sz="913">
                 <a:solidFill>
                   <a:srgbClr val="6A9955"/>
                 </a:solidFill>
@@ -38579,7 +38754,7 @@
               </a:rPr>
               <a:t># run the matlab batch script</a:t>
             </a:r>
-            <a:endParaRPr sz="1050">
+            <a:endParaRPr sz="913">
               <a:solidFill>
                 <a:srgbClr val="6A9955"/>
               </a:solidFill>
@@ -38595,7 +38770,7 @@
           <a:p>
             <a:pPr indent="0" lvl="0" marL="0" rtl="0" algn="l">
               <a:lnSpc>
-                <a:spcPct val="135714"/>
+                <a:spcPct val="115714"/>
               </a:lnSpc>
               <a:spcBef>
                 <a:spcPts val="0"/>
@@ -38603,10 +38778,11 @@
               <a:spcAft>
                 <a:spcPts val="0"/>
               </a:spcAft>
-              <a:buNone/>
-            </a:pPr>
-            <a:r>
-              <a:rPr lang="en" sz="1050">
+              <a:buSzPts val="852"/>
+              <a:buNone/>
+            </a:pPr>
+            <a:r>
+              <a:rPr lang="en" sz="913">
                 <a:solidFill>
                   <a:srgbClr val="DCDCAA"/>
                 </a:solidFill>
@@ -38621,7 +38797,7 @@
               <a:t>python</a:t>
             </a:r>
             <a:r>
-              <a:rPr lang="en" sz="1050">
+              <a:rPr lang="en" sz="913">
                 <a:solidFill>
                   <a:srgbClr val="CCCCCC"/>
                 </a:solidFill>
@@ -38636,7 +38812,7 @@
               <a:t> </a:t>
             </a:r>
             <a:r>
-              <a:rPr lang="en" sz="1050">
+              <a:rPr lang="en" sz="913">
                 <a:solidFill>
                   <a:srgbClr val="CE9178"/>
                 </a:solidFill>
@@ -38651,7 +38827,7 @@
               <a:t>mnist_classification.py</a:t>
             </a:r>
             <a:r>
-              <a:rPr lang="en" sz="1050">
+              <a:rPr lang="en" sz="913">
                 <a:solidFill>
                   <a:srgbClr val="CCCCCC"/>
                 </a:solidFill>
@@ -38666,7 +38842,7 @@
               <a:t> </a:t>
             </a:r>
             <a:r>
-              <a:rPr lang="en" sz="1050">
+              <a:rPr lang="en" sz="913">
                 <a:solidFill>
                   <a:srgbClr val="569CD6"/>
                 </a:solidFill>
@@ -38681,7 +38857,7 @@
               <a:t>-k</a:t>
             </a:r>
             <a:r>
-              <a:rPr lang="en" sz="1050">
+              <a:rPr lang="en" sz="913">
                 <a:solidFill>
                   <a:srgbClr val="CCCCCC"/>
                 </a:solidFill>
@@ -38696,7 +38872,7 @@
               <a:t> </a:t>
             </a:r>
             <a:r>
-              <a:rPr lang="en" sz="1050">
+              <a:rPr lang="en" sz="913">
                 <a:solidFill>
                   <a:srgbClr val="9CDCFE"/>
                 </a:solidFill>
@@ -38710,7 +38886,7 @@
               </a:rPr>
               <a:t>$SLURM_ARRAY_TASK_ID</a:t>
             </a:r>
-            <a:endParaRPr sz="1050">
+            <a:endParaRPr sz="913">
               <a:solidFill>
                 <a:srgbClr val="9CDCFE"/>
               </a:solidFill>
@@ -38726,7 +38902,7 @@
           <a:p>
             <a:pPr indent="0" lvl="0" marL="0" rtl="0" algn="l">
               <a:lnSpc>
-                <a:spcPct val="135714"/>
+                <a:spcPct val="115714"/>
               </a:lnSpc>
               <a:spcBef>
                 <a:spcPts val="0"/>
@@ -38734,12 +38910,13 @@
               <a:spcAft>
                 <a:spcPts val="0"/>
               </a:spcAft>
+              <a:buSzPts val="852"/>
               <a:buNone/>
             </a:pPr>
             <a:r>
               <a:t/>
             </a:r>
-            <a:endParaRPr sz="1050">
+            <a:endParaRPr sz="913">
               <a:solidFill>
                 <a:srgbClr val="CCCCCC"/>
               </a:solidFill>
@@ -38755,7 +38932,7 @@
           <a:p>
             <a:pPr indent="0" lvl="0" marL="0" rtl="0" algn="l">
               <a:lnSpc>
-                <a:spcPct val="135714"/>
+                <a:spcPct val="115714"/>
               </a:lnSpc>
               <a:spcBef>
                 <a:spcPts val="0"/>
@@ -38763,10 +38940,11 @@
               <a:spcAft>
                 <a:spcPts val="0"/>
               </a:spcAft>
-              <a:buNone/>
-            </a:pPr>
-            <a:r>
-              <a:rPr lang="en" sz="1050">
+              <a:buSzPts val="852"/>
+              <a:buNone/>
+            </a:pPr>
+            <a:r>
+              <a:rPr lang="en" sz="913">
                 <a:solidFill>
                   <a:srgbClr val="6A9955"/>
                 </a:solidFill>
@@ -38780,7 +38958,7 @@
               </a:rPr>
               <a:t># a delay at the end is also good practice</a:t>
             </a:r>
-            <a:endParaRPr sz="1050">
+            <a:endParaRPr sz="913">
               <a:solidFill>
                 <a:srgbClr val="6A9955"/>
               </a:solidFill>
@@ -38796,7 +38974,7 @@
           <a:p>
             <a:pPr indent="0" lvl="0" marL="0" rtl="0" algn="l">
               <a:lnSpc>
-                <a:spcPct val="135714"/>
+                <a:spcPct val="115714"/>
               </a:lnSpc>
               <a:spcBef>
                 <a:spcPts val="0"/>
@@ -38804,10 +38982,11 @@
               <a:spcAft>
                 <a:spcPts val="0"/>
               </a:spcAft>
-              <a:buNone/>
-            </a:pPr>
-            <a:r>
-              <a:rPr lang="en" sz="1050">
+              <a:buSzPts val="852"/>
+              <a:buNone/>
+            </a:pPr>
+            <a:r>
+              <a:rPr lang="en" sz="913">
                 <a:solidFill>
                   <a:srgbClr val="DCDCAA"/>
                 </a:solidFill>
@@ -38822,7 +39001,7 @@
               <a:t>sleep</a:t>
             </a:r>
             <a:r>
-              <a:rPr lang="en" sz="1050">
+              <a:rPr lang="en" sz="913">
                 <a:solidFill>
                   <a:srgbClr val="CCCCCC"/>
                 </a:solidFill>
@@ -38837,7 +39016,7 @@
               <a:t> </a:t>
             </a:r>
             <a:r>
-              <a:rPr lang="en" sz="1050">
+              <a:rPr lang="en" sz="913">
                 <a:solidFill>
                   <a:srgbClr val="B5CEA8"/>
                 </a:solidFill>
@@ -38852,7 +39031,7 @@
               <a:t>10</a:t>
             </a:r>
             <a:r>
-              <a:rPr lang="en" sz="1050">
+              <a:rPr lang="en" sz="913">
                 <a:solidFill>
                   <a:srgbClr val="CE9178"/>
                 </a:solidFill>
@@ -38866,7 +39045,7 @@
               </a:rPr>
               <a:t>s</a:t>
             </a:r>
-            <a:endParaRPr sz="1050">
+            <a:endParaRPr sz="913">
               <a:solidFill>
                 <a:srgbClr val="6A9955"/>
               </a:solidFill>
@@ -38981,31 +39160,1475 @@
         </p:nvSpPr>
         <p:spPr>
           <a:xfrm>
-            <a:off x="311700" y="2150850"/>
-            <a:ext cx="8520600" cy="841800"/>
+            <a:off x="311700" y="0"/>
+            <a:ext cx="8520600" cy="572700"/>
           </a:xfrm>
           <a:prstGeom prst="rect">
             <a:avLst/>
           </a:prstGeom>
         </p:spPr>
         <p:txBody>
-          <a:bodyPr anchorCtr="0" anchor="ctr" bIns="91425" lIns="91425" spcFirstLastPara="1" rIns="91425" wrap="square" tIns="91425">
+          <a:bodyPr anchorCtr="0" anchor="t" bIns="91425" lIns="91425" spcFirstLastPara="1" rIns="91425" wrap="square" tIns="91425">
+            <a:normAutofit fontScale="90000"/>
+          </a:bodyPr>
+          <a:lstStyle/>
+          <a:p>
+            <a:pPr indent="0" lvl="0" marL="0" rtl="0" algn="l">
+              <a:spcBef>
+                <a:spcPts val="0"/>
+              </a:spcBef>
+              <a:spcAft>
+                <a:spcPts val="0"/>
+              </a:spcAft>
+              <a:buNone/>
+            </a:pPr>
+            <a:r>
+              <a:rPr lang="en"/>
+              <a:t>Flexible BATCH Scripting</a:t>
+            </a:r>
+            <a:endParaRPr/>
+          </a:p>
+        </p:txBody>
+      </p:sp>
+      <p:sp>
+        <p:nvSpPr>
+          <p:cNvPr id="396" name="Google Shape;396;p65"/>
+          <p:cNvSpPr txBox="1"/>
+          <p:nvPr>
+            <p:ph idx="1" type="body"/>
+          </p:nvPr>
+        </p:nvSpPr>
+        <p:spPr>
+          <a:xfrm>
+            <a:off x="311700" y="572700"/>
+            <a:ext cx="4260300" cy="3416400"/>
+          </a:xfrm>
+          <a:prstGeom prst="rect">
+            <a:avLst/>
+          </a:prstGeom>
+        </p:spPr>
+        <p:txBody>
+          <a:bodyPr anchorCtr="0" anchor="t" bIns="91425" lIns="91425" spcFirstLastPara="1" rIns="91425" wrap="square" tIns="91425">
             <a:normAutofit/>
           </a:bodyPr>
           <a:lstStyle/>
           <a:p>
-            <a:pPr indent="0" lvl="0" marL="0" rtl="0" algn="ctr">
-              <a:spcBef>
-                <a:spcPts val="0"/>
-              </a:spcBef>
-              <a:spcAft>
-                <a:spcPts val="0"/>
-              </a:spcAft>
-              <a:buNone/>
+            <a:pPr indent="-342900" lvl="0" marL="457200" rtl="0" algn="l">
+              <a:spcBef>
+                <a:spcPts val="0"/>
+              </a:spcBef>
+              <a:spcAft>
+                <a:spcPts val="0"/>
+              </a:spcAft>
+              <a:buSzPts val="1800"/>
+              <a:buChar char="●"/>
             </a:pPr>
             <a:r>
               <a:rPr lang="en"/>
-              <a:t>Flexible BATCH Scripting</a:t>
+              <a:t>You can use BASH arguments to </a:t>
+            </a:r>
+            <a:r>
+              <a:rPr lang="en"/>
+              <a:t>supply</a:t>
+            </a:r>
+            <a:r>
+              <a:rPr lang="en"/>
+              <a:t> variables to SBATCH scripts.</a:t>
+            </a:r>
+            <a:endParaRPr/>
+          </a:p>
+          <a:p>
+            <a:pPr indent="-342900" lvl="0" marL="457200" rtl="0" algn="l">
+              <a:spcBef>
+                <a:spcPts val="0"/>
+              </a:spcBef>
+              <a:spcAft>
+                <a:spcPts val="0"/>
+              </a:spcAft>
+              <a:buSzPts val="1800"/>
+              <a:buChar char="●"/>
+            </a:pPr>
+            <a:r>
+              <a:rPr lang="en"/>
+              <a:t>You can’t really dynamically allocate the SBATCH header, so use the flags as needed</a:t>
+            </a:r>
+            <a:endParaRPr/>
+          </a:p>
+          <a:p>
+            <a:pPr indent="-342900" lvl="0" marL="457200" rtl="0" algn="l">
+              <a:spcBef>
+                <a:spcPts val="0"/>
+              </a:spcBef>
+              <a:spcAft>
+                <a:spcPts val="0"/>
+              </a:spcAft>
+              <a:buSzPts val="1800"/>
+              <a:buChar char="●"/>
+            </a:pPr>
+            <a:r>
+              <a:rPr lang="en"/>
+              <a:t>Example:</a:t>
+            </a:r>
+            <a:endParaRPr/>
+          </a:p>
+          <a:p>
+            <a:pPr indent="-317500" lvl="1" marL="914400" rtl="0" algn="l">
+              <a:spcBef>
+                <a:spcPts val="0"/>
+              </a:spcBef>
+              <a:spcAft>
+                <a:spcPts val="0"/>
+              </a:spcAft>
+              <a:buSzPts val="1400"/>
+              <a:buChar char="○"/>
+            </a:pPr>
+            <a:r>
+              <a:rPr lang="en"/>
+              <a:t>$ sbatch -e myerror.e -o myout.o JobSubmit.sh arg1 arg2 arg3</a:t>
+            </a:r>
+            <a:endParaRPr/>
+          </a:p>
+          <a:p>
+            <a:pPr indent="0" lvl="0" marL="0" rtl="0" algn="l">
+              <a:spcBef>
+                <a:spcPts val="1200"/>
+              </a:spcBef>
+              <a:spcAft>
+                <a:spcPts val="1200"/>
+              </a:spcAft>
+              <a:buNone/>
+            </a:pPr>
+            <a:r>
+              <a:t/>
+            </a:r>
+            <a:endParaRPr/>
+          </a:p>
+        </p:txBody>
+      </p:sp>
+      <p:sp>
+        <p:nvSpPr>
+          <p:cNvPr id="397" name="Google Shape;397;p65"/>
+          <p:cNvSpPr txBox="1"/>
+          <p:nvPr>
+            <p:ph idx="1" type="body"/>
+          </p:nvPr>
+        </p:nvSpPr>
+        <p:spPr>
+          <a:xfrm>
+            <a:off x="4648850" y="658475"/>
+            <a:ext cx="4260300" cy="4138500"/>
+          </a:xfrm>
+          <a:prstGeom prst="rect">
+            <a:avLst/>
+          </a:prstGeom>
+        </p:spPr>
+        <p:txBody>
+          <a:bodyPr anchorCtr="0" anchor="t" bIns="91425" lIns="91425" spcFirstLastPara="1" rIns="91425" wrap="square" tIns="91425">
+            <a:normAutofit fontScale="92500" lnSpcReduction="20000"/>
+          </a:bodyPr>
+          <a:lstStyle/>
+          <a:p>
+            <a:pPr indent="0" lvl="0" marL="0" rtl="0" algn="l">
+              <a:lnSpc>
+                <a:spcPct val="135714"/>
+              </a:lnSpc>
+              <a:spcBef>
+                <a:spcPts val="0"/>
+              </a:spcBef>
+              <a:spcAft>
+                <a:spcPts val="0"/>
+              </a:spcAft>
+              <a:buNone/>
+            </a:pPr>
+            <a:r>
+              <a:rPr lang="en" sz="1050">
+                <a:solidFill>
+                  <a:srgbClr val="6A9955"/>
+                </a:solidFill>
+                <a:highlight>
+                  <a:srgbClr val="1F1F1F"/>
+                </a:highlight>
+                <a:latin typeface="Courier New"/>
+                <a:ea typeface="Courier New"/>
+                <a:cs typeface="Courier New"/>
+                <a:sym typeface="Courier New"/>
+              </a:rPr>
+              <a:t>#!/bin/bash</a:t>
+            </a:r>
+            <a:endParaRPr sz="1050">
+              <a:solidFill>
+                <a:srgbClr val="6A9955"/>
+              </a:solidFill>
+              <a:highlight>
+                <a:srgbClr val="1F1F1F"/>
+              </a:highlight>
+              <a:latin typeface="Courier New"/>
+              <a:ea typeface="Courier New"/>
+              <a:cs typeface="Courier New"/>
+              <a:sym typeface="Courier New"/>
+            </a:endParaRPr>
+          </a:p>
+          <a:p>
+            <a:pPr indent="0" lvl="0" marL="0" rtl="0" algn="l">
+              <a:lnSpc>
+                <a:spcPct val="135714"/>
+              </a:lnSpc>
+              <a:spcBef>
+                <a:spcPts val="0"/>
+              </a:spcBef>
+              <a:spcAft>
+                <a:spcPts val="0"/>
+              </a:spcAft>
+              <a:buNone/>
+            </a:pPr>
+            <a:r>
+              <a:rPr lang="en" sz="1050">
+                <a:solidFill>
+                  <a:srgbClr val="6A9955"/>
+                </a:solidFill>
+                <a:highlight>
+                  <a:srgbClr val="1F1F1F"/>
+                </a:highlight>
+                <a:latin typeface="Courier New"/>
+                <a:ea typeface="Courier New"/>
+                <a:cs typeface="Courier New"/>
+                <a:sym typeface="Courier New"/>
+              </a:rPr>
+              <a:t>#SBATCH -p qTRD</a:t>
+            </a:r>
+            <a:endParaRPr sz="1050">
+              <a:solidFill>
+                <a:srgbClr val="6A9955"/>
+              </a:solidFill>
+              <a:highlight>
+                <a:srgbClr val="1F1F1F"/>
+              </a:highlight>
+              <a:latin typeface="Courier New"/>
+              <a:ea typeface="Courier New"/>
+              <a:cs typeface="Courier New"/>
+              <a:sym typeface="Courier New"/>
+            </a:endParaRPr>
+          </a:p>
+          <a:p>
+            <a:pPr indent="0" lvl="0" marL="0" rtl="0" algn="l">
+              <a:lnSpc>
+                <a:spcPct val="135714"/>
+              </a:lnSpc>
+              <a:spcBef>
+                <a:spcPts val="0"/>
+              </a:spcBef>
+              <a:spcAft>
+                <a:spcPts val="0"/>
+              </a:spcAft>
+              <a:buNone/>
+            </a:pPr>
+            <a:r>
+              <a:rPr lang="en" sz="1050">
+                <a:solidFill>
+                  <a:srgbClr val="6A9955"/>
+                </a:solidFill>
+                <a:highlight>
+                  <a:srgbClr val="1F1F1F"/>
+                </a:highlight>
+                <a:latin typeface="Courier New"/>
+                <a:ea typeface="Courier New"/>
+                <a:cs typeface="Courier New"/>
+                <a:sym typeface="Courier New"/>
+              </a:rPr>
+              <a:t>#SBATCH -N 1</a:t>
+            </a:r>
+            <a:endParaRPr sz="1050">
+              <a:solidFill>
+                <a:srgbClr val="6A9955"/>
+              </a:solidFill>
+              <a:highlight>
+                <a:srgbClr val="1F1F1F"/>
+              </a:highlight>
+              <a:latin typeface="Courier New"/>
+              <a:ea typeface="Courier New"/>
+              <a:cs typeface="Courier New"/>
+              <a:sym typeface="Courier New"/>
+            </a:endParaRPr>
+          </a:p>
+          <a:p>
+            <a:pPr indent="0" lvl="0" marL="0" rtl="0" algn="l">
+              <a:lnSpc>
+                <a:spcPct val="135714"/>
+              </a:lnSpc>
+              <a:spcBef>
+                <a:spcPts val="0"/>
+              </a:spcBef>
+              <a:spcAft>
+                <a:spcPts val="0"/>
+              </a:spcAft>
+              <a:buNone/>
+            </a:pPr>
+            <a:r>
+              <a:rPr lang="en" sz="1050">
+                <a:solidFill>
+                  <a:srgbClr val="6A9955"/>
+                </a:solidFill>
+                <a:highlight>
+                  <a:srgbClr val="1F1F1F"/>
+                </a:highlight>
+                <a:latin typeface="Courier New"/>
+                <a:ea typeface="Courier New"/>
+                <a:cs typeface="Courier New"/>
+                <a:sym typeface="Courier New"/>
+              </a:rPr>
+              <a:t>#SBATCH -n 1</a:t>
+            </a:r>
+            <a:endParaRPr sz="1050">
+              <a:solidFill>
+                <a:srgbClr val="6A9955"/>
+              </a:solidFill>
+              <a:highlight>
+                <a:srgbClr val="1F1F1F"/>
+              </a:highlight>
+              <a:latin typeface="Courier New"/>
+              <a:ea typeface="Courier New"/>
+              <a:cs typeface="Courier New"/>
+              <a:sym typeface="Courier New"/>
+            </a:endParaRPr>
+          </a:p>
+          <a:p>
+            <a:pPr indent="0" lvl="0" marL="0" rtl="0" algn="l">
+              <a:lnSpc>
+                <a:spcPct val="135714"/>
+              </a:lnSpc>
+              <a:spcBef>
+                <a:spcPts val="0"/>
+              </a:spcBef>
+              <a:spcAft>
+                <a:spcPts val="0"/>
+              </a:spcAft>
+              <a:buNone/>
+            </a:pPr>
+            <a:r>
+              <a:rPr lang="en" sz="1050">
+                <a:solidFill>
+                  <a:srgbClr val="6A9955"/>
+                </a:solidFill>
+                <a:highlight>
+                  <a:srgbClr val="1F1F1F"/>
+                </a:highlight>
+                <a:latin typeface="Courier New"/>
+                <a:ea typeface="Courier New"/>
+                <a:cs typeface="Courier New"/>
+                <a:sym typeface="Courier New"/>
+              </a:rPr>
+              <a:t>#SBATCH -c 1</a:t>
+            </a:r>
+            <a:endParaRPr sz="1050">
+              <a:solidFill>
+                <a:srgbClr val="6A9955"/>
+              </a:solidFill>
+              <a:highlight>
+                <a:srgbClr val="1F1F1F"/>
+              </a:highlight>
+              <a:latin typeface="Courier New"/>
+              <a:ea typeface="Courier New"/>
+              <a:cs typeface="Courier New"/>
+              <a:sym typeface="Courier New"/>
+            </a:endParaRPr>
+          </a:p>
+          <a:p>
+            <a:pPr indent="0" lvl="0" marL="0" rtl="0" algn="l">
+              <a:lnSpc>
+                <a:spcPct val="135714"/>
+              </a:lnSpc>
+              <a:spcBef>
+                <a:spcPts val="0"/>
+              </a:spcBef>
+              <a:spcAft>
+                <a:spcPts val="0"/>
+              </a:spcAft>
+              <a:buNone/>
+            </a:pPr>
+            <a:r>
+              <a:rPr lang="en" sz="1050">
+                <a:solidFill>
+                  <a:srgbClr val="6A9955"/>
+                </a:solidFill>
+                <a:highlight>
+                  <a:srgbClr val="1F1F1F"/>
+                </a:highlight>
+                <a:latin typeface="Courier New"/>
+                <a:ea typeface="Courier New"/>
+                <a:cs typeface="Courier New"/>
+                <a:sym typeface="Courier New"/>
+              </a:rPr>
+              <a:t>#SBATCH --mem=10G</a:t>
+            </a:r>
+            <a:endParaRPr sz="1050">
+              <a:solidFill>
+                <a:srgbClr val="6A9955"/>
+              </a:solidFill>
+              <a:highlight>
+                <a:srgbClr val="1F1F1F"/>
+              </a:highlight>
+              <a:latin typeface="Courier New"/>
+              <a:ea typeface="Courier New"/>
+              <a:cs typeface="Courier New"/>
+              <a:sym typeface="Courier New"/>
+            </a:endParaRPr>
+          </a:p>
+          <a:p>
+            <a:pPr indent="0" lvl="0" marL="0" rtl="0" algn="l">
+              <a:lnSpc>
+                <a:spcPct val="135714"/>
+              </a:lnSpc>
+              <a:spcBef>
+                <a:spcPts val="0"/>
+              </a:spcBef>
+              <a:spcAft>
+                <a:spcPts val="0"/>
+              </a:spcAft>
+              <a:buNone/>
+            </a:pPr>
+            <a:r>
+              <a:rPr lang="en" sz="1050">
+                <a:solidFill>
+                  <a:srgbClr val="6A9955"/>
+                </a:solidFill>
+                <a:highlight>
+                  <a:srgbClr val="1F1F1F"/>
+                </a:highlight>
+                <a:latin typeface="Courier New"/>
+                <a:ea typeface="Courier New"/>
+                <a:cs typeface="Courier New"/>
+                <a:sym typeface="Courier New"/>
+              </a:rPr>
+              <a:t>#SBATCH -t 1:00:00</a:t>
+            </a:r>
+            <a:endParaRPr sz="1050">
+              <a:solidFill>
+                <a:srgbClr val="6A9955"/>
+              </a:solidFill>
+              <a:highlight>
+                <a:srgbClr val="1F1F1F"/>
+              </a:highlight>
+              <a:latin typeface="Courier New"/>
+              <a:ea typeface="Courier New"/>
+              <a:cs typeface="Courier New"/>
+              <a:sym typeface="Courier New"/>
+            </a:endParaRPr>
+          </a:p>
+          <a:p>
+            <a:pPr indent="0" lvl="0" marL="0" rtl="0" algn="l">
+              <a:lnSpc>
+                <a:spcPct val="135714"/>
+              </a:lnSpc>
+              <a:spcBef>
+                <a:spcPts val="0"/>
+              </a:spcBef>
+              <a:spcAft>
+                <a:spcPts val="0"/>
+              </a:spcAft>
+              <a:buNone/>
+            </a:pPr>
+            <a:r>
+              <a:rPr lang="en" sz="1050">
+                <a:solidFill>
+                  <a:srgbClr val="6A9955"/>
+                </a:solidFill>
+                <a:highlight>
+                  <a:srgbClr val="1F1F1F"/>
+                </a:highlight>
+                <a:latin typeface="Courier New"/>
+                <a:ea typeface="Courier New"/>
+                <a:cs typeface="Courier New"/>
+                <a:sym typeface="Courier New"/>
+              </a:rPr>
+              <a:t>#SBATCH -A trends53c17</a:t>
+            </a:r>
+            <a:endParaRPr sz="1050">
+              <a:solidFill>
+                <a:srgbClr val="6A9955"/>
+              </a:solidFill>
+              <a:highlight>
+                <a:srgbClr val="1F1F1F"/>
+              </a:highlight>
+              <a:latin typeface="Courier New"/>
+              <a:ea typeface="Courier New"/>
+              <a:cs typeface="Courier New"/>
+              <a:sym typeface="Courier New"/>
+            </a:endParaRPr>
+          </a:p>
+          <a:p>
+            <a:pPr indent="0" lvl="0" marL="0" rtl="0" algn="l">
+              <a:lnSpc>
+                <a:spcPct val="135714"/>
+              </a:lnSpc>
+              <a:spcBef>
+                <a:spcPts val="0"/>
+              </a:spcBef>
+              <a:spcAft>
+                <a:spcPts val="0"/>
+              </a:spcAft>
+              <a:buNone/>
+            </a:pPr>
+            <a:r>
+              <a:rPr lang="en" sz="1050">
+                <a:solidFill>
+                  <a:srgbClr val="6A9955"/>
+                </a:solidFill>
+                <a:highlight>
+                  <a:srgbClr val="1F1F1F"/>
+                </a:highlight>
+                <a:latin typeface="Courier New"/>
+                <a:ea typeface="Courier New"/>
+                <a:cs typeface="Courier New"/>
+                <a:sym typeface="Courier New"/>
+              </a:rPr>
+              <a:t>#SBATCH --oversubscribe</a:t>
+            </a:r>
+            <a:endParaRPr sz="1050">
+              <a:solidFill>
+                <a:srgbClr val="6A9955"/>
+              </a:solidFill>
+              <a:highlight>
+                <a:srgbClr val="1F1F1F"/>
+              </a:highlight>
+              <a:latin typeface="Courier New"/>
+              <a:ea typeface="Courier New"/>
+              <a:cs typeface="Courier New"/>
+              <a:sym typeface="Courier New"/>
+            </a:endParaRPr>
+          </a:p>
+          <a:p>
+            <a:pPr indent="0" lvl="0" marL="0" rtl="0" algn="l">
+              <a:lnSpc>
+                <a:spcPct val="135714"/>
+              </a:lnSpc>
+              <a:spcBef>
+                <a:spcPts val="0"/>
+              </a:spcBef>
+              <a:spcAft>
+                <a:spcPts val="0"/>
+              </a:spcAft>
+              <a:buNone/>
+            </a:pPr>
+            <a:r>
+              <a:rPr lang="en" sz="1050">
+                <a:solidFill>
+                  <a:srgbClr val="6A9955"/>
+                </a:solidFill>
+                <a:highlight>
+                  <a:srgbClr val="1F1F1F"/>
+                </a:highlight>
+                <a:latin typeface="Courier New"/>
+                <a:ea typeface="Courier New"/>
+                <a:cs typeface="Courier New"/>
+                <a:sym typeface="Courier New"/>
+              </a:rPr>
+              <a:t>#SBATCH -J cw_ex_args</a:t>
+            </a:r>
+            <a:endParaRPr sz="1050">
+              <a:solidFill>
+                <a:srgbClr val="6A9955"/>
+              </a:solidFill>
+              <a:highlight>
+                <a:srgbClr val="1F1F1F"/>
+              </a:highlight>
+              <a:latin typeface="Courier New"/>
+              <a:ea typeface="Courier New"/>
+              <a:cs typeface="Courier New"/>
+              <a:sym typeface="Courier New"/>
+            </a:endParaRPr>
+          </a:p>
+          <a:p>
+            <a:pPr indent="0" lvl="0" marL="0" rtl="0" algn="l">
+              <a:lnSpc>
+                <a:spcPct val="135714"/>
+              </a:lnSpc>
+              <a:spcBef>
+                <a:spcPts val="0"/>
+              </a:spcBef>
+              <a:spcAft>
+                <a:spcPts val="0"/>
+              </a:spcAft>
+              <a:buNone/>
+            </a:pPr>
+            <a:r>
+              <a:rPr lang="en" sz="1050">
+                <a:solidFill>
+                  <a:srgbClr val="6A9955"/>
+                </a:solidFill>
+                <a:highlight>
+                  <a:srgbClr val="1F1F1F"/>
+                </a:highlight>
+                <a:latin typeface="Courier New"/>
+                <a:ea typeface="Courier New"/>
+                <a:cs typeface="Courier New"/>
+                <a:sym typeface="Courier New"/>
+              </a:rPr>
+              <a:t># a small delay at the start often helps</a:t>
+            </a:r>
+            <a:endParaRPr sz="1050">
+              <a:solidFill>
+                <a:srgbClr val="6A9955"/>
+              </a:solidFill>
+              <a:highlight>
+                <a:srgbClr val="1F1F1F"/>
+              </a:highlight>
+              <a:latin typeface="Courier New"/>
+              <a:ea typeface="Courier New"/>
+              <a:cs typeface="Courier New"/>
+              <a:sym typeface="Courier New"/>
+            </a:endParaRPr>
+          </a:p>
+          <a:p>
+            <a:pPr indent="0" lvl="0" marL="0" rtl="0" algn="l">
+              <a:lnSpc>
+                <a:spcPct val="135714"/>
+              </a:lnSpc>
+              <a:spcBef>
+                <a:spcPts val="0"/>
+              </a:spcBef>
+              <a:spcAft>
+                <a:spcPts val="0"/>
+              </a:spcAft>
+              <a:buNone/>
+            </a:pPr>
+            <a:r>
+              <a:rPr lang="en" sz="1050">
+                <a:solidFill>
+                  <a:srgbClr val="DCDCAA"/>
+                </a:solidFill>
+                <a:highlight>
+                  <a:srgbClr val="1F1F1F"/>
+                </a:highlight>
+                <a:latin typeface="Courier New"/>
+                <a:ea typeface="Courier New"/>
+                <a:cs typeface="Courier New"/>
+                <a:sym typeface="Courier New"/>
+              </a:rPr>
+              <a:t>sleep</a:t>
+            </a:r>
+            <a:r>
+              <a:rPr lang="en" sz="1050">
+                <a:solidFill>
+                  <a:srgbClr val="CCCCCC"/>
+                </a:solidFill>
+                <a:highlight>
+                  <a:srgbClr val="1F1F1F"/>
+                </a:highlight>
+                <a:latin typeface="Courier New"/>
+                <a:ea typeface="Courier New"/>
+                <a:cs typeface="Courier New"/>
+                <a:sym typeface="Courier New"/>
+              </a:rPr>
+              <a:t> </a:t>
+            </a:r>
+            <a:r>
+              <a:rPr lang="en" sz="1050">
+                <a:solidFill>
+                  <a:srgbClr val="B5CEA8"/>
+                </a:solidFill>
+                <a:highlight>
+                  <a:srgbClr val="1F1F1F"/>
+                </a:highlight>
+                <a:latin typeface="Courier New"/>
+                <a:ea typeface="Courier New"/>
+                <a:cs typeface="Courier New"/>
+                <a:sym typeface="Courier New"/>
+              </a:rPr>
+              <a:t>10</a:t>
+            </a:r>
+            <a:r>
+              <a:rPr lang="en" sz="1050">
+                <a:solidFill>
+                  <a:srgbClr val="CE9178"/>
+                </a:solidFill>
+                <a:highlight>
+                  <a:srgbClr val="1F1F1F"/>
+                </a:highlight>
+                <a:latin typeface="Courier New"/>
+                <a:ea typeface="Courier New"/>
+                <a:cs typeface="Courier New"/>
+                <a:sym typeface="Courier New"/>
+              </a:rPr>
+              <a:t>s</a:t>
+            </a:r>
+            <a:endParaRPr sz="1050">
+              <a:solidFill>
+                <a:srgbClr val="CE9178"/>
+              </a:solidFill>
+              <a:highlight>
+                <a:srgbClr val="1F1F1F"/>
+              </a:highlight>
+              <a:latin typeface="Courier New"/>
+              <a:ea typeface="Courier New"/>
+              <a:cs typeface="Courier New"/>
+              <a:sym typeface="Courier New"/>
+            </a:endParaRPr>
+          </a:p>
+          <a:p>
+            <a:pPr indent="0" lvl="0" marL="0" rtl="0" algn="l">
+              <a:lnSpc>
+                <a:spcPct val="135714"/>
+              </a:lnSpc>
+              <a:spcBef>
+                <a:spcPts val="0"/>
+              </a:spcBef>
+              <a:spcAft>
+                <a:spcPts val="0"/>
+              </a:spcAft>
+              <a:buNone/>
+            </a:pPr>
+            <a:r>
+              <a:t/>
+            </a:r>
+            <a:endParaRPr sz="1050">
+              <a:solidFill>
+                <a:srgbClr val="CCCCCC"/>
+              </a:solidFill>
+              <a:highlight>
+                <a:srgbClr val="1F1F1F"/>
+              </a:highlight>
+              <a:latin typeface="Courier New"/>
+              <a:ea typeface="Courier New"/>
+              <a:cs typeface="Courier New"/>
+              <a:sym typeface="Courier New"/>
+            </a:endParaRPr>
+          </a:p>
+          <a:p>
+            <a:pPr indent="0" lvl="0" marL="0" rtl="0" algn="l">
+              <a:lnSpc>
+                <a:spcPct val="135714"/>
+              </a:lnSpc>
+              <a:spcBef>
+                <a:spcPts val="0"/>
+              </a:spcBef>
+              <a:spcAft>
+                <a:spcPts val="0"/>
+              </a:spcAft>
+              <a:buNone/>
+            </a:pPr>
+            <a:r>
+              <a:rPr lang="en" sz="1050">
+                <a:solidFill>
+                  <a:srgbClr val="6A9955"/>
+                </a:solidFill>
+                <a:highlight>
+                  <a:srgbClr val="1F1F1F"/>
+                </a:highlight>
+                <a:latin typeface="Courier New"/>
+                <a:ea typeface="Courier New"/>
+                <a:cs typeface="Courier New"/>
+                <a:sym typeface="Courier New"/>
+              </a:rPr>
+              <a:t># print some message to the log</a:t>
+            </a:r>
+            <a:endParaRPr sz="1050">
+              <a:solidFill>
+                <a:srgbClr val="6A9955"/>
+              </a:solidFill>
+              <a:highlight>
+                <a:srgbClr val="1F1F1F"/>
+              </a:highlight>
+              <a:latin typeface="Courier New"/>
+              <a:ea typeface="Courier New"/>
+              <a:cs typeface="Courier New"/>
+              <a:sym typeface="Courier New"/>
+            </a:endParaRPr>
+          </a:p>
+          <a:p>
+            <a:pPr indent="0" lvl="0" marL="0" rtl="0" algn="l">
+              <a:lnSpc>
+                <a:spcPct val="135714"/>
+              </a:lnSpc>
+              <a:spcBef>
+                <a:spcPts val="0"/>
+              </a:spcBef>
+              <a:spcAft>
+                <a:spcPts val="0"/>
+              </a:spcAft>
+              <a:buNone/>
+            </a:pPr>
+            <a:r>
+              <a:rPr lang="en" sz="1050">
+                <a:solidFill>
+                  <a:srgbClr val="DCDCAA"/>
+                </a:solidFill>
+                <a:highlight>
+                  <a:srgbClr val="1F1F1F"/>
+                </a:highlight>
+                <a:latin typeface="Courier New"/>
+                <a:ea typeface="Courier New"/>
+                <a:cs typeface="Courier New"/>
+                <a:sym typeface="Courier New"/>
+              </a:rPr>
+              <a:t>echo</a:t>
+            </a:r>
+            <a:r>
+              <a:rPr lang="en" sz="1050">
+                <a:solidFill>
+                  <a:srgbClr val="CCCCCC"/>
+                </a:solidFill>
+                <a:highlight>
+                  <a:srgbClr val="1F1F1F"/>
+                </a:highlight>
+                <a:latin typeface="Courier New"/>
+                <a:ea typeface="Courier New"/>
+                <a:cs typeface="Courier New"/>
+                <a:sym typeface="Courier New"/>
+              </a:rPr>
+              <a:t> </a:t>
+            </a:r>
+            <a:r>
+              <a:rPr lang="en" sz="1050">
+                <a:solidFill>
+                  <a:srgbClr val="CE9178"/>
+                </a:solidFill>
+                <a:highlight>
+                  <a:srgbClr val="1F1F1F"/>
+                </a:highlight>
+                <a:latin typeface="Courier New"/>
+                <a:ea typeface="Courier New"/>
+                <a:cs typeface="Courier New"/>
+                <a:sym typeface="Courier New"/>
+              </a:rPr>
+              <a:t>“hello</a:t>
+            </a:r>
+            <a:r>
+              <a:rPr lang="en" sz="1050">
+                <a:solidFill>
+                  <a:srgbClr val="CCCCCC"/>
+                </a:solidFill>
+                <a:highlight>
+                  <a:srgbClr val="1F1F1F"/>
+                </a:highlight>
+                <a:latin typeface="Courier New"/>
+                <a:ea typeface="Courier New"/>
+                <a:cs typeface="Courier New"/>
+                <a:sym typeface="Courier New"/>
+              </a:rPr>
+              <a:t> </a:t>
+            </a:r>
+            <a:r>
+              <a:rPr lang="en" sz="1050">
+                <a:solidFill>
+                  <a:srgbClr val="CE9178"/>
+                </a:solidFill>
+                <a:highlight>
+                  <a:srgbClr val="1F1F1F"/>
+                </a:highlight>
+                <a:latin typeface="Courier New"/>
+                <a:ea typeface="Courier New"/>
+                <a:cs typeface="Courier New"/>
+                <a:sym typeface="Courier New"/>
+              </a:rPr>
+              <a:t>sbatch</a:t>
+            </a:r>
+            <a:r>
+              <a:rPr lang="en" sz="1050">
+                <a:solidFill>
+                  <a:srgbClr val="CCCCCC"/>
+                </a:solidFill>
+                <a:highlight>
+                  <a:srgbClr val="1F1F1F"/>
+                </a:highlight>
+                <a:latin typeface="Courier New"/>
+                <a:ea typeface="Courier New"/>
+                <a:cs typeface="Courier New"/>
+                <a:sym typeface="Courier New"/>
+              </a:rPr>
+              <a:t> </a:t>
+            </a:r>
+            <a:r>
+              <a:rPr lang="en" sz="1050">
+                <a:solidFill>
+                  <a:srgbClr val="CE9178"/>
+                </a:solidFill>
+                <a:highlight>
+                  <a:srgbClr val="1F1F1F"/>
+                </a:highlight>
+                <a:latin typeface="Courier New"/>
+                <a:ea typeface="Courier New"/>
+                <a:cs typeface="Courier New"/>
+                <a:sym typeface="Courier New"/>
+              </a:rPr>
+              <a:t>world!”</a:t>
+            </a:r>
+            <a:endParaRPr sz="1050">
+              <a:solidFill>
+                <a:srgbClr val="CE9178"/>
+              </a:solidFill>
+              <a:highlight>
+                <a:srgbClr val="1F1F1F"/>
+              </a:highlight>
+              <a:latin typeface="Courier New"/>
+              <a:ea typeface="Courier New"/>
+              <a:cs typeface="Courier New"/>
+              <a:sym typeface="Courier New"/>
+            </a:endParaRPr>
+          </a:p>
+          <a:p>
+            <a:pPr indent="0" lvl="0" marL="0" rtl="0" algn="l">
+              <a:lnSpc>
+                <a:spcPct val="135714"/>
+              </a:lnSpc>
+              <a:spcBef>
+                <a:spcPts val="0"/>
+              </a:spcBef>
+              <a:spcAft>
+                <a:spcPts val="0"/>
+              </a:spcAft>
+              <a:buNone/>
+            </a:pPr>
+            <a:r>
+              <a:t/>
+            </a:r>
+            <a:endParaRPr sz="1050">
+              <a:solidFill>
+                <a:srgbClr val="CCCCCC"/>
+              </a:solidFill>
+              <a:highlight>
+                <a:srgbClr val="1F1F1F"/>
+              </a:highlight>
+              <a:latin typeface="Courier New"/>
+              <a:ea typeface="Courier New"/>
+              <a:cs typeface="Courier New"/>
+              <a:sym typeface="Courier New"/>
+            </a:endParaRPr>
+          </a:p>
+          <a:p>
+            <a:pPr indent="0" lvl="0" marL="0" rtl="0" algn="l">
+              <a:lnSpc>
+                <a:spcPct val="135714"/>
+              </a:lnSpc>
+              <a:spcBef>
+                <a:spcPts val="0"/>
+              </a:spcBef>
+              <a:spcAft>
+                <a:spcPts val="0"/>
+              </a:spcAft>
+              <a:buNone/>
+            </a:pPr>
+            <a:r>
+              <a:rPr lang="en" sz="1050">
+                <a:solidFill>
+                  <a:srgbClr val="DCDCAA"/>
+                </a:solidFill>
+                <a:highlight>
+                  <a:srgbClr val="1F1F1F"/>
+                </a:highlight>
+                <a:latin typeface="Courier New"/>
+                <a:ea typeface="Courier New"/>
+                <a:cs typeface="Courier New"/>
+                <a:sym typeface="Courier New"/>
+              </a:rPr>
+              <a:t>echo</a:t>
+            </a:r>
+            <a:r>
+              <a:rPr lang="en" sz="1050">
+                <a:solidFill>
+                  <a:srgbClr val="CCCCCC"/>
+                </a:solidFill>
+                <a:highlight>
+                  <a:srgbClr val="1F1F1F"/>
+                </a:highlight>
+                <a:latin typeface="Courier New"/>
+                <a:ea typeface="Courier New"/>
+                <a:cs typeface="Courier New"/>
+                <a:sym typeface="Courier New"/>
+              </a:rPr>
+              <a:t> </a:t>
+            </a:r>
+            <a:r>
+              <a:rPr lang="en" sz="1050">
+                <a:solidFill>
+                  <a:srgbClr val="CE9178"/>
+                </a:solidFill>
+                <a:highlight>
+                  <a:srgbClr val="1F1F1F"/>
+                </a:highlight>
+                <a:latin typeface="Courier New"/>
+                <a:ea typeface="Courier New"/>
+                <a:cs typeface="Courier New"/>
+                <a:sym typeface="Courier New"/>
+              </a:rPr>
+              <a:t>We</a:t>
+            </a:r>
+            <a:r>
+              <a:rPr lang="en" sz="1050">
+                <a:solidFill>
+                  <a:srgbClr val="CCCCCC"/>
+                </a:solidFill>
+                <a:highlight>
+                  <a:srgbClr val="1F1F1F"/>
+                </a:highlight>
+                <a:latin typeface="Courier New"/>
+                <a:ea typeface="Courier New"/>
+                <a:cs typeface="Courier New"/>
+                <a:sym typeface="Courier New"/>
+              </a:rPr>
+              <a:t> </a:t>
+            </a:r>
+            <a:r>
+              <a:rPr lang="en" sz="1050">
+                <a:solidFill>
+                  <a:srgbClr val="CE9178"/>
+                </a:solidFill>
+                <a:highlight>
+                  <a:srgbClr val="1F1F1F"/>
+                </a:highlight>
+                <a:latin typeface="Courier New"/>
+                <a:ea typeface="Courier New"/>
+                <a:cs typeface="Courier New"/>
+                <a:sym typeface="Courier New"/>
+              </a:rPr>
+              <a:t>got</a:t>
+            </a:r>
+            <a:r>
+              <a:rPr lang="en" sz="1050">
+                <a:solidFill>
+                  <a:srgbClr val="CCCCCC"/>
+                </a:solidFill>
+                <a:highlight>
+                  <a:srgbClr val="1F1F1F"/>
+                </a:highlight>
+                <a:latin typeface="Courier New"/>
+                <a:ea typeface="Courier New"/>
+                <a:cs typeface="Courier New"/>
+                <a:sym typeface="Courier New"/>
+              </a:rPr>
+              <a:t> </a:t>
+            </a:r>
+            <a:r>
+              <a:rPr lang="en" sz="1050">
+                <a:solidFill>
+                  <a:srgbClr val="CE9178"/>
+                </a:solidFill>
+                <a:highlight>
+                  <a:srgbClr val="1F1F1F"/>
+                </a:highlight>
+                <a:latin typeface="Courier New"/>
+                <a:ea typeface="Courier New"/>
+                <a:cs typeface="Courier New"/>
+                <a:sym typeface="Courier New"/>
+              </a:rPr>
+              <a:t>some</a:t>
+            </a:r>
+            <a:r>
+              <a:rPr lang="en" sz="1050">
+                <a:solidFill>
+                  <a:srgbClr val="CCCCCC"/>
+                </a:solidFill>
+                <a:highlight>
+                  <a:srgbClr val="1F1F1F"/>
+                </a:highlight>
+                <a:latin typeface="Courier New"/>
+                <a:ea typeface="Courier New"/>
+                <a:cs typeface="Courier New"/>
+                <a:sym typeface="Courier New"/>
+              </a:rPr>
+              <a:t> </a:t>
+            </a:r>
+            <a:r>
+              <a:rPr lang="en" sz="1050">
+                <a:solidFill>
+                  <a:srgbClr val="CE9178"/>
+                </a:solidFill>
+                <a:highlight>
+                  <a:srgbClr val="1F1F1F"/>
+                </a:highlight>
+                <a:latin typeface="Courier New"/>
+                <a:ea typeface="Courier New"/>
+                <a:cs typeface="Courier New"/>
+                <a:sym typeface="Courier New"/>
+              </a:rPr>
+              <a:t>arguments</a:t>
+            </a:r>
+            <a:r>
+              <a:rPr lang="en" sz="1050">
+                <a:solidFill>
+                  <a:srgbClr val="CCCCCC"/>
+                </a:solidFill>
+                <a:highlight>
+                  <a:srgbClr val="1F1F1F"/>
+                </a:highlight>
+                <a:latin typeface="Courier New"/>
+                <a:ea typeface="Courier New"/>
+                <a:cs typeface="Courier New"/>
+                <a:sym typeface="Courier New"/>
+              </a:rPr>
+              <a:t> </a:t>
+            </a:r>
+            <a:r>
+              <a:rPr lang="en" sz="1050">
+                <a:solidFill>
+                  <a:srgbClr val="9CDCFE"/>
+                </a:solidFill>
+                <a:highlight>
+                  <a:srgbClr val="1F1F1F"/>
+                </a:highlight>
+                <a:latin typeface="Courier New"/>
+                <a:ea typeface="Courier New"/>
+                <a:cs typeface="Courier New"/>
+                <a:sym typeface="Courier New"/>
+              </a:rPr>
+              <a:t>$1</a:t>
+            </a:r>
+            <a:r>
+              <a:rPr lang="en" sz="1050">
+                <a:solidFill>
+                  <a:srgbClr val="CCCCCC"/>
+                </a:solidFill>
+                <a:highlight>
+                  <a:srgbClr val="1F1F1F"/>
+                </a:highlight>
+                <a:latin typeface="Courier New"/>
+                <a:ea typeface="Courier New"/>
+                <a:cs typeface="Courier New"/>
+                <a:sym typeface="Courier New"/>
+              </a:rPr>
+              <a:t> </a:t>
+            </a:r>
+            <a:r>
+              <a:rPr lang="en" sz="1050">
+                <a:solidFill>
+                  <a:srgbClr val="9CDCFE"/>
+                </a:solidFill>
+                <a:highlight>
+                  <a:srgbClr val="1F1F1F"/>
+                </a:highlight>
+                <a:latin typeface="Courier New"/>
+                <a:ea typeface="Courier New"/>
+                <a:cs typeface="Courier New"/>
+                <a:sym typeface="Courier New"/>
+              </a:rPr>
+              <a:t>$2</a:t>
+            </a:r>
+            <a:r>
+              <a:rPr lang="en" sz="1050">
+                <a:solidFill>
+                  <a:srgbClr val="CCCCCC"/>
+                </a:solidFill>
+                <a:highlight>
+                  <a:srgbClr val="1F1F1F"/>
+                </a:highlight>
+                <a:latin typeface="Courier New"/>
+                <a:ea typeface="Courier New"/>
+                <a:cs typeface="Courier New"/>
+                <a:sym typeface="Courier New"/>
+              </a:rPr>
+              <a:t> </a:t>
+            </a:r>
+            <a:r>
+              <a:rPr lang="en" sz="1050">
+                <a:solidFill>
+                  <a:srgbClr val="9CDCFE"/>
+                </a:solidFill>
+                <a:highlight>
+                  <a:srgbClr val="1F1F1F"/>
+                </a:highlight>
+                <a:latin typeface="Courier New"/>
+                <a:ea typeface="Courier New"/>
+                <a:cs typeface="Courier New"/>
+                <a:sym typeface="Courier New"/>
+              </a:rPr>
+              <a:t>$3</a:t>
+            </a:r>
+            <a:endParaRPr sz="1050">
+              <a:solidFill>
+                <a:srgbClr val="9CDCFE"/>
+              </a:solidFill>
+              <a:highlight>
+                <a:srgbClr val="1F1F1F"/>
+              </a:highlight>
+              <a:latin typeface="Courier New"/>
+              <a:ea typeface="Courier New"/>
+              <a:cs typeface="Courier New"/>
+              <a:sym typeface="Courier New"/>
+            </a:endParaRPr>
+          </a:p>
+          <a:p>
+            <a:pPr indent="0" lvl="0" marL="0" rtl="0" algn="l">
+              <a:lnSpc>
+                <a:spcPct val="135714"/>
+              </a:lnSpc>
+              <a:spcBef>
+                <a:spcPts val="0"/>
+              </a:spcBef>
+              <a:spcAft>
+                <a:spcPts val="0"/>
+              </a:spcAft>
+              <a:buNone/>
+            </a:pPr>
+            <a:r>
+              <a:t/>
+            </a:r>
+            <a:endParaRPr sz="1050">
+              <a:solidFill>
+                <a:srgbClr val="CCCCCC"/>
+              </a:solidFill>
+              <a:highlight>
+                <a:srgbClr val="1F1F1F"/>
+              </a:highlight>
+              <a:latin typeface="Courier New"/>
+              <a:ea typeface="Courier New"/>
+              <a:cs typeface="Courier New"/>
+              <a:sym typeface="Courier New"/>
+            </a:endParaRPr>
+          </a:p>
+          <a:p>
+            <a:pPr indent="0" lvl="0" marL="0" rtl="0" algn="l">
+              <a:lnSpc>
+                <a:spcPct val="135714"/>
+              </a:lnSpc>
+              <a:spcBef>
+                <a:spcPts val="0"/>
+              </a:spcBef>
+              <a:spcAft>
+                <a:spcPts val="0"/>
+              </a:spcAft>
+              <a:buNone/>
+            </a:pPr>
+            <a:r>
+              <a:rPr lang="en" sz="1050">
+                <a:solidFill>
+                  <a:srgbClr val="6A9955"/>
+                </a:solidFill>
+                <a:highlight>
+                  <a:srgbClr val="1F1F1F"/>
+                </a:highlight>
+                <a:latin typeface="Courier New"/>
+                <a:ea typeface="Courier New"/>
+                <a:cs typeface="Courier New"/>
+                <a:sym typeface="Courier New"/>
+              </a:rPr>
+              <a:t># it can be helpful for debugging to get the node name</a:t>
+            </a:r>
+            <a:endParaRPr sz="1050">
+              <a:solidFill>
+                <a:srgbClr val="6A9955"/>
+              </a:solidFill>
+              <a:highlight>
+                <a:srgbClr val="1F1F1F"/>
+              </a:highlight>
+              <a:latin typeface="Courier New"/>
+              <a:ea typeface="Courier New"/>
+              <a:cs typeface="Courier New"/>
+              <a:sym typeface="Courier New"/>
+            </a:endParaRPr>
+          </a:p>
+          <a:p>
+            <a:pPr indent="0" lvl="0" marL="0" rtl="0" algn="l">
+              <a:lnSpc>
+                <a:spcPct val="135714"/>
+              </a:lnSpc>
+              <a:spcBef>
+                <a:spcPts val="0"/>
+              </a:spcBef>
+              <a:spcAft>
+                <a:spcPts val="0"/>
+              </a:spcAft>
+              <a:buNone/>
+            </a:pPr>
+            <a:r>
+              <a:rPr lang="en" sz="1050">
+                <a:solidFill>
+                  <a:srgbClr val="DCDCAA"/>
+                </a:solidFill>
+                <a:highlight>
+                  <a:srgbClr val="1F1F1F"/>
+                </a:highlight>
+                <a:latin typeface="Courier New"/>
+                <a:ea typeface="Courier New"/>
+                <a:cs typeface="Courier New"/>
+                <a:sym typeface="Courier New"/>
+              </a:rPr>
+              <a:t>echo</a:t>
+            </a:r>
+            <a:r>
+              <a:rPr lang="en" sz="1050">
+                <a:solidFill>
+                  <a:srgbClr val="CCCCCC"/>
+                </a:solidFill>
+                <a:highlight>
+                  <a:srgbClr val="1F1F1F"/>
+                </a:highlight>
+                <a:latin typeface="Courier New"/>
+                <a:ea typeface="Courier New"/>
+                <a:cs typeface="Courier New"/>
+                <a:sym typeface="Courier New"/>
+              </a:rPr>
+              <a:t> </a:t>
+            </a:r>
+            <a:r>
+              <a:rPr lang="en" sz="1050">
+                <a:solidFill>
+                  <a:srgbClr val="9CDCFE"/>
+                </a:solidFill>
+                <a:highlight>
+                  <a:srgbClr val="1F1F1F"/>
+                </a:highlight>
+                <a:latin typeface="Courier New"/>
+                <a:ea typeface="Courier New"/>
+                <a:cs typeface="Courier New"/>
+                <a:sym typeface="Courier New"/>
+              </a:rPr>
+              <a:t>$HOSTNAME</a:t>
+            </a:r>
+            <a:r>
+              <a:rPr lang="en" sz="1050">
+                <a:solidFill>
+                  <a:srgbClr val="CCCCCC"/>
+                </a:solidFill>
+                <a:highlight>
+                  <a:srgbClr val="1F1F1F"/>
+                </a:highlight>
+                <a:latin typeface="Courier New"/>
+                <a:ea typeface="Courier New"/>
+                <a:cs typeface="Courier New"/>
+                <a:sym typeface="Courier New"/>
+              </a:rPr>
+              <a:t> </a:t>
+            </a:r>
+            <a:r>
+              <a:rPr lang="en" sz="1050">
+                <a:solidFill>
+                  <a:srgbClr val="D4D4D4"/>
+                </a:solidFill>
+                <a:highlight>
+                  <a:srgbClr val="1F1F1F"/>
+                </a:highlight>
+                <a:latin typeface="Courier New"/>
+                <a:ea typeface="Courier New"/>
+                <a:cs typeface="Courier New"/>
+                <a:sym typeface="Courier New"/>
+              </a:rPr>
+              <a:t>&gt;&amp;2</a:t>
+            </a:r>
+            <a:endParaRPr sz="1050">
+              <a:solidFill>
+                <a:srgbClr val="D4D4D4"/>
+              </a:solidFill>
+              <a:highlight>
+                <a:srgbClr val="1F1F1F"/>
+              </a:highlight>
+              <a:latin typeface="Courier New"/>
+              <a:ea typeface="Courier New"/>
+              <a:cs typeface="Courier New"/>
+              <a:sym typeface="Courier New"/>
+            </a:endParaRPr>
+          </a:p>
+          <a:p>
+            <a:pPr indent="0" lvl="0" marL="0" rtl="0" algn="l">
+              <a:lnSpc>
+                <a:spcPct val="135714"/>
+              </a:lnSpc>
+              <a:spcBef>
+                <a:spcPts val="0"/>
+              </a:spcBef>
+              <a:spcAft>
+                <a:spcPts val="0"/>
+              </a:spcAft>
+              <a:buNone/>
+            </a:pPr>
+            <a:r>
+              <a:rPr lang="en" sz="1050">
+                <a:solidFill>
+                  <a:srgbClr val="6A9955"/>
+                </a:solidFill>
+                <a:highlight>
+                  <a:srgbClr val="1F1F1F"/>
+                </a:highlight>
+                <a:latin typeface="Courier New"/>
+                <a:ea typeface="Courier New"/>
+                <a:cs typeface="Courier New"/>
+                <a:sym typeface="Courier New"/>
+              </a:rPr>
+              <a:t># a delay at the end is also good practice</a:t>
+            </a:r>
+            <a:endParaRPr sz="1050">
+              <a:solidFill>
+                <a:srgbClr val="6A9955"/>
+              </a:solidFill>
+              <a:highlight>
+                <a:srgbClr val="1F1F1F"/>
+              </a:highlight>
+              <a:latin typeface="Courier New"/>
+              <a:ea typeface="Courier New"/>
+              <a:cs typeface="Courier New"/>
+              <a:sym typeface="Courier New"/>
+            </a:endParaRPr>
+          </a:p>
+          <a:p>
+            <a:pPr indent="0" lvl="0" marL="0" rtl="0" algn="l">
+              <a:lnSpc>
+                <a:spcPct val="135714"/>
+              </a:lnSpc>
+              <a:spcBef>
+                <a:spcPts val="0"/>
+              </a:spcBef>
+              <a:spcAft>
+                <a:spcPts val="0"/>
+              </a:spcAft>
+              <a:buNone/>
+            </a:pPr>
+            <a:r>
+              <a:rPr lang="en" sz="1050">
+                <a:solidFill>
+                  <a:srgbClr val="DCDCAA"/>
+                </a:solidFill>
+                <a:highlight>
+                  <a:srgbClr val="1F1F1F"/>
+                </a:highlight>
+                <a:latin typeface="Courier New"/>
+                <a:ea typeface="Courier New"/>
+                <a:cs typeface="Courier New"/>
+                <a:sym typeface="Courier New"/>
+              </a:rPr>
+              <a:t>sleep</a:t>
+            </a:r>
+            <a:r>
+              <a:rPr lang="en" sz="1050">
+                <a:solidFill>
+                  <a:srgbClr val="CCCCCC"/>
+                </a:solidFill>
+                <a:highlight>
+                  <a:srgbClr val="1F1F1F"/>
+                </a:highlight>
+                <a:latin typeface="Courier New"/>
+                <a:ea typeface="Courier New"/>
+                <a:cs typeface="Courier New"/>
+                <a:sym typeface="Courier New"/>
+              </a:rPr>
+              <a:t> </a:t>
+            </a:r>
+            <a:r>
+              <a:rPr lang="en" sz="1050">
+                <a:solidFill>
+                  <a:srgbClr val="B5CEA8"/>
+                </a:solidFill>
+                <a:highlight>
+                  <a:srgbClr val="1F1F1F"/>
+                </a:highlight>
+                <a:latin typeface="Courier New"/>
+                <a:ea typeface="Courier New"/>
+                <a:cs typeface="Courier New"/>
+                <a:sym typeface="Courier New"/>
+              </a:rPr>
+              <a:t>10</a:t>
+            </a:r>
+            <a:r>
+              <a:rPr lang="en" sz="1050">
+                <a:solidFill>
+                  <a:srgbClr val="CE9178"/>
+                </a:solidFill>
+                <a:highlight>
+                  <a:srgbClr val="1F1F1F"/>
+                </a:highlight>
+                <a:latin typeface="Courier New"/>
+                <a:ea typeface="Courier New"/>
+                <a:cs typeface="Courier New"/>
+                <a:sym typeface="Courier New"/>
+              </a:rPr>
+              <a:t>s</a:t>
             </a:r>
             <a:endParaRPr/>
           </a:p>
@@ -39024,7 +40647,7 @@
   <p:cSld>
     <p:spTree>
       <p:nvGrpSpPr>
-        <p:cNvPr id="399" name="Shape 399"/>
+        <p:cNvPr id="401" name="Shape 401"/>
         <p:cNvGrpSpPr/>
         <p:nvPr/>
       </p:nvGrpSpPr>
@@ -39038,7 +40661,4892 @@
       </p:grpSpPr>
       <p:sp>
         <p:nvSpPr>
-          <p:cNvPr id="400" name="Google Shape;400;p66"/>
+          <p:cNvPr id="402" name="Google Shape;402;p66"/>
+          <p:cNvSpPr txBox="1"/>
+          <p:nvPr>
+            <p:ph type="title"/>
+          </p:nvPr>
+        </p:nvSpPr>
+        <p:spPr>
+          <a:xfrm>
+            <a:off x="311700" y="0"/>
+            <a:ext cx="8520600" cy="572700"/>
+          </a:xfrm>
+          <a:prstGeom prst="rect">
+            <a:avLst/>
+          </a:prstGeom>
+        </p:spPr>
+        <p:txBody>
+          <a:bodyPr anchorCtr="0" anchor="t" bIns="91425" lIns="91425" spcFirstLastPara="1" rIns="91425" wrap="square" tIns="91425">
+            <a:normAutofit fontScale="90000"/>
+          </a:bodyPr>
+          <a:lstStyle/>
+          <a:p>
+            <a:pPr indent="0" lvl="0" marL="0" rtl="0" algn="l">
+              <a:spcBef>
+                <a:spcPts val="0"/>
+              </a:spcBef>
+              <a:spcAft>
+                <a:spcPts val="0"/>
+              </a:spcAft>
+              <a:buNone/>
+            </a:pPr>
+            <a:r>
+              <a:rPr lang="en"/>
+              <a:t>Building and Using Singularity Images</a:t>
+            </a:r>
+            <a:endParaRPr/>
+          </a:p>
+        </p:txBody>
+      </p:sp>
+      <p:sp>
+        <p:nvSpPr>
+          <p:cNvPr id="403" name="Google Shape;403;p66"/>
+          <p:cNvSpPr txBox="1"/>
+          <p:nvPr>
+            <p:ph idx="1" type="body"/>
+          </p:nvPr>
+        </p:nvSpPr>
+        <p:spPr>
+          <a:xfrm>
+            <a:off x="311700" y="572700"/>
+            <a:ext cx="8520600" cy="3416400"/>
+          </a:xfrm>
+          <a:prstGeom prst="rect">
+            <a:avLst/>
+          </a:prstGeom>
+        </p:spPr>
+        <p:txBody>
+          <a:bodyPr anchorCtr="0" anchor="t" bIns="91425" lIns="91425" spcFirstLastPara="1" rIns="91425" wrap="square" tIns="91425">
+            <a:normAutofit/>
+          </a:bodyPr>
+          <a:lstStyle/>
+          <a:p>
+            <a:pPr indent="-342900" lvl="0" marL="457200" rtl="0" algn="l">
+              <a:spcBef>
+                <a:spcPts val="0"/>
+              </a:spcBef>
+              <a:spcAft>
+                <a:spcPts val="0"/>
+              </a:spcAft>
+              <a:buSzPts val="1800"/>
+              <a:buChar char="●"/>
+            </a:pPr>
+            <a:r>
+              <a:rPr lang="en"/>
+              <a:t>You can build singularity images using the docker client (restricted access)</a:t>
+            </a:r>
+            <a:endParaRPr/>
+          </a:p>
+          <a:p>
+            <a:pPr indent="-317500" lvl="1" marL="914400" rtl="0" algn="l">
+              <a:spcBef>
+                <a:spcPts val="0"/>
+              </a:spcBef>
+              <a:spcAft>
+                <a:spcPts val="0"/>
+              </a:spcAft>
+              <a:buSzPts val="1400"/>
+              <a:buChar char="○"/>
+            </a:pPr>
+            <a:r>
+              <a:rPr lang="en"/>
+              <a:t>Or you can build directly from remote docker repositories!</a:t>
+            </a:r>
+            <a:endParaRPr/>
+          </a:p>
+          <a:p>
+            <a:pPr indent="-317500" lvl="1" marL="914400" rtl="0" algn="l">
+              <a:spcBef>
+                <a:spcPts val="0"/>
+              </a:spcBef>
+              <a:spcAft>
+                <a:spcPts val="0"/>
+              </a:spcAft>
+              <a:buSzPts val="1400"/>
+              <a:buChar char="○"/>
+            </a:pPr>
+            <a:r>
+              <a:rPr lang="en"/>
+              <a:t>Example from </a:t>
+            </a:r>
+            <a:r>
+              <a:rPr lang="en" u="sng">
+                <a:solidFill>
+                  <a:schemeClr val="hlink"/>
+                </a:solidFill>
+                <a:hlinkClick r:id="rId3"/>
+              </a:rPr>
+              <a:t>here</a:t>
+            </a:r>
+            <a:endParaRPr/>
+          </a:p>
+          <a:p>
+            <a:pPr indent="-342900" lvl="0" marL="457200" rtl="0" algn="l">
+              <a:spcBef>
+                <a:spcPts val="0"/>
+              </a:spcBef>
+              <a:spcAft>
+                <a:spcPts val="0"/>
+              </a:spcAft>
+              <a:buClr>
+                <a:schemeClr val="accent5"/>
+              </a:buClr>
+              <a:buSzPts val="1800"/>
+              <a:buChar char="●"/>
+            </a:pPr>
+            <a:r>
+              <a:rPr lang="en">
+                <a:solidFill>
+                  <a:schemeClr val="accent5"/>
+                </a:solidFill>
+                <a:highlight>
+                  <a:srgbClr val="000000"/>
+                </a:highlight>
+              </a:rPr>
+              <a:t>$ module load singularity</a:t>
+            </a:r>
+            <a:endParaRPr>
+              <a:solidFill>
+                <a:schemeClr val="accent5"/>
+              </a:solidFill>
+              <a:highlight>
+                <a:srgbClr val="000000"/>
+              </a:highlight>
+            </a:endParaRPr>
+          </a:p>
+          <a:p>
+            <a:pPr indent="-342900" lvl="0" marL="457200" rtl="0" algn="l">
+              <a:spcBef>
+                <a:spcPts val="0"/>
+              </a:spcBef>
+              <a:spcAft>
+                <a:spcPts val="0"/>
+              </a:spcAft>
+              <a:buClr>
+                <a:schemeClr val="accent5"/>
+              </a:buClr>
+              <a:buSzPts val="1800"/>
+              <a:buChar char="●"/>
+            </a:pPr>
+            <a:r>
+              <a:rPr lang="en">
+                <a:solidFill>
+                  <a:schemeClr val="accent5"/>
+                </a:solidFill>
+                <a:highlight>
+                  <a:srgbClr val="000000"/>
+                </a:highlight>
+              </a:rPr>
+              <a:t>$ </a:t>
+            </a:r>
+            <a:r>
+              <a:rPr lang="en">
+                <a:solidFill>
+                  <a:schemeClr val="accent5"/>
+                </a:solidFill>
+                <a:highlight>
+                  <a:srgbClr val="000000"/>
+                </a:highlight>
+              </a:rPr>
+              <a:t>singularity build fmriprep-&lt;version&gt;.simg docker://poldracklab/fmriprep:&lt;version&gt;</a:t>
+            </a:r>
+            <a:endParaRPr>
+              <a:solidFill>
+                <a:schemeClr val="accent5"/>
+              </a:solidFill>
+              <a:highlight>
+                <a:srgbClr val="000000"/>
+              </a:highlight>
+            </a:endParaRPr>
+          </a:p>
+          <a:p>
+            <a:pPr indent="-342900" lvl="0" marL="457200" rtl="0" algn="l">
+              <a:spcBef>
+                <a:spcPts val="0"/>
+              </a:spcBef>
+              <a:spcAft>
+                <a:spcPts val="0"/>
+              </a:spcAft>
+              <a:buClr>
+                <a:schemeClr val="accent5"/>
+              </a:buClr>
+              <a:buSzPts val="1800"/>
+              <a:buChar char="●"/>
+            </a:pPr>
+            <a:r>
+              <a:rPr lang="en">
+                <a:solidFill>
+                  <a:schemeClr val="accent5"/>
+                </a:solidFill>
+                <a:highlight>
+                  <a:srgbClr val="000000"/>
+                </a:highlight>
+              </a:rPr>
+              <a:t>$ singularity run --cleanenv fmriprep.simg \</a:t>
+            </a:r>
+            <a:br>
+              <a:rPr lang="en">
+                <a:solidFill>
+                  <a:schemeClr val="accent5"/>
+                </a:solidFill>
+                <a:highlight>
+                  <a:srgbClr val="000000"/>
+                </a:highlight>
+              </a:rPr>
+            </a:br>
+            <a:r>
+              <a:rPr lang="en">
+                <a:solidFill>
+                  <a:schemeClr val="accent5"/>
+                </a:solidFill>
+                <a:highlight>
+                  <a:srgbClr val="000000"/>
+                </a:highlight>
+              </a:rPr>
+              <a:t>path/to/data/dir path/to/output/dir \</a:t>
+            </a:r>
+            <a:br>
+              <a:rPr lang="en">
+                <a:solidFill>
+                  <a:schemeClr val="accent5"/>
+                </a:solidFill>
+                <a:highlight>
+                  <a:srgbClr val="000000"/>
+                </a:highlight>
+              </a:rPr>
+            </a:br>
+            <a:r>
+              <a:rPr lang="en">
+                <a:solidFill>
+                  <a:schemeClr val="accent5"/>
+                </a:solidFill>
+                <a:highlight>
+                  <a:srgbClr val="000000"/>
+                </a:highlight>
+              </a:rPr>
+              <a:t>participant \</a:t>
+            </a:r>
+            <a:br>
+              <a:rPr lang="en">
+                <a:solidFill>
+                  <a:schemeClr val="accent5"/>
+                </a:solidFill>
+                <a:highlight>
+                  <a:srgbClr val="000000"/>
+                </a:highlight>
+              </a:rPr>
+            </a:br>
+            <a:r>
+              <a:rPr lang="en">
+                <a:solidFill>
+                  <a:schemeClr val="accent5"/>
+                </a:solidFill>
+                <a:highlight>
+                  <a:srgbClr val="000000"/>
+                </a:highlight>
+              </a:rPr>
+              <a:t>--participant-label label</a:t>
+            </a:r>
+            <a:endParaRPr/>
+          </a:p>
+        </p:txBody>
+      </p:sp>
+    </p:spTree>
+  </p:cSld>
+  <p:clrMapOvr>
+    <a:masterClrMapping/>
+  </p:clrMapOvr>
+</p:sld>
+</file>
+
+<file path=ppt/slides/slide55.xml><?xml version="1.0" encoding="utf-8"?>
+<p:sld xmlns:a="http://schemas.openxmlformats.org/drawingml/2006/main" xmlns:r="http://schemas.openxmlformats.org/officeDocument/2006/relationships" xmlns:mc="http://schemas.openxmlformats.org/markup-compatibility/2006" xmlns:mv="urn:schemas-microsoft-com:mac:vml" xmlns:p="http://schemas.openxmlformats.org/presentationml/2006/main" xmlns:c="http://schemas.openxmlformats.org/drawingml/2006/chart" xmlns:dgm="http://schemas.openxmlformats.org/drawingml/2006/diagram" xmlns:o="urn:schemas-microsoft-com:office:office" xmlns:v="urn:schemas-microsoft-com:vml" xmlns:pvml="urn:schemas-microsoft-com:office:powerpoint" xmlns:com="http://schemas.openxmlformats.org/drawingml/2006/compatibility" xmlns:p14="http://schemas.microsoft.com/office/powerpoint/2010/main" xmlns:p15="http://schemas.microsoft.com/office/powerpoint/2012/main" xmlns:ahyp="http://schemas.microsoft.com/office/drawing/2018/hyperlinkcolor">
+  <p:cSld>
+    <p:spTree>
+      <p:nvGrpSpPr>
+        <p:cNvPr id="407" name="Shape 407"/>
+        <p:cNvGrpSpPr/>
+        <p:nvPr/>
+      </p:nvGrpSpPr>
+      <p:grpSpPr>
+        <a:xfrm>
+          <a:off x="0" y="0"/>
+          <a:ext cx="0" cy="0"/>
+          <a:chOff x="0" y="0"/>
+          <a:chExt cx="0" cy="0"/>
+        </a:xfrm>
+      </p:grpSpPr>
+      <p:sp>
+        <p:nvSpPr>
+          <p:cNvPr id="408" name="Google Shape;408;p67"/>
+          <p:cNvSpPr txBox="1"/>
+          <p:nvPr>
+            <p:ph type="title"/>
+          </p:nvPr>
+        </p:nvSpPr>
+        <p:spPr>
+          <a:xfrm>
+            <a:off x="311700" y="0"/>
+            <a:ext cx="8520600" cy="572700"/>
+          </a:xfrm>
+          <a:prstGeom prst="rect">
+            <a:avLst/>
+          </a:prstGeom>
+        </p:spPr>
+        <p:txBody>
+          <a:bodyPr anchorCtr="0" anchor="t" bIns="91425" lIns="91425" spcFirstLastPara="1" rIns="91425" wrap="square" tIns="91425">
+            <a:normAutofit fontScale="90000"/>
+          </a:bodyPr>
+          <a:lstStyle/>
+          <a:p>
+            <a:pPr indent="0" lvl="0" marL="0" rtl="0" algn="l">
+              <a:spcBef>
+                <a:spcPts val="0"/>
+              </a:spcBef>
+              <a:spcAft>
+                <a:spcPts val="0"/>
+              </a:spcAft>
+              <a:buNone/>
+            </a:pPr>
+            <a:r>
+              <a:rPr lang="en"/>
+              <a:t>Jupyter Notebooks without Hemera</a:t>
+            </a:r>
+            <a:endParaRPr/>
+          </a:p>
+        </p:txBody>
+      </p:sp>
+      <p:sp>
+        <p:nvSpPr>
+          <p:cNvPr id="409" name="Google Shape;409;p67"/>
+          <p:cNvSpPr txBox="1"/>
+          <p:nvPr>
+            <p:ph idx="1" type="body"/>
+          </p:nvPr>
+        </p:nvSpPr>
+        <p:spPr>
+          <a:xfrm>
+            <a:off x="311700" y="572700"/>
+            <a:ext cx="4260300" cy="3416400"/>
+          </a:xfrm>
+          <a:prstGeom prst="rect">
+            <a:avLst/>
+          </a:prstGeom>
+        </p:spPr>
+        <p:txBody>
+          <a:bodyPr anchorCtr="0" anchor="t" bIns="91425" lIns="91425" spcFirstLastPara="1" rIns="91425" wrap="square" tIns="91425">
+            <a:normAutofit/>
+          </a:bodyPr>
+          <a:lstStyle/>
+          <a:p>
+            <a:pPr indent="-342900" lvl="0" marL="457200" rtl="0" algn="l">
+              <a:spcBef>
+                <a:spcPts val="0"/>
+              </a:spcBef>
+              <a:spcAft>
+                <a:spcPts val="0"/>
+              </a:spcAft>
+              <a:buSzPts val="1800"/>
+              <a:buChar char="●"/>
+            </a:pPr>
+            <a:r>
+              <a:rPr lang="en"/>
+              <a:t>Step 1: </a:t>
+            </a:r>
+            <a:r>
+              <a:rPr lang="en"/>
+              <a:t>Create</a:t>
+            </a:r>
+            <a:r>
+              <a:rPr lang="en"/>
+              <a:t> a slurm script to host the jupyter server</a:t>
+            </a:r>
+            <a:endParaRPr/>
+          </a:p>
+          <a:p>
+            <a:pPr indent="-342900" lvl="0" marL="457200" rtl="0" algn="l">
+              <a:spcBef>
+                <a:spcPts val="0"/>
+              </a:spcBef>
+              <a:spcAft>
+                <a:spcPts val="0"/>
+              </a:spcAft>
+              <a:buSzPts val="1800"/>
+              <a:buChar char="●"/>
+            </a:pPr>
+            <a:r>
+              <a:rPr lang="en"/>
+              <a:t>Step 2: Submit the job and recover the node address</a:t>
+            </a:r>
+            <a:endParaRPr/>
+          </a:p>
+          <a:p>
+            <a:pPr indent="-342900" lvl="0" marL="457200" rtl="0" algn="l">
+              <a:spcBef>
+                <a:spcPts val="0"/>
+              </a:spcBef>
+              <a:spcAft>
+                <a:spcPts val="0"/>
+              </a:spcAft>
+              <a:buSzPts val="1800"/>
+              <a:buChar char="●"/>
+            </a:pPr>
+            <a:r>
+              <a:rPr lang="en"/>
+              <a:t>Step 3: Run SSH tunnel to the node and use the port</a:t>
+            </a:r>
+            <a:endParaRPr/>
+          </a:p>
+          <a:p>
+            <a:pPr indent="-342900" lvl="0" marL="457200" rtl="0" algn="l">
+              <a:spcBef>
+                <a:spcPts val="0"/>
+              </a:spcBef>
+              <a:spcAft>
+                <a:spcPts val="0"/>
+              </a:spcAft>
+              <a:buSzPts val="1800"/>
+              <a:buChar char="●"/>
+            </a:pPr>
+            <a:r>
+              <a:rPr lang="en"/>
+              <a:t>Navigate to http://localhost:&lt;port&gt;</a:t>
+            </a:r>
+            <a:endParaRPr/>
+          </a:p>
+        </p:txBody>
+      </p:sp>
+      <p:sp>
+        <p:nvSpPr>
+          <p:cNvPr id="410" name="Google Shape;410;p67"/>
+          <p:cNvSpPr txBox="1"/>
+          <p:nvPr>
+            <p:ph idx="1" type="body"/>
+          </p:nvPr>
+        </p:nvSpPr>
+        <p:spPr>
+          <a:xfrm>
+            <a:off x="4714000" y="715500"/>
+            <a:ext cx="4260300" cy="4245900"/>
+          </a:xfrm>
+          <a:prstGeom prst="rect">
+            <a:avLst/>
+          </a:prstGeom>
+        </p:spPr>
+        <p:txBody>
+          <a:bodyPr anchorCtr="0" anchor="t" bIns="91425" lIns="91425" spcFirstLastPara="1" rIns="91425" wrap="square" tIns="91425">
+            <a:normAutofit/>
+          </a:bodyPr>
+          <a:lstStyle/>
+          <a:p>
+            <a:pPr indent="0" lvl="0" marL="0" rtl="0" algn="l">
+              <a:lnSpc>
+                <a:spcPct val="135714"/>
+              </a:lnSpc>
+              <a:spcBef>
+                <a:spcPts val="0"/>
+              </a:spcBef>
+              <a:spcAft>
+                <a:spcPts val="0"/>
+              </a:spcAft>
+              <a:buNone/>
+            </a:pPr>
+            <a:r>
+              <a:rPr lang="en" sz="1050">
+                <a:solidFill>
+                  <a:srgbClr val="6A9955"/>
+                </a:solidFill>
+                <a:highlight>
+                  <a:srgbClr val="1F1F1F"/>
+                </a:highlight>
+                <a:latin typeface="Courier New"/>
+                <a:ea typeface="Courier New"/>
+                <a:cs typeface="Courier New"/>
+                <a:sym typeface="Courier New"/>
+              </a:rPr>
+              <a:t>#!/bin/bash</a:t>
+            </a:r>
+            <a:endParaRPr sz="1050">
+              <a:solidFill>
+                <a:srgbClr val="6A9955"/>
+              </a:solidFill>
+              <a:highlight>
+                <a:srgbClr val="1F1F1F"/>
+              </a:highlight>
+              <a:latin typeface="Courier New"/>
+              <a:ea typeface="Courier New"/>
+              <a:cs typeface="Courier New"/>
+              <a:sym typeface="Courier New"/>
+            </a:endParaRPr>
+          </a:p>
+          <a:p>
+            <a:pPr indent="0" lvl="0" marL="0" rtl="0" algn="l">
+              <a:lnSpc>
+                <a:spcPct val="135714"/>
+              </a:lnSpc>
+              <a:spcBef>
+                <a:spcPts val="0"/>
+              </a:spcBef>
+              <a:spcAft>
+                <a:spcPts val="0"/>
+              </a:spcAft>
+              <a:buNone/>
+            </a:pPr>
+            <a:r>
+              <a:rPr lang="en" sz="1050">
+                <a:solidFill>
+                  <a:srgbClr val="6A9955"/>
+                </a:solidFill>
+                <a:highlight>
+                  <a:srgbClr val="1F1F1F"/>
+                </a:highlight>
+                <a:latin typeface="Courier New"/>
+                <a:ea typeface="Courier New"/>
+                <a:cs typeface="Courier New"/>
+                <a:sym typeface="Courier New"/>
+              </a:rPr>
+              <a:t>#SBATCH -N 1</a:t>
+            </a:r>
+            <a:endParaRPr sz="1050">
+              <a:solidFill>
+                <a:srgbClr val="6A9955"/>
+              </a:solidFill>
+              <a:highlight>
+                <a:srgbClr val="1F1F1F"/>
+              </a:highlight>
+              <a:latin typeface="Courier New"/>
+              <a:ea typeface="Courier New"/>
+              <a:cs typeface="Courier New"/>
+              <a:sym typeface="Courier New"/>
+            </a:endParaRPr>
+          </a:p>
+          <a:p>
+            <a:pPr indent="0" lvl="0" marL="0" rtl="0" algn="l">
+              <a:lnSpc>
+                <a:spcPct val="135714"/>
+              </a:lnSpc>
+              <a:spcBef>
+                <a:spcPts val="0"/>
+              </a:spcBef>
+              <a:spcAft>
+                <a:spcPts val="0"/>
+              </a:spcAft>
+              <a:buNone/>
+            </a:pPr>
+            <a:r>
+              <a:rPr lang="en" sz="1050">
+                <a:solidFill>
+                  <a:srgbClr val="6A9955"/>
+                </a:solidFill>
+                <a:highlight>
+                  <a:srgbClr val="1F1F1F"/>
+                </a:highlight>
+                <a:latin typeface="Courier New"/>
+                <a:ea typeface="Courier New"/>
+                <a:cs typeface="Courier New"/>
+                <a:sym typeface="Courier New"/>
+              </a:rPr>
+              <a:t>#SBATCH -n 1</a:t>
+            </a:r>
+            <a:endParaRPr sz="1050">
+              <a:solidFill>
+                <a:srgbClr val="6A9955"/>
+              </a:solidFill>
+              <a:highlight>
+                <a:srgbClr val="1F1F1F"/>
+              </a:highlight>
+              <a:latin typeface="Courier New"/>
+              <a:ea typeface="Courier New"/>
+              <a:cs typeface="Courier New"/>
+              <a:sym typeface="Courier New"/>
+            </a:endParaRPr>
+          </a:p>
+          <a:p>
+            <a:pPr indent="0" lvl="0" marL="0" rtl="0" algn="l">
+              <a:lnSpc>
+                <a:spcPct val="135714"/>
+              </a:lnSpc>
+              <a:spcBef>
+                <a:spcPts val="0"/>
+              </a:spcBef>
+              <a:spcAft>
+                <a:spcPts val="0"/>
+              </a:spcAft>
+              <a:buNone/>
+            </a:pPr>
+            <a:r>
+              <a:rPr lang="en" sz="1050">
+                <a:solidFill>
+                  <a:srgbClr val="6A9955"/>
+                </a:solidFill>
+                <a:highlight>
+                  <a:srgbClr val="1F1F1F"/>
+                </a:highlight>
+                <a:latin typeface="Courier New"/>
+                <a:ea typeface="Courier New"/>
+                <a:cs typeface="Courier New"/>
+                <a:sym typeface="Courier New"/>
+              </a:rPr>
+              <a:t>#SBATCH -c 1</a:t>
+            </a:r>
+            <a:endParaRPr sz="1050">
+              <a:solidFill>
+                <a:srgbClr val="6A9955"/>
+              </a:solidFill>
+              <a:highlight>
+                <a:srgbClr val="1F1F1F"/>
+              </a:highlight>
+              <a:latin typeface="Courier New"/>
+              <a:ea typeface="Courier New"/>
+              <a:cs typeface="Courier New"/>
+              <a:sym typeface="Courier New"/>
+            </a:endParaRPr>
+          </a:p>
+          <a:p>
+            <a:pPr indent="0" lvl="0" marL="0" rtl="0" algn="l">
+              <a:lnSpc>
+                <a:spcPct val="135714"/>
+              </a:lnSpc>
+              <a:spcBef>
+                <a:spcPts val="0"/>
+              </a:spcBef>
+              <a:spcAft>
+                <a:spcPts val="0"/>
+              </a:spcAft>
+              <a:buNone/>
+            </a:pPr>
+            <a:r>
+              <a:rPr lang="en" sz="1050">
+                <a:solidFill>
+                  <a:srgbClr val="6A9955"/>
+                </a:solidFill>
+                <a:highlight>
+                  <a:srgbClr val="1F1F1F"/>
+                </a:highlight>
+                <a:latin typeface="Courier New"/>
+                <a:ea typeface="Courier New"/>
+                <a:cs typeface="Courier New"/>
+                <a:sym typeface="Courier New"/>
+              </a:rPr>
+              <a:t>#SBATCH --mem=10g</a:t>
+            </a:r>
+            <a:endParaRPr sz="1050">
+              <a:solidFill>
+                <a:srgbClr val="6A9955"/>
+              </a:solidFill>
+              <a:highlight>
+                <a:srgbClr val="1F1F1F"/>
+              </a:highlight>
+              <a:latin typeface="Courier New"/>
+              <a:ea typeface="Courier New"/>
+              <a:cs typeface="Courier New"/>
+              <a:sym typeface="Courier New"/>
+            </a:endParaRPr>
+          </a:p>
+          <a:p>
+            <a:pPr indent="0" lvl="0" marL="0" rtl="0" algn="l">
+              <a:lnSpc>
+                <a:spcPct val="135714"/>
+              </a:lnSpc>
+              <a:spcBef>
+                <a:spcPts val="0"/>
+              </a:spcBef>
+              <a:spcAft>
+                <a:spcPts val="0"/>
+              </a:spcAft>
+              <a:buNone/>
+            </a:pPr>
+            <a:r>
+              <a:rPr lang="en" sz="1050">
+                <a:solidFill>
+                  <a:srgbClr val="6A9955"/>
+                </a:solidFill>
+                <a:highlight>
+                  <a:srgbClr val="1F1F1F"/>
+                </a:highlight>
+                <a:latin typeface="Courier New"/>
+                <a:ea typeface="Courier New"/>
+                <a:cs typeface="Courier New"/>
+                <a:sym typeface="Courier New"/>
+              </a:rPr>
+              <a:t>#SBATCH -p qTRD</a:t>
+            </a:r>
+            <a:endParaRPr sz="1050">
+              <a:solidFill>
+                <a:srgbClr val="6A9955"/>
+              </a:solidFill>
+              <a:highlight>
+                <a:srgbClr val="1F1F1F"/>
+              </a:highlight>
+              <a:latin typeface="Courier New"/>
+              <a:ea typeface="Courier New"/>
+              <a:cs typeface="Courier New"/>
+              <a:sym typeface="Courier New"/>
+            </a:endParaRPr>
+          </a:p>
+          <a:p>
+            <a:pPr indent="0" lvl="0" marL="0" rtl="0" algn="l">
+              <a:lnSpc>
+                <a:spcPct val="135714"/>
+              </a:lnSpc>
+              <a:spcBef>
+                <a:spcPts val="0"/>
+              </a:spcBef>
+              <a:spcAft>
+                <a:spcPts val="0"/>
+              </a:spcAft>
+              <a:buNone/>
+            </a:pPr>
+            <a:r>
+              <a:rPr lang="en" sz="1050">
+                <a:solidFill>
+                  <a:srgbClr val="6A9955"/>
+                </a:solidFill>
+                <a:highlight>
+                  <a:srgbClr val="1F1F1F"/>
+                </a:highlight>
+                <a:latin typeface="Courier New"/>
+                <a:ea typeface="Courier New"/>
+                <a:cs typeface="Courier New"/>
+                <a:sym typeface="Courier New"/>
+              </a:rPr>
+              <a:t>#SBATCH -t 1440</a:t>
+            </a:r>
+            <a:endParaRPr sz="1050">
+              <a:solidFill>
+                <a:srgbClr val="6A9955"/>
+              </a:solidFill>
+              <a:highlight>
+                <a:srgbClr val="1F1F1F"/>
+              </a:highlight>
+              <a:latin typeface="Courier New"/>
+              <a:ea typeface="Courier New"/>
+              <a:cs typeface="Courier New"/>
+              <a:sym typeface="Courier New"/>
+            </a:endParaRPr>
+          </a:p>
+          <a:p>
+            <a:pPr indent="0" lvl="0" marL="0" rtl="0" algn="l">
+              <a:lnSpc>
+                <a:spcPct val="135714"/>
+              </a:lnSpc>
+              <a:spcBef>
+                <a:spcPts val="0"/>
+              </a:spcBef>
+              <a:spcAft>
+                <a:spcPts val="0"/>
+              </a:spcAft>
+              <a:buNone/>
+            </a:pPr>
+            <a:r>
+              <a:rPr lang="en" sz="1050">
+                <a:solidFill>
+                  <a:srgbClr val="6A9955"/>
+                </a:solidFill>
+                <a:highlight>
+                  <a:srgbClr val="1F1F1F"/>
+                </a:highlight>
+                <a:latin typeface="Courier New"/>
+                <a:ea typeface="Courier New"/>
+                <a:cs typeface="Courier New"/>
+                <a:sym typeface="Courier New"/>
+              </a:rPr>
+              <a:t>#SBATCH -J jupyter</a:t>
+            </a:r>
+            <a:endParaRPr sz="1050">
+              <a:solidFill>
+                <a:srgbClr val="6A9955"/>
+              </a:solidFill>
+              <a:highlight>
+                <a:srgbClr val="1F1F1F"/>
+              </a:highlight>
+              <a:latin typeface="Courier New"/>
+              <a:ea typeface="Courier New"/>
+              <a:cs typeface="Courier New"/>
+              <a:sym typeface="Courier New"/>
+            </a:endParaRPr>
+          </a:p>
+          <a:p>
+            <a:pPr indent="0" lvl="0" marL="0" rtl="0" algn="l">
+              <a:lnSpc>
+                <a:spcPct val="135714"/>
+              </a:lnSpc>
+              <a:spcBef>
+                <a:spcPts val="0"/>
+              </a:spcBef>
+              <a:spcAft>
+                <a:spcPts val="0"/>
+              </a:spcAft>
+              <a:buNone/>
+            </a:pPr>
+            <a:r>
+              <a:rPr lang="en" sz="1050">
+                <a:solidFill>
+                  <a:srgbClr val="6A9955"/>
+                </a:solidFill>
+                <a:highlight>
+                  <a:srgbClr val="1F1F1F"/>
+                </a:highlight>
+                <a:latin typeface="Courier New"/>
+                <a:ea typeface="Courier New"/>
+                <a:cs typeface="Courier New"/>
+                <a:sym typeface="Courier New"/>
+              </a:rPr>
+              <a:t>#SBATCH --output=jupyter-%j.out</a:t>
+            </a:r>
+            <a:endParaRPr sz="1050">
+              <a:solidFill>
+                <a:srgbClr val="6A9955"/>
+              </a:solidFill>
+              <a:highlight>
+                <a:srgbClr val="1F1F1F"/>
+              </a:highlight>
+              <a:latin typeface="Courier New"/>
+              <a:ea typeface="Courier New"/>
+              <a:cs typeface="Courier New"/>
+              <a:sym typeface="Courier New"/>
+            </a:endParaRPr>
+          </a:p>
+          <a:p>
+            <a:pPr indent="0" lvl="0" marL="0" rtl="0" algn="l">
+              <a:lnSpc>
+                <a:spcPct val="135714"/>
+              </a:lnSpc>
+              <a:spcBef>
+                <a:spcPts val="0"/>
+              </a:spcBef>
+              <a:spcAft>
+                <a:spcPts val="0"/>
+              </a:spcAft>
+              <a:buNone/>
+            </a:pPr>
+            <a:r>
+              <a:rPr lang="en" sz="1050">
+                <a:solidFill>
+                  <a:srgbClr val="6A9955"/>
+                </a:solidFill>
+                <a:highlight>
+                  <a:srgbClr val="1F1F1F"/>
+                </a:highlight>
+                <a:latin typeface="Courier New"/>
+                <a:ea typeface="Courier New"/>
+                <a:cs typeface="Courier New"/>
+                <a:sym typeface="Courier New"/>
+              </a:rPr>
+              <a:t>#SBATCH -A &lt;slurm_account_code&gt;</a:t>
+            </a:r>
+            <a:endParaRPr sz="1050">
+              <a:solidFill>
+                <a:srgbClr val="6A9955"/>
+              </a:solidFill>
+              <a:highlight>
+                <a:srgbClr val="1F1F1F"/>
+              </a:highlight>
+              <a:latin typeface="Courier New"/>
+              <a:ea typeface="Courier New"/>
+              <a:cs typeface="Courier New"/>
+              <a:sym typeface="Courier New"/>
+            </a:endParaRPr>
+          </a:p>
+          <a:p>
+            <a:pPr indent="0" lvl="0" marL="0" rtl="0" algn="l">
+              <a:lnSpc>
+                <a:spcPct val="135714"/>
+              </a:lnSpc>
+              <a:spcBef>
+                <a:spcPts val="0"/>
+              </a:spcBef>
+              <a:spcAft>
+                <a:spcPts val="0"/>
+              </a:spcAft>
+              <a:buNone/>
+            </a:pPr>
+            <a:r>
+              <a:rPr lang="en" sz="1050">
+                <a:solidFill>
+                  <a:srgbClr val="6A9955"/>
+                </a:solidFill>
+                <a:highlight>
+                  <a:srgbClr val="1F1F1F"/>
+                </a:highlight>
+                <a:latin typeface="Courier New"/>
+                <a:ea typeface="Courier New"/>
+                <a:cs typeface="Courier New"/>
+                <a:sym typeface="Courier New"/>
+              </a:rPr>
+              <a:t>#SBATCH --mail-type=ALL</a:t>
+            </a:r>
+            <a:endParaRPr sz="1050">
+              <a:solidFill>
+                <a:srgbClr val="6A9955"/>
+              </a:solidFill>
+              <a:highlight>
+                <a:srgbClr val="1F1F1F"/>
+              </a:highlight>
+              <a:latin typeface="Courier New"/>
+              <a:ea typeface="Courier New"/>
+              <a:cs typeface="Courier New"/>
+              <a:sym typeface="Courier New"/>
+            </a:endParaRPr>
+          </a:p>
+          <a:p>
+            <a:pPr indent="0" lvl="0" marL="0" rtl="0" algn="l">
+              <a:lnSpc>
+                <a:spcPct val="135714"/>
+              </a:lnSpc>
+              <a:spcBef>
+                <a:spcPts val="0"/>
+              </a:spcBef>
+              <a:spcAft>
+                <a:spcPts val="0"/>
+              </a:spcAft>
+              <a:buNone/>
+            </a:pPr>
+            <a:r>
+              <a:rPr lang="en" sz="1050">
+                <a:solidFill>
+                  <a:srgbClr val="6A9955"/>
+                </a:solidFill>
+                <a:highlight>
+                  <a:srgbClr val="1F1F1F"/>
+                </a:highlight>
+                <a:latin typeface="Courier New"/>
+                <a:ea typeface="Courier New"/>
+                <a:cs typeface="Courier New"/>
+                <a:sym typeface="Courier New"/>
+              </a:rPr>
+              <a:t>#SBATCH --mail-user=&lt;email address&gt;</a:t>
+            </a:r>
+            <a:endParaRPr sz="1050">
+              <a:solidFill>
+                <a:srgbClr val="6A9955"/>
+              </a:solidFill>
+              <a:highlight>
+                <a:srgbClr val="1F1F1F"/>
+              </a:highlight>
+              <a:latin typeface="Courier New"/>
+              <a:ea typeface="Courier New"/>
+              <a:cs typeface="Courier New"/>
+              <a:sym typeface="Courier New"/>
+            </a:endParaRPr>
+          </a:p>
+          <a:p>
+            <a:pPr indent="0" lvl="0" marL="0" rtl="0" algn="l">
+              <a:lnSpc>
+                <a:spcPct val="135714"/>
+              </a:lnSpc>
+              <a:spcBef>
+                <a:spcPts val="0"/>
+              </a:spcBef>
+              <a:spcAft>
+                <a:spcPts val="0"/>
+              </a:spcAft>
+              <a:buNone/>
+            </a:pPr>
+            <a:r>
+              <a:rPr lang="en" sz="1050">
+                <a:solidFill>
+                  <a:srgbClr val="6A9955"/>
+                </a:solidFill>
+                <a:highlight>
+                  <a:srgbClr val="1F1F1F"/>
+                </a:highlight>
+                <a:latin typeface="Courier New"/>
+                <a:ea typeface="Courier New"/>
+                <a:cs typeface="Courier New"/>
+                <a:sym typeface="Courier New"/>
+              </a:rPr>
+              <a:t>#SBATCH --oversubscribe</a:t>
+            </a:r>
+            <a:endParaRPr sz="1050">
+              <a:solidFill>
+                <a:srgbClr val="6A9955"/>
+              </a:solidFill>
+              <a:highlight>
+                <a:srgbClr val="1F1F1F"/>
+              </a:highlight>
+              <a:latin typeface="Courier New"/>
+              <a:ea typeface="Courier New"/>
+              <a:cs typeface="Courier New"/>
+              <a:sym typeface="Courier New"/>
+            </a:endParaRPr>
+          </a:p>
+          <a:p>
+            <a:pPr indent="0" lvl="0" marL="0" rtl="0" algn="l">
+              <a:lnSpc>
+                <a:spcPct val="135714"/>
+              </a:lnSpc>
+              <a:spcBef>
+                <a:spcPts val="0"/>
+              </a:spcBef>
+              <a:spcAft>
+                <a:spcPts val="0"/>
+              </a:spcAft>
+              <a:buNone/>
+            </a:pPr>
+            <a:r>
+              <a:t/>
+            </a:r>
+            <a:endParaRPr sz="1050">
+              <a:solidFill>
+                <a:srgbClr val="CCCCCC"/>
+              </a:solidFill>
+              <a:highlight>
+                <a:srgbClr val="1F1F1F"/>
+              </a:highlight>
+              <a:latin typeface="Courier New"/>
+              <a:ea typeface="Courier New"/>
+              <a:cs typeface="Courier New"/>
+              <a:sym typeface="Courier New"/>
+            </a:endParaRPr>
+          </a:p>
+          <a:p>
+            <a:pPr indent="0" lvl="0" marL="0" rtl="0" algn="l">
+              <a:lnSpc>
+                <a:spcPct val="135714"/>
+              </a:lnSpc>
+              <a:spcBef>
+                <a:spcPts val="0"/>
+              </a:spcBef>
+              <a:spcAft>
+                <a:spcPts val="0"/>
+              </a:spcAft>
+              <a:buNone/>
+            </a:pPr>
+            <a:r>
+              <a:rPr lang="en" sz="1050">
+                <a:solidFill>
+                  <a:srgbClr val="DCDCAA"/>
+                </a:solidFill>
+                <a:highlight>
+                  <a:srgbClr val="1F1F1F"/>
+                </a:highlight>
+                <a:latin typeface="Courier New"/>
+                <a:ea typeface="Courier New"/>
+                <a:cs typeface="Courier New"/>
+                <a:sym typeface="Courier New"/>
+              </a:rPr>
+              <a:t>eval</a:t>
+            </a:r>
+            <a:r>
+              <a:rPr lang="en" sz="1050">
+                <a:solidFill>
+                  <a:srgbClr val="CCCCCC"/>
+                </a:solidFill>
+                <a:highlight>
+                  <a:srgbClr val="1F1F1F"/>
+                </a:highlight>
+                <a:latin typeface="Courier New"/>
+                <a:ea typeface="Courier New"/>
+                <a:cs typeface="Courier New"/>
+                <a:sym typeface="Courier New"/>
+              </a:rPr>
+              <a:t> </a:t>
+            </a:r>
+            <a:r>
+              <a:rPr lang="en" sz="1050">
+                <a:solidFill>
+                  <a:srgbClr val="CE9178"/>
+                </a:solidFill>
+                <a:highlight>
+                  <a:srgbClr val="1F1F1F"/>
+                </a:highlight>
+                <a:latin typeface="Courier New"/>
+                <a:ea typeface="Courier New"/>
+                <a:cs typeface="Courier New"/>
+                <a:sym typeface="Courier New"/>
+              </a:rPr>
+              <a:t>"$(</a:t>
+            </a:r>
+            <a:r>
+              <a:rPr lang="en" sz="1050">
+                <a:solidFill>
+                  <a:srgbClr val="D4D4D4"/>
+                </a:solidFill>
+                <a:highlight>
+                  <a:srgbClr val="1F1F1F"/>
+                </a:highlight>
+                <a:latin typeface="Courier New"/>
+                <a:ea typeface="Courier New"/>
+                <a:cs typeface="Courier New"/>
+                <a:sym typeface="Courier New"/>
+              </a:rPr>
+              <a:t>&lt;</a:t>
+            </a:r>
+            <a:r>
+              <a:rPr lang="en" sz="1050">
+                <a:solidFill>
+                  <a:srgbClr val="CE9178"/>
+                </a:solidFill>
+                <a:highlight>
+                  <a:srgbClr val="1F1F1F"/>
+                </a:highlight>
+                <a:latin typeface="Courier New"/>
+                <a:ea typeface="Courier New"/>
+                <a:cs typeface="Courier New"/>
+                <a:sym typeface="Courier New"/>
+              </a:rPr>
+              <a:t>path_to_conda</a:t>
+            </a:r>
+            <a:r>
+              <a:rPr lang="en" sz="1050">
+                <a:solidFill>
+                  <a:srgbClr val="D4D4D4"/>
+                </a:solidFill>
+                <a:highlight>
+                  <a:srgbClr val="1F1F1F"/>
+                </a:highlight>
+                <a:latin typeface="Courier New"/>
+                <a:ea typeface="Courier New"/>
+                <a:cs typeface="Courier New"/>
+                <a:sym typeface="Courier New"/>
+              </a:rPr>
+              <a:t>&gt;</a:t>
+            </a:r>
+            <a:r>
+              <a:rPr lang="en" sz="1050">
+                <a:solidFill>
+                  <a:srgbClr val="CE9178"/>
+                </a:solidFill>
+                <a:highlight>
+                  <a:srgbClr val="1F1F1F"/>
+                </a:highlight>
+                <a:latin typeface="Courier New"/>
+                <a:ea typeface="Courier New"/>
+                <a:cs typeface="Courier New"/>
+                <a:sym typeface="Courier New"/>
+              </a:rPr>
+              <a:t> shell.bash hook)"</a:t>
+            </a:r>
+            <a:endParaRPr sz="1050">
+              <a:solidFill>
+                <a:srgbClr val="CE9178"/>
+              </a:solidFill>
+              <a:highlight>
+                <a:srgbClr val="1F1F1F"/>
+              </a:highlight>
+              <a:latin typeface="Courier New"/>
+              <a:ea typeface="Courier New"/>
+              <a:cs typeface="Courier New"/>
+              <a:sym typeface="Courier New"/>
+            </a:endParaRPr>
+          </a:p>
+          <a:p>
+            <a:pPr indent="0" lvl="0" marL="0" rtl="0" algn="l">
+              <a:lnSpc>
+                <a:spcPct val="135714"/>
+              </a:lnSpc>
+              <a:spcBef>
+                <a:spcPts val="0"/>
+              </a:spcBef>
+              <a:spcAft>
+                <a:spcPts val="0"/>
+              </a:spcAft>
+              <a:buNone/>
+            </a:pPr>
+            <a:r>
+              <a:rPr lang="en" sz="1050">
+                <a:solidFill>
+                  <a:srgbClr val="DCDCAA"/>
+                </a:solidFill>
+                <a:highlight>
+                  <a:srgbClr val="1F1F1F"/>
+                </a:highlight>
+                <a:latin typeface="Courier New"/>
+                <a:ea typeface="Courier New"/>
+                <a:cs typeface="Courier New"/>
+                <a:sym typeface="Courier New"/>
+              </a:rPr>
+              <a:t>conda</a:t>
+            </a:r>
+            <a:r>
+              <a:rPr lang="en" sz="1050">
+                <a:solidFill>
+                  <a:srgbClr val="CCCCCC"/>
+                </a:solidFill>
+                <a:highlight>
+                  <a:srgbClr val="1F1F1F"/>
+                </a:highlight>
+                <a:latin typeface="Courier New"/>
+                <a:ea typeface="Courier New"/>
+                <a:cs typeface="Courier New"/>
+                <a:sym typeface="Courier New"/>
+              </a:rPr>
+              <a:t> </a:t>
+            </a:r>
+            <a:r>
+              <a:rPr lang="en" sz="1050">
+                <a:solidFill>
+                  <a:srgbClr val="CE9178"/>
+                </a:solidFill>
+                <a:highlight>
+                  <a:srgbClr val="1F1F1F"/>
+                </a:highlight>
+                <a:latin typeface="Courier New"/>
+                <a:ea typeface="Courier New"/>
+                <a:cs typeface="Courier New"/>
+                <a:sym typeface="Courier New"/>
+              </a:rPr>
+              <a:t>activate</a:t>
+            </a:r>
+            <a:r>
+              <a:rPr lang="en" sz="1050">
+                <a:solidFill>
+                  <a:srgbClr val="CCCCCC"/>
+                </a:solidFill>
+                <a:highlight>
+                  <a:srgbClr val="1F1F1F"/>
+                </a:highlight>
+                <a:latin typeface="Courier New"/>
+                <a:ea typeface="Courier New"/>
+                <a:cs typeface="Courier New"/>
+                <a:sym typeface="Courier New"/>
+              </a:rPr>
+              <a:t> </a:t>
+            </a:r>
+            <a:r>
+              <a:rPr lang="en" sz="1050">
+                <a:solidFill>
+                  <a:srgbClr val="D4D4D4"/>
+                </a:solidFill>
+                <a:highlight>
+                  <a:srgbClr val="1F1F1F"/>
+                </a:highlight>
+                <a:latin typeface="Courier New"/>
+                <a:ea typeface="Courier New"/>
+                <a:cs typeface="Courier New"/>
+                <a:sym typeface="Courier New"/>
+              </a:rPr>
+              <a:t>&lt;</a:t>
+            </a:r>
+            <a:r>
+              <a:rPr lang="en" sz="1050">
+                <a:solidFill>
+                  <a:srgbClr val="CE9178"/>
+                </a:solidFill>
+                <a:highlight>
+                  <a:srgbClr val="1F1F1F"/>
+                </a:highlight>
+                <a:latin typeface="Courier New"/>
+                <a:ea typeface="Courier New"/>
+                <a:cs typeface="Courier New"/>
+                <a:sym typeface="Courier New"/>
+              </a:rPr>
+              <a:t>your_enviromen</a:t>
+            </a:r>
+            <a:r>
+              <a:rPr lang="en" sz="1050">
+                <a:solidFill>
+                  <a:srgbClr val="CCCCCC"/>
+                </a:solidFill>
+                <a:highlight>
+                  <a:srgbClr val="1F1F1F"/>
+                </a:highlight>
+                <a:latin typeface="Courier New"/>
+                <a:ea typeface="Courier New"/>
+                <a:cs typeface="Courier New"/>
+                <a:sym typeface="Courier New"/>
+              </a:rPr>
+              <a:t>t</a:t>
+            </a:r>
+            <a:r>
+              <a:rPr lang="en" sz="1050">
+                <a:solidFill>
+                  <a:srgbClr val="D4D4D4"/>
+                </a:solidFill>
+                <a:highlight>
+                  <a:srgbClr val="1F1F1F"/>
+                </a:highlight>
+                <a:latin typeface="Courier New"/>
+                <a:ea typeface="Courier New"/>
+                <a:cs typeface="Courier New"/>
+                <a:sym typeface="Courier New"/>
+              </a:rPr>
+              <a:t>&gt;</a:t>
+            </a:r>
+            <a:endParaRPr sz="1050">
+              <a:solidFill>
+                <a:srgbClr val="D4D4D4"/>
+              </a:solidFill>
+              <a:highlight>
+                <a:srgbClr val="1F1F1F"/>
+              </a:highlight>
+              <a:latin typeface="Courier New"/>
+              <a:ea typeface="Courier New"/>
+              <a:cs typeface="Courier New"/>
+              <a:sym typeface="Courier New"/>
+            </a:endParaRPr>
+          </a:p>
+          <a:p>
+            <a:pPr indent="0" lvl="0" marL="0" rtl="0" algn="l">
+              <a:lnSpc>
+                <a:spcPct val="135714"/>
+              </a:lnSpc>
+              <a:spcBef>
+                <a:spcPts val="0"/>
+              </a:spcBef>
+              <a:spcAft>
+                <a:spcPts val="0"/>
+              </a:spcAft>
+              <a:buNone/>
+            </a:pPr>
+            <a:r>
+              <a:rPr lang="en" sz="1050">
+                <a:solidFill>
+                  <a:srgbClr val="DCDCAA"/>
+                </a:solidFill>
+                <a:highlight>
+                  <a:srgbClr val="1F1F1F"/>
+                </a:highlight>
+                <a:latin typeface="Courier New"/>
+                <a:ea typeface="Courier New"/>
+                <a:cs typeface="Courier New"/>
+                <a:sym typeface="Courier New"/>
+              </a:rPr>
+              <a:t>cat</a:t>
+            </a:r>
+            <a:r>
+              <a:rPr lang="en" sz="1050">
+                <a:solidFill>
+                  <a:srgbClr val="CCCCCC"/>
+                </a:solidFill>
+                <a:highlight>
+                  <a:srgbClr val="1F1F1F"/>
+                </a:highlight>
+                <a:latin typeface="Courier New"/>
+                <a:ea typeface="Courier New"/>
+                <a:cs typeface="Courier New"/>
+                <a:sym typeface="Courier New"/>
+              </a:rPr>
+              <a:t> </a:t>
+            </a:r>
+            <a:r>
+              <a:rPr lang="en" sz="1050">
+                <a:solidFill>
+                  <a:srgbClr val="CE9178"/>
+                </a:solidFill>
+                <a:highlight>
+                  <a:srgbClr val="1F1F1F"/>
+                </a:highlight>
+                <a:latin typeface="Courier New"/>
+                <a:ea typeface="Courier New"/>
+                <a:cs typeface="Courier New"/>
+                <a:sym typeface="Courier New"/>
+              </a:rPr>
+              <a:t>/etc/hosts</a:t>
+            </a:r>
+            <a:endParaRPr sz="1050">
+              <a:solidFill>
+                <a:srgbClr val="CE9178"/>
+              </a:solidFill>
+              <a:highlight>
+                <a:srgbClr val="1F1F1F"/>
+              </a:highlight>
+              <a:latin typeface="Courier New"/>
+              <a:ea typeface="Courier New"/>
+              <a:cs typeface="Courier New"/>
+              <a:sym typeface="Courier New"/>
+            </a:endParaRPr>
+          </a:p>
+          <a:p>
+            <a:pPr indent="0" lvl="0" marL="0" rtl="0" algn="l">
+              <a:lnSpc>
+                <a:spcPct val="135714"/>
+              </a:lnSpc>
+              <a:spcBef>
+                <a:spcPts val="0"/>
+              </a:spcBef>
+              <a:spcAft>
+                <a:spcPts val="0"/>
+              </a:spcAft>
+              <a:buNone/>
+            </a:pPr>
+            <a:r>
+              <a:rPr lang="en" sz="1050">
+                <a:solidFill>
+                  <a:srgbClr val="DCDCAA"/>
+                </a:solidFill>
+                <a:highlight>
+                  <a:srgbClr val="1F1F1F"/>
+                </a:highlight>
+                <a:latin typeface="Courier New"/>
+                <a:ea typeface="Courier New"/>
+                <a:cs typeface="Courier New"/>
+                <a:sym typeface="Courier New"/>
+              </a:rPr>
+              <a:t>jupyter-lab</a:t>
+            </a:r>
+            <a:r>
+              <a:rPr lang="en" sz="1050">
+                <a:solidFill>
+                  <a:srgbClr val="CCCCCC"/>
+                </a:solidFill>
+                <a:highlight>
+                  <a:srgbClr val="1F1F1F"/>
+                </a:highlight>
+                <a:latin typeface="Courier New"/>
+                <a:ea typeface="Courier New"/>
+                <a:cs typeface="Courier New"/>
+                <a:sym typeface="Courier New"/>
+              </a:rPr>
+              <a:t> </a:t>
+            </a:r>
+            <a:r>
+              <a:rPr lang="en" sz="1050">
+                <a:solidFill>
+                  <a:srgbClr val="569CD6"/>
+                </a:solidFill>
+                <a:highlight>
+                  <a:srgbClr val="1F1F1F"/>
+                </a:highlight>
+                <a:latin typeface="Courier New"/>
+                <a:ea typeface="Courier New"/>
+                <a:cs typeface="Courier New"/>
+                <a:sym typeface="Courier New"/>
+              </a:rPr>
+              <a:t>--ip=0.0.0.0</a:t>
+            </a:r>
+            <a:r>
+              <a:rPr lang="en" sz="1050">
+                <a:solidFill>
+                  <a:srgbClr val="CCCCCC"/>
+                </a:solidFill>
+                <a:highlight>
+                  <a:srgbClr val="1F1F1F"/>
+                </a:highlight>
+                <a:latin typeface="Courier New"/>
+                <a:ea typeface="Courier New"/>
+                <a:cs typeface="Courier New"/>
+                <a:sym typeface="Courier New"/>
+              </a:rPr>
+              <a:t> </a:t>
+            </a:r>
+            <a:r>
+              <a:rPr lang="en" sz="1050">
+                <a:solidFill>
+                  <a:srgbClr val="569CD6"/>
+                </a:solidFill>
+                <a:highlight>
+                  <a:srgbClr val="1F1F1F"/>
+                </a:highlight>
+                <a:latin typeface="Courier New"/>
+                <a:ea typeface="Courier New"/>
+                <a:cs typeface="Courier New"/>
+                <a:sym typeface="Courier New"/>
+              </a:rPr>
+              <a:t>--port=</a:t>
+            </a:r>
+            <a:r>
+              <a:rPr lang="en" sz="1050">
+                <a:solidFill>
+                  <a:srgbClr val="9CDCFE"/>
+                </a:solidFill>
+                <a:highlight>
+                  <a:srgbClr val="1F1F1F"/>
+                </a:highlight>
+                <a:latin typeface="Courier New"/>
+                <a:ea typeface="Courier New"/>
+                <a:cs typeface="Courier New"/>
+                <a:sym typeface="Courier New"/>
+              </a:rPr>
+              <a:t>${1</a:t>
+            </a:r>
+            <a:r>
+              <a:rPr lang="en" sz="1050">
+                <a:solidFill>
+                  <a:srgbClr val="D4D4D4"/>
+                </a:solidFill>
+                <a:highlight>
+                  <a:srgbClr val="1F1F1F"/>
+                </a:highlight>
+                <a:latin typeface="Courier New"/>
+                <a:ea typeface="Courier New"/>
+                <a:cs typeface="Courier New"/>
+                <a:sym typeface="Courier New"/>
+              </a:rPr>
+              <a:t>:-</a:t>
+            </a:r>
+            <a:r>
+              <a:rPr lang="en" sz="1050">
+                <a:solidFill>
+                  <a:srgbClr val="569CD6"/>
+                </a:solidFill>
+                <a:highlight>
+                  <a:srgbClr val="1F1F1F"/>
+                </a:highlight>
+                <a:latin typeface="Courier New"/>
+                <a:ea typeface="Courier New"/>
+                <a:cs typeface="Courier New"/>
+                <a:sym typeface="Courier New"/>
+              </a:rPr>
+              <a:t>&lt;</a:t>
+            </a:r>
+            <a:r>
+              <a:rPr lang="en" sz="1050">
+                <a:solidFill>
+                  <a:srgbClr val="9CDCFE"/>
+                </a:solidFill>
+                <a:highlight>
+                  <a:srgbClr val="1F1F1F"/>
+                </a:highlight>
+                <a:latin typeface="Courier New"/>
+                <a:ea typeface="Courier New"/>
+                <a:cs typeface="Courier New"/>
+                <a:sym typeface="Courier New"/>
+              </a:rPr>
+              <a:t>port</a:t>
+            </a:r>
+            <a:r>
+              <a:rPr lang="en" sz="1050">
+                <a:solidFill>
+                  <a:srgbClr val="569CD6"/>
+                </a:solidFill>
+                <a:highlight>
+                  <a:srgbClr val="1F1F1F"/>
+                </a:highlight>
+                <a:latin typeface="Courier New"/>
+                <a:ea typeface="Courier New"/>
+                <a:cs typeface="Courier New"/>
+                <a:sym typeface="Courier New"/>
+              </a:rPr>
+              <a:t>&gt;</a:t>
+            </a:r>
+            <a:r>
+              <a:rPr lang="en" sz="1050">
+                <a:solidFill>
+                  <a:srgbClr val="9CDCFE"/>
+                </a:solidFill>
+                <a:highlight>
+                  <a:srgbClr val="1F1F1F"/>
+                </a:highlight>
+                <a:latin typeface="Courier New"/>
+                <a:ea typeface="Courier New"/>
+                <a:cs typeface="Courier New"/>
+                <a:sym typeface="Courier New"/>
+              </a:rPr>
+              <a:t>}</a:t>
+            </a:r>
+            <a:endParaRPr/>
+          </a:p>
+        </p:txBody>
+      </p:sp>
+    </p:spTree>
+  </p:cSld>
+  <p:clrMapOvr>
+    <a:masterClrMapping/>
+  </p:clrMapOvr>
+</p:sld>
+</file>
+
+<file path=ppt/slides/slide56.xml><?xml version="1.0" encoding="utf-8"?>
+<p:sld xmlns:a="http://schemas.openxmlformats.org/drawingml/2006/main" xmlns:r="http://schemas.openxmlformats.org/officeDocument/2006/relationships" xmlns:mc="http://schemas.openxmlformats.org/markup-compatibility/2006" xmlns:mv="urn:schemas-microsoft-com:mac:vml" xmlns:p="http://schemas.openxmlformats.org/presentationml/2006/main" xmlns:c="http://schemas.openxmlformats.org/drawingml/2006/chart" xmlns:dgm="http://schemas.openxmlformats.org/drawingml/2006/diagram" xmlns:o="urn:schemas-microsoft-com:office:office" xmlns:v="urn:schemas-microsoft-com:vml" xmlns:pvml="urn:schemas-microsoft-com:office:powerpoint" xmlns:com="http://schemas.openxmlformats.org/drawingml/2006/compatibility" xmlns:p14="http://schemas.microsoft.com/office/powerpoint/2010/main" xmlns:p15="http://schemas.microsoft.com/office/powerpoint/2012/main" xmlns:ahyp="http://schemas.microsoft.com/office/drawing/2018/hyperlinkcolor">
+  <p:cSld>
+    <p:spTree>
+      <p:nvGrpSpPr>
+        <p:cNvPr id="414" name="Shape 414"/>
+        <p:cNvGrpSpPr/>
+        <p:nvPr/>
+      </p:nvGrpSpPr>
+      <p:grpSpPr>
+        <a:xfrm>
+          <a:off x="0" y="0"/>
+          <a:ext cx="0" cy="0"/>
+          <a:chOff x="0" y="0"/>
+          <a:chExt cx="0" cy="0"/>
+        </a:xfrm>
+      </p:grpSpPr>
+      <p:sp>
+        <p:nvSpPr>
+          <p:cNvPr id="415" name="Google Shape;415;p68"/>
+          <p:cNvSpPr txBox="1"/>
+          <p:nvPr>
+            <p:ph type="title"/>
+          </p:nvPr>
+        </p:nvSpPr>
+        <p:spPr>
+          <a:xfrm>
+            <a:off x="311700" y="0"/>
+            <a:ext cx="8520600" cy="572700"/>
+          </a:xfrm>
+          <a:prstGeom prst="rect">
+            <a:avLst/>
+          </a:prstGeom>
+        </p:spPr>
+        <p:txBody>
+          <a:bodyPr anchorCtr="0" anchor="t" bIns="91425" lIns="91425" spcFirstLastPara="1" rIns="91425" wrap="square" tIns="91425">
+            <a:normAutofit fontScale="90000"/>
+          </a:bodyPr>
+          <a:lstStyle/>
+          <a:p>
+            <a:pPr indent="0" lvl="0" marL="0" rtl="0" algn="l">
+              <a:spcBef>
+                <a:spcPts val="0"/>
+              </a:spcBef>
+              <a:spcAft>
+                <a:spcPts val="0"/>
+              </a:spcAft>
+              <a:buNone/>
+            </a:pPr>
+            <a:r>
+              <a:rPr lang="en"/>
+              <a:t>Granular Control with Multiple Tasks</a:t>
+            </a:r>
+            <a:endParaRPr/>
+          </a:p>
+        </p:txBody>
+      </p:sp>
+      <p:sp>
+        <p:nvSpPr>
+          <p:cNvPr id="416" name="Google Shape;416;p68"/>
+          <p:cNvSpPr txBox="1"/>
+          <p:nvPr>
+            <p:ph idx="1" type="body"/>
+          </p:nvPr>
+        </p:nvSpPr>
+        <p:spPr>
+          <a:xfrm>
+            <a:off x="311700" y="572700"/>
+            <a:ext cx="4260300" cy="3416400"/>
+          </a:xfrm>
+          <a:prstGeom prst="rect">
+            <a:avLst/>
+          </a:prstGeom>
+        </p:spPr>
+        <p:txBody>
+          <a:bodyPr anchorCtr="0" anchor="t" bIns="91425" lIns="91425" spcFirstLastPara="1" rIns="91425" wrap="square" tIns="91425">
+            <a:normAutofit/>
+          </a:bodyPr>
+          <a:lstStyle/>
+          <a:p>
+            <a:pPr indent="-342900" lvl="0" marL="457200" rtl="0" algn="l">
+              <a:spcBef>
+                <a:spcPts val="0"/>
+              </a:spcBef>
+              <a:spcAft>
+                <a:spcPts val="0"/>
+              </a:spcAft>
+              <a:buSzPts val="1800"/>
+              <a:buChar char="●"/>
+            </a:pPr>
+            <a:r>
+              <a:rPr lang="en"/>
+              <a:t>You can allocate multiple nodes with SBATCH, and then use SRUN within that to tell each node to do multiple things</a:t>
+            </a:r>
+            <a:endParaRPr/>
+          </a:p>
+        </p:txBody>
+      </p:sp>
+      <p:sp>
+        <p:nvSpPr>
+          <p:cNvPr id="417" name="Google Shape;417;p68"/>
+          <p:cNvSpPr txBox="1"/>
+          <p:nvPr>
+            <p:ph idx="1" type="body"/>
+          </p:nvPr>
+        </p:nvSpPr>
+        <p:spPr>
+          <a:xfrm>
+            <a:off x="4685150" y="696250"/>
+            <a:ext cx="4260300" cy="4226700"/>
+          </a:xfrm>
+          <a:prstGeom prst="rect">
+            <a:avLst/>
+          </a:prstGeom>
+        </p:spPr>
+        <p:txBody>
+          <a:bodyPr anchorCtr="0" anchor="t" bIns="91425" lIns="91425" spcFirstLastPara="1" rIns="91425" wrap="square" tIns="91425">
+            <a:normAutofit fontScale="85000" lnSpcReduction="20000"/>
+          </a:bodyPr>
+          <a:lstStyle/>
+          <a:p>
+            <a:pPr indent="0" lvl="0" marL="0" rtl="0" algn="l">
+              <a:lnSpc>
+                <a:spcPct val="135714"/>
+              </a:lnSpc>
+              <a:spcBef>
+                <a:spcPts val="0"/>
+              </a:spcBef>
+              <a:spcAft>
+                <a:spcPts val="0"/>
+              </a:spcAft>
+              <a:buNone/>
+            </a:pPr>
+            <a:r>
+              <a:rPr lang="en" sz="1050">
+                <a:solidFill>
+                  <a:srgbClr val="6A9955"/>
+                </a:solidFill>
+                <a:highlight>
+                  <a:srgbClr val="1F1F1F"/>
+                </a:highlight>
+                <a:latin typeface="Courier New"/>
+                <a:ea typeface="Courier New"/>
+                <a:cs typeface="Courier New"/>
+                <a:sym typeface="Courier New"/>
+              </a:rPr>
+              <a:t>#!/bin/bash</a:t>
+            </a:r>
+            <a:endParaRPr sz="1050">
+              <a:solidFill>
+                <a:srgbClr val="6A9955"/>
+              </a:solidFill>
+              <a:highlight>
+                <a:srgbClr val="1F1F1F"/>
+              </a:highlight>
+              <a:latin typeface="Courier New"/>
+              <a:ea typeface="Courier New"/>
+              <a:cs typeface="Courier New"/>
+              <a:sym typeface="Courier New"/>
+            </a:endParaRPr>
+          </a:p>
+          <a:p>
+            <a:pPr indent="0" lvl="0" marL="0" rtl="0" algn="l">
+              <a:lnSpc>
+                <a:spcPct val="135714"/>
+              </a:lnSpc>
+              <a:spcBef>
+                <a:spcPts val="0"/>
+              </a:spcBef>
+              <a:spcAft>
+                <a:spcPts val="0"/>
+              </a:spcAft>
+              <a:buNone/>
+            </a:pPr>
+            <a:r>
+              <a:rPr lang="en" sz="1050">
+                <a:solidFill>
+                  <a:srgbClr val="6A9955"/>
+                </a:solidFill>
+                <a:highlight>
+                  <a:srgbClr val="1F1F1F"/>
+                </a:highlight>
+                <a:latin typeface="Courier New"/>
+                <a:ea typeface="Courier New"/>
+                <a:cs typeface="Courier New"/>
+                <a:sym typeface="Courier New"/>
+              </a:rPr>
+              <a:t>#SBATCH -N 2</a:t>
+            </a:r>
+            <a:endParaRPr sz="1050">
+              <a:solidFill>
+                <a:srgbClr val="6A9955"/>
+              </a:solidFill>
+              <a:highlight>
+                <a:srgbClr val="1F1F1F"/>
+              </a:highlight>
+              <a:latin typeface="Courier New"/>
+              <a:ea typeface="Courier New"/>
+              <a:cs typeface="Courier New"/>
+              <a:sym typeface="Courier New"/>
+            </a:endParaRPr>
+          </a:p>
+          <a:p>
+            <a:pPr indent="0" lvl="0" marL="0" rtl="0" algn="l">
+              <a:lnSpc>
+                <a:spcPct val="135714"/>
+              </a:lnSpc>
+              <a:spcBef>
+                <a:spcPts val="0"/>
+              </a:spcBef>
+              <a:spcAft>
+                <a:spcPts val="0"/>
+              </a:spcAft>
+              <a:buNone/>
+            </a:pPr>
+            <a:r>
+              <a:rPr lang="en" sz="1050">
+                <a:solidFill>
+                  <a:srgbClr val="6A9955"/>
+                </a:solidFill>
+                <a:highlight>
+                  <a:srgbClr val="1F1F1F"/>
+                </a:highlight>
+                <a:latin typeface="Courier New"/>
+                <a:ea typeface="Courier New"/>
+                <a:cs typeface="Courier New"/>
+                <a:sym typeface="Courier New"/>
+              </a:rPr>
+              <a:t>#SBATCH -n 2</a:t>
+            </a:r>
+            <a:endParaRPr sz="1050">
+              <a:solidFill>
+                <a:srgbClr val="6A9955"/>
+              </a:solidFill>
+              <a:highlight>
+                <a:srgbClr val="1F1F1F"/>
+              </a:highlight>
+              <a:latin typeface="Courier New"/>
+              <a:ea typeface="Courier New"/>
+              <a:cs typeface="Courier New"/>
+              <a:sym typeface="Courier New"/>
+            </a:endParaRPr>
+          </a:p>
+          <a:p>
+            <a:pPr indent="0" lvl="0" marL="0" rtl="0" algn="l">
+              <a:lnSpc>
+                <a:spcPct val="135714"/>
+              </a:lnSpc>
+              <a:spcBef>
+                <a:spcPts val="0"/>
+              </a:spcBef>
+              <a:spcAft>
+                <a:spcPts val="0"/>
+              </a:spcAft>
+              <a:buNone/>
+            </a:pPr>
+            <a:r>
+              <a:rPr lang="en" sz="1050">
+                <a:solidFill>
+                  <a:srgbClr val="6A9955"/>
+                </a:solidFill>
+                <a:highlight>
+                  <a:srgbClr val="1F1F1F"/>
+                </a:highlight>
+                <a:latin typeface="Courier New"/>
+                <a:ea typeface="Courier New"/>
+                <a:cs typeface="Courier New"/>
+                <a:sym typeface="Courier New"/>
+              </a:rPr>
+              <a:t>#SBATCH -c 10</a:t>
+            </a:r>
+            <a:endParaRPr sz="1050">
+              <a:solidFill>
+                <a:srgbClr val="6A9955"/>
+              </a:solidFill>
+              <a:highlight>
+                <a:srgbClr val="1F1F1F"/>
+              </a:highlight>
+              <a:latin typeface="Courier New"/>
+              <a:ea typeface="Courier New"/>
+              <a:cs typeface="Courier New"/>
+              <a:sym typeface="Courier New"/>
+            </a:endParaRPr>
+          </a:p>
+          <a:p>
+            <a:pPr indent="0" lvl="0" marL="0" rtl="0" algn="l">
+              <a:lnSpc>
+                <a:spcPct val="135714"/>
+              </a:lnSpc>
+              <a:spcBef>
+                <a:spcPts val="0"/>
+              </a:spcBef>
+              <a:spcAft>
+                <a:spcPts val="0"/>
+              </a:spcAft>
+              <a:buNone/>
+            </a:pPr>
+            <a:r>
+              <a:rPr lang="en" sz="1050">
+                <a:solidFill>
+                  <a:srgbClr val="6A9955"/>
+                </a:solidFill>
+                <a:highlight>
+                  <a:srgbClr val="1F1F1F"/>
+                </a:highlight>
+                <a:latin typeface="Courier New"/>
+                <a:ea typeface="Courier New"/>
+                <a:cs typeface="Courier New"/>
+                <a:sym typeface="Courier New"/>
+              </a:rPr>
+              <a:t>#SBATCH --mem=100g</a:t>
+            </a:r>
+            <a:endParaRPr sz="1050">
+              <a:solidFill>
+                <a:srgbClr val="6A9955"/>
+              </a:solidFill>
+              <a:highlight>
+                <a:srgbClr val="1F1F1F"/>
+              </a:highlight>
+              <a:latin typeface="Courier New"/>
+              <a:ea typeface="Courier New"/>
+              <a:cs typeface="Courier New"/>
+              <a:sym typeface="Courier New"/>
+            </a:endParaRPr>
+          </a:p>
+          <a:p>
+            <a:pPr indent="0" lvl="0" marL="0" rtl="0" algn="l">
+              <a:lnSpc>
+                <a:spcPct val="135714"/>
+              </a:lnSpc>
+              <a:spcBef>
+                <a:spcPts val="0"/>
+              </a:spcBef>
+              <a:spcAft>
+                <a:spcPts val="0"/>
+              </a:spcAft>
+              <a:buNone/>
+            </a:pPr>
+            <a:r>
+              <a:rPr lang="en" sz="1050">
+                <a:solidFill>
+                  <a:srgbClr val="6A9955"/>
+                </a:solidFill>
+                <a:highlight>
+                  <a:srgbClr val="1F1F1F"/>
+                </a:highlight>
+                <a:latin typeface="Courier New"/>
+                <a:ea typeface="Courier New"/>
+                <a:cs typeface="Courier New"/>
+                <a:sym typeface="Courier New"/>
+              </a:rPr>
+              <a:t>#SBATCH -p qTRD</a:t>
+            </a:r>
+            <a:endParaRPr sz="1050">
+              <a:solidFill>
+                <a:srgbClr val="6A9955"/>
+              </a:solidFill>
+              <a:highlight>
+                <a:srgbClr val="1F1F1F"/>
+              </a:highlight>
+              <a:latin typeface="Courier New"/>
+              <a:ea typeface="Courier New"/>
+              <a:cs typeface="Courier New"/>
+              <a:sym typeface="Courier New"/>
+            </a:endParaRPr>
+          </a:p>
+          <a:p>
+            <a:pPr indent="0" lvl="0" marL="0" rtl="0" algn="l">
+              <a:lnSpc>
+                <a:spcPct val="135714"/>
+              </a:lnSpc>
+              <a:spcBef>
+                <a:spcPts val="0"/>
+              </a:spcBef>
+              <a:spcAft>
+                <a:spcPts val="0"/>
+              </a:spcAft>
+              <a:buNone/>
+            </a:pPr>
+            <a:r>
+              <a:rPr lang="en" sz="1050">
+                <a:solidFill>
+                  <a:srgbClr val="6A9955"/>
+                </a:solidFill>
+                <a:highlight>
+                  <a:srgbClr val="1F1F1F"/>
+                </a:highlight>
+                <a:latin typeface="Courier New"/>
+                <a:ea typeface="Courier New"/>
+                <a:cs typeface="Courier New"/>
+                <a:sym typeface="Courier New"/>
+              </a:rPr>
+              <a:t>#SBATCH -t 1440</a:t>
+            </a:r>
+            <a:endParaRPr sz="1050">
+              <a:solidFill>
+                <a:srgbClr val="6A9955"/>
+              </a:solidFill>
+              <a:highlight>
+                <a:srgbClr val="1F1F1F"/>
+              </a:highlight>
+              <a:latin typeface="Courier New"/>
+              <a:ea typeface="Courier New"/>
+              <a:cs typeface="Courier New"/>
+              <a:sym typeface="Courier New"/>
+            </a:endParaRPr>
+          </a:p>
+          <a:p>
+            <a:pPr indent="0" lvl="0" marL="0" rtl="0" algn="l">
+              <a:lnSpc>
+                <a:spcPct val="135714"/>
+              </a:lnSpc>
+              <a:spcBef>
+                <a:spcPts val="0"/>
+              </a:spcBef>
+              <a:spcAft>
+                <a:spcPts val="0"/>
+              </a:spcAft>
+              <a:buNone/>
+            </a:pPr>
+            <a:r>
+              <a:rPr lang="en" sz="1050">
+                <a:solidFill>
+                  <a:srgbClr val="6A9955"/>
+                </a:solidFill>
+                <a:highlight>
+                  <a:srgbClr val="1F1F1F"/>
+                </a:highlight>
+                <a:latin typeface="Courier New"/>
+                <a:ea typeface="Courier New"/>
+                <a:cs typeface="Courier New"/>
+                <a:sym typeface="Courier New"/>
+              </a:rPr>
+              <a:t>#SBATCH -J granulartest</a:t>
+            </a:r>
+            <a:endParaRPr sz="1050">
+              <a:solidFill>
+                <a:srgbClr val="6A9955"/>
+              </a:solidFill>
+              <a:highlight>
+                <a:srgbClr val="1F1F1F"/>
+              </a:highlight>
+              <a:latin typeface="Courier New"/>
+              <a:ea typeface="Courier New"/>
+              <a:cs typeface="Courier New"/>
+              <a:sym typeface="Courier New"/>
+            </a:endParaRPr>
+          </a:p>
+          <a:p>
+            <a:pPr indent="0" lvl="0" marL="0" rtl="0" algn="l">
+              <a:lnSpc>
+                <a:spcPct val="135714"/>
+              </a:lnSpc>
+              <a:spcBef>
+                <a:spcPts val="0"/>
+              </a:spcBef>
+              <a:spcAft>
+                <a:spcPts val="0"/>
+              </a:spcAft>
+              <a:buNone/>
+            </a:pPr>
+            <a:r>
+              <a:rPr lang="en" sz="1050">
+                <a:solidFill>
+                  <a:srgbClr val="6A9955"/>
+                </a:solidFill>
+                <a:highlight>
+                  <a:srgbClr val="1F1F1F"/>
+                </a:highlight>
+                <a:latin typeface="Courier New"/>
+                <a:ea typeface="Courier New"/>
+                <a:cs typeface="Courier New"/>
+                <a:sym typeface="Courier New"/>
+              </a:rPr>
+              <a:t>#SBATCH -e error%A.err</a:t>
+            </a:r>
+            <a:endParaRPr sz="1050">
+              <a:solidFill>
+                <a:srgbClr val="6A9955"/>
+              </a:solidFill>
+              <a:highlight>
+                <a:srgbClr val="1F1F1F"/>
+              </a:highlight>
+              <a:latin typeface="Courier New"/>
+              <a:ea typeface="Courier New"/>
+              <a:cs typeface="Courier New"/>
+              <a:sym typeface="Courier New"/>
+            </a:endParaRPr>
+          </a:p>
+          <a:p>
+            <a:pPr indent="0" lvl="0" marL="0" rtl="0" algn="l">
+              <a:lnSpc>
+                <a:spcPct val="135714"/>
+              </a:lnSpc>
+              <a:spcBef>
+                <a:spcPts val="0"/>
+              </a:spcBef>
+              <a:spcAft>
+                <a:spcPts val="0"/>
+              </a:spcAft>
+              <a:buNone/>
+            </a:pPr>
+            <a:r>
+              <a:rPr lang="en" sz="1050">
+                <a:solidFill>
+                  <a:srgbClr val="6A9955"/>
+                </a:solidFill>
+                <a:highlight>
+                  <a:srgbClr val="1F1F1F"/>
+                </a:highlight>
+                <a:latin typeface="Courier New"/>
+                <a:ea typeface="Courier New"/>
+                <a:cs typeface="Courier New"/>
+                <a:sym typeface="Courier New"/>
+              </a:rPr>
+              <a:t>#SBATCH -o out%A.out</a:t>
+            </a:r>
+            <a:endParaRPr sz="1050">
+              <a:solidFill>
+                <a:srgbClr val="6A9955"/>
+              </a:solidFill>
+              <a:highlight>
+                <a:srgbClr val="1F1F1F"/>
+              </a:highlight>
+              <a:latin typeface="Courier New"/>
+              <a:ea typeface="Courier New"/>
+              <a:cs typeface="Courier New"/>
+              <a:sym typeface="Courier New"/>
+            </a:endParaRPr>
+          </a:p>
+          <a:p>
+            <a:pPr indent="0" lvl="0" marL="0" rtl="0" algn="l">
+              <a:lnSpc>
+                <a:spcPct val="135714"/>
+              </a:lnSpc>
+              <a:spcBef>
+                <a:spcPts val="0"/>
+              </a:spcBef>
+              <a:spcAft>
+                <a:spcPts val="0"/>
+              </a:spcAft>
+              <a:buNone/>
+            </a:pPr>
+            <a:r>
+              <a:rPr lang="en" sz="1050">
+                <a:solidFill>
+                  <a:srgbClr val="6A9955"/>
+                </a:solidFill>
+                <a:highlight>
+                  <a:srgbClr val="1F1F1F"/>
+                </a:highlight>
+                <a:latin typeface="Courier New"/>
+                <a:ea typeface="Courier New"/>
+                <a:cs typeface="Courier New"/>
+                <a:sym typeface="Courier New"/>
+              </a:rPr>
+              <a:t>#SBATCH -A trends53c17</a:t>
+            </a:r>
+            <a:endParaRPr sz="1050">
+              <a:solidFill>
+                <a:srgbClr val="6A9955"/>
+              </a:solidFill>
+              <a:highlight>
+                <a:srgbClr val="1F1F1F"/>
+              </a:highlight>
+              <a:latin typeface="Courier New"/>
+              <a:ea typeface="Courier New"/>
+              <a:cs typeface="Courier New"/>
+              <a:sym typeface="Courier New"/>
+            </a:endParaRPr>
+          </a:p>
+          <a:p>
+            <a:pPr indent="0" lvl="0" marL="0" rtl="0" algn="l">
+              <a:lnSpc>
+                <a:spcPct val="135714"/>
+              </a:lnSpc>
+              <a:spcBef>
+                <a:spcPts val="0"/>
+              </a:spcBef>
+              <a:spcAft>
+                <a:spcPts val="0"/>
+              </a:spcAft>
+              <a:buNone/>
+            </a:pPr>
+            <a:r>
+              <a:rPr lang="en" sz="1050">
+                <a:solidFill>
+                  <a:srgbClr val="6A9955"/>
+                </a:solidFill>
+                <a:highlight>
+                  <a:srgbClr val="1F1F1F"/>
+                </a:highlight>
+                <a:latin typeface="Courier New"/>
+                <a:ea typeface="Courier New"/>
+                <a:cs typeface="Courier New"/>
+                <a:sym typeface="Courier New"/>
+              </a:rPr>
+              <a:t>#SBATCH --oversubscribe</a:t>
+            </a:r>
+            <a:endParaRPr sz="1050">
+              <a:solidFill>
+                <a:srgbClr val="6A9955"/>
+              </a:solidFill>
+              <a:highlight>
+                <a:srgbClr val="1F1F1F"/>
+              </a:highlight>
+              <a:latin typeface="Courier New"/>
+              <a:ea typeface="Courier New"/>
+              <a:cs typeface="Courier New"/>
+              <a:sym typeface="Courier New"/>
+            </a:endParaRPr>
+          </a:p>
+          <a:p>
+            <a:pPr indent="0" lvl="0" marL="0" rtl="0" algn="l">
+              <a:lnSpc>
+                <a:spcPct val="135714"/>
+              </a:lnSpc>
+              <a:spcBef>
+                <a:spcPts val="0"/>
+              </a:spcBef>
+              <a:spcAft>
+                <a:spcPts val="0"/>
+              </a:spcAft>
+              <a:buNone/>
+            </a:pPr>
+            <a:r>
+              <a:t/>
+            </a:r>
+            <a:endParaRPr sz="1050">
+              <a:solidFill>
+                <a:srgbClr val="CCCCCC"/>
+              </a:solidFill>
+              <a:highlight>
+                <a:srgbClr val="1F1F1F"/>
+              </a:highlight>
+              <a:latin typeface="Courier New"/>
+              <a:ea typeface="Courier New"/>
+              <a:cs typeface="Courier New"/>
+              <a:sym typeface="Courier New"/>
+            </a:endParaRPr>
+          </a:p>
+          <a:p>
+            <a:pPr indent="0" lvl="0" marL="0" rtl="0" algn="l">
+              <a:lnSpc>
+                <a:spcPct val="135714"/>
+              </a:lnSpc>
+              <a:spcBef>
+                <a:spcPts val="0"/>
+              </a:spcBef>
+              <a:spcAft>
+                <a:spcPts val="0"/>
+              </a:spcAft>
+              <a:buNone/>
+            </a:pPr>
+            <a:r>
+              <a:rPr lang="en" sz="1050">
+                <a:solidFill>
+                  <a:srgbClr val="DCDCAA"/>
+                </a:solidFill>
+                <a:highlight>
+                  <a:srgbClr val="1F1F1F"/>
+                </a:highlight>
+                <a:latin typeface="Courier New"/>
+                <a:ea typeface="Courier New"/>
+                <a:cs typeface="Courier New"/>
+                <a:sym typeface="Courier New"/>
+              </a:rPr>
+              <a:t>sleep</a:t>
+            </a:r>
+            <a:r>
+              <a:rPr lang="en" sz="1050">
+                <a:solidFill>
+                  <a:srgbClr val="CCCCCC"/>
+                </a:solidFill>
+                <a:highlight>
+                  <a:srgbClr val="1F1F1F"/>
+                </a:highlight>
+                <a:latin typeface="Courier New"/>
+                <a:ea typeface="Courier New"/>
+                <a:cs typeface="Courier New"/>
+                <a:sym typeface="Courier New"/>
+              </a:rPr>
+              <a:t> </a:t>
+            </a:r>
+            <a:r>
+              <a:rPr lang="en" sz="1050">
+                <a:solidFill>
+                  <a:srgbClr val="B5CEA8"/>
+                </a:solidFill>
+                <a:highlight>
+                  <a:srgbClr val="1F1F1F"/>
+                </a:highlight>
+                <a:latin typeface="Courier New"/>
+                <a:ea typeface="Courier New"/>
+                <a:cs typeface="Courier New"/>
+                <a:sym typeface="Courier New"/>
+              </a:rPr>
+              <a:t>10</a:t>
+            </a:r>
+            <a:r>
+              <a:rPr lang="en" sz="1050">
+                <a:solidFill>
+                  <a:srgbClr val="CE9178"/>
+                </a:solidFill>
+                <a:highlight>
+                  <a:srgbClr val="1F1F1F"/>
+                </a:highlight>
+                <a:latin typeface="Courier New"/>
+                <a:ea typeface="Courier New"/>
+                <a:cs typeface="Courier New"/>
+                <a:sym typeface="Courier New"/>
+              </a:rPr>
+              <a:t>s</a:t>
+            </a:r>
+            <a:endParaRPr sz="1050">
+              <a:solidFill>
+                <a:srgbClr val="CE9178"/>
+              </a:solidFill>
+              <a:highlight>
+                <a:srgbClr val="1F1F1F"/>
+              </a:highlight>
+              <a:latin typeface="Courier New"/>
+              <a:ea typeface="Courier New"/>
+              <a:cs typeface="Courier New"/>
+              <a:sym typeface="Courier New"/>
+            </a:endParaRPr>
+          </a:p>
+          <a:p>
+            <a:pPr indent="0" lvl="0" marL="0" rtl="0" algn="l">
+              <a:lnSpc>
+                <a:spcPct val="135714"/>
+              </a:lnSpc>
+              <a:spcBef>
+                <a:spcPts val="0"/>
+              </a:spcBef>
+              <a:spcAft>
+                <a:spcPts val="0"/>
+              </a:spcAft>
+              <a:buNone/>
+            </a:pPr>
+            <a:r>
+              <a:t/>
+            </a:r>
+            <a:endParaRPr sz="1050">
+              <a:solidFill>
+                <a:srgbClr val="CCCCCC"/>
+              </a:solidFill>
+              <a:highlight>
+                <a:srgbClr val="1F1F1F"/>
+              </a:highlight>
+              <a:latin typeface="Courier New"/>
+              <a:ea typeface="Courier New"/>
+              <a:cs typeface="Courier New"/>
+              <a:sym typeface="Courier New"/>
+            </a:endParaRPr>
+          </a:p>
+          <a:p>
+            <a:pPr indent="0" lvl="0" marL="0" rtl="0" algn="l">
+              <a:lnSpc>
+                <a:spcPct val="135714"/>
+              </a:lnSpc>
+              <a:spcBef>
+                <a:spcPts val="0"/>
+              </a:spcBef>
+              <a:spcAft>
+                <a:spcPts val="0"/>
+              </a:spcAft>
+              <a:buNone/>
+            </a:pPr>
+            <a:r>
+              <a:rPr lang="en" sz="1050">
+                <a:solidFill>
+                  <a:srgbClr val="DCDCAA"/>
+                </a:solidFill>
+                <a:highlight>
+                  <a:srgbClr val="1F1F1F"/>
+                </a:highlight>
+                <a:latin typeface="Courier New"/>
+                <a:ea typeface="Courier New"/>
+                <a:cs typeface="Courier New"/>
+                <a:sym typeface="Courier New"/>
+              </a:rPr>
+              <a:t>echo</a:t>
+            </a:r>
+            <a:r>
+              <a:rPr lang="en" sz="1050">
+                <a:solidFill>
+                  <a:srgbClr val="CCCCCC"/>
+                </a:solidFill>
+                <a:highlight>
+                  <a:srgbClr val="1F1F1F"/>
+                </a:highlight>
+                <a:latin typeface="Courier New"/>
+                <a:ea typeface="Courier New"/>
+                <a:cs typeface="Courier New"/>
+                <a:sym typeface="Courier New"/>
+              </a:rPr>
+              <a:t> </a:t>
+            </a:r>
+            <a:r>
+              <a:rPr lang="en" sz="1050">
+                <a:solidFill>
+                  <a:srgbClr val="9CDCFE"/>
+                </a:solidFill>
+                <a:highlight>
+                  <a:srgbClr val="1F1F1F"/>
+                </a:highlight>
+                <a:latin typeface="Courier New"/>
+                <a:ea typeface="Courier New"/>
+                <a:cs typeface="Courier New"/>
+                <a:sym typeface="Courier New"/>
+              </a:rPr>
+              <a:t>$HOSTNAME</a:t>
+            </a:r>
+            <a:r>
+              <a:rPr lang="en" sz="1050">
+                <a:solidFill>
+                  <a:srgbClr val="CCCCCC"/>
+                </a:solidFill>
+                <a:highlight>
+                  <a:srgbClr val="1F1F1F"/>
+                </a:highlight>
+                <a:latin typeface="Courier New"/>
+                <a:ea typeface="Courier New"/>
+                <a:cs typeface="Courier New"/>
+                <a:sym typeface="Courier New"/>
+              </a:rPr>
+              <a:t> </a:t>
+            </a:r>
+            <a:r>
+              <a:rPr lang="en" sz="1050">
+                <a:solidFill>
+                  <a:srgbClr val="D4D4D4"/>
+                </a:solidFill>
+                <a:highlight>
+                  <a:srgbClr val="1F1F1F"/>
+                </a:highlight>
+                <a:latin typeface="Courier New"/>
+                <a:ea typeface="Courier New"/>
+                <a:cs typeface="Courier New"/>
+                <a:sym typeface="Courier New"/>
+              </a:rPr>
+              <a:t>&gt;&amp;2</a:t>
+            </a:r>
+            <a:endParaRPr sz="1050">
+              <a:solidFill>
+                <a:srgbClr val="D4D4D4"/>
+              </a:solidFill>
+              <a:highlight>
+                <a:srgbClr val="1F1F1F"/>
+              </a:highlight>
+              <a:latin typeface="Courier New"/>
+              <a:ea typeface="Courier New"/>
+              <a:cs typeface="Courier New"/>
+              <a:sym typeface="Courier New"/>
+            </a:endParaRPr>
+          </a:p>
+          <a:p>
+            <a:pPr indent="0" lvl="0" marL="0" rtl="0" algn="l">
+              <a:lnSpc>
+                <a:spcPct val="135714"/>
+              </a:lnSpc>
+              <a:spcBef>
+                <a:spcPts val="0"/>
+              </a:spcBef>
+              <a:spcAft>
+                <a:spcPts val="0"/>
+              </a:spcAft>
+              <a:buNone/>
+            </a:pPr>
+            <a:r>
+              <a:t/>
+            </a:r>
+            <a:endParaRPr sz="1050">
+              <a:solidFill>
+                <a:srgbClr val="CCCCCC"/>
+              </a:solidFill>
+              <a:highlight>
+                <a:srgbClr val="1F1F1F"/>
+              </a:highlight>
+              <a:latin typeface="Courier New"/>
+              <a:ea typeface="Courier New"/>
+              <a:cs typeface="Courier New"/>
+              <a:sym typeface="Courier New"/>
+            </a:endParaRPr>
+          </a:p>
+          <a:p>
+            <a:pPr indent="0" lvl="0" marL="0" rtl="0" algn="l">
+              <a:lnSpc>
+                <a:spcPct val="135714"/>
+              </a:lnSpc>
+              <a:spcBef>
+                <a:spcPts val="0"/>
+              </a:spcBef>
+              <a:spcAft>
+                <a:spcPts val="0"/>
+              </a:spcAft>
+              <a:buNone/>
+            </a:pPr>
+            <a:r>
+              <a:rPr lang="en" sz="1050">
+                <a:solidFill>
+                  <a:srgbClr val="DCDCAA"/>
+                </a:solidFill>
+                <a:highlight>
+                  <a:srgbClr val="1F1F1F"/>
+                </a:highlight>
+                <a:latin typeface="Courier New"/>
+                <a:ea typeface="Courier New"/>
+                <a:cs typeface="Courier New"/>
+                <a:sym typeface="Courier New"/>
+              </a:rPr>
+              <a:t>module</a:t>
+            </a:r>
+            <a:r>
+              <a:rPr lang="en" sz="1050">
+                <a:solidFill>
+                  <a:srgbClr val="CCCCCC"/>
+                </a:solidFill>
+                <a:highlight>
+                  <a:srgbClr val="1F1F1F"/>
+                </a:highlight>
+                <a:latin typeface="Courier New"/>
+                <a:ea typeface="Courier New"/>
+                <a:cs typeface="Courier New"/>
+                <a:sym typeface="Courier New"/>
+              </a:rPr>
+              <a:t> </a:t>
+            </a:r>
+            <a:r>
+              <a:rPr lang="en" sz="1050">
+                <a:solidFill>
+                  <a:srgbClr val="CE9178"/>
+                </a:solidFill>
+                <a:highlight>
+                  <a:srgbClr val="1F1F1F"/>
+                </a:highlight>
+                <a:latin typeface="Courier New"/>
+                <a:ea typeface="Courier New"/>
+                <a:cs typeface="Courier New"/>
+                <a:sym typeface="Courier New"/>
+              </a:rPr>
+              <a:t>load</a:t>
+            </a:r>
+            <a:r>
+              <a:rPr lang="en" sz="1050">
+                <a:solidFill>
+                  <a:srgbClr val="CCCCCC"/>
+                </a:solidFill>
+                <a:highlight>
+                  <a:srgbClr val="1F1F1F"/>
+                </a:highlight>
+                <a:latin typeface="Courier New"/>
+                <a:ea typeface="Courier New"/>
+                <a:cs typeface="Courier New"/>
+                <a:sym typeface="Courier New"/>
+              </a:rPr>
+              <a:t> </a:t>
+            </a:r>
+            <a:r>
+              <a:rPr lang="en" sz="1050">
+                <a:solidFill>
+                  <a:srgbClr val="CE9178"/>
+                </a:solidFill>
+                <a:highlight>
+                  <a:srgbClr val="1F1F1F"/>
+                </a:highlight>
+                <a:latin typeface="Courier New"/>
+                <a:ea typeface="Courier New"/>
+                <a:cs typeface="Courier New"/>
+                <a:sym typeface="Courier New"/>
+              </a:rPr>
+              <a:t>matlab/R2022a</a:t>
+            </a:r>
+            <a:endParaRPr sz="1050">
+              <a:solidFill>
+                <a:srgbClr val="CE9178"/>
+              </a:solidFill>
+              <a:highlight>
+                <a:srgbClr val="1F1F1F"/>
+              </a:highlight>
+              <a:latin typeface="Courier New"/>
+              <a:ea typeface="Courier New"/>
+              <a:cs typeface="Courier New"/>
+              <a:sym typeface="Courier New"/>
+            </a:endParaRPr>
+          </a:p>
+          <a:p>
+            <a:pPr indent="0" lvl="0" marL="0" rtl="0" algn="l">
+              <a:lnSpc>
+                <a:spcPct val="135714"/>
+              </a:lnSpc>
+              <a:spcBef>
+                <a:spcPts val="0"/>
+              </a:spcBef>
+              <a:spcAft>
+                <a:spcPts val="0"/>
+              </a:spcAft>
+              <a:buNone/>
+            </a:pPr>
+            <a:r>
+              <a:rPr lang="en" sz="1050">
+                <a:solidFill>
+                  <a:srgbClr val="DCDCAA"/>
+                </a:solidFill>
+                <a:highlight>
+                  <a:srgbClr val="1F1F1F"/>
+                </a:highlight>
+                <a:latin typeface="Courier New"/>
+                <a:ea typeface="Courier New"/>
+                <a:cs typeface="Courier New"/>
+                <a:sym typeface="Courier New"/>
+              </a:rPr>
+              <a:t>srun</a:t>
+            </a:r>
+            <a:r>
+              <a:rPr lang="en" sz="1050">
+                <a:solidFill>
+                  <a:srgbClr val="CCCCCC"/>
+                </a:solidFill>
+                <a:highlight>
+                  <a:srgbClr val="1F1F1F"/>
+                </a:highlight>
+                <a:latin typeface="Courier New"/>
+                <a:ea typeface="Courier New"/>
+                <a:cs typeface="Courier New"/>
+                <a:sym typeface="Courier New"/>
+              </a:rPr>
+              <a:t> </a:t>
+            </a:r>
+            <a:r>
+              <a:rPr lang="en" sz="1050">
+                <a:solidFill>
+                  <a:srgbClr val="569CD6"/>
+                </a:solidFill>
+                <a:highlight>
+                  <a:srgbClr val="1F1F1F"/>
+                </a:highlight>
+                <a:latin typeface="Courier New"/>
+                <a:ea typeface="Courier New"/>
+                <a:cs typeface="Courier New"/>
+                <a:sym typeface="Courier New"/>
+              </a:rPr>
+              <a:t>-N1</a:t>
+            </a:r>
+            <a:r>
+              <a:rPr lang="en" sz="1050">
+                <a:solidFill>
+                  <a:srgbClr val="CCCCCC"/>
+                </a:solidFill>
+                <a:highlight>
+                  <a:srgbClr val="1F1F1F"/>
+                </a:highlight>
+                <a:latin typeface="Courier New"/>
+                <a:ea typeface="Courier New"/>
+                <a:cs typeface="Courier New"/>
+                <a:sym typeface="Courier New"/>
+              </a:rPr>
+              <a:t> </a:t>
+            </a:r>
+            <a:r>
+              <a:rPr lang="en" sz="1050">
+                <a:solidFill>
+                  <a:srgbClr val="569CD6"/>
+                </a:solidFill>
+                <a:highlight>
+                  <a:srgbClr val="1F1F1F"/>
+                </a:highlight>
+                <a:latin typeface="Courier New"/>
+                <a:ea typeface="Courier New"/>
+                <a:cs typeface="Courier New"/>
+                <a:sym typeface="Courier New"/>
+              </a:rPr>
+              <a:t>-n1</a:t>
+            </a:r>
+            <a:r>
+              <a:rPr lang="en" sz="1050">
+                <a:solidFill>
+                  <a:srgbClr val="CCCCCC"/>
+                </a:solidFill>
+                <a:highlight>
+                  <a:srgbClr val="1F1F1F"/>
+                </a:highlight>
+                <a:latin typeface="Courier New"/>
+                <a:ea typeface="Courier New"/>
+                <a:cs typeface="Courier New"/>
+                <a:sym typeface="Courier New"/>
+              </a:rPr>
+              <a:t> </a:t>
+            </a:r>
+            <a:r>
+              <a:rPr lang="en" sz="1050">
+                <a:solidFill>
+                  <a:srgbClr val="CE9178"/>
+                </a:solidFill>
+                <a:highlight>
+                  <a:srgbClr val="1F1F1F"/>
+                </a:highlight>
+                <a:latin typeface="Courier New"/>
+                <a:ea typeface="Courier New"/>
+                <a:cs typeface="Courier New"/>
+                <a:sym typeface="Courier New"/>
+              </a:rPr>
+              <a:t>numactl</a:t>
+            </a:r>
+            <a:r>
+              <a:rPr lang="en" sz="1050">
+                <a:solidFill>
+                  <a:srgbClr val="CCCCCC"/>
+                </a:solidFill>
+                <a:highlight>
+                  <a:srgbClr val="1F1F1F"/>
+                </a:highlight>
+                <a:latin typeface="Courier New"/>
+                <a:ea typeface="Courier New"/>
+                <a:cs typeface="Courier New"/>
+                <a:sym typeface="Courier New"/>
+              </a:rPr>
+              <a:t> </a:t>
+            </a:r>
+            <a:r>
+              <a:rPr lang="en" sz="1050">
+                <a:solidFill>
+                  <a:srgbClr val="569CD6"/>
+                </a:solidFill>
+                <a:highlight>
+                  <a:srgbClr val="1F1F1F"/>
+                </a:highlight>
+                <a:latin typeface="Courier New"/>
+                <a:ea typeface="Courier New"/>
+                <a:cs typeface="Courier New"/>
+                <a:sym typeface="Courier New"/>
+              </a:rPr>
+              <a:t>--localalloc</a:t>
+            </a:r>
+            <a:r>
+              <a:rPr lang="en" sz="1050">
+                <a:solidFill>
+                  <a:srgbClr val="CCCCCC"/>
+                </a:solidFill>
+                <a:highlight>
+                  <a:srgbClr val="1F1F1F"/>
+                </a:highlight>
+                <a:latin typeface="Courier New"/>
+                <a:ea typeface="Courier New"/>
+                <a:cs typeface="Courier New"/>
+                <a:sym typeface="Courier New"/>
+              </a:rPr>
+              <a:t> </a:t>
+            </a:r>
+            <a:r>
+              <a:rPr lang="en" sz="1050">
+                <a:solidFill>
+                  <a:srgbClr val="CE9178"/>
+                </a:solidFill>
+                <a:highlight>
+                  <a:srgbClr val="1F1F1F"/>
+                </a:highlight>
+                <a:latin typeface="Courier New"/>
+                <a:ea typeface="Courier New"/>
+                <a:cs typeface="Courier New"/>
+                <a:sym typeface="Courier New"/>
+              </a:rPr>
+              <a:t>echo</a:t>
+            </a:r>
+            <a:r>
+              <a:rPr lang="en" sz="1050">
+                <a:solidFill>
+                  <a:srgbClr val="CCCCCC"/>
+                </a:solidFill>
+                <a:highlight>
+                  <a:srgbClr val="1F1F1F"/>
+                </a:highlight>
+                <a:latin typeface="Courier New"/>
+                <a:ea typeface="Courier New"/>
+                <a:cs typeface="Courier New"/>
+                <a:sym typeface="Courier New"/>
+              </a:rPr>
+              <a:t> </a:t>
+            </a:r>
+            <a:r>
+              <a:rPr lang="en" sz="1050">
+                <a:solidFill>
+                  <a:srgbClr val="CE9178"/>
+                </a:solidFill>
+                <a:highlight>
+                  <a:srgbClr val="1F1F1F"/>
+                </a:highlight>
+                <a:latin typeface="Courier New"/>
+                <a:ea typeface="Courier New"/>
+                <a:cs typeface="Courier New"/>
+                <a:sym typeface="Courier New"/>
+              </a:rPr>
+              <a:t>"hello node1"</a:t>
+            </a:r>
+            <a:r>
+              <a:rPr lang="en" sz="1050">
+                <a:solidFill>
+                  <a:srgbClr val="CCCCCC"/>
+                </a:solidFill>
+                <a:highlight>
+                  <a:srgbClr val="1F1F1F"/>
+                </a:highlight>
+                <a:latin typeface="Courier New"/>
+                <a:ea typeface="Courier New"/>
+                <a:cs typeface="Courier New"/>
+                <a:sym typeface="Courier New"/>
+              </a:rPr>
+              <a:t> &amp;</a:t>
+            </a:r>
+            <a:endParaRPr sz="1050">
+              <a:solidFill>
+                <a:srgbClr val="CCCCCC"/>
+              </a:solidFill>
+              <a:highlight>
+                <a:srgbClr val="1F1F1F"/>
+              </a:highlight>
+              <a:latin typeface="Courier New"/>
+              <a:ea typeface="Courier New"/>
+              <a:cs typeface="Courier New"/>
+              <a:sym typeface="Courier New"/>
+            </a:endParaRPr>
+          </a:p>
+          <a:p>
+            <a:pPr indent="0" lvl="0" marL="0" rtl="0" algn="l">
+              <a:lnSpc>
+                <a:spcPct val="135714"/>
+              </a:lnSpc>
+              <a:spcBef>
+                <a:spcPts val="0"/>
+              </a:spcBef>
+              <a:spcAft>
+                <a:spcPts val="0"/>
+              </a:spcAft>
+              <a:buNone/>
+            </a:pPr>
+            <a:r>
+              <a:rPr lang="en" sz="1050">
+                <a:solidFill>
+                  <a:srgbClr val="DCDCAA"/>
+                </a:solidFill>
+                <a:highlight>
+                  <a:srgbClr val="1F1F1F"/>
+                </a:highlight>
+                <a:latin typeface="Courier New"/>
+                <a:ea typeface="Courier New"/>
+                <a:cs typeface="Courier New"/>
+                <a:sym typeface="Courier New"/>
+              </a:rPr>
+              <a:t>srun</a:t>
+            </a:r>
+            <a:r>
+              <a:rPr lang="en" sz="1050">
+                <a:solidFill>
+                  <a:srgbClr val="CCCCCC"/>
+                </a:solidFill>
+                <a:highlight>
+                  <a:srgbClr val="1F1F1F"/>
+                </a:highlight>
+                <a:latin typeface="Courier New"/>
+                <a:ea typeface="Courier New"/>
+                <a:cs typeface="Courier New"/>
+                <a:sym typeface="Courier New"/>
+              </a:rPr>
+              <a:t> </a:t>
+            </a:r>
+            <a:r>
+              <a:rPr lang="en" sz="1050">
+                <a:solidFill>
+                  <a:srgbClr val="569CD6"/>
+                </a:solidFill>
+                <a:highlight>
+                  <a:srgbClr val="1F1F1F"/>
+                </a:highlight>
+                <a:latin typeface="Courier New"/>
+                <a:ea typeface="Courier New"/>
+                <a:cs typeface="Courier New"/>
+                <a:sym typeface="Courier New"/>
+              </a:rPr>
+              <a:t>-N1</a:t>
+            </a:r>
+            <a:r>
+              <a:rPr lang="en" sz="1050">
+                <a:solidFill>
+                  <a:srgbClr val="CCCCCC"/>
+                </a:solidFill>
+                <a:highlight>
+                  <a:srgbClr val="1F1F1F"/>
+                </a:highlight>
+                <a:latin typeface="Courier New"/>
+                <a:ea typeface="Courier New"/>
+                <a:cs typeface="Courier New"/>
+                <a:sym typeface="Courier New"/>
+              </a:rPr>
+              <a:t> </a:t>
+            </a:r>
+            <a:r>
+              <a:rPr lang="en" sz="1050">
+                <a:solidFill>
+                  <a:srgbClr val="569CD6"/>
+                </a:solidFill>
+                <a:highlight>
+                  <a:srgbClr val="1F1F1F"/>
+                </a:highlight>
+                <a:latin typeface="Courier New"/>
+                <a:ea typeface="Courier New"/>
+                <a:cs typeface="Courier New"/>
+                <a:sym typeface="Courier New"/>
+              </a:rPr>
+              <a:t>-n1</a:t>
+            </a:r>
+            <a:r>
+              <a:rPr lang="en" sz="1050">
+                <a:solidFill>
+                  <a:srgbClr val="CCCCCC"/>
+                </a:solidFill>
+                <a:highlight>
+                  <a:srgbClr val="1F1F1F"/>
+                </a:highlight>
+                <a:latin typeface="Courier New"/>
+                <a:ea typeface="Courier New"/>
+                <a:cs typeface="Courier New"/>
+                <a:sym typeface="Courier New"/>
+              </a:rPr>
+              <a:t> </a:t>
+            </a:r>
+            <a:r>
+              <a:rPr lang="en" sz="1050">
+                <a:solidFill>
+                  <a:srgbClr val="CE9178"/>
+                </a:solidFill>
+                <a:highlight>
+                  <a:srgbClr val="1F1F1F"/>
+                </a:highlight>
+                <a:latin typeface="Courier New"/>
+                <a:ea typeface="Courier New"/>
+                <a:cs typeface="Courier New"/>
+                <a:sym typeface="Courier New"/>
+              </a:rPr>
+              <a:t>numactl</a:t>
+            </a:r>
+            <a:r>
+              <a:rPr lang="en" sz="1050">
+                <a:solidFill>
+                  <a:srgbClr val="CCCCCC"/>
+                </a:solidFill>
+                <a:highlight>
+                  <a:srgbClr val="1F1F1F"/>
+                </a:highlight>
+                <a:latin typeface="Courier New"/>
+                <a:ea typeface="Courier New"/>
+                <a:cs typeface="Courier New"/>
+                <a:sym typeface="Courier New"/>
+              </a:rPr>
+              <a:t> </a:t>
+            </a:r>
+            <a:r>
+              <a:rPr lang="en" sz="1050">
+                <a:solidFill>
+                  <a:srgbClr val="569CD6"/>
+                </a:solidFill>
+                <a:highlight>
+                  <a:srgbClr val="1F1F1F"/>
+                </a:highlight>
+                <a:latin typeface="Courier New"/>
+                <a:ea typeface="Courier New"/>
+                <a:cs typeface="Courier New"/>
+                <a:sym typeface="Courier New"/>
+              </a:rPr>
+              <a:t>--localalloc</a:t>
+            </a:r>
+            <a:r>
+              <a:rPr lang="en" sz="1050">
+                <a:solidFill>
+                  <a:srgbClr val="CCCCCC"/>
+                </a:solidFill>
+                <a:highlight>
+                  <a:srgbClr val="1F1F1F"/>
+                </a:highlight>
+                <a:latin typeface="Courier New"/>
+                <a:ea typeface="Courier New"/>
+                <a:cs typeface="Courier New"/>
+                <a:sym typeface="Courier New"/>
+              </a:rPr>
+              <a:t> </a:t>
+            </a:r>
+            <a:r>
+              <a:rPr lang="en" sz="1050">
+                <a:solidFill>
+                  <a:srgbClr val="CE9178"/>
+                </a:solidFill>
+                <a:highlight>
+                  <a:srgbClr val="1F1F1F"/>
+                </a:highlight>
+                <a:latin typeface="Courier New"/>
+                <a:ea typeface="Courier New"/>
+                <a:cs typeface="Courier New"/>
+                <a:sym typeface="Courier New"/>
+              </a:rPr>
+              <a:t>echo</a:t>
+            </a:r>
+            <a:r>
+              <a:rPr lang="en" sz="1050">
+                <a:solidFill>
+                  <a:srgbClr val="CCCCCC"/>
+                </a:solidFill>
+                <a:highlight>
+                  <a:srgbClr val="1F1F1F"/>
+                </a:highlight>
+                <a:latin typeface="Courier New"/>
+                <a:ea typeface="Courier New"/>
+                <a:cs typeface="Courier New"/>
+                <a:sym typeface="Courier New"/>
+              </a:rPr>
+              <a:t> </a:t>
+            </a:r>
+            <a:r>
+              <a:rPr lang="en" sz="1050">
+                <a:solidFill>
+                  <a:srgbClr val="CE9178"/>
+                </a:solidFill>
+                <a:highlight>
+                  <a:srgbClr val="1F1F1F"/>
+                </a:highlight>
+                <a:latin typeface="Courier New"/>
+                <a:ea typeface="Courier New"/>
+                <a:cs typeface="Courier New"/>
+                <a:sym typeface="Courier New"/>
+              </a:rPr>
+              <a:t>"hello node2"</a:t>
+            </a:r>
+            <a:r>
+              <a:rPr lang="en" sz="1050">
+                <a:solidFill>
+                  <a:srgbClr val="CCCCCC"/>
+                </a:solidFill>
+                <a:highlight>
+                  <a:srgbClr val="1F1F1F"/>
+                </a:highlight>
+                <a:latin typeface="Courier New"/>
+                <a:ea typeface="Courier New"/>
+                <a:cs typeface="Courier New"/>
+                <a:sym typeface="Courier New"/>
+              </a:rPr>
+              <a:t> &amp;</a:t>
+            </a:r>
+            <a:endParaRPr sz="1050">
+              <a:solidFill>
+                <a:srgbClr val="CCCCCC"/>
+              </a:solidFill>
+              <a:highlight>
+                <a:srgbClr val="1F1F1F"/>
+              </a:highlight>
+              <a:latin typeface="Courier New"/>
+              <a:ea typeface="Courier New"/>
+              <a:cs typeface="Courier New"/>
+              <a:sym typeface="Courier New"/>
+            </a:endParaRPr>
+          </a:p>
+          <a:p>
+            <a:pPr indent="0" lvl="0" marL="0" rtl="0" algn="l">
+              <a:lnSpc>
+                <a:spcPct val="135714"/>
+              </a:lnSpc>
+              <a:spcBef>
+                <a:spcPts val="0"/>
+              </a:spcBef>
+              <a:spcAft>
+                <a:spcPts val="0"/>
+              </a:spcAft>
+              <a:buNone/>
+            </a:pPr>
+            <a:r>
+              <a:t/>
+            </a:r>
+            <a:endParaRPr sz="1050">
+              <a:solidFill>
+                <a:srgbClr val="CCCCCC"/>
+              </a:solidFill>
+              <a:highlight>
+                <a:srgbClr val="1F1F1F"/>
+              </a:highlight>
+              <a:latin typeface="Courier New"/>
+              <a:ea typeface="Courier New"/>
+              <a:cs typeface="Courier New"/>
+              <a:sym typeface="Courier New"/>
+            </a:endParaRPr>
+          </a:p>
+          <a:p>
+            <a:pPr indent="0" lvl="0" marL="0" rtl="0" algn="l">
+              <a:lnSpc>
+                <a:spcPct val="135714"/>
+              </a:lnSpc>
+              <a:spcBef>
+                <a:spcPts val="0"/>
+              </a:spcBef>
+              <a:spcAft>
+                <a:spcPts val="0"/>
+              </a:spcAft>
+              <a:buNone/>
+            </a:pPr>
+            <a:r>
+              <a:rPr lang="en" sz="1050">
+                <a:solidFill>
+                  <a:srgbClr val="DCDCAA"/>
+                </a:solidFill>
+                <a:highlight>
+                  <a:srgbClr val="1F1F1F"/>
+                </a:highlight>
+                <a:latin typeface="Courier New"/>
+                <a:ea typeface="Courier New"/>
+                <a:cs typeface="Courier New"/>
+                <a:sym typeface="Courier New"/>
+              </a:rPr>
+              <a:t>wait</a:t>
+            </a:r>
+            <a:endParaRPr sz="1050">
+              <a:solidFill>
+                <a:srgbClr val="DCDCAA"/>
+              </a:solidFill>
+              <a:highlight>
+                <a:srgbClr val="1F1F1F"/>
+              </a:highlight>
+              <a:latin typeface="Courier New"/>
+              <a:ea typeface="Courier New"/>
+              <a:cs typeface="Courier New"/>
+              <a:sym typeface="Courier New"/>
+            </a:endParaRPr>
+          </a:p>
+          <a:p>
+            <a:pPr indent="0" lvl="0" marL="0" rtl="0" algn="l">
+              <a:lnSpc>
+                <a:spcPct val="135714"/>
+              </a:lnSpc>
+              <a:spcBef>
+                <a:spcPts val="0"/>
+              </a:spcBef>
+              <a:spcAft>
+                <a:spcPts val="0"/>
+              </a:spcAft>
+              <a:buNone/>
+            </a:pPr>
+            <a:r>
+              <a:t/>
+            </a:r>
+            <a:endParaRPr sz="1050">
+              <a:solidFill>
+                <a:srgbClr val="CCCCCC"/>
+              </a:solidFill>
+              <a:highlight>
+                <a:srgbClr val="1F1F1F"/>
+              </a:highlight>
+              <a:latin typeface="Courier New"/>
+              <a:ea typeface="Courier New"/>
+              <a:cs typeface="Courier New"/>
+              <a:sym typeface="Courier New"/>
+            </a:endParaRPr>
+          </a:p>
+          <a:p>
+            <a:pPr indent="0" lvl="0" marL="0" rtl="0" algn="l">
+              <a:lnSpc>
+                <a:spcPct val="135714"/>
+              </a:lnSpc>
+              <a:spcBef>
+                <a:spcPts val="0"/>
+              </a:spcBef>
+              <a:spcAft>
+                <a:spcPts val="0"/>
+              </a:spcAft>
+              <a:buNone/>
+            </a:pPr>
+            <a:r>
+              <a:rPr lang="en" sz="1050">
+                <a:solidFill>
+                  <a:srgbClr val="DCDCAA"/>
+                </a:solidFill>
+                <a:highlight>
+                  <a:srgbClr val="1F1F1F"/>
+                </a:highlight>
+                <a:latin typeface="Courier New"/>
+                <a:ea typeface="Courier New"/>
+                <a:cs typeface="Courier New"/>
+                <a:sym typeface="Courier New"/>
+              </a:rPr>
+              <a:t>sleep</a:t>
+            </a:r>
+            <a:r>
+              <a:rPr lang="en" sz="1050">
+                <a:solidFill>
+                  <a:srgbClr val="CCCCCC"/>
+                </a:solidFill>
+                <a:highlight>
+                  <a:srgbClr val="1F1F1F"/>
+                </a:highlight>
+                <a:latin typeface="Courier New"/>
+                <a:ea typeface="Courier New"/>
+                <a:cs typeface="Courier New"/>
+                <a:sym typeface="Courier New"/>
+              </a:rPr>
+              <a:t> </a:t>
+            </a:r>
+            <a:r>
+              <a:rPr lang="en" sz="1050">
+                <a:solidFill>
+                  <a:srgbClr val="B5CEA8"/>
+                </a:solidFill>
+                <a:highlight>
+                  <a:srgbClr val="1F1F1F"/>
+                </a:highlight>
+                <a:latin typeface="Courier New"/>
+                <a:ea typeface="Courier New"/>
+                <a:cs typeface="Courier New"/>
+                <a:sym typeface="Courier New"/>
+              </a:rPr>
+              <a:t>10</a:t>
+            </a:r>
+            <a:r>
+              <a:rPr lang="en" sz="1050">
+                <a:solidFill>
+                  <a:srgbClr val="CE9178"/>
+                </a:solidFill>
+                <a:highlight>
+                  <a:srgbClr val="1F1F1F"/>
+                </a:highlight>
+                <a:latin typeface="Courier New"/>
+                <a:ea typeface="Courier New"/>
+                <a:cs typeface="Courier New"/>
+                <a:sym typeface="Courier New"/>
+              </a:rPr>
+              <a:t>s</a:t>
+            </a:r>
+            <a:endParaRPr sz="1050">
+              <a:solidFill>
+                <a:srgbClr val="CE9178"/>
+              </a:solidFill>
+              <a:highlight>
+                <a:srgbClr val="1F1F1F"/>
+              </a:highlight>
+              <a:latin typeface="Courier New"/>
+              <a:ea typeface="Courier New"/>
+              <a:cs typeface="Courier New"/>
+              <a:sym typeface="Courier New"/>
+            </a:endParaRPr>
+          </a:p>
+          <a:p>
+            <a:pPr indent="0" lvl="0" marL="0" rtl="0" algn="l">
+              <a:spcBef>
+                <a:spcPts val="0"/>
+              </a:spcBef>
+              <a:spcAft>
+                <a:spcPts val="1200"/>
+              </a:spcAft>
+              <a:buNone/>
+            </a:pPr>
+            <a:r>
+              <a:t/>
+            </a:r>
+            <a:endParaRPr/>
+          </a:p>
+        </p:txBody>
+      </p:sp>
+    </p:spTree>
+  </p:cSld>
+  <p:clrMapOvr>
+    <a:masterClrMapping/>
+  </p:clrMapOvr>
+</p:sld>
+</file>
+
+<file path=ppt/slides/slide57.xml><?xml version="1.0" encoding="utf-8"?>
+<p:sld xmlns:a="http://schemas.openxmlformats.org/drawingml/2006/main" xmlns:r="http://schemas.openxmlformats.org/officeDocument/2006/relationships" xmlns:mc="http://schemas.openxmlformats.org/markup-compatibility/2006" xmlns:mv="urn:schemas-microsoft-com:mac:vml" xmlns:p="http://schemas.openxmlformats.org/presentationml/2006/main" xmlns:c="http://schemas.openxmlformats.org/drawingml/2006/chart" xmlns:dgm="http://schemas.openxmlformats.org/drawingml/2006/diagram" xmlns:o="urn:schemas-microsoft-com:office:office" xmlns:v="urn:schemas-microsoft-com:vml" xmlns:pvml="urn:schemas-microsoft-com:office:powerpoint" xmlns:com="http://schemas.openxmlformats.org/drawingml/2006/compatibility" xmlns:p14="http://schemas.microsoft.com/office/powerpoint/2010/main" xmlns:p15="http://schemas.microsoft.com/office/powerpoint/2012/main" xmlns:ahyp="http://schemas.microsoft.com/office/drawing/2018/hyperlinkcolor">
+  <p:cSld>
+    <p:spTree>
+      <p:nvGrpSpPr>
+        <p:cNvPr id="421" name="Shape 421"/>
+        <p:cNvGrpSpPr/>
+        <p:nvPr/>
+      </p:nvGrpSpPr>
+      <p:grpSpPr>
+        <a:xfrm>
+          <a:off x="0" y="0"/>
+          <a:ext cx="0" cy="0"/>
+          <a:chOff x="0" y="0"/>
+          <a:chExt cx="0" cy="0"/>
+        </a:xfrm>
+      </p:grpSpPr>
+      <p:sp>
+        <p:nvSpPr>
+          <p:cNvPr id="422" name="Google Shape;422;p69"/>
+          <p:cNvSpPr txBox="1"/>
+          <p:nvPr>
+            <p:ph type="title"/>
+          </p:nvPr>
+        </p:nvSpPr>
+        <p:spPr>
+          <a:xfrm>
+            <a:off x="311700" y="0"/>
+            <a:ext cx="8520600" cy="572700"/>
+          </a:xfrm>
+          <a:prstGeom prst="rect">
+            <a:avLst/>
+          </a:prstGeom>
+        </p:spPr>
+        <p:txBody>
+          <a:bodyPr anchorCtr="0" anchor="t" bIns="91425" lIns="91425" spcFirstLastPara="1" rIns="91425" wrap="square" tIns="91425">
+            <a:normAutofit fontScale="90000"/>
+          </a:bodyPr>
+          <a:lstStyle/>
+          <a:p>
+            <a:pPr indent="0" lvl="0" marL="0" rtl="0" algn="l">
+              <a:spcBef>
+                <a:spcPts val="0"/>
+              </a:spcBef>
+              <a:spcAft>
+                <a:spcPts val="0"/>
+              </a:spcAft>
+              <a:buNone/>
+            </a:pPr>
+            <a:r>
+              <a:rPr lang="en"/>
+              <a:t>Multi-GPU Jobs: Pytorch Example</a:t>
+            </a:r>
+            <a:endParaRPr/>
+          </a:p>
+        </p:txBody>
+      </p:sp>
+      <p:sp>
+        <p:nvSpPr>
+          <p:cNvPr id="423" name="Google Shape;423;p69"/>
+          <p:cNvSpPr txBox="1"/>
+          <p:nvPr>
+            <p:ph idx="1" type="body"/>
+          </p:nvPr>
+        </p:nvSpPr>
+        <p:spPr>
+          <a:xfrm>
+            <a:off x="311700" y="572700"/>
+            <a:ext cx="4260300" cy="3416400"/>
+          </a:xfrm>
+          <a:prstGeom prst="rect">
+            <a:avLst/>
+          </a:prstGeom>
+        </p:spPr>
+        <p:txBody>
+          <a:bodyPr anchorCtr="0" anchor="t" bIns="91425" lIns="91425" spcFirstLastPara="1" rIns="91425" wrap="square" tIns="91425">
+            <a:normAutofit/>
+          </a:bodyPr>
+          <a:lstStyle/>
+          <a:p>
+            <a:pPr indent="-342900" lvl="0" marL="457200" rtl="0" algn="l">
+              <a:spcBef>
+                <a:spcPts val="0"/>
+              </a:spcBef>
+              <a:spcAft>
+                <a:spcPts val="0"/>
+              </a:spcAft>
+              <a:buSzPts val="1800"/>
+              <a:buChar char="●"/>
+            </a:pPr>
+            <a:r>
+              <a:rPr lang="en"/>
+              <a:t>Very simple for single machines with multiple GPUs:</a:t>
+            </a:r>
+            <a:endParaRPr/>
+          </a:p>
+          <a:p>
+            <a:pPr indent="-317500" lvl="1" marL="914400" rtl="0" algn="l">
+              <a:spcBef>
+                <a:spcPts val="0"/>
+              </a:spcBef>
+              <a:spcAft>
+                <a:spcPts val="0"/>
+              </a:spcAft>
+              <a:buSzPts val="1400"/>
+              <a:buChar char="○"/>
+            </a:pPr>
+            <a:r>
+              <a:rPr lang="en"/>
+              <a:t>JUST REQUEST MORE GPUS!</a:t>
+            </a:r>
+            <a:endParaRPr/>
+          </a:p>
+          <a:p>
+            <a:pPr indent="-342900" lvl="0" marL="457200" rtl="0" algn="l">
+              <a:spcBef>
+                <a:spcPts val="0"/>
+              </a:spcBef>
+              <a:spcAft>
+                <a:spcPts val="0"/>
+              </a:spcAft>
+              <a:buSzPts val="1800"/>
+              <a:buChar char="●"/>
+            </a:pPr>
+            <a:r>
+              <a:rPr lang="en"/>
+              <a:t>More difficult is performing distributed computing with multiple NODES</a:t>
+            </a:r>
+            <a:endParaRPr/>
+          </a:p>
+          <a:p>
+            <a:pPr indent="-317500" lvl="1" marL="914400" rtl="0" algn="l">
+              <a:spcBef>
+                <a:spcPts val="0"/>
+              </a:spcBef>
+              <a:spcAft>
+                <a:spcPts val="0"/>
+              </a:spcAft>
+              <a:buSzPts val="1400"/>
+              <a:buChar char="○"/>
+            </a:pPr>
+            <a:r>
+              <a:rPr lang="en"/>
+              <a:t>You can use the granular control example to do that</a:t>
+            </a:r>
+            <a:endParaRPr/>
+          </a:p>
+          <a:p>
+            <a:pPr indent="-317500" lvl="1" marL="914400" rtl="0" algn="l">
+              <a:spcBef>
+                <a:spcPts val="0"/>
+              </a:spcBef>
+              <a:spcAft>
+                <a:spcPts val="0"/>
+              </a:spcAft>
+              <a:buSzPts val="1400"/>
+              <a:buChar char="○"/>
+            </a:pPr>
+            <a:r>
+              <a:rPr lang="en"/>
+              <a:t>Or some clever tricks with BASH</a:t>
+            </a:r>
+            <a:endParaRPr/>
+          </a:p>
+          <a:p>
+            <a:pPr indent="-317500" lvl="1" marL="914400" rtl="0" algn="l">
+              <a:spcBef>
+                <a:spcPts val="0"/>
+              </a:spcBef>
+              <a:spcAft>
+                <a:spcPts val="0"/>
+              </a:spcAft>
+              <a:buSzPts val="1400"/>
+              <a:buChar char="○"/>
+            </a:pPr>
+            <a:r>
+              <a:rPr lang="en"/>
+              <a:t>That’s beyond extra credit :) </a:t>
+            </a:r>
+            <a:endParaRPr/>
+          </a:p>
+        </p:txBody>
+      </p:sp>
+      <p:sp>
+        <p:nvSpPr>
+          <p:cNvPr id="424" name="Google Shape;424;p69"/>
+          <p:cNvSpPr txBox="1"/>
+          <p:nvPr>
+            <p:ph idx="1" type="body"/>
+          </p:nvPr>
+        </p:nvSpPr>
+        <p:spPr>
+          <a:xfrm>
+            <a:off x="4711425" y="451900"/>
+            <a:ext cx="4330200" cy="4596300"/>
+          </a:xfrm>
+          <a:prstGeom prst="rect">
+            <a:avLst/>
+          </a:prstGeom>
+        </p:spPr>
+        <p:txBody>
+          <a:bodyPr anchorCtr="0" anchor="t" bIns="91425" lIns="91425" spcFirstLastPara="1" rIns="91425" wrap="square" tIns="91425">
+            <a:normAutofit fontScale="77500" lnSpcReduction="20000"/>
+          </a:bodyPr>
+          <a:lstStyle/>
+          <a:p>
+            <a:pPr indent="0" lvl="0" marL="0" rtl="0" algn="l">
+              <a:lnSpc>
+                <a:spcPct val="135714"/>
+              </a:lnSpc>
+              <a:spcBef>
+                <a:spcPts val="0"/>
+              </a:spcBef>
+              <a:spcAft>
+                <a:spcPts val="0"/>
+              </a:spcAft>
+              <a:buNone/>
+            </a:pPr>
+            <a:r>
+              <a:rPr lang="en" sz="1050">
+                <a:solidFill>
+                  <a:srgbClr val="6A9955"/>
+                </a:solidFill>
+                <a:highlight>
+                  <a:srgbClr val="1F1F1F"/>
+                </a:highlight>
+                <a:latin typeface="Courier New"/>
+                <a:ea typeface="Courier New"/>
+                <a:cs typeface="Courier New"/>
+                <a:sym typeface="Courier New"/>
+              </a:rPr>
+              <a:t>#!/bin/bash</a:t>
+            </a:r>
+            <a:endParaRPr sz="1050">
+              <a:solidFill>
+                <a:srgbClr val="6A9955"/>
+              </a:solidFill>
+              <a:highlight>
+                <a:srgbClr val="1F1F1F"/>
+              </a:highlight>
+              <a:latin typeface="Courier New"/>
+              <a:ea typeface="Courier New"/>
+              <a:cs typeface="Courier New"/>
+              <a:sym typeface="Courier New"/>
+            </a:endParaRPr>
+          </a:p>
+          <a:p>
+            <a:pPr indent="0" lvl="0" marL="0" rtl="0" algn="l">
+              <a:lnSpc>
+                <a:spcPct val="135714"/>
+              </a:lnSpc>
+              <a:spcBef>
+                <a:spcPts val="0"/>
+              </a:spcBef>
+              <a:spcAft>
+                <a:spcPts val="0"/>
+              </a:spcAft>
+              <a:buNone/>
+            </a:pPr>
+            <a:r>
+              <a:rPr lang="en" sz="1050">
+                <a:solidFill>
+                  <a:srgbClr val="6A9955"/>
+                </a:solidFill>
+                <a:highlight>
+                  <a:srgbClr val="1F1F1F"/>
+                </a:highlight>
+                <a:latin typeface="Courier New"/>
+                <a:ea typeface="Courier New"/>
+                <a:cs typeface="Courier New"/>
+                <a:sym typeface="Courier New"/>
+              </a:rPr>
+              <a:t>#SBATCH -p qTRDGPU</a:t>
+            </a:r>
+            <a:endParaRPr sz="1050">
+              <a:solidFill>
+                <a:srgbClr val="6A9955"/>
+              </a:solidFill>
+              <a:highlight>
+                <a:srgbClr val="1F1F1F"/>
+              </a:highlight>
+              <a:latin typeface="Courier New"/>
+              <a:ea typeface="Courier New"/>
+              <a:cs typeface="Courier New"/>
+              <a:sym typeface="Courier New"/>
+            </a:endParaRPr>
+          </a:p>
+          <a:p>
+            <a:pPr indent="0" lvl="0" marL="0" rtl="0" algn="l">
+              <a:lnSpc>
+                <a:spcPct val="135714"/>
+              </a:lnSpc>
+              <a:spcBef>
+                <a:spcPts val="0"/>
+              </a:spcBef>
+              <a:spcAft>
+                <a:spcPts val="0"/>
+              </a:spcAft>
+              <a:buNone/>
+            </a:pPr>
+            <a:r>
+              <a:rPr lang="en" sz="1050">
+                <a:solidFill>
+                  <a:srgbClr val="6A9955"/>
+                </a:solidFill>
+                <a:highlight>
+                  <a:srgbClr val="1F1F1F"/>
+                </a:highlight>
+                <a:latin typeface="Courier New"/>
+                <a:ea typeface="Courier New"/>
+                <a:cs typeface="Courier New"/>
+                <a:sym typeface="Courier New"/>
+              </a:rPr>
+              <a:t>#SBATCH -N 1</a:t>
+            </a:r>
+            <a:endParaRPr sz="1050">
+              <a:solidFill>
+                <a:srgbClr val="6A9955"/>
+              </a:solidFill>
+              <a:highlight>
+                <a:srgbClr val="1F1F1F"/>
+              </a:highlight>
+              <a:latin typeface="Courier New"/>
+              <a:ea typeface="Courier New"/>
+              <a:cs typeface="Courier New"/>
+              <a:sym typeface="Courier New"/>
+            </a:endParaRPr>
+          </a:p>
+          <a:p>
+            <a:pPr indent="0" lvl="0" marL="0" rtl="0" algn="l">
+              <a:lnSpc>
+                <a:spcPct val="135714"/>
+              </a:lnSpc>
+              <a:spcBef>
+                <a:spcPts val="0"/>
+              </a:spcBef>
+              <a:spcAft>
+                <a:spcPts val="0"/>
+              </a:spcAft>
+              <a:buNone/>
+            </a:pPr>
+            <a:r>
+              <a:rPr lang="en" sz="1050">
+                <a:solidFill>
+                  <a:srgbClr val="6A9955"/>
+                </a:solidFill>
+                <a:highlight>
+                  <a:srgbClr val="1F1F1F"/>
+                </a:highlight>
+                <a:latin typeface="Courier New"/>
+                <a:ea typeface="Courier New"/>
+                <a:cs typeface="Courier New"/>
+                <a:sym typeface="Courier New"/>
+              </a:rPr>
+              <a:t>#SBATCH -n 1</a:t>
+            </a:r>
+            <a:endParaRPr sz="1050">
+              <a:solidFill>
+                <a:srgbClr val="6A9955"/>
+              </a:solidFill>
+              <a:highlight>
+                <a:srgbClr val="1F1F1F"/>
+              </a:highlight>
+              <a:latin typeface="Courier New"/>
+              <a:ea typeface="Courier New"/>
+              <a:cs typeface="Courier New"/>
+              <a:sym typeface="Courier New"/>
+            </a:endParaRPr>
+          </a:p>
+          <a:p>
+            <a:pPr indent="0" lvl="0" marL="0" rtl="0" algn="l">
+              <a:lnSpc>
+                <a:spcPct val="135714"/>
+              </a:lnSpc>
+              <a:spcBef>
+                <a:spcPts val="0"/>
+              </a:spcBef>
+              <a:spcAft>
+                <a:spcPts val="0"/>
+              </a:spcAft>
+              <a:buNone/>
+            </a:pPr>
+            <a:r>
+              <a:rPr lang="en" sz="1050">
+                <a:solidFill>
+                  <a:srgbClr val="6A9955"/>
+                </a:solidFill>
+                <a:highlight>
+                  <a:srgbClr val="1F1F1F"/>
+                </a:highlight>
+                <a:latin typeface="Courier New"/>
+                <a:ea typeface="Courier New"/>
+                <a:cs typeface="Courier New"/>
+                <a:sym typeface="Courier New"/>
+              </a:rPr>
+              <a:t>#SBATCH -c 8</a:t>
+            </a:r>
+            <a:endParaRPr sz="1050">
+              <a:solidFill>
+                <a:srgbClr val="6A9955"/>
+              </a:solidFill>
+              <a:highlight>
+                <a:srgbClr val="1F1F1F"/>
+              </a:highlight>
+              <a:latin typeface="Courier New"/>
+              <a:ea typeface="Courier New"/>
+              <a:cs typeface="Courier New"/>
+              <a:sym typeface="Courier New"/>
+            </a:endParaRPr>
+          </a:p>
+          <a:p>
+            <a:pPr indent="0" lvl="0" marL="0" rtl="0" algn="l">
+              <a:lnSpc>
+                <a:spcPct val="135714"/>
+              </a:lnSpc>
+              <a:spcBef>
+                <a:spcPts val="0"/>
+              </a:spcBef>
+              <a:spcAft>
+                <a:spcPts val="0"/>
+              </a:spcAft>
+              <a:buNone/>
+            </a:pPr>
+            <a:r>
+              <a:rPr lang="en" sz="1050">
+                <a:solidFill>
+                  <a:srgbClr val="6A9955"/>
+                </a:solidFill>
+                <a:highlight>
+                  <a:srgbClr val="1F1F1F"/>
+                </a:highlight>
+                <a:latin typeface="Courier New"/>
+                <a:ea typeface="Courier New"/>
+                <a:cs typeface="Courier New"/>
+                <a:sym typeface="Courier New"/>
+              </a:rPr>
+              <a:t>#SBATCH --gres=gpu:2</a:t>
+            </a:r>
+            <a:endParaRPr sz="1050">
+              <a:solidFill>
+                <a:srgbClr val="6A9955"/>
+              </a:solidFill>
+              <a:highlight>
+                <a:srgbClr val="1F1F1F"/>
+              </a:highlight>
+              <a:latin typeface="Courier New"/>
+              <a:ea typeface="Courier New"/>
+              <a:cs typeface="Courier New"/>
+              <a:sym typeface="Courier New"/>
+            </a:endParaRPr>
+          </a:p>
+          <a:p>
+            <a:pPr indent="0" lvl="0" marL="0" rtl="0" algn="l">
+              <a:lnSpc>
+                <a:spcPct val="135714"/>
+              </a:lnSpc>
+              <a:spcBef>
+                <a:spcPts val="0"/>
+              </a:spcBef>
+              <a:spcAft>
+                <a:spcPts val="0"/>
+              </a:spcAft>
+              <a:buNone/>
+            </a:pPr>
+            <a:r>
+              <a:rPr lang="en" sz="1050">
+                <a:solidFill>
+                  <a:srgbClr val="6A9955"/>
+                </a:solidFill>
+                <a:highlight>
+                  <a:srgbClr val="1F1F1F"/>
+                </a:highlight>
+                <a:latin typeface="Courier New"/>
+                <a:ea typeface="Courier New"/>
+                <a:cs typeface="Courier New"/>
+                <a:sym typeface="Courier New"/>
+              </a:rPr>
+              <a:t>#SBATCH --mem=20G</a:t>
+            </a:r>
+            <a:endParaRPr sz="1050">
+              <a:solidFill>
+                <a:srgbClr val="6A9955"/>
+              </a:solidFill>
+              <a:highlight>
+                <a:srgbClr val="1F1F1F"/>
+              </a:highlight>
+              <a:latin typeface="Courier New"/>
+              <a:ea typeface="Courier New"/>
+              <a:cs typeface="Courier New"/>
+              <a:sym typeface="Courier New"/>
+            </a:endParaRPr>
+          </a:p>
+          <a:p>
+            <a:pPr indent="0" lvl="0" marL="0" rtl="0" algn="l">
+              <a:lnSpc>
+                <a:spcPct val="135714"/>
+              </a:lnSpc>
+              <a:spcBef>
+                <a:spcPts val="0"/>
+              </a:spcBef>
+              <a:spcAft>
+                <a:spcPts val="0"/>
+              </a:spcAft>
+              <a:buNone/>
+            </a:pPr>
+            <a:r>
+              <a:rPr lang="en" sz="1050">
+                <a:solidFill>
+                  <a:srgbClr val="6A9955"/>
+                </a:solidFill>
+                <a:highlight>
+                  <a:srgbClr val="1F1F1F"/>
+                </a:highlight>
+                <a:latin typeface="Courier New"/>
+                <a:ea typeface="Courier New"/>
+                <a:cs typeface="Courier New"/>
+                <a:sym typeface="Courier New"/>
+              </a:rPr>
+              <a:t>#SBATCH -t 1:00:00</a:t>
+            </a:r>
+            <a:endParaRPr sz="1050">
+              <a:solidFill>
+                <a:srgbClr val="6A9955"/>
+              </a:solidFill>
+              <a:highlight>
+                <a:srgbClr val="1F1F1F"/>
+              </a:highlight>
+              <a:latin typeface="Courier New"/>
+              <a:ea typeface="Courier New"/>
+              <a:cs typeface="Courier New"/>
+              <a:sym typeface="Courier New"/>
+            </a:endParaRPr>
+          </a:p>
+          <a:p>
+            <a:pPr indent="0" lvl="0" marL="0" rtl="0" algn="l">
+              <a:lnSpc>
+                <a:spcPct val="135714"/>
+              </a:lnSpc>
+              <a:spcBef>
+                <a:spcPts val="0"/>
+              </a:spcBef>
+              <a:spcAft>
+                <a:spcPts val="0"/>
+              </a:spcAft>
+              <a:buNone/>
+            </a:pPr>
+            <a:r>
+              <a:rPr lang="en" sz="1050">
+                <a:solidFill>
+                  <a:srgbClr val="6A9955"/>
+                </a:solidFill>
+                <a:highlight>
+                  <a:srgbClr val="1F1F1F"/>
+                </a:highlight>
+                <a:latin typeface="Courier New"/>
+                <a:ea typeface="Courier New"/>
+                <a:cs typeface="Courier New"/>
+                <a:sym typeface="Courier New"/>
+              </a:rPr>
+              <a:t>#SBATCH -e error%A.err</a:t>
+            </a:r>
+            <a:endParaRPr sz="1050">
+              <a:solidFill>
+                <a:srgbClr val="6A9955"/>
+              </a:solidFill>
+              <a:highlight>
+                <a:srgbClr val="1F1F1F"/>
+              </a:highlight>
+              <a:latin typeface="Courier New"/>
+              <a:ea typeface="Courier New"/>
+              <a:cs typeface="Courier New"/>
+              <a:sym typeface="Courier New"/>
+            </a:endParaRPr>
+          </a:p>
+          <a:p>
+            <a:pPr indent="0" lvl="0" marL="0" rtl="0" algn="l">
+              <a:lnSpc>
+                <a:spcPct val="135714"/>
+              </a:lnSpc>
+              <a:spcBef>
+                <a:spcPts val="0"/>
+              </a:spcBef>
+              <a:spcAft>
+                <a:spcPts val="0"/>
+              </a:spcAft>
+              <a:buNone/>
+            </a:pPr>
+            <a:r>
+              <a:rPr lang="en" sz="1050">
+                <a:solidFill>
+                  <a:srgbClr val="6A9955"/>
+                </a:solidFill>
+                <a:highlight>
+                  <a:srgbClr val="1F1F1F"/>
+                </a:highlight>
+                <a:latin typeface="Courier New"/>
+                <a:ea typeface="Courier New"/>
+                <a:cs typeface="Courier New"/>
+                <a:sym typeface="Courier New"/>
+              </a:rPr>
+              <a:t>#SBATCH -o out%A.out</a:t>
+            </a:r>
+            <a:endParaRPr sz="1050">
+              <a:solidFill>
+                <a:srgbClr val="6A9955"/>
+              </a:solidFill>
+              <a:highlight>
+                <a:srgbClr val="1F1F1F"/>
+              </a:highlight>
+              <a:latin typeface="Courier New"/>
+              <a:ea typeface="Courier New"/>
+              <a:cs typeface="Courier New"/>
+              <a:sym typeface="Courier New"/>
+            </a:endParaRPr>
+          </a:p>
+          <a:p>
+            <a:pPr indent="0" lvl="0" marL="0" rtl="0" algn="l">
+              <a:lnSpc>
+                <a:spcPct val="135714"/>
+              </a:lnSpc>
+              <a:spcBef>
+                <a:spcPts val="0"/>
+              </a:spcBef>
+              <a:spcAft>
+                <a:spcPts val="0"/>
+              </a:spcAft>
+              <a:buNone/>
+            </a:pPr>
+            <a:r>
+              <a:rPr lang="en" sz="1050">
+                <a:solidFill>
+                  <a:srgbClr val="6A9955"/>
+                </a:solidFill>
+                <a:highlight>
+                  <a:srgbClr val="1F1F1F"/>
+                </a:highlight>
+                <a:latin typeface="Courier New"/>
+                <a:ea typeface="Courier New"/>
+                <a:cs typeface="Courier New"/>
+                <a:sym typeface="Courier New"/>
+              </a:rPr>
+              <a:t>#SBATCH -A trends53c17</a:t>
+            </a:r>
+            <a:endParaRPr sz="1050">
+              <a:solidFill>
+                <a:srgbClr val="6A9955"/>
+              </a:solidFill>
+              <a:highlight>
+                <a:srgbClr val="1F1F1F"/>
+              </a:highlight>
+              <a:latin typeface="Courier New"/>
+              <a:ea typeface="Courier New"/>
+              <a:cs typeface="Courier New"/>
+              <a:sym typeface="Courier New"/>
+            </a:endParaRPr>
+          </a:p>
+          <a:p>
+            <a:pPr indent="0" lvl="0" marL="0" rtl="0" algn="l">
+              <a:lnSpc>
+                <a:spcPct val="135714"/>
+              </a:lnSpc>
+              <a:spcBef>
+                <a:spcPts val="0"/>
+              </a:spcBef>
+              <a:spcAft>
+                <a:spcPts val="0"/>
+              </a:spcAft>
+              <a:buNone/>
+            </a:pPr>
+            <a:r>
+              <a:rPr lang="en" sz="1050">
+                <a:solidFill>
+                  <a:srgbClr val="6A9955"/>
+                </a:solidFill>
+                <a:highlight>
+                  <a:srgbClr val="1F1F1F"/>
+                </a:highlight>
+                <a:latin typeface="Courier New"/>
+                <a:ea typeface="Courier New"/>
+                <a:cs typeface="Courier New"/>
+                <a:sym typeface="Courier New"/>
+              </a:rPr>
+              <a:t>#SBATCH --oversubscribe</a:t>
+            </a:r>
+            <a:endParaRPr sz="1050">
+              <a:solidFill>
+                <a:srgbClr val="6A9955"/>
+              </a:solidFill>
+              <a:highlight>
+                <a:srgbClr val="1F1F1F"/>
+              </a:highlight>
+              <a:latin typeface="Courier New"/>
+              <a:ea typeface="Courier New"/>
+              <a:cs typeface="Courier New"/>
+              <a:sym typeface="Courier New"/>
+            </a:endParaRPr>
+          </a:p>
+          <a:p>
+            <a:pPr indent="0" lvl="0" marL="0" rtl="0" algn="l">
+              <a:lnSpc>
+                <a:spcPct val="135714"/>
+              </a:lnSpc>
+              <a:spcBef>
+                <a:spcPts val="0"/>
+              </a:spcBef>
+              <a:spcAft>
+                <a:spcPts val="0"/>
+              </a:spcAft>
+              <a:buNone/>
+            </a:pPr>
+            <a:r>
+              <a:rPr lang="en" sz="1050">
+                <a:solidFill>
+                  <a:srgbClr val="6A9955"/>
+                </a:solidFill>
+                <a:highlight>
+                  <a:srgbClr val="1F1F1F"/>
+                </a:highlight>
+                <a:latin typeface="Courier New"/>
+                <a:ea typeface="Courier New"/>
+                <a:cs typeface="Courier New"/>
+                <a:sym typeface="Courier New"/>
+              </a:rPr>
+              <a:t>#SBATCH -J cworkshop_pytorch</a:t>
+            </a:r>
+            <a:endParaRPr sz="1050">
+              <a:solidFill>
+                <a:srgbClr val="6A9955"/>
+              </a:solidFill>
+              <a:highlight>
+                <a:srgbClr val="1F1F1F"/>
+              </a:highlight>
+              <a:latin typeface="Courier New"/>
+              <a:ea typeface="Courier New"/>
+              <a:cs typeface="Courier New"/>
+              <a:sym typeface="Courier New"/>
+            </a:endParaRPr>
+          </a:p>
+          <a:p>
+            <a:pPr indent="0" lvl="0" marL="0" rtl="0" algn="l">
+              <a:lnSpc>
+                <a:spcPct val="135714"/>
+              </a:lnSpc>
+              <a:spcBef>
+                <a:spcPts val="0"/>
+              </a:spcBef>
+              <a:spcAft>
+                <a:spcPts val="0"/>
+              </a:spcAft>
+              <a:buNone/>
+            </a:pPr>
+            <a:r>
+              <a:t/>
+            </a:r>
+            <a:endParaRPr sz="1050">
+              <a:solidFill>
+                <a:srgbClr val="CCCCCC"/>
+              </a:solidFill>
+              <a:highlight>
+                <a:srgbClr val="1F1F1F"/>
+              </a:highlight>
+              <a:latin typeface="Courier New"/>
+              <a:ea typeface="Courier New"/>
+              <a:cs typeface="Courier New"/>
+              <a:sym typeface="Courier New"/>
+            </a:endParaRPr>
+          </a:p>
+          <a:p>
+            <a:pPr indent="0" lvl="0" marL="0" rtl="0" algn="l">
+              <a:lnSpc>
+                <a:spcPct val="135714"/>
+              </a:lnSpc>
+              <a:spcBef>
+                <a:spcPts val="0"/>
+              </a:spcBef>
+              <a:spcAft>
+                <a:spcPts val="0"/>
+              </a:spcAft>
+              <a:buNone/>
+            </a:pPr>
+            <a:r>
+              <a:rPr lang="en" sz="1050">
+                <a:solidFill>
+                  <a:srgbClr val="6A9955"/>
+                </a:solidFill>
+                <a:highlight>
+                  <a:srgbClr val="1F1F1F"/>
+                </a:highlight>
+                <a:latin typeface="Courier New"/>
+                <a:ea typeface="Courier New"/>
+                <a:cs typeface="Courier New"/>
+                <a:sym typeface="Courier New"/>
+              </a:rPr>
+              <a:t># a small delay at the start often helps</a:t>
+            </a:r>
+            <a:endParaRPr sz="1050">
+              <a:solidFill>
+                <a:srgbClr val="6A9955"/>
+              </a:solidFill>
+              <a:highlight>
+                <a:srgbClr val="1F1F1F"/>
+              </a:highlight>
+              <a:latin typeface="Courier New"/>
+              <a:ea typeface="Courier New"/>
+              <a:cs typeface="Courier New"/>
+              <a:sym typeface="Courier New"/>
+            </a:endParaRPr>
+          </a:p>
+          <a:p>
+            <a:pPr indent="0" lvl="0" marL="0" rtl="0" algn="l">
+              <a:lnSpc>
+                <a:spcPct val="135714"/>
+              </a:lnSpc>
+              <a:spcBef>
+                <a:spcPts val="0"/>
+              </a:spcBef>
+              <a:spcAft>
+                <a:spcPts val="0"/>
+              </a:spcAft>
+              <a:buNone/>
+            </a:pPr>
+            <a:r>
+              <a:rPr lang="en" sz="1050">
+                <a:solidFill>
+                  <a:srgbClr val="DCDCAA"/>
+                </a:solidFill>
+                <a:highlight>
+                  <a:srgbClr val="1F1F1F"/>
+                </a:highlight>
+                <a:latin typeface="Courier New"/>
+                <a:ea typeface="Courier New"/>
+                <a:cs typeface="Courier New"/>
+                <a:sym typeface="Courier New"/>
+              </a:rPr>
+              <a:t>sleep</a:t>
+            </a:r>
+            <a:r>
+              <a:rPr lang="en" sz="1050">
+                <a:solidFill>
+                  <a:srgbClr val="CCCCCC"/>
+                </a:solidFill>
+                <a:highlight>
+                  <a:srgbClr val="1F1F1F"/>
+                </a:highlight>
+                <a:latin typeface="Courier New"/>
+                <a:ea typeface="Courier New"/>
+                <a:cs typeface="Courier New"/>
+                <a:sym typeface="Courier New"/>
+              </a:rPr>
+              <a:t> </a:t>
+            </a:r>
+            <a:r>
+              <a:rPr lang="en" sz="1050">
+                <a:solidFill>
+                  <a:srgbClr val="B5CEA8"/>
+                </a:solidFill>
+                <a:highlight>
+                  <a:srgbClr val="1F1F1F"/>
+                </a:highlight>
+                <a:latin typeface="Courier New"/>
+                <a:ea typeface="Courier New"/>
+                <a:cs typeface="Courier New"/>
+                <a:sym typeface="Courier New"/>
+              </a:rPr>
+              <a:t>10</a:t>
+            </a:r>
+            <a:r>
+              <a:rPr lang="en" sz="1050">
+                <a:solidFill>
+                  <a:srgbClr val="CE9178"/>
+                </a:solidFill>
+                <a:highlight>
+                  <a:srgbClr val="1F1F1F"/>
+                </a:highlight>
+                <a:latin typeface="Courier New"/>
+                <a:ea typeface="Courier New"/>
+                <a:cs typeface="Courier New"/>
+                <a:sym typeface="Courier New"/>
+              </a:rPr>
+              <a:t>s</a:t>
+            </a:r>
+            <a:endParaRPr sz="1050">
+              <a:solidFill>
+                <a:srgbClr val="CE9178"/>
+              </a:solidFill>
+              <a:highlight>
+                <a:srgbClr val="1F1F1F"/>
+              </a:highlight>
+              <a:latin typeface="Courier New"/>
+              <a:ea typeface="Courier New"/>
+              <a:cs typeface="Courier New"/>
+              <a:sym typeface="Courier New"/>
+            </a:endParaRPr>
+          </a:p>
+          <a:p>
+            <a:pPr indent="0" lvl="0" marL="0" rtl="0" algn="l">
+              <a:lnSpc>
+                <a:spcPct val="135714"/>
+              </a:lnSpc>
+              <a:spcBef>
+                <a:spcPts val="0"/>
+              </a:spcBef>
+              <a:spcAft>
+                <a:spcPts val="0"/>
+              </a:spcAft>
+              <a:buNone/>
+            </a:pPr>
+            <a:r>
+              <a:t/>
+            </a:r>
+            <a:endParaRPr sz="1050">
+              <a:solidFill>
+                <a:srgbClr val="CCCCCC"/>
+              </a:solidFill>
+              <a:highlight>
+                <a:srgbClr val="1F1F1F"/>
+              </a:highlight>
+              <a:latin typeface="Courier New"/>
+              <a:ea typeface="Courier New"/>
+              <a:cs typeface="Courier New"/>
+              <a:sym typeface="Courier New"/>
+            </a:endParaRPr>
+          </a:p>
+          <a:p>
+            <a:pPr indent="0" lvl="0" marL="0" rtl="0" algn="l">
+              <a:lnSpc>
+                <a:spcPct val="135714"/>
+              </a:lnSpc>
+              <a:spcBef>
+                <a:spcPts val="0"/>
+              </a:spcBef>
+              <a:spcAft>
+                <a:spcPts val="0"/>
+              </a:spcAft>
+              <a:buNone/>
+            </a:pPr>
+            <a:r>
+              <a:rPr lang="en" sz="1050">
+                <a:solidFill>
+                  <a:srgbClr val="6A9955"/>
+                </a:solidFill>
+                <a:highlight>
+                  <a:srgbClr val="1F1F1F"/>
+                </a:highlight>
+                <a:latin typeface="Courier New"/>
+                <a:ea typeface="Courier New"/>
+                <a:cs typeface="Courier New"/>
+                <a:sym typeface="Courier New"/>
+              </a:rPr>
+              <a:t># print some message to the log</a:t>
+            </a:r>
+            <a:endParaRPr sz="1050">
+              <a:solidFill>
+                <a:srgbClr val="6A9955"/>
+              </a:solidFill>
+              <a:highlight>
+                <a:srgbClr val="1F1F1F"/>
+              </a:highlight>
+              <a:latin typeface="Courier New"/>
+              <a:ea typeface="Courier New"/>
+              <a:cs typeface="Courier New"/>
+              <a:sym typeface="Courier New"/>
+            </a:endParaRPr>
+          </a:p>
+          <a:p>
+            <a:pPr indent="0" lvl="0" marL="0" rtl="0" algn="l">
+              <a:lnSpc>
+                <a:spcPct val="135714"/>
+              </a:lnSpc>
+              <a:spcBef>
+                <a:spcPts val="0"/>
+              </a:spcBef>
+              <a:spcAft>
+                <a:spcPts val="0"/>
+              </a:spcAft>
+              <a:buNone/>
+            </a:pPr>
+            <a:r>
+              <a:rPr lang="en" sz="1050">
+                <a:solidFill>
+                  <a:srgbClr val="DCDCAA"/>
+                </a:solidFill>
+                <a:highlight>
+                  <a:srgbClr val="1F1F1F"/>
+                </a:highlight>
+                <a:latin typeface="Courier New"/>
+                <a:ea typeface="Courier New"/>
+                <a:cs typeface="Courier New"/>
+                <a:sym typeface="Courier New"/>
+              </a:rPr>
+              <a:t>eval</a:t>
+            </a:r>
+            <a:r>
+              <a:rPr lang="en" sz="1050">
+                <a:solidFill>
+                  <a:srgbClr val="CCCCCC"/>
+                </a:solidFill>
+                <a:highlight>
+                  <a:srgbClr val="1F1F1F"/>
+                </a:highlight>
+                <a:latin typeface="Courier New"/>
+                <a:ea typeface="Courier New"/>
+                <a:cs typeface="Courier New"/>
+                <a:sym typeface="Courier New"/>
+              </a:rPr>
+              <a:t> </a:t>
+            </a:r>
+            <a:r>
+              <a:rPr lang="en" sz="1050">
+                <a:solidFill>
+                  <a:srgbClr val="CE9178"/>
+                </a:solidFill>
+                <a:highlight>
+                  <a:srgbClr val="1F1F1F"/>
+                </a:highlight>
+                <a:latin typeface="Courier New"/>
+                <a:ea typeface="Courier New"/>
+                <a:cs typeface="Courier New"/>
+                <a:sym typeface="Courier New"/>
+              </a:rPr>
+              <a:t>"$(</a:t>
+            </a:r>
+            <a:r>
+              <a:rPr lang="en" sz="1050">
+                <a:solidFill>
+                  <a:srgbClr val="DCDCAA"/>
+                </a:solidFill>
+                <a:highlight>
+                  <a:srgbClr val="1F1F1F"/>
+                </a:highlight>
+                <a:latin typeface="Courier New"/>
+                <a:ea typeface="Courier New"/>
+                <a:cs typeface="Courier New"/>
+                <a:sym typeface="Courier New"/>
+              </a:rPr>
+              <a:t>conda</a:t>
+            </a:r>
+            <a:r>
+              <a:rPr lang="en" sz="1050">
+                <a:solidFill>
+                  <a:srgbClr val="CE9178"/>
+                </a:solidFill>
+                <a:highlight>
+                  <a:srgbClr val="1F1F1F"/>
+                </a:highlight>
+                <a:latin typeface="Courier New"/>
+                <a:ea typeface="Courier New"/>
+                <a:cs typeface="Courier New"/>
+                <a:sym typeface="Courier New"/>
+              </a:rPr>
+              <a:t> shell.bash hook)"</a:t>
+            </a:r>
+            <a:endParaRPr sz="1050">
+              <a:solidFill>
+                <a:srgbClr val="CE9178"/>
+              </a:solidFill>
+              <a:highlight>
+                <a:srgbClr val="1F1F1F"/>
+              </a:highlight>
+              <a:latin typeface="Courier New"/>
+              <a:ea typeface="Courier New"/>
+              <a:cs typeface="Courier New"/>
+              <a:sym typeface="Courier New"/>
+            </a:endParaRPr>
+          </a:p>
+          <a:p>
+            <a:pPr indent="0" lvl="0" marL="0" rtl="0" algn="l">
+              <a:lnSpc>
+                <a:spcPct val="135714"/>
+              </a:lnSpc>
+              <a:spcBef>
+                <a:spcPts val="0"/>
+              </a:spcBef>
+              <a:spcAft>
+                <a:spcPts val="0"/>
+              </a:spcAft>
+              <a:buNone/>
+            </a:pPr>
+            <a:r>
+              <a:rPr lang="en" sz="1050">
+                <a:solidFill>
+                  <a:srgbClr val="DCDCAA"/>
+                </a:solidFill>
+                <a:highlight>
+                  <a:srgbClr val="1F1F1F"/>
+                </a:highlight>
+                <a:latin typeface="Courier New"/>
+                <a:ea typeface="Courier New"/>
+                <a:cs typeface="Courier New"/>
+                <a:sym typeface="Courier New"/>
+              </a:rPr>
+              <a:t>conda</a:t>
+            </a:r>
+            <a:r>
+              <a:rPr lang="en" sz="1050">
+                <a:solidFill>
+                  <a:srgbClr val="CCCCCC"/>
+                </a:solidFill>
+                <a:highlight>
+                  <a:srgbClr val="1F1F1F"/>
+                </a:highlight>
+                <a:latin typeface="Courier New"/>
+                <a:ea typeface="Courier New"/>
+                <a:cs typeface="Courier New"/>
+                <a:sym typeface="Courier New"/>
+              </a:rPr>
+              <a:t> </a:t>
+            </a:r>
+            <a:r>
+              <a:rPr lang="en" sz="1050">
+                <a:solidFill>
+                  <a:srgbClr val="CE9178"/>
+                </a:solidFill>
+                <a:highlight>
+                  <a:srgbClr val="1F1F1F"/>
+                </a:highlight>
+                <a:latin typeface="Courier New"/>
+                <a:ea typeface="Courier New"/>
+                <a:cs typeface="Courier New"/>
+                <a:sym typeface="Courier New"/>
+              </a:rPr>
+              <a:t>activate</a:t>
+            </a:r>
+            <a:r>
+              <a:rPr lang="en" sz="1050">
+                <a:solidFill>
+                  <a:srgbClr val="CCCCCC"/>
+                </a:solidFill>
+                <a:highlight>
+                  <a:srgbClr val="1F1F1F"/>
+                </a:highlight>
+                <a:latin typeface="Courier New"/>
+                <a:ea typeface="Courier New"/>
+                <a:cs typeface="Courier New"/>
+                <a:sym typeface="Courier New"/>
+              </a:rPr>
+              <a:t> </a:t>
+            </a:r>
+            <a:r>
+              <a:rPr lang="en" sz="1050">
+                <a:solidFill>
+                  <a:srgbClr val="CE9178"/>
+                </a:solidFill>
+                <a:highlight>
+                  <a:srgbClr val="1F1F1F"/>
+                </a:highlight>
+                <a:latin typeface="Courier New"/>
+                <a:ea typeface="Courier New"/>
+                <a:cs typeface="Courier New"/>
+                <a:sym typeface="Courier New"/>
+              </a:rPr>
+              <a:t>cw_torch</a:t>
+            </a:r>
+            <a:endParaRPr sz="1050">
+              <a:solidFill>
+                <a:srgbClr val="CE9178"/>
+              </a:solidFill>
+              <a:highlight>
+                <a:srgbClr val="1F1F1F"/>
+              </a:highlight>
+              <a:latin typeface="Courier New"/>
+              <a:ea typeface="Courier New"/>
+              <a:cs typeface="Courier New"/>
+              <a:sym typeface="Courier New"/>
+            </a:endParaRPr>
+          </a:p>
+          <a:p>
+            <a:pPr indent="0" lvl="0" marL="0" rtl="0" algn="l">
+              <a:lnSpc>
+                <a:spcPct val="135714"/>
+              </a:lnSpc>
+              <a:spcBef>
+                <a:spcPts val="0"/>
+              </a:spcBef>
+              <a:spcAft>
+                <a:spcPts val="0"/>
+              </a:spcAft>
+              <a:buNone/>
+            </a:pPr>
+            <a:r>
+              <a:t/>
+            </a:r>
+            <a:endParaRPr sz="1050">
+              <a:solidFill>
+                <a:srgbClr val="CCCCCC"/>
+              </a:solidFill>
+              <a:highlight>
+                <a:srgbClr val="1F1F1F"/>
+              </a:highlight>
+              <a:latin typeface="Courier New"/>
+              <a:ea typeface="Courier New"/>
+              <a:cs typeface="Courier New"/>
+              <a:sym typeface="Courier New"/>
+            </a:endParaRPr>
+          </a:p>
+          <a:p>
+            <a:pPr indent="0" lvl="0" marL="0" rtl="0" algn="l">
+              <a:lnSpc>
+                <a:spcPct val="135714"/>
+              </a:lnSpc>
+              <a:spcBef>
+                <a:spcPts val="0"/>
+              </a:spcBef>
+              <a:spcAft>
+                <a:spcPts val="0"/>
+              </a:spcAft>
+              <a:buNone/>
+            </a:pPr>
+            <a:r>
+              <a:rPr lang="en" sz="1050">
+                <a:solidFill>
+                  <a:srgbClr val="6A9955"/>
+                </a:solidFill>
+                <a:highlight>
+                  <a:srgbClr val="1F1F1F"/>
+                </a:highlight>
+                <a:latin typeface="Courier New"/>
+                <a:ea typeface="Courier New"/>
+                <a:cs typeface="Courier New"/>
+                <a:sym typeface="Courier New"/>
+              </a:rPr>
+              <a:t># CD into your directory</a:t>
+            </a:r>
+            <a:endParaRPr sz="1050">
+              <a:solidFill>
+                <a:srgbClr val="6A9955"/>
+              </a:solidFill>
+              <a:highlight>
+                <a:srgbClr val="1F1F1F"/>
+              </a:highlight>
+              <a:latin typeface="Courier New"/>
+              <a:ea typeface="Courier New"/>
+              <a:cs typeface="Courier New"/>
+              <a:sym typeface="Courier New"/>
+            </a:endParaRPr>
+          </a:p>
+          <a:p>
+            <a:pPr indent="0" lvl="0" marL="0" rtl="0" algn="l">
+              <a:lnSpc>
+                <a:spcPct val="135714"/>
+              </a:lnSpc>
+              <a:spcBef>
+                <a:spcPts val="0"/>
+              </a:spcBef>
+              <a:spcAft>
+                <a:spcPts val="0"/>
+              </a:spcAft>
+              <a:buNone/>
+            </a:pPr>
+            <a:r>
+              <a:rPr lang="en" sz="1050">
+                <a:solidFill>
+                  <a:srgbClr val="DCDCAA"/>
+                </a:solidFill>
+                <a:highlight>
+                  <a:srgbClr val="1F1F1F"/>
+                </a:highlight>
+                <a:latin typeface="Courier New"/>
+                <a:ea typeface="Courier New"/>
+                <a:cs typeface="Courier New"/>
+                <a:sym typeface="Courier New"/>
+              </a:rPr>
+              <a:t>cd</a:t>
+            </a:r>
+            <a:r>
+              <a:rPr lang="en" sz="1050">
+                <a:solidFill>
+                  <a:srgbClr val="CCCCCC"/>
+                </a:solidFill>
+                <a:highlight>
+                  <a:srgbClr val="1F1F1F"/>
+                </a:highlight>
+                <a:latin typeface="Courier New"/>
+                <a:ea typeface="Courier New"/>
+                <a:cs typeface="Courier New"/>
+                <a:sym typeface="Courier New"/>
+              </a:rPr>
+              <a:t> </a:t>
+            </a:r>
+            <a:r>
+              <a:rPr lang="en" sz="1050">
+                <a:solidFill>
+                  <a:srgbClr val="9CDCFE"/>
+                </a:solidFill>
+                <a:highlight>
+                  <a:srgbClr val="1F1F1F"/>
+                </a:highlight>
+                <a:latin typeface="Courier New"/>
+                <a:ea typeface="Courier New"/>
+                <a:cs typeface="Courier New"/>
+                <a:sym typeface="Courier New"/>
+              </a:rPr>
+              <a:t>$MYDIR</a:t>
+            </a:r>
+            <a:r>
+              <a:rPr lang="en" sz="1050">
+                <a:solidFill>
+                  <a:srgbClr val="CE9178"/>
+                </a:solidFill>
+                <a:highlight>
+                  <a:srgbClr val="1F1F1F"/>
+                </a:highlight>
+                <a:latin typeface="Courier New"/>
+                <a:ea typeface="Courier New"/>
+                <a:cs typeface="Courier New"/>
+                <a:sym typeface="Courier New"/>
+              </a:rPr>
+              <a:t>/ClusterWorkshop/Examples/ExtraCredit/MultiGPUPytorch</a:t>
+            </a:r>
+            <a:endParaRPr sz="1050">
+              <a:solidFill>
+                <a:srgbClr val="CE9178"/>
+              </a:solidFill>
+              <a:highlight>
+                <a:srgbClr val="1F1F1F"/>
+              </a:highlight>
+              <a:latin typeface="Courier New"/>
+              <a:ea typeface="Courier New"/>
+              <a:cs typeface="Courier New"/>
+              <a:sym typeface="Courier New"/>
+            </a:endParaRPr>
+          </a:p>
+          <a:p>
+            <a:pPr indent="0" lvl="0" marL="0" rtl="0" algn="l">
+              <a:lnSpc>
+                <a:spcPct val="135714"/>
+              </a:lnSpc>
+              <a:spcBef>
+                <a:spcPts val="0"/>
+              </a:spcBef>
+              <a:spcAft>
+                <a:spcPts val="0"/>
+              </a:spcAft>
+              <a:buNone/>
+            </a:pPr>
+            <a:r>
+              <a:rPr lang="en" sz="1050">
+                <a:solidFill>
+                  <a:srgbClr val="6A9955"/>
+                </a:solidFill>
+                <a:highlight>
+                  <a:srgbClr val="1F1F1F"/>
+                </a:highlight>
+                <a:latin typeface="Courier New"/>
+                <a:ea typeface="Courier New"/>
+                <a:cs typeface="Courier New"/>
+                <a:sym typeface="Courier New"/>
+              </a:rPr>
+              <a:t># run the matlab batch script</a:t>
+            </a:r>
+            <a:endParaRPr sz="1050">
+              <a:solidFill>
+                <a:srgbClr val="6A9955"/>
+              </a:solidFill>
+              <a:highlight>
+                <a:srgbClr val="1F1F1F"/>
+              </a:highlight>
+              <a:latin typeface="Courier New"/>
+              <a:ea typeface="Courier New"/>
+              <a:cs typeface="Courier New"/>
+              <a:sym typeface="Courier New"/>
+            </a:endParaRPr>
+          </a:p>
+          <a:p>
+            <a:pPr indent="0" lvl="0" marL="0" rtl="0" algn="l">
+              <a:lnSpc>
+                <a:spcPct val="135714"/>
+              </a:lnSpc>
+              <a:spcBef>
+                <a:spcPts val="0"/>
+              </a:spcBef>
+              <a:spcAft>
+                <a:spcPts val="0"/>
+              </a:spcAft>
+              <a:buNone/>
+            </a:pPr>
+            <a:r>
+              <a:rPr lang="en" sz="1050">
+                <a:solidFill>
+                  <a:srgbClr val="DCDCAA"/>
+                </a:solidFill>
+                <a:highlight>
+                  <a:srgbClr val="1F1F1F"/>
+                </a:highlight>
+                <a:latin typeface="Courier New"/>
+                <a:ea typeface="Courier New"/>
+                <a:cs typeface="Courier New"/>
+                <a:sym typeface="Courier New"/>
+              </a:rPr>
+              <a:t>python</a:t>
+            </a:r>
+            <a:r>
+              <a:rPr lang="en" sz="1050">
+                <a:solidFill>
+                  <a:srgbClr val="CCCCCC"/>
+                </a:solidFill>
+                <a:highlight>
+                  <a:srgbClr val="1F1F1F"/>
+                </a:highlight>
+                <a:latin typeface="Courier New"/>
+                <a:ea typeface="Courier New"/>
+                <a:cs typeface="Courier New"/>
+                <a:sym typeface="Courier New"/>
+              </a:rPr>
+              <a:t> </a:t>
+            </a:r>
+            <a:r>
+              <a:rPr lang="en" sz="1050">
+                <a:solidFill>
+                  <a:srgbClr val="569CD6"/>
+                </a:solidFill>
+                <a:highlight>
+                  <a:srgbClr val="1F1F1F"/>
+                </a:highlight>
+                <a:latin typeface="Courier New"/>
+                <a:ea typeface="Courier New"/>
+                <a:cs typeface="Courier New"/>
+                <a:sym typeface="Courier New"/>
+              </a:rPr>
+              <a:t>-u</a:t>
+            </a:r>
+            <a:r>
+              <a:rPr lang="en" sz="1050">
+                <a:solidFill>
+                  <a:srgbClr val="CCCCCC"/>
+                </a:solidFill>
+                <a:highlight>
+                  <a:srgbClr val="1F1F1F"/>
+                </a:highlight>
+                <a:latin typeface="Courier New"/>
+                <a:ea typeface="Courier New"/>
+                <a:cs typeface="Courier New"/>
+                <a:sym typeface="Courier New"/>
+              </a:rPr>
+              <a:t> </a:t>
+            </a:r>
+            <a:r>
+              <a:rPr lang="en" sz="1050">
+                <a:solidFill>
+                  <a:srgbClr val="CE9178"/>
+                </a:solidFill>
+                <a:highlight>
+                  <a:srgbClr val="1F1F1F"/>
+                </a:highlight>
+                <a:latin typeface="Courier New"/>
+                <a:ea typeface="Courier New"/>
+                <a:cs typeface="Courier New"/>
+                <a:sym typeface="Courier New"/>
+              </a:rPr>
+              <a:t>dataparallel.py</a:t>
+            </a:r>
+            <a:endParaRPr sz="1050">
+              <a:solidFill>
+                <a:srgbClr val="CE9178"/>
+              </a:solidFill>
+              <a:highlight>
+                <a:srgbClr val="1F1F1F"/>
+              </a:highlight>
+              <a:latin typeface="Courier New"/>
+              <a:ea typeface="Courier New"/>
+              <a:cs typeface="Courier New"/>
+              <a:sym typeface="Courier New"/>
+            </a:endParaRPr>
+          </a:p>
+          <a:p>
+            <a:pPr indent="0" lvl="0" marL="0" rtl="0" algn="l">
+              <a:lnSpc>
+                <a:spcPct val="135714"/>
+              </a:lnSpc>
+              <a:spcBef>
+                <a:spcPts val="0"/>
+              </a:spcBef>
+              <a:spcAft>
+                <a:spcPts val="0"/>
+              </a:spcAft>
+              <a:buNone/>
+            </a:pPr>
+            <a:r>
+              <a:t/>
+            </a:r>
+            <a:endParaRPr sz="1050">
+              <a:solidFill>
+                <a:srgbClr val="CCCCCC"/>
+              </a:solidFill>
+              <a:highlight>
+                <a:srgbClr val="1F1F1F"/>
+              </a:highlight>
+              <a:latin typeface="Courier New"/>
+              <a:ea typeface="Courier New"/>
+              <a:cs typeface="Courier New"/>
+              <a:sym typeface="Courier New"/>
+            </a:endParaRPr>
+          </a:p>
+          <a:p>
+            <a:pPr indent="0" lvl="0" marL="0" rtl="0" algn="l">
+              <a:lnSpc>
+                <a:spcPct val="135714"/>
+              </a:lnSpc>
+              <a:spcBef>
+                <a:spcPts val="0"/>
+              </a:spcBef>
+              <a:spcAft>
+                <a:spcPts val="0"/>
+              </a:spcAft>
+              <a:buNone/>
+            </a:pPr>
+            <a:r>
+              <a:rPr lang="en" sz="1050">
+                <a:solidFill>
+                  <a:srgbClr val="6A9955"/>
+                </a:solidFill>
+                <a:highlight>
+                  <a:srgbClr val="1F1F1F"/>
+                </a:highlight>
+                <a:latin typeface="Courier New"/>
+                <a:ea typeface="Courier New"/>
+                <a:cs typeface="Courier New"/>
+                <a:sym typeface="Courier New"/>
+              </a:rPr>
+              <a:t># a delay at the end is also good practice</a:t>
+            </a:r>
+            <a:endParaRPr sz="1050">
+              <a:solidFill>
+                <a:srgbClr val="6A9955"/>
+              </a:solidFill>
+              <a:highlight>
+                <a:srgbClr val="1F1F1F"/>
+              </a:highlight>
+              <a:latin typeface="Courier New"/>
+              <a:ea typeface="Courier New"/>
+              <a:cs typeface="Courier New"/>
+              <a:sym typeface="Courier New"/>
+            </a:endParaRPr>
+          </a:p>
+          <a:p>
+            <a:pPr indent="0" lvl="0" marL="0" rtl="0" algn="l">
+              <a:lnSpc>
+                <a:spcPct val="135714"/>
+              </a:lnSpc>
+              <a:spcBef>
+                <a:spcPts val="0"/>
+              </a:spcBef>
+              <a:spcAft>
+                <a:spcPts val="0"/>
+              </a:spcAft>
+              <a:buNone/>
+            </a:pPr>
+            <a:r>
+              <a:rPr lang="en" sz="1050">
+                <a:solidFill>
+                  <a:srgbClr val="DCDCAA"/>
+                </a:solidFill>
+                <a:highlight>
+                  <a:srgbClr val="1F1F1F"/>
+                </a:highlight>
+                <a:latin typeface="Courier New"/>
+                <a:ea typeface="Courier New"/>
+                <a:cs typeface="Courier New"/>
+                <a:sym typeface="Courier New"/>
+              </a:rPr>
+              <a:t>sleep</a:t>
+            </a:r>
+            <a:r>
+              <a:rPr lang="en" sz="1050">
+                <a:solidFill>
+                  <a:srgbClr val="CCCCCC"/>
+                </a:solidFill>
+                <a:highlight>
+                  <a:srgbClr val="1F1F1F"/>
+                </a:highlight>
+                <a:latin typeface="Courier New"/>
+                <a:ea typeface="Courier New"/>
+                <a:cs typeface="Courier New"/>
+                <a:sym typeface="Courier New"/>
+              </a:rPr>
+              <a:t> </a:t>
+            </a:r>
+            <a:r>
+              <a:rPr lang="en" sz="1050">
+                <a:solidFill>
+                  <a:srgbClr val="B5CEA8"/>
+                </a:solidFill>
+                <a:highlight>
+                  <a:srgbClr val="1F1F1F"/>
+                </a:highlight>
+                <a:latin typeface="Courier New"/>
+                <a:ea typeface="Courier New"/>
+                <a:cs typeface="Courier New"/>
+                <a:sym typeface="Courier New"/>
+              </a:rPr>
+              <a:t>10</a:t>
+            </a:r>
+            <a:r>
+              <a:rPr lang="en" sz="1050">
+                <a:solidFill>
+                  <a:srgbClr val="CE9178"/>
+                </a:solidFill>
+                <a:highlight>
+                  <a:srgbClr val="1F1F1F"/>
+                </a:highlight>
+                <a:latin typeface="Courier New"/>
+                <a:ea typeface="Courier New"/>
+                <a:cs typeface="Courier New"/>
+                <a:sym typeface="Courier New"/>
+              </a:rPr>
+              <a:t>s</a:t>
+            </a:r>
+            <a:endParaRPr/>
+          </a:p>
+        </p:txBody>
+      </p:sp>
+    </p:spTree>
+  </p:cSld>
+  <p:clrMapOvr>
+    <a:masterClrMapping/>
+  </p:clrMapOvr>
+</p:sld>
+</file>
+
+<file path=ppt/slides/slide58.xml><?xml version="1.0" encoding="utf-8"?>
+<p:sld xmlns:a="http://schemas.openxmlformats.org/drawingml/2006/main" xmlns:r="http://schemas.openxmlformats.org/officeDocument/2006/relationships" xmlns:mc="http://schemas.openxmlformats.org/markup-compatibility/2006" xmlns:mv="urn:schemas-microsoft-com:mac:vml" xmlns:p="http://schemas.openxmlformats.org/presentationml/2006/main" xmlns:c="http://schemas.openxmlformats.org/drawingml/2006/chart" xmlns:dgm="http://schemas.openxmlformats.org/drawingml/2006/diagram" xmlns:o="urn:schemas-microsoft-com:office:office" xmlns:v="urn:schemas-microsoft-com:vml" xmlns:pvml="urn:schemas-microsoft-com:office:powerpoint" xmlns:com="http://schemas.openxmlformats.org/drawingml/2006/compatibility" xmlns:p14="http://schemas.microsoft.com/office/powerpoint/2010/main" xmlns:p15="http://schemas.microsoft.com/office/powerpoint/2012/main" xmlns:ahyp="http://schemas.microsoft.com/office/drawing/2018/hyperlinkcolor">
+  <p:cSld>
+    <p:spTree>
+      <p:nvGrpSpPr>
+        <p:cNvPr id="428" name="Shape 428"/>
+        <p:cNvGrpSpPr/>
+        <p:nvPr/>
+      </p:nvGrpSpPr>
+      <p:grpSpPr>
+        <a:xfrm>
+          <a:off x="0" y="0"/>
+          <a:ext cx="0" cy="0"/>
+          <a:chOff x="0" y="0"/>
+          <a:chExt cx="0" cy="0"/>
+        </a:xfrm>
+      </p:grpSpPr>
+      <p:sp>
+        <p:nvSpPr>
+          <p:cNvPr id="429" name="Google Shape;429;p70"/>
           <p:cNvSpPr txBox="1"/>
           <p:nvPr>
             <p:ph type="title"/>
@@ -39070,202 +45578,7 @@
             </a:pPr>
             <a:r>
               <a:rPr lang="en"/>
-              <a:t>Building and Using Singularity Images</a:t>
-            </a:r>
-            <a:endParaRPr/>
-          </a:p>
-        </p:txBody>
-      </p:sp>
-    </p:spTree>
-  </p:cSld>
-  <p:clrMapOvr>
-    <a:masterClrMapping/>
-  </p:clrMapOvr>
-</p:sld>
-</file>
-
-<file path=ppt/slides/slide55.xml><?xml version="1.0" encoding="utf-8"?>
-<p:sld xmlns:a="http://schemas.openxmlformats.org/drawingml/2006/main" xmlns:r="http://schemas.openxmlformats.org/officeDocument/2006/relationships" xmlns:mc="http://schemas.openxmlformats.org/markup-compatibility/2006" xmlns:mv="urn:schemas-microsoft-com:mac:vml" xmlns:p="http://schemas.openxmlformats.org/presentationml/2006/main" xmlns:c="http://schemas.openxmlformats.org/drawingml/2006/chart" xmlns:dgm="http://schemas.openxmlformats.org/drawingml/2006/diagram" xmlns:o="urn:schemas-microsoft-com:office:office" xmlns:v="urn:schemas-microsoft-com:vml" xmlns:pvml="urn:schemas-microsoft-com:office:powerpoint" xmlns:com="http://schemas.openxmlformats.org/drawingml/2006/compatibility" xmlns:p14="http://schemas.microsoft.com/office/powerpoint/2010/main" xmlns:p15="http://schemas.microsoft.com/office/powerpoint/2012/main" xmlns:ahyp="http://schemas.microsoft.com/office/drawing/2018/hyperlinkcolor">
-  <p:cSld>
-    <p:spTree>
-      <p:nvGrpSpPr>
-        <p:cNvPr id="404" name="Shape 404"/>
-        <p:cNvGrpSpPr/>
-        <p:nvPr/>
-      </p:nvGrpSpPr>
-      <p:grpSpPr>
-        <a:xfrm>
-          <a:off x="0" y="0"/>
-          <a:ext cx="0" cy="0"/>
-          <a:chOff x="0" y="0"/>
-          <a:chExt cx="0" cy="0"/>
-        </a:xfrm>
-      </p:grpSpPr>
-      <p:sp>
-        <p:nvSpPr>
-          <p:cNvPr id="405" name="Google Shape;405;p67"/>
-          <p:cNvSpPr txBox="1"/>
-          <p:nvPr>
-            <p:ph type="title"/>
-          </p:nvPr>
-        </p:nvSpPr>
-        <p:spPr>
-          <a:xfrm>
-            <a:off x="311700" y="2150850"/>
-            <a:ext cx="8520600" cy="841800"/>
-          </a:xfrm>
-          <a:prstGeom prst="rect">
-            <a:avLst/>
-          </a:prstGeom>
-        </p:spPr>
-        <p:txBody>
-          <a:bodyPr anchorCtr="0" anchor="ctr" bIns="91425" lIns="91425" spcFirstLastPara="1" rIns="91425" wrap="square" tIns="91425">
-            <a:normAutofit/>
-          </a:bodyPr>
-          <a:lstStyle/>
-          <a:p>
-            <a:pPr indent="0" lvl="0" marL="0" rtl="0" algn="ctr">
-              <a:spcBef>
-                <a:spcPts val="0"/>
-              </a:spcBef>
-              <a:spcAft>
-                <a:spcPts val="0"/>
-              </a:spcAft>
-              <a:buNone/>
-            </a:pPr>
-            <a:r>
-              <a:rPr lang="en"/>
-              <a:t>Jupyter Notebooks without Hemera</a:t>
-            </a:r>
-            <a:endParaRPr/>
-          </a:p>
-        </p:txBody>
-      </p:sp>
-    </p:spTree>
-  </p:cSld>
-  <p:clrMapOvr>
-    <a:masterClrMapping/>
-  </p:clrMapOvr>
-</p:sld>
-</file>
-
-<file path=ppt/slides/slide56.xml><?xml version="1.0" encoding="utf-8"?>
-<p:sld xmlns:a="http://schemas.openxmlformats.org/drawingml/2006/main" xmlns:r="http://schemas.openxmlformats.org/officeDocument/2006/relationships" xmlns:mc="http://schemas.openxmlformats.org/markup-compatibility/2006" xmlns:mv="urn:schemas-microsoft-com:mac:vml" xmlns:p="http://schemas.openxmlformats.org/presentationml/2006/main" xmlns:c="http://schemas.openxmlformats.org/drawingml/2006/chart" xmlns:dgm="http://schemas.openxmlformats.org/drawingml/2006/diagram" xmlns:o="urn:schemas-microsoft-com:office:office" xmlns:v="urn:schemas-microsoft-com:vml" xmlns:pvml="urn:schemas-microsoft-com:office:powerpoint" xmlns:com="http://schemas.openxmlformats.org/drawingml/2006/compatibility" xmlns:p14="http://schemas.microsoft.com/office/powerpoint/2010/main" xmlns:p15="http://schemas.microsoft.com/office/powerpoint/2012/main" xmlns:ahyp="http://schemas.microsoft.com/office/drawing/2018/hyperlinkcolor">
-  <p:cSld>
-    <p:spTree>
-      <p:nvGrpSpPr>
-        <p:cNvPr id="409" name="Shape 409"/>
-        <p:cNvGrpSpPr/>
-        <p:nvPr/>
-      </p:nvGrpSpPr>
-      <p:grpSpPr>
-        <a:xfrm>
-          <a:off x="0" y="0"/>
-          <a:ext cx="0" cy="0"/>
-          <a:chOff x="0" y="0"/>
-          <a:chExt cx="0" cy="0"/>
-        </a:xfrm>
-      </p:grpSpPr>
-      <p:sp>
-        <p:nvSpPr>
-          <p:cNvPr id="410" name="Google Shape;410;p68"/>
-          <p:cNvSpPr txBox="1"/>
-          <p:nvPr>
-            <p:ph type="title"/>
-          </p:nvPr>
-        </p:nvSpPr>
-        <p:spPr>
-          <a:xfrm>
-            <a:off x="311700" y="2150850"/>
-            <a:ext cx="8520600" cy="841800"/>
-          </a:xfrm>
-          <a:prstGeom prst="rect">
-            <a:avLst/>
-          </a:prstGeom>
-        </p:spPr>
-        <p:txBody>
-          <a:bodyPr anchorCtr="0" anchor="ctr" bIns="91425" lIns="91425" spcFirstLastPara="1" rIns="91425" wrap="square" tIns="91425">
-            <a:normAutofit/>
-          </a:bodyPr>
-          <a:lstStyle/>
-          <a:p>
-            <a:pPr indent="0" lvl="0" marL="0" rtl="0" algn="ctr">
-              <a:spcBef>
-                <a:spcPts val="0"/>
-              </a:spcBef>
-              <a:spcAft>
-                <a:spcPts val="0"/>
-              </a:spcAft>
-              <a:buNone/>
-            </a:pPr>
-            <a:r>
-              <a:rPr lang="en"/>
-              <a:t>Granular Control with Multiple Tasks</a:t>
-            </a:r>
-            <a:endParaRPr/>
-          </a:p>
-        </p:txBody>
-      </p:sp>
-    </p:spTree>
-  </p:cSld>
-  <p:clrMapOvr>
-    <a:masterClrMapping/>
-  </p:clrMapOvr>
-</p:sld>
-</file>
-
-<file path=ppt/slides/slide57.xml><?xml version="1.0" encoding="utf-8"?>
-<p:sld xmlns:a="http://schemas.openxmlformats.org/drawingml/2006/main" xmlns:r="http://schemas.openxmlformats.org/officeDocument/2006/relationships" xmlns:mc="http://schemas.openxmlformats.org/markup-compatibility/2006" xmlns:mv="urn:schemas-microsoft-com:mac:vml" xmlns:p="http://schemas.openxmlformats.org/presentationml/2006/main" xmlns:c="http://schemas.openxmlformats.org/drawingml/2006/chart" xmlns:dgm="http://schemas.openxmlformats.org/drawingml/2006/diagram" xmlns:o="urn:schemas-microsoft-com:office:office" xmlns:v="urn:schemas-microsoft-com:vml" xmlns:pvml="urn:schemas-microsoft-com:office:powerpoint" xmlns:com="http://schemas.openxmlformats.org/drawingml/2006/compatibility" xmlns:p14="http://schemas.microsoft.com/office/powerpoint/2010/main" xmlns:p15="http://schemas.microsoft.com/office/powerpoint/2012/main" xmlns:ahyp="http://schemas.microsoft.com/office/drawing/2018/hyperlinkcolor">
-  <p:cSld>
-    <p:spTree>
-      <p:nvGrpSpPr>
-        <p:cNvPr id="414" name="Shape 414"/>
-        <p:cNvGrpSpPr/>
-        <p:nvPr/>
-      </p:nvGrpSpPr>
-      <p:grpSpPr>
-        <a:xfrm>
-          <a:off x="0" y="0"/>
-          <a:ext cx="0" cy="0"/>
-          <a:chOff x="0" y="0"/>
-          <a:chExt cx="0" cy="0"/>
-        </a:xfrm>
-      </p:grpSpPr>
-      <p:sp>
-        <p:nvSpPr>
-          <p:cNvPr id="415" name="Google Shape;415;p69"/>
-          <p:cNvSpPr txBox="1"/>
-          <p:nvPr>
-            <p:ph type="title"/>
-          </p:nvPr>
-        </p:nvSpPr>
-        <p:spPr>
-          <a:xfrm>
-            <a:off x="311700" y="2150850"/>
-            <a:ext cx="8520600" cy="841800"/>
-          </a:xfrm>
-          <a:prstGeom prst="rect">
-            <a:avLst/>
-          </a:prstGeom>
-        </p:spPr>
-        <p:txBody>
-          <a:bodyPr anchorCtr="0" anchor="ctr" bIns="91425" lIns="91425" spcFirstLastPara="1" rIns="91425" wrap="square" tIns="91425">
-            <a:normAutofit/>
-          </a:bodyPr>
-          <a:lstStyle/>
-          <a:p>
-            <a:pPr indent="0" lvl="0" marL="0" rtl="0" algn="ctr">
-              <a:spcBef>
-                <a:spcPts val="0"/>
-              </a:spcBef>
-              <a:spcAft>
-                <a:spcPts val="0"/>
-              </a:spcAft>
-              <a:buNone/>
-            </a:pPr>
-            <a:r>
-              <a:rPr lang="en"/>
-              <a:t>Multi-GPU Jobs: Pytorch Example</a:t>
+              <a:t>Thank you!</a:t>
             </a:r>
             <a:endParaRPr/>
           </a:p>
